--- a/powerpoint/Continuous-Compliance.pptx
+++ b/powerpoint/Continuous-Compliance.pptx
@@ -6,18 +6,37 @@
     <p:sldMasterId id="2147483951" r:id="rId2"/>
     <p:sldMasterId id="2147483960" r:id="rId3"/>
   </p:sldMasterIdLst>
+  <p:notesMasterIdLst>
+    <p:notesMasterId r:id="rId28"/>
+  </p:notesMasterIdLst>
+  <p:handoutMasterIdLst>
+    <p:handoutMasterId r:id="rId29"/>
+  </p:handoutMasterIdLst>
   <p:sldIdLst>
     <p:sldId id="256" r:id="rId4"/>
-    <p:sldId id="262" r:id="rId5"/>
-    <p:sldId id="263" r:id="rId6"/>
-    <p:sldId id="264" r:id="rId7"/>
-    <p:sldId id="265" r:id="rId8"/>
-    <p:sldId id="266" r:id="rId9"/>
-    <p:sldId id="267" r:id="rId10"/>
-    <p:sldId id="257" r:id="rId11"/>
-    <p:sldId id="258" r:id="rId12"/>
-    <p:sldId id="259" r:id="rId13"/>
-    <p:sldId id="261" r:id="rId14"/>
+    <p:sldId id="258" r:id="rId5"/>
+    <p:sldId id="259" r:id="rId6"/>
+    <p:sldId id="260" r:id="rId7"/>
+    <p:sldId id="261" r:id="rId8"/>
+    <p:sldId id="263" r:id="rId9"/>
+    <p:sldId id="264" r:id="rId10"/>
+    <p:sldId id="265" r:id="rId11"/>
+    <p:sldId id="266" r:id="rId12"/>
+    <p:sldId id="267" r:id="rId13"/>
+    <p:sldId id="268" r:id="rId14"/>
+    <p:sldId id="272" r:id="rId15"/>
+    <p:sldId id="271" r:id="rId16"/>
+    <p:sldId id="257" r:id="rId17"/>
+    <p:sldId id="270" r:id="rId18"/>
+    <p:sldId id="273" r:id="rId19"/>
+    <p:sldId id="274" r:id="rId20"/>
+    <p:sldId id="275" r:id="rId21"/>
+    <p:sldId id="276" r:id="rId22"/>
+    <p:sldId id="277" r:id="rId23"/>
+    <p:sldId id="279" r:id="rId24"/>
+    <p:sldId id="280" r:id="rId25"/>
+    <p:sldId id="281" r:id="rId26"/>
+    <p:sldId id="282" r:id="rId27"/>
   </p:sldIdLst>
   <p:sldSz cx="14630400" cy="8229600"/>
   <p:notesSz cx="6858000" cy="9144000"/>
@@ -122,16 +141,29 @@
         <p14:section name="Default Section" id="{65A0AD92-78D2-7545-8A6E-2D1143DEE447}">
           <p14:sldIdLst>
             <p14:sldId id="256"/>
-            <p14:sldId id="262"/>
+            <p14:sldId id="258"/>
+            <p14:sldId id="259"/>
+            <p14:sldId id="260"/>
+            <p14:sldId id="261"/>
             <p14:sldId id="263"/>
             <p14:sldId id="264"/>
             <p14:sldId id="265"/>
             <p14:sldId id="266"/>
             <p14:sldId id="267"/>
+            <p14:sldId id="268"/>
+            <p14:sldId id="272"/>
+            <p14:sldId id="271"/>
             <p14:sldId id="257"/>
-            <p14:sldId id="258"/>
-            <p14:sldId id="259"/>
-            <p14:sldId id="261"/>
+            <p14:sldId id="270"/>
+            <p14:sldId id="273"/>
+            <p14:sldId id="274"/>
+            <p14:sldId id="275"/>
+            <p14:sldId id="276"/>
+            <p14:sldId id="277"/>
+            <p14:sldId id="279"/>
+            <p14:sldId id="280"/>
+            <p14:sldId id="281"/>
+            <p14:sldId id="282"/>
           </p14:sldIdLst>
         </p14:section>
       </p14:sectionLst>
@@ -187,6 +219,1531 @@
     </p:ext>
   </p:extLst>
 </p:presentation>
+</file>
+
+<file path=ppt/handoutMasters/handoutMaster1.xml><?xml version="1.0" encoding="utf-8"?>
+<p:handoutMaster xmlns:a="http://schemas.openxmlformats.org/drawingml/2006/main" xmlns:r="http://schemas.openxmlformats.org/officeDocument/2006/relationships" xmlns:p="http://schemas.openxmlformats.org/presentationml/2006/main">
+  <p:cSld>
+    <p:bg>
+      <p:bgRef idx="1001">
+        <a:schemeClr val="bg1"/>
+      </p:bgRef>
+    </p:bg>
+    <p:spTree>
+      <p:nvGrpSpPr>
+        <p:cNvPr id="1" name=""/>
+        <p:cNvGrpSpPr/>
+        <p:nvPr/>
+      </p:nvGrpSpPr>
+      <p:grpSpPr>
+        <a:xfrm>
+          <a:off x="0" y="0"/>
+          <a:ext cx="0" cy="0"/>
+          <a:chOff x="0" y="0"/>
+          <a:chExt cx="0" cy="0"/>
+        </a:xfrm>
+      </p:grpSpPr>
+      <p:sp>
+        <p:nvSpPr>
+          <p:cNvPr id="2" name="Header Placeholder 1"/>
+          <p:cNvSpPr>
+            <a:spLocks noGrp="1"/>
+          </p:cNvSpPr>
+          <p:nvPr>
+            <p:ph type="hdr" sz="quarter"/>
+          </p:nvPr>
+        </p:nvSpPr>
+        <p:spPr>
+          <a:xfrm>
+            <a:off x="0" y="0"/>
+            <a:ext cx="2971800" cy="457200"/>
+          </a:xfrm>
+          <a:prstGeom prst="rect">
+            <a:avLst/>
+          </a:prstGeom>
+        </p:spPr>
+        <p:txBody>
+          <a:bodyPr vert="horz" lIns="91440" tIns="45720" rIns="91440" bIns="45720" rtlCol="0"/>
+          <a:lstStyle>
+            <a:lvl1pPr algn="l">
+              <a:defRPr sz="1200"/>
+            </a:lvl1pPr>
+          </a:lstStyle>
+          <a:p>
+            <a:endParaRPr lang="en-US"/>
+          </a:p>
+        </p:txBody>
+      </p:sp>
+      <p:sp>
+        <p:nvSpPr>
+          <p:cNvPr id="3" name="Date Placeholder 2"/>
+          <p:cNvSpPr>
+            <a:spLocks noGrp="1"/>
+          </p:cNvSpPr>
+          <p:nvPr>
+            <p:ph type="dt" sz="quarter" idx="1"/>
+          </p:nvPr>
+        </p:nvSpPr>
+        <p:spPr>
+          <a:xfrm>
+            <a:off x="3884613" y="0"/>
+            <a:ext cx="2971800" cy="457200"/>
+          </a:xfrm>
+          <a:prstGeom prst="rect">
+            <a:avLst/>
+          </a:prstGeom>
+        </p:spPr>
+        <p:txBody>
+          <a:bodyPr vert="horz" lIns="91440" tIns="45720" rIns="91440" bIns="45720" rtlCol="0"/>
+          <a:lstStyle>
+            <a:lvl1pPr algn="r">
+              <a:defRPr sz="1200"/>
+            </a:lvl1pPr>
+          </a:lstStyle>
+          <a:p>
+            <a:fld id="{5977D6C1-E4BB-6347-9104-221EF0C509F7}" type="datetimeFigureOut">
+              <a:rPr lang="en-US" smtClean="0"/>
+              <a:t>3/10/17</a:t>
+            </a:fld>
+            <a:endParaRPr lang="en-US"/>
+          </a:p>
+        </p:txBody>
+      </p:sp>
+      <p:sp>
+        <p:nvSpPr>
+          <p:cNvPr id="4" name="Footer Placeholder 3"/>
+          <p:cNvSpPr>
+            <a:spLocks noGrp="1"/>
+          </p:cNvSpPr>
+          <p:nvPr>
+            <p:ph type="ftr" sz="quarter" idx="2"/>
+          </p:nvPr>
+        </p:nvSpPr>
+        <p:spPr>
+          <a:xfrm>
+            <a:off x="0" y="8685213"/>
+            <a:ext cx="2971800" cy="457200"/>
+          </a:xfrm>
+          <a:prstGeom prst="rect">
+            <a:avLst/>
+          </a:prstGeom>
+        </p:spPr>
+        <p:txBody>
+          <a:bodyPr vert="horz" lIns="91440" tIns="45720" rIns="91440" bIns="45720" rtlCol="0" anchor="b"/>
+          <a:lstStyle>
+            <a:lvl1pPr algn="l">
+              <a:defRPr sz="1200"/>
+            </a:lvl1pPr>
+          </a:lstStyle>
+          <a:p>
+            <a:endParaRPr lang="en-US"/>
+          </a:p>
+        </p:txBody>
+      </p:sp>
+      <p:sp>
+        <p:nvSpPr>
+          <p:cNvPr id="5" name="Slide Number Placeholder 4"/>
+          <p:cNvSpPr>
+            <a:spLocks noGrp="1"/>
+          </p:cNvSpPr>
+          <p:nvPr>
+            <p:ph type="sldNum" sz="quarter" idx="3"/>
+          </p:nvPr>
+        </p:nvSpPr>
+        <p:spPr>
+          <a:xfrm>
+            <a:off x="3884613" y="8685213"/>
+            <a:ext cx="2971800" cy="457200"/>
+          </a:xfrm>
+          <a:prstGeom prst="rect">
+            <a:avLst/>
+          </a:prstGeom>
+        </p:spPr>
+        <p:txBody>
+          <a:bodyPr vert="horz" lIns="91440" tIns="45720" rIns="91440" bIns="45720" rtlCol="0" anchor="b"/>
+          <a:lstStyle>
+            <a:lvl1pPr algn="r">
+              <a:defRPr sz="1200"/>
+            </a:lvl1pPr>
+          </a:lstStyle>
+          <a:p>
+            <a:fld id="{1C9E1B18-2D17-E245-A236-10490BBE82A9}" type="slidenum">
+              <a:rPr lang="en-US" smtClean="0"/>
+              <a:t>‹#›</a:t>
+            </a:fld>
+            <a:endParaRPr lang="en-US"/>
+          </a:p>
+        </p:txBody>
+      </p:sp>
+    </p:spTree>
+    <p:extLst>
+      <p:ext uri="{BB962C8B-B14F-4D97-AF65-F5344CB8AC3E}">
+        <p14:creationId xmlns:p14="http://schemas.microsoft.com/office/powerpoint/2010/main" val="3260106892"/>
+      </p:ext>
+    </p:extLst>
+  </p:cSld>
+  <p:clrMap bg1="lt1" tx1="dk1" bg2="lt2" tx2="dk2" accent1="accent1" accent2="accent2" accent3="accent3" accent4="accent4" accent5="accent5" accent6="accent6" hlink="hlink" folHlink="folHlink"/>
+</p:handoutMaster>
+</file>
+
+<file path=ppt/notesMasters/notesMaster1.xml><?xml version="1.0" encoding="utf-8"?>
+<p:notesMaster xmlns:a="http://schemas.openxmlformats.org/drawingml/2006/main" xmlns:r="http://schemas.openxmlformats.org/officeDocument/2006/relationships" xmlns:p="http://schemas.openxmlformats.org/presentationml/2006/main">
+  <p:cSld>
+    <p:bg>
+      <p:bgRef idx="1001">
+        <a:schemeClr val="bg1"/>
+      </p:bgRef>
+    </p:bg>
+    <p:spTree>
+      <p:nvGrpSpPr>
+        <p:cNvPr id="1" name=""/>
+        <p:cNvGrpSpPr/>
+        <p:nvPr/>
+      </p:nvGrpSpPr>
+      <p:grpSpPr>
+        <a:xfrm>
+          <a:off x="0" y="0"/>
+          <a:ext cx="0" cy="0"/>
+          <a:chOff x="0" y="0"/>
+          <a:chExt cx="0" cy="0"/>
+        </a:xfrm>
+      </p:grpSpPr>
+      <p:sp>
+        <p:nvSpPr>
+          <p:cNvPr id="2" name="Header Placeholder 1"/>
+          <p:cNvSpPr>
+            <a:spLocks noGrp="1"/>
+          </p:cNvSpPr>
+          <p:nvPr>
+            <p:ph type="hdr" sz="quarter"/>
+          </p:nvPr>
+        </p:nvSpPr>
+        <p:spPr>
+          <a:xfrm>
+            <a:off x="0" y="0"/>
+            <a:ext cx="2971800" cy="457200"/>
+          </a:xfrm>
+          <a:prstGeom prst="rect">
+            <a:avLst/>
+          </a:prstGeom>
+        </p:spPr>
+        <p:txBody>
+          <a:bodyPr vert="horz" lIns="91440" tIns="45720" rIns="91440" bIns="45720" rtlCol="0"/>
+          <a:lstStyle>
+            <a:lvl1pPr algn="l">
+              <a:defRPr sz="1200"/>
+            </a:lvl1pPr>
+          </a:lstStyle>
+          <a:p>
+            <a:endParaRPr lang="en-US"/>
+          </a:p>
+        </p:txBody>
+      </p:sp>
+      <p:sp>
+        <p:nvSpPr>
+          <p:cNvPr id="3" name="Date Placeholder 2"/>
+          <p:cNvSpPr>
+            <a:spLocks noGrp="1"/>
+          </p:cNvSpPr>
+          <p:nvPr>
+            <p:ph type="dt" idx="1"/>
+          </p:nvPr>
+        </p:nvSpPr>
+        <p:spPr>
+          <a:xfrm>
+            <a:off x="3884613" y="0"/>
+            <a:ext cx="2971800" cy="457200"/>
+          </a:xfrm>
+          <a:prstGeom prst="rect">
+            <a:avLst/>
+          </a:prstGeom>
+        </p:spPr>
+        <p:txBody>
+          <a:bodyPr vert="horz" lIns="91440" tIns="45720" rIns="91440" bIns="45720" rtlCol="0"/>
+          <a:lstStyle>
+            <a:lvl1pPr algn="r">
+              <a:defRPr sz="1200"/>
+            </a:lvl1pPr>
+          </a:lstStyle>
+          <a:p>
+            <a:fld id="{13CF7FD9-86D8-B24C-A742-0889D50FC59B}" type="datetimeFigureOut">
+              <a:rPr lang="en-US" smtClean="0"/>
+              <a:t>3/10/17</a:t>
+            </a:fld>
+            <a:endParaRPr lang="en-US"/>
+          </a:p>
+        </p:txBody>
+      </p:sp>
+      <p:sp>
+        <p:nvSpPr>
+          <p:cNvPr id="4" name="Slide Image Placeholder 3"/>
+          <p:cNvSpPr>
+            <a:spLocks noGrp="1" noRot="1" noChangeAspect="1"/>
+          </p:cNvSpPr>
+          <p:nvPr>
+            <p:ph type="sldImg" idx="2"/>
+          </p:nvPr>
+        </p:nvSpPr>
+        <p:spPr>
+          <a:xfrm>
+            <a:off x="381000" y="685800"/>
+            <a:ext cx="6096000" cy="3429000"/>
+          </a:xfrm>
+          <a:prstGeom prst="rect">
+            <a:avLst/>
+          </a:prstGeom>
+          <a:noFill/>
+          <a:ln w="12700">
+            <a:solidFill>
+              <a:prstClr val="black"/>
+            </a:solidFill>
+          </a:ln>
+        </p:spPr>
+        <p:txBody>
+          <a:bodyPr vert="horz" lIns="91440" tIns="45720" rIns="91440" bIns="45720" rtlCol="0" anchor="ctr"/>
+          <a:lstStyle/>
+          <a:p>
+            <a:endParaRPr lang="en-US"/>
+          </a:p>
+        </p:txBody>
+      </p:sp>
+      <p:sp>
+        <p:nvSpPr>
+          <p:cNvPr id="5" name="Notes Placeholder 4"/>
+          <p:cNvSpPr>
+            <a:spLocks noGrp="1"/>
+          </p:cNvSpPr>
+          <p:nvPr>
+            <p:ph type="body" sz="quarter" idx="3"/>
+          </p:nvPr>
+        </p:nvSpPr>
+        <p:spPr>
+          <a:xfrm>
+            <a:off x="685800" y="4343400"/>
+            <a:ext cx="5486400" cy="4114800"/>
+          </a:xfrm>
+          <a:prstGeom prst="rect">
+            <a:avLst/>
+          </a:prstGeom>
+        </p:spPr>
+        <p:txBody>
+          <a:bodyPr vert="horz" lIns="91440" tIns="45720" rIns="91440" bIns="45720" rtlCol="0"/>
+          <a:lstStyle/>
+          <a:p>
+            <a:pPr lvl="0"/>
+            <a:r>
+              <a:rPr lang="en-US" smtClean="0"/>
+              <a:t>Click to edit Master text styles</a:t>
+            </a:r>
+          </a:p>
+          <a:p>
+            <a:pPr lvl="1"/>
+            <a:r>
+              <a:rPr lang="en-US" smtClean="0"/>
+              <a:t>Second level</a:t>
+            </a:r>
+          </a:p>
+          <a:p>
+            <a:pPr lvl="2"/>
+            <a:r>
+              <a:rPr lang="en-US" smtClean="0"/>
+              <a:t>Third level</a:t>
+            </a:r>
+          </a:p>
+          <a:p>
+            <a:pPr lvl="3"/>
+            <a:r>
+              <a:rPr lang="en-US" smtClean="0"/>
+              <a:t>Fourth level</a:t>
+            </a:r>
+          </a:p>
+          <a:p>
+            <a:pPr lvl="4"/>
+            <a:r>
+              <a:rPr lang="en-US" smtClean="0"/>
+              <a:t>Fifth level</a:t>
+            </a:r>
+            <a:endParaRPr lang="en-US"/>
+          </a:p>
+        </p:txBody>
+      </p:sp>
+      <p:sp>
+        <p:nvSpPr>
+          <p:cNvPr id="6" name="Footer Placeholder 5"/>
+          <p:cNvSpPr>
+            <a:spLocks noGrp="1"/>
+          </p:cNvSpPr>
+          <p:nvPr>
+            <p:ph type="ftr" sz="quarter" idx="4"/>
+          </p:nvPr>
+        </p:nvSpPr>
+        <p:spPr>
+          <a:xfrm>
+            <a:off x="0" y="8685213"/>
+            <a:ext cx="2971800" cy="457200"/>
+          </a:xfrm>
+          <a:prstGeom prst="rect">
+            <a:avLst/>
+          </a:prstGeom>
+        </p:spPr>
+        <p:txBody>
+          <a:bodyPr vert="horz" lIns="91440" tIns="45720" rIns="91440" bIns="45720" rtlCol="0" anchor="b"/>
+          <a:lstStyle>
+            <a:lvl1pPr algn="l">
+              <a:defRPr sz="1200"/>
+            </a:lvl1pPr>
+          </a:lstStyle>
+          <a:p>
+            <a:endParaRPr lang="en-US"/>
+          </a:p>
+        </p:txBody>
+      </p:sp>
+      <p:sp>
+        <p:nvSpPr>
+          <p:cNvPr id="7" name="Slide Number Placeholder 6"/>
+          <p:cNvSpPr>
+            <a:spLocks noGrp="1"/>
+          </p:cNvSpPr>
+          <p:nvPr>
+            <p:ph type="sldNum" sz="quarter" idx="5"/>
+          </p:nvPr>
+        </p:nvSpPr>
+        <p:spPr>
+          <a:xfrm>
+            <a:off x="3884613" y="8685213"/>
+            <a:ext cx="2971800" cy="457200"/>
+          </a:xfrm>
+          <a:prstGeom prst="rect">
+            <a:avLst/>
+          </a:prstGeom>
+        </p:spPr>
+        <p:txBody>
+          <a:bodyPr vert="horz" lIns="91440" tIns="45720" rIns="91440" bIns="45720" rtlCol="0" anchor="b"/>
+          <a:lstStyle>
+            <a:lvl1pPr algn="r">
+              <a:defRPr sz="1200"/>
+            </a:lvl1pPr>
+          </a:lstStyle>
+          <a:p>
+            <a:fld id="{8B29331E-A40C-8E45-90AE-4B94C2016DA4}" type="slidenum">
+              <a:rPr lang="en-US" smtClean="0"/>
+              <a:t>‹#›</a:t>
+            </a:fld>
+            <a:endParaRPr lang="en-US"/>
+          </a:p>
+        </p:txBody>
+      </p:sp>
+    </p:spTree>
+    <p:extLst>
+      <p:ext uri="{BB962C8B-B14F-4D97-AF65-F5344CB8AC3E}">
+        <p14:creationId xmlns:p14="http://schemas.microsoft.com/office/powerpoint/2010/main" val="3603859022"/>
+      </p:ext>
+    </p:extLst>
+  </p:cSld>
+  <p:clrMap bg1="lt1" tx1="dk1" bg2="lt2" tx2="dk2" accent1="accent1" accent2="accent2" accent3="accent3" accent4="accent4" accent5="accent5" accent6="accent6" hlink="hlink" folHlink="folHlink"/>
+  <p:notesStyle>
+    <a:lvl1pPr marL="0" algn="l" defTabSz="457200" rtl="0" eaLnBrk="1" latinLnBrk="0" hangingPunct="1">
+      <a:defRPr sz="1200" kern="1200">
+        <a:solidFill>
+          <a:schemeClr val="tx1"/>
+        </a:solidFill>
+        <a:latin typeface="+mn-lt"/>
+        <a:ea typeface="+mn-ea"/>
+        <a:cs typeface="+mn-cs"/>
+      </a:defRPr>
+    </a:lvl1pPr>
+    <a:lvl2pPr marL="457200" algn="l" defTabSz="457200" rtl="0" eaLnBrk="1" latinLnBrk="0" hangingPunct="1">
+      <a:defRPr sz="1200" kern="1200">
+        <a:solidFill>
+          <a:schemeClr val="tx1"/>
+        </a:solidFill>
+        <a:latin typeface="+mn-lt"/>
+        <a:ea typeface="+mn-ea"/>
+        <a:cs typeface="+mn-cs"/>
+      </a:defRPr>
+    </a:lvl2pPr>
+    <a:lvl3pPr marL="914400" algn="l" defTabSz="457200" rtl="0" eaLnBrk="1" latinLnBrk="0" hangingPunct="1">
+      <a:defRPr sz="1200" kern="1200">
+        <a:solidFill>
+          <a:schemeClr val="tx1"/>
+        </a:solidFill>
+        <a:latin typeface="+mn-lt"/>
+        <a:ea typeface="+mn-ea"/>
+        <a:cs typeface="+mn-cs"/>
+      </a:defRPr>
+    </a:lvl3pPr>
+    <a:lvl4pPr marL="1371600" algn="l" defTabSz="457200" rtl="0" eaLnBrk="1" latinLnBrk="0" hangingPunct="1">
+      <a:defRPr sz="1200" kern="1200">
+        <a:solidFill>
+          <a:schemeClr val="tx1"/>
+        </a:solidFill>
+        <a:latin typeface="+mn-lt"/>
+        <a:ea typeface="+mn-ea"/>
+        <a:cs typeface="+mn-cs"/>
+      </a:defRPr>
+    </a:lvl4pPr>
+    <a:lvl5pPr marL="1828800" algn="l" defTabSz="457200" rtl="0" eaLnBrk="1" latinLnBrk="0" hangingPunct="1">
+      <a:defRPr sz="1200" kern="1200">
+        <a:solidFill>
+          <a:schemeClr val="tx1"/>
+        </a:solidFill>
+        <a:latin typeface="+mn-lt"/>
+        <a:ea typeface="+mn-ea"/>
+        <a:cs typeface="+mn-cs"/>
+      </a:defRPr>
+    </a:lvl5pPr>
+    <a:lvl6pPr marL="2286000" algn="l" defTabSz="457200" rtl="0" eaLnBrk="1" latinLnBrk="0" hangingPunct="1">
+      <a:defRPr sz="1200" kern="1200">
+        <a:solidFill>
+          <a:schemeClr val="tx1"/>
+        </a:solidFill>
+        <a:latin typeface="+mn-lt"/>
+        <a:ea typeface="+mn-ea"/>
+        <a:cs typeface="+mn-cs"/>
+      </a:defRPr>
+    </a:lvl6pPr>
+    <a:lvl7pPr marL="2743200" algn="l" defTabSz="457200" rtl="0" eaLnBrk="1" latinLnBrk="0" hangingPunct="1">
+      <a:defRPr sz="1200" kern="1200">
+        <a:solidFill>
+          <a:schemeClr val="tx1"/>
+        </a:solidFill>
+        <a:latin typeface="+mn-lt"/>
+        <a:ea typeface="+mn-ea"/>
+        <a:cs typeface="+mn-cs"/>
+      </a:defRPr>
+    </a:lvl7pPr>
+    <a:lvl8pPr marL="3200400" algn="l" defTabSz="457200" rtl="0" eaLnBrk="1" latinLnBrk="0" hangingPunct="1">
+      <a:defRPr sz="1200" kern="1200">
+        <a:solidFill>
+          <a:schemeClr val="tx1"/>
+        </a:solidFill>
+        <a:latin typeface="+mn-lt"/>
+        <a:ea typeface="+mn-ea"/>
+        <a:cs typeface="+mn-cs"/>
+      </a:defRPr>
+    </a:lvl8pPr>
+    <a:lvl9pPr marL="3657600" algn="l" defTabSz="457200" rtl="0" eaLnBrk="1" latinLnBrk="0" hangingPunct="1">
+      <a:defRPr sz="1200" kern="1200">
+        <a:solidFill>
+          <a:schemeClr val="tx1"/>
+        </a:solidFill>
+        <a:latin typeface="+mn-lt"/>
+        <a:ea typeface="+mn-ea"/>
+        <a:cs typeface="+mn-cs"/>
+      </a:defRPr>
+    </a:lvl9pPr>
+  </p:notesStyle>
+</p:notesMaster>
+</file>
+
+<file path=ppt/notesSlides/notesSlide1.xml><?xml version="1.0" encoding="utf-8"?>
+<p:notes xmlns:a="http://schemas.openxmlformats.org/drawingml/2006/main" xmlns:r="http://schemas.openxmlformats.org/officeDocument/2006/relationships" xmlns:p="http://schemas.openxmlformats.org/presentationml/2006/main">
+  <p:cSld>
+    <p:spTree>
+      <p:nvGrpSpPr>
+        <p:cNvPr id="1" name=""/>
+        <p:cNvGrpSpPr/>
+        <p:nvPr/>
+      </p:nvGrpSpPr>
+      <p:grpSpPr>
+        <a:xfrm>
+          <a:off x="0" y="0"/>
+          <a:ext cx="0" cy="0"/>
+          <a:chOff x="0" y="0"/>
+          <a:chExt cx="0" cy="0"/>
+        </a:xfrm>
+      </p:grpSpPr>
+      <p:sp>
+        <p:nvSpPr>
+          <p:cNvPr id="2" name="Slide Image Placeholder 1"/>
+          <p:cNvSpPr>
+            <a:spLocks noGrp="1" noRot="1" noChangeAspect="1"/>
+          </p:cNvSpPr>
+          <p:nvPr>
+            <p:ph type="sldImg"/>
+          </p:nvPr>
+        </p:nvSpPr>
+        <p:spPr/>
+      </p:sp>
+      <p:sp>
+        <p:nvSpPr>
+          <p:cNvPr id="3" name="Notes Placeholder 2"/>
+          <p:cNvSpPr>
+            <a:spLocks noGrp="1"/>
+          </p:cNvSpPr>
+          <p:nvPr>
+            <p:ph type="body" idx="1"/>
+          </p:nvPr>
+        </p:nvSpPr>
+        <p:spPr/>
+        <p:txBody>
+          <a:bodyPr/>
+          <a:lstStyle/>
+          <a:p>
+            <a:r>
+              <a:rPr lang="en-US" dirty="0" smtClean="0"/>
+              <a:t>&gt;&gt;&gt;</a:t>
+            </a:r>
+            <a:r>
+              <a:rPr lang="en-US" baseline="0" dirty="0" smtClean="0"/>
+              <a:t> INSTRUCTOR NOTE:</a:t>
+            </a:r>
+          </a:p>
+          <a:p>
+            <a:endParaRPr lang="en-US" baseline="0" dirty="0" smtClean="0"/>
+          </a:p>
+          <a:p>
+            <a:r>
+              <a:rPr lang="en-US" baseline="0" dirty="0" smtClean="0"/>
+              <a:t>Insert the URL of the Chef Automate Server</a:t>
+            </a:r>
+          </a:p>
+          <a:p>
+            <a:r>
+              <a:rPr lang="en-US" baseline="0" dirty="0" smtClean="0"/>
+              <a:t>Walk participants through accepting the self-signed certificate</a:t>
+            </a:r>
+            <a:endParaRPr lang="en-US" dirty="0"/>
+          </a:p>
+        </p:txBody>
+      </p:sp>
+      <p:sp>
+        <p:nvSpPr>
+          <p:cNvPr id="4" name="Slide Number Placeholder 3"/>
+          <p:cNvSpPr>
+            <a:spLocks noGrp="1"/>
+          </p:cNvSpPr>
+          <p:nvPr>
+            <p:ph type="sldNum" sz="quarter" idx="10"/>
+          </p:nvPr>
+        </p:nvSpPr>
+        <p:spPr/>
+        <p:txBody>
+          <a:bodyPr/>
+          <a:lstStyle/>
+          <a:p>
+            <a:fld id="{8B29331E-A40C-8E45-90AE-4B94C2016DA4}" type="slidenum">
+              <a:rPr lang="en-US" smtClean="0"/>
+              <a:t>2</a:t>
+            </a:fld>
+            <a:endParaRPr lang="en-US"/>
+          </a:p>
+        </p:txBody>
+      </p:sp>
+    </p:spTree>
+    <p:extLst>
+      <p:ext uri="{BB962C8B-B14F-4D97-AF65-F5344CB8AC3E}">
+        <p14:creationId xmlns:p14="http://schemas.microsoft.com/office/powerpoint/2010/main" val="815597110"/>
+      </p:ext>
+    </p:extLst>
+  </p:cSld>
+  <p:clrMapOvr>
+    <a:masterClrMapping/>
+  </p:clrMapOvr>
+</p:notes>
+</file>
+
+<file path=ppt/notesSlides/notesSlide10.xml><?xml version="1.0" encoding="utf-8"?>
+<p:notes xmlns:a="http://schemas.openxmlformats.org/drawingml/2006/main" xmlns:r="http://schemas.openxmlformats.org/officeDocument/2006/relationships" xmlns:p="http://schemas.openxmlformats.org/presentationml/2006/main">
+  <p:cSld>
+    <p:spTree>
+      <p:nvGrpSpPr>
+        <p:cNvPr id="1" name=""/>
+        <p:cNvGrpSpPr/>
+        <p:nvPr/>
+      </p:nvGrpSpPr>
+      <p:grpSpPr>
+        <a:xfrm>
+          <a:off x="0" y="0"/>
+          <a:ext cx="0" cy="0"/>
+          <a:chOff x="0" y="0"/>
+          <a:chExt cx="0" cy="0"/>
+        </a:xfrm>
+      </p:grpSpPr>
+      <p:sp>
+        <p:nvSpPr>
+          <p:cNvPr id="2" name="Slide Image Placeholder 1"/>
+          <p:cNvSpPr>
+            <a:spLocks noGrp="1" noRot="1" noChangeAspect="1"/>
+          </p:cNvSpPr>
+          <p:nvPr>
+            <p:ph type="sldImg"/>
+          </p:nvPr>
+        </p:nvSpPr>
+        <p:spPr/>
+      </p:sp>
+      <p:sp>
+        <p:nvSpPr>
+          <p:cNvPr id="3" name="Notes Placeholder 2"/>
+          <p:cNvSpPr>
+            <a:spLocks noGrp="1"/>
+          </p:cNvSpPr>
+          <p:nvPr>
+            <p:ph type="body" idx="1"/>
+          </p:nvPr>
+        </p:nvSpPr>
+        <p:spPr/>
+        <p:txBody>
+          <a:bodyPr/>
+          <a:lstStyle/>
+          <a:p>
+            <a:r>
+              <a:rPr lang="en-US" dirty="0" smtClean="0"/>
+              <a:t>Review</a:t>
+            </a:r>
+            <a:r>
+              <a:rPr lang="en-US" baseline="0" dirty="0" smtClean="0"/>
+              <a:t> the output with participants</a:t>
+            </a:r>
+          </a:p>
+          <a:p>
+            <a:endParaRPr lang="en-US" baseline="0" dirty="0" smtClean="0"/>
+          </a:p>
+          <a:p>
+            <a:r>
+              <a:rPr lang="en-US" baseline="0" dirty="0" smtClean="0"/>
+              <a:t>There is no run list, so no resources are updated</a:t>
+            </a:r>
+            <a:endParaRPr lang="en-US" dirty="0"/>
+          </a:p>
+        </p:txBody>
+      </p:sp>
+      <p:sp>
+        <p:nvSpPr>
+          <p:cNvPr id="4" name="Slide Number Placeholder 3"/>
+          <p:cNvSpPr>
+            <a:spLocks noGrp="1"/>
+          </p:cNvSpPr>
+          <p:nvPr>
+            <p:ph type="sldNum" sz="quarter" idx="10"/>
+          </p:nvPr>
+        </p:nvSpPr>
+        <p:spPr/>
+        <p:txBody>
+          <a:bodyPr/>
+          <a:lstStyle/>
+          <a:p>
+            <a:fld id="{8B29331E-A40C-8E45-90AE-4B94C2016DA4}" type="slidenum">
+              <a:rPr lang="en-US" smtClean="0"/>
+              <a:t>15</a:t>
+            </a:fld>
+            <a:endParaRPr lang="en-US"/>
+          </a:p>
+        </p:txBody>
+      </p:sp>
+    </p:spTree>
+    <p:extLst>
+      <p:ext uri="{BB962C8B-B14F-4D97-AF65-F5344CB8AC3E}">
+        <p14:creationId xmlns:p14="http://schemas.microsoft.com/office/powerpoint/2010/main" val="2289973920"/>
+      </p:ext>
+    </p:extLst>
+  </p:cSld>
+  <p:clrMapOvr>
+    <a:masterClrMapping/>
+  </p:clrMapOvr>
+</p:notes>
+</file>
+
+<file path=ppt/notesSlides/notesSlide2.xml><?xml version="1.0" encoding="utf-8"?>
+<p:notes xmlns:a="http://schemas.openxmlformats.org/drawingml/2006/main" xmlns:r="http://schemas.openxmlformats.org/officeDocument/2006/relationships" xmlns:p="http://schemas.openxmlformats.org/presentationml/2006/main">
+  <p:cSld>
+    <p:spTree>
+      <p:nvGrpSpPr>
+        <p:cNvPr id="1" name=""/>
+        <p:cNvGrpSpPr/>
+        <p:nvPr/>
+      </p:nvGrpSpPr>
+      <p:grpSpPr>
+        <a:xfrm>
+          <a:off x="0" y="0"/>
+          <a:ext cx="0" cy="0"/>
+          <a:chOff x="0" y="0"/>
+          <a:chExt cx="0" cy="0"/>
+        </a:xfrm>
+      </p:grpSpPr>
+      <p:sp>
+        <p:nvSpPr>
+          <p:cNvPr id="2" name="Slide Image Placeholder 1"/>
+          <p:cNvSpPr>
+            <a:spLocks noGrp="1" noRot="1" noChangeAspect="1"/>
+          </p:cNvSpPr>
+          <p:nvPr>
+            <p:ph type="sldImg"/>
+          </p:nvPr>
+        </p:nvSpPr>
+        <p:spPr/>
+      </p:sp>
+      <p:sp>
+        <p:nvSpPr>
+          <p:cNvPr id="3" name="Notes Placeholder 2"/>
+          <p:cNvSpPr>
+            <a:spLocks noGrp="1"/>
+          </p:cNvSpPr>
+          <p:nvPr>
+            <p:ph type="body" idx="1"/>
+          </p:nvPr>
+        </p:nvSpPr>
+        <p:spPr/>
+        <p:txBody>
+          <a:bodyPr/>
+          <a:lstStyle/>
+          <a:p>
+            <a:r>
+              <a:rPr lang="en-US" dirty="0" smtClean="0"/>
+              <a:t>&gt;&gt;&gt; INSTRUCTOR NOTE </a:t>
+            </a:r>
+            <a:r>
+              <a:rPr lang="mr-IN" dirty="0" smtClean="0"/>
+              <a:t>–</a:t>
+            </a:r>
+            <a:r>
+              <a:rPr lang="en-US" baseline="0" dirty="0" smtClean="0"/>
+              <a:t> You might want to use the orange 3 of hearts as your card, or at least, the 3 of hearts</a:t>
+            </a:r>
+          </a:p>
+          <a:p>
+            <a:endParaRPr lang="en-US" dirty="0" smtClean="0"/>
+          </a:p>
+          <a:p>
+            <a:r>
+              <a:rPr lang="en-US" dirty="0" smtClean="0"/>
+              <a:t>The</a:t>
+            </a:r>
+            <a:r>
+              <a:rPr lang="en-US" baseline="0" dirty="0" smtClean="0"/>
+              <a:t> slides will use the orange 3 of hearts</a:t>
+            </a:r>
+            <a:endParaRPr lang="en-US" dirty="0"/>
+          </a:p>
+        </p:txBody>
+      </p:sp>
+      <p:sp>
+        <p:nvSpPr>
+          <p:cNvPr id="4" name="Slide Number Placeholder 3"/>
+          <p:cNvSpPr>
+            <a:spLocks noGrp="1"/>
+          </p:cNvSpPr>
+          <p:nvPr>
+            <p:ph type="sldNum" sz="quarter" idx="10"/>
+          </p:nvPr>
+        </p:nvSpPr>
+        <p:spPr/>
+        <p:txBody>
+          <a:bodyPr/>
+          <a:lstStyle/>
+          <a:p>
+            <a:fld id="{8B29331E-A40C-8E45-90AE-4B94C2016DA4}" type="slidenum">
+              <a:rPr lang="en-US" smtClean="0"/>
+              <a:t>4</a:t>
+            </a:fld>
+            <a:endParaRPr lang="en-US"/>
+          </a:p>
+        </p:txBody>
+      </p:sp>
+    </p:spTree>
+    <p:extLst>
+      <p:ext uri="{BB962C8B-B14F-4D97-AF65-F5344CB8AC3E}">
+        <p14:creationId xmlns:p14="http://schemas.microsoft.com/office/powerpoint/2010/main" val="2115480661"/>
+      </p:ext>
+    </p:extLst>
+  </p:cSld>
+  <p:clrMapOvr>
+    <a:masterClrMapping/>
+  </p:clrMapOvr>
+</p:notes>
+</file>
+
+<file path=ppt/notesSlides/notesSlide3.xml><?xml version="1.0" encoding="utf-8"?>
+<p:notes xmlns:a="http://schemas.openxmlformats.org/drawingml/2006/main" xmlns:r="http://schemas.openxmlformats.org/officeDocument/2006/relationships" xmlns:p="http://schemas.openxmlformats.org/presentationml/2006/main">
+  <p:cSld>
+    <p:spTree>
+      <p:nvGrpSpPr>
+        <p:cNvPr id="1" name=""/>
+        <p:cNvGrpSpPr/>
+        <p:nvPr/>
+      </p:nvGrpSpPr>
+      <p:grpSpPr>
+        <a:xfrm>
+          <a:off x="0" y="0"/>
+          <a:ext cx="0" cy="0"/>
+          <a:chOff x="0" y="0"/>
+          <a:chExt cx="0" cy="0"/>
+        </a:xfrm>
+      </p:grpSpPr>
+      <p:sp>
+        <p:nvSpPr>
+          <p:cNvPr id="2" name="Slide Image Placeholder 1"/>
+          <p:cNvSpPr>
+            <a:spLocks noGrp="1" noRot="1" noChangeAspect="1"/>
+          </p:cNvSpPr>
+          <p:nvPr>
+            <p:ph type="sldImg"/>
+          </p:nvPr>
+        </p:nvSpPr>
+        <p:spPr/>
+      </p:sp>
+      <p:sp>
+        <p:nvSpPr>
+          <p:cNvPr id="3" name="Notes Placeholder 2"/>
+          <p:cNvSpPr>
+            <a:spLocks noGrp="1"/>
+          </p:cNvSpPr>
+          <p:nvPr>
+            <p:ph type="body" idx="1"/>
+          </p:nvPr>
+        </p:nvSpPr>
+        <p:spPr/>
+        <p:txBody>
+          <a:bodyPr/>
+          <a:lstStyle/>
+          <a:p>
+            <a:r>
+              <a:rPr lang="en-US" dirty="0" smtClean="0"/>
+              <a:t>&gt;&gt;&gt; INSTRUCTOR NOTE </a:t>
+            </a:r>
+            <a:r>
+              <a:rPr lang="mr-IN" dirty="0" smtClean="0"/>
+              <a:t>–</a:t>
+            </a:r>
+            <a:r>
+              <a:rPr lang="en-US" dirty="0" smtClean="0"/>
+              <a:t> Simply browse</a:t>
+            </a:r>
+            <a:r>
+              <a:rPr lang="en-US" baseline="0" dirty="0" smtClean="0"/>
+              <a:t> around and show off some of the features of Automate</a:t>
+            </a:r>
+            <a:endParaRPr lang="en-US" dirty="0"/>
+          </a:p>
+        </p:txBody>
+      </p:sp>
+      <p:sp>
+        <p:nvSpPr>
+          <p:cNvPr id="4" name="Slide Number Placeholder 3"/>
+          <p:cNvSpPr>
+            <a:spLocks noGrp="1"/>
+          </p:cNvSpPr>
+          <p:nvPr>
+            <p:ph type="sldNum" sz="quarter" idx="10"/>
+          </p:nvPr>
+        </p:nvSpPr>
+        <p:spPr/>
+        <p:txBody>
+          <a:bodyPr/>
+          <a:lstStyle/>
+          <a:p>
+            <a:fld id="{8B29331E-A40C-8E45-90AE-4B94C2016DA4}" type="slidenum">
+              <a:rPr lang="en-US" smtClean="0"/>
+              <a:t>5</a:t>
+            </a:fld>
+            <a:endParaRPr lang="en-US"/>
+          </a:p>
+        </p:txBody>
+      </p:sp>
+    </p:spTree>
+    <p:extLst>
+      <p:ext uri="{BB962C8B-B14F-4D97-AF65-F5344CB8AC3E}">
+        <p14:creationId xmlns:p14="http://schemas.microsoft.com/office/powerpoint/2010/main" val="1727318332"/>
+      </p:ext>
+    </p:extLst>
+  </p:cSld>
+  <p:clrMapOvr>
+    <a:masterClrMapping/>
+  </p:clrMapOvr>
+</p:notes>
+</file>
+
+<file path=ppt/notesSlides/notesSlide4.xml><?xml version="1.0" encoding="utf-8"?>
+<p:notes xmlns:a="http://schemas.openxmlformats.org/drawingml/2006/main" xmlns:r="http://schemas.openxmlformats.org/officeDocument/2006/relationships" xmlns:p="http://schemas.openxmlformats.org/presentationml/2006/main">
+  <p:cSld>
+    <p:spTree>
+      <p:nvGrpSpPr>
+        <p:cNvPr id="1" name=""/>
+        <p:cNvGrpSpPr/>
+        <p:nvPr/>
+      </p:nvGrpSpPr>
+      <p:grpSpPr>
+        <a:xfrm>
+          <a:off x="0" y="0"/>
+          <a:ext cx="0" cy="0"/>
+          <a:chOff x="0" y="0"/>
+          <a:chExt cx="0" cy="0"/>
+        </a:xfrm>
+      </p:grpSpPr>
+      <p:sp>
+        <p:nvSpPr>
+          <p:cNvPr id="2" name="Slide Image Placeholder 1"/>
+          <p:cNvSpPr>
+            <a:spLocks noGrp="1" noRot="1" noChangeAspect="1"/>
+          </p:cNvSpPr>
+          <p:nvPr>
+            <p:ph type="sldImg"/>
+          </p:nvPr>
+        </p:nvSpPr>
+        <p:spPr/>
+      </p:sp>
+      <p:sp>
+        <p:nvSpPr>
+          <p:cNvPr id="3" name="Notes Placeholder 2"/>
+          <p:cNvSpPr>
+            <a:spLocks noGrp="1"/>
+          </p:cNvSpPr>
+          <p:nvPr>
+            <p:ph type="body" idx="1"/>
+          </p:nvPr>
+        </p:nvSpPr>
+        <p:spPr/>
+        <p:txBody>
+          <a:bodyPr/>
+          <a:lstStyle/>
+          <a:p>
+            <a:r>
+              <a:rPr lang="en-US" dirty="0" smtClean="0"/>
+              <a:t>&gt;&gt;&gt; INSTRUCTOR NOTE </a:t>
+            </a:r>
+            <a:r>
+              <a:rPr lang="mr-IN" dirty="0" smtClean="0"/>
+              <a:t>–</a:t>
+            </a:r>
+            <a:r>
+              <a:rPr lang="en-US" dirty="0" smtClean="0"/>
+              <a:t> Simply browse</a:t>
+            </a:r>
+            <a:r>
+              <a:rPr lang="en-US" baseline="0" dirty="0" smtClean="0"/>
+              <a:t> around and show off some of the features of Automate</a:t>
+            </a:r>
+            <a:endParaRPr lang="en-US" dirty="0"/>
+          </a:p>
+        </p:txBody>
+      </p:sp>
+      <p:sp>
+        <p:nvSpPr>
+          <p:cNvPr id="4" name="Slide Number Placeholder 3"/>
+          <p:cNvSpPr>
+            <a:spLocks noGrp="1"/>
+          </p:cNvSpPr>
+          <p:nvPr>
+            <p:ph type="sldNum" sz="quarter" idx="10"/>
+          </p:nvPr>
+        </p:nvSpPr>
+        <p:spPr/>
+        <p:txBody>
+          <a:bodyPr/>
+          <a:lstStyle/>
+          <a:p>
+            <a:fld id="{8B29331E-A40C-8E45-90AE-4B94C2016DA4}" type="slidenum">
+              <a:rPr lang="en-US" smtClean="0"/>
+              <a:t>6</a:t>
+            </a:fld>
+            <a:endParaRPr lang="en-US"/>
+          </a:p>
+        </p:txBody>
+      </p:sp>
+    </p:spTree>
+    <p:extLst>
+      <p:ext uri="{BB962C8B-B14F-4D97-AF65-F5344CB8AC3E}">
+        <p14:creationId xmlns:p14="http://schemas.microsoft.com/office/powerpoint/2010/main" val="1727318332"/>
+      </p:ext>
+    </p:extLst>
+  </p:cSld>
+  <p:clrMapOvr>
+    <a:masterClrMapping/>
+  </p:clrMapOvr>
+</p:notes>
+</file>
+
+<file path=ppt/notesSlides/notesSlide5.xml><?xml version="1.0" encoding="utf-8"?>
+<p:notes xmlns:a="http://schemas.openxmlformats.org/drawingml/2006/main" xmlns:r="http://schemas.openxmlformats.org/officeDocument/2006/relationships" xmlns:p="http://schemas.openxmlformats.org/presentationml/2006/main">
+  <p:cSld>
+    <p:spTree>
+      <p:nvGrpSpPr>
+        <p:cNvPr id="1" name=""/>
+        <p:cNvGrpSpPr/>
+        <p:nvPr/>
+      </p:nvGrpSpPr>
+      <p:grpSpPr>
+        <a:xfrm>
+          <a:off x="0" y="0"/>
+          <a:ext cx="0" cy="0"/>
+          <a:chOff x="0" y="0"/>
+          <a:chExt cx="0" cy="0"/>
+        </a:xfrm>
+      </p:grpSpPr>
+      <p:sp>
+        <p:nvSpPr>
+          <p:cNvPr id="2" name="Slide Image Placeholder 1"/>
+          <p:cNvSpPr>
+            <a:spLocks noGrp="1" noRot="1" noChangeAspect="1"/>
+          </p:cNvSpPr>
+          <p:nvPr>
+            <p:ph type="sldImg"/>
+          </p:nvPr>
+        </p:nvSpPr>
+        <p:spPr/>
+      </p:sp>
+      <p:sp>
+        <p:nvSpPr>
+          <p:cNvPr id="3" name="Notes Placeholder 2"/>
+          <p:cNvSpPr>
+            <a:spLocks noGrp="1"/>
+          </p:cNvSpPr>
+          <p:nvPr>
+            <p:ph type="body" idx="1"/>
+          </p:nvPr>
+        </p:nvSpPr>
+        <p:spPr/>
+        <p:txBody>
+          <a:bodyPr/>
+          <a:lstStyle/>
+          <a:p>
+            <a:r>
+              <a:rPr lang="en-US" dirty="0" smtClean="0"/>
+              <a:t>&gt;&gt;&gt; INSTRUCTOR NOTE </a:t>
+            </a:r>
+            <a:r>
+              <a:rPr lang="mr-IN" dirty="0" smtClean="0"/>
+              <a:t>–</a:t>
+            </a:r>
+            <a:r>
+              <a:rPr lang="en-US" dirty="0" smtClean="0"/>
+              <a:t> Simply browse</a:t>
+            </a:r>
+            <a:r>
+              <a:rPr lang="en-US" baseline="0" dirty="0" smtClean="0"/>
+              <a:t> around and show off some of the features of Automate</a:t>
+            </a:r>
+            <a:endParaRPr lang="en-US" dirty="0"/>
+          </a:p>
+        </p:txBody>
+      </p:sp>
+      <p:sp>
+        <p:nvSpPr>
+          <p:cNvPr id="4" name="Slide Number Placeholder 3"/>
+          <p:cNvSpPr>
+            <a:spLocks noGrp="1"/>
+          </p:cNvSpPr>
+          <p:nvPr>
+            <p:ph type="sldNum" sz="quarter" idx="10"/>
+          </p:nvPr>
+        </p:nvSpPr>
+        <p:spPr/>
+        <p:txBody>
+          <a:bodyPr/>
+          <a:lstStyle/>
+          <a:p>
+            <a:fld id="{8B29331E-A40C-8E45-90AE-4B94C2016DA4}" type="slidenum">
+              <a:rPr lang="en-US" smtClean="0"/>
+              <a:t>7</a:t>
+            </a:fld>
+            <a:endParaRPr lang="en-US"/>
+          </a:p>
+        </p:txBody>
+      </p:sp>
+    </p:spTree>
+    <p:extLst>
+      <p:ext uri="{BB962C8B-B14F-4D97-AF65-F5344CB8AC3E}">
+        <p14:creationId xmlns:p14="http://schemas.microsoft.com/office/powerpoint/2010/main" val="1727318332"/>
+      </p:ext>
+    </p:extLst>
+  </p:cSld>
+  <p:clrMapOvr>
+    <a:masterClrMapping/>
+  </p:clrMapOvr>
+</p:notes>
+</file>
+
+<file path=ppt/notesSlides/notesSlide6.xml><?xml version="1.0" encoding="utf-8"?>
+<p:notes xmlns:a="http://schemas.openxmlformats.org/drawingml/2006/main" xmlns:r="http://schemas.openxmlformats.org/officeDocument/2006/relationships" xmlns:p="http://schemas.openxmlformats.org/presentationml/2006/main">
+  <p:cSld>
+    <p:spTree>
+      <p:nvGrpSpPr>
+        <p:cNvPr id="1" name=""/>
+        <p:cNvGrpSpPr/>
+        <p:nvPr/>
+      </p:nvGrpSpPr>
+      <p:grpSpPr>
+        <a:xfrm>
+          <a:off x="0" y="0"/>
+          <a:ext cx="0" cy="0"/>
+          <a:chOff x="0" y="0"/>
+          <a:chExt cx="0" cy="0"/>
+        </a:xfrm>
+      </p:grpSpPr>
+      <p:sp>
+        <p:nvSpPr>
+          <p:cNvPr id="2" name="Slide Image Placeholder 1"/>
+          <p:cNvSpPr>
+            <a:spLocks noGrp="1" noRot="1" noChangeAspect="1"/>
+          </p:cNvSpPr>
+          <p:nvPr>
+            <p:ph type="sldImg"/>
+          </p:nvPr>
+        </p:nvSpPr>
+        <p:spPr/>
+      </p:sp>
+      <p:sp>
+        <p:nvSpPr>
+          <p:cNvPr id="3" name="Notes Placeholder 2"/>
+          <p:cNvSpPr>
+            <a:spLocks noGrp="1"/>
+          </p:cNvSpPr>
+          <p:nvPr>
+            <p:ph type="body" idx="1"/>
+          </p:nvPr>
+        </p:nvSpPr>
+        <p:spPr/>
+        <p:txBody>
+          <a:bodyPr/>
+          <a:lstStyle/>
+          <a:p>
+            <a:r>
+              <a:rPr lang="en-US" dirty="0" smtClean="0"/>
+              <a:t>&gt;&gt;&gt; INSTRUCTOR NOTE </a:t>
+            </a:r>
+            <a:r>
+              <a:rPr lang="mr-IN" dirty="0" smtClean="0"/>
+              <a:t>–</a:t>
+            </a:r>
+            <a:r>
+              <a:rPr lang="en-US" dirty="0" smtClean="0"/>
+              <a:t> Simply browse</a:t>
+            </a:r>
+            <a:r>
+              <a:rPr lang="en-US" baseline="0" dirty="0" smtClean="0"/>
+              <a:t> around and show off some of the features of Automate</a:t>
+            </a:r>
+            <a:endParaRPr lang="en-US" dirty="0"/>
+          </a:p>
+        </p:txBody>
+      </p:sp>
+      <p:sp>
+        <p:nvSpPr>
+          <p:cNvPr id="4" name="Slide Number Placeholder 3"/>
+          <p:cNvSpPr>
+            <a:spLocks noGrp="1"/>
+          </p:cNvSpPr>
+          <p:nvPr>
+            <p:ph type="sldNum" sz="quarter" idx="10"/>
+          </p:nvPr>
+        </p:nvSpPr>
+        <p:spPr/>
+        <p:txBody>
+          <a:bodyPr/>
+          <a:lstStyle/>
+          <a:p>
+            <a:fld id="{8B29331E-A40C-8E45-90AE-4B94C2016DA4}" type="slidenum">
+              <a:rPr lang="en-US" smtClean="0"/>
+              <a:t>8</a:t>
+            </a:fld>
+            <a:endParaRPr lang="en-US"/>
+          </a:p>
+        </p:txBody>
+      </p:sp>
+    </p:spTree>
+    <p:extLst>
+      <p:ext uri="{BB962C8B-B14F-4D97-AF65-F5344CB8AC3E}">
+        <p14:creationId xmlns:p14="http://schemas.microsoft.com/office/powerpoint/2010/main" val="1727318332"/>
+      </p:ext>
+    </p:extLst>
+  </p:cSld>
+  <p:clrMapOvr>
+    <a:masterClrMapping/>
+  </p:clrMapOvr>
+</p:notes>
+</file>
+
+<file path=ppt/notesSlides/notesSlide7.xml><?xml version="1.0" encoding="utf-8"?>
+<p:notes xmlns:a="http://schemas.openxmlformats.org/drawingml/2006/main" xmlns:r="http://schemas.openxmlformats.org/officeDocument/2006/relationships" xmlns:p="http://schemas.openxmlformats.org/presentationml/2006/main">
+  <p:cSld>
+    <p:spTree>
+      <p:nvGrpSpPr>
+        <p:cNvPr id="1" name=""/>
+        <p:cNvGrpSpPr/>
+        <p:nvPr/>
+      </p:nvGrpSpPr>
+      <p:grpSpPr>
+        <a:xfrm>
+          <a:off x="0" y="0"/>
+          <a:ext cx="0" cy="0"/>
+          <a:chOff x="0" y="0"/>
+          <a:chExt cx="0" cy="0"/>
+        </a:xfrm>
+      </p:grpSpPr>
+      <p:sp>
+        <p:nvSpPr>
+          <p:cNvPr id="2" name="Slide Image Placeholder 1"/>
+          <p:cNvSpPr>
+            <a:spLocks noGrp="1" noRot="1" noChangeAspect="1"/>
+          </p:cNvSpPr>
+          <p:nvPr>
+            <p:ph type="sldImg"/>
+          </p:nvPr>
+        </p:nvSpPr>
+        <p:spPr/>
+      </p:sp>
+      <p:sp>
+        <p:nvSpPr>
+          <p:cNvPr id="3" name="Notes Placeholder 2"/>
+          <p:cNvSpPr>
+            <a:spLocks noGrp="1"/>
+          </p:cNvSpPr>
+          <p:nvPr>
+            <p:ph type="body" idx="1"/>
+          </p:nvPr>
+        </p:nvSpPr>
+        <p:spPr/>
+        <p:txBody>
+          <a:bodyPr/>
+          <a:lstStyle/>
+          <a:p>
+            <a:r>
+              <a:rPr lang="en-US" dirty="0" smtClean="0"/>
+              <a:t>&gt;&gt;&gt; INSTRUCTOR NOTE </a:t>
+            </a:r>
+            <a:r>
+              <a:rPr lang="mr-IN" dirty="0" smtClean="0"/>
+              <a:t>–</a:t>
+            </a:r>
+            <a:r>
+              <a:rPr lang="en-US" dirty="0" smtClean="0"/>
+              <a:t> Point out that we’re using Chef Solo.  We’re going to run the node again</a:t>
+            </a:r>
+            <a:r>
+              <a:rPr lang="en-US" baseline="0" dirty="0" smtClean="0"/>
+              <a:t>, this time with a profile</a:t>
+            </a:r>
+            <a:endParaRPr lang="en-US" dirty="0"/>
+          </a:p>
+        </p:txBody>
+      </p:sp>
+      <p:sp>
+        <p:nvSpPr>
+          <p:cNvPr id="4" name="Slide Number Placeholder 3"/>
+          <p:cNvSpPr>
+            <a:spLocks noGrp="1"/>
+          </p:cNvSpPr>
+          <p:nvPr>
+            <p:ph type="sldNum" sz="quarter" idx="10"/>
+          </p:nvPr>
+        </p:nvSpPr>
+        <p:spPr/>
+        <p:txBody>
+          <a:bodyPr/>
+          <a:lstStyle/>
+          <a:p>
+            <a:fld id="{8B29331E-A40C-8E45-90AE-4B94C2016DA4}" type="slidenum">
+              <a:rPr lang="en-US" smtClean="0"/>
+              <a:t>9</a:t>
+            </a:fld>
+            <a:endParaRPr lang="en-US"/>
+          </a:p>
+        </p:txBody>
+      </p:sp>
+    </p:spTree>
+    <p:extLst>
+      <p:ext uri="{BB962C8B-B14F-4D97-AF65-F5344CB8AC3E}">
+        <p14:creationId xmlns:p14="http://schemas.microsoft.com/office/powerpoint/2010/main" val="1727318332"/>
+      </p:ext>
+    </p:extLst>
+  </p:cSld>
+  <p:clrMapOvr>
+    <a:masterClrMapping/>
+  </p:clrMapOvr>
+</p:notes>
+</file>
+
+<file path=ppt/notesSlides/notesSlide8.xml><?xml version="1.0" encoding="utf-8"?>
+<p:notes xmlns:a="http://schemas.openxmlformats.org/drawingml/2006/main" xmlns:r="http://schemas.openxmlformats.org/officeDocument/2006/relationships" xmlns:p="http://schemas.openxmlformats.org/presentationml/2006/main">
+  <p:cSld>
+    <p:spTree>
+      <p:nvGrpSpPr>
+        <p:cNvPr id="1" name=""/>
+        <p:cNvGrpSpPr/>
+        <p:nvPr/>
+      </p:nvGrpSpPr>
+      <p:grpSpPr>
+        <a:xfrm>
+          <a:off x="0" y="0"/>
+          <a:ext cx="0" cy="0"/>
+          <a:chOff x="0" y="0"/>
+          <a:chExt cx="0" cy="0"/>
+        </a:xfrm>
+      </p:grpSpPr>
+      <p:sp>
+        <p:nvSpPr>
+          <p:cNvPr id="2" name="Slide Image Placeholder 1"/>
+          <p:cNvSpPr>
+            <a:spLocks noGrp="1" noRot="1" noChangeAspect="1"/>
+          </p:cNvSpPr>
+          <p:nvPr>
+            <p:ph type="sldImg"/>
+          </p:nvPr>
+        </p:nvSpPr>
+        <p:spPr/>
+      </p:sp>
+      <p:sp>
+        <p:nvSpPr>
+          <p:cNvPr id="3" name="Notes Placeholder 2"/>
+          <p:cNvSpPr>
+            <a:spLocks noGrp="1"/>
+          </p:cNvSpPr>
+          <p:nvPr>
+            <p:ph type="body" idx="1"/>
+          </p:nvPr>
+        </p:nvSpPr>
+        <p:spPr/>
+        <p:txBody>
+          <a:bodyPr/>
+          <a:lstStyle/>
+          <a:p>
+            <a:r>
+              <a:rPr lang="en-US" dirty="0" smtClean="0"/>
+              <a:t>Describe some of the differences between</a:t>
+            </a:r>
+            <a:r>
+              <a:rPr lang="en-US" baseline="0" dirty="0" smtClean="0"/>
+              <a:t> chef-client and chef-solo</a:t>
+            </a:r>
+          </a:p>
+          <a:p>
+            <a:endParaRPr lang="en-US" baseline="0" dirty="0" smtClean="0"/>
+          </a:p>
+          <a:p>
+            <a:r>
+              <a:rPr lang="en-US" baseline="0" dirty="0" smtClean="0"/>
+              <a:t>Next, we’ll look at our own chef-solo setup</a:t>
+            </a:r>
+            <a:endParaRPr lang="en-US" dirty="0"/>
+          </a:p>
+        </p:txBody>
+      </p:sp>
+      <p:sp>
+        <p:nvSpPr>
+          <p:cNvPr id="4" name="Slide Number Placeholder 3"/>
+          <p:cNvSpPr>
+            <a:spLocks noGrp="1"/>
+          </p:cNvSpPr>
+          <p:nvPr>
+            <p:ph type="sldNum" sz="quarter" idx="10"/>
+          </p:nvPr>
+        </p:nvSpPr>
+        <p:spPr/>
+        <p:txBody>
+          <a:bodyPr/>
+          <a:lstStyle/>
+          <a:p>
+            <a:fld id="{8B29331E-A40C-8E45-90AE-4B94C2016DA4}" type="slidenum">
+              <a:rPr lang="en-US" smtClean="0"/>
+              <a:t>12</a:t>
+            </a:fld>
+            <a:endParaRPr lang="en-US"/>
+          </a:p>
+        </p:txBody>
+      </p:sp>
+    </p:spTree>
+    <p:extLst>
+      <p:ext uri="{BB962C8B-B14F-4D97-AF65-F5344CB8AC3E}">
+        <p14:creationId xmlns:p14="http://schemas.microsoft.com/office/powerpoint/2010/main" val="248775839"/>
+      </p:ext>
+    </p:extLst>
+  </p:cSld>
+  <p:clrMapOvr>
+    <a:masterClrMapping/>
+  </p:clrMapOvr>
+</p:notes>
+</file>
+
+<file path=ppt/notesSlides/notesSlide9.xml><?xml version="1.0" encoding="utf-8"?>
+<p:notes xmlns:a="http://schemas.openxmlformats.org/drawingml/2006/main" xmlns:r="http://schemas.openxmlformats.org/officeDocument/2006/relationships" xmlns:p="http://schemas.openxmlformats.org/presentationml/2006/main">
+  <p:cSld>
+    <p:spTree>
+      <p:nvGrpSpPr>
+        <p:cNvPr id="1" name=""/>
+        <p:cNvGrpSpPr/>
+        <p:nvPr/>
+      </p:nvGrpSpPr>
+      <p:grpSpPr>
+        <a:xfrm>
+          <a:off x="0" y="0"/>
+          <a:ext cx="0" cy="0"/>
+          <a:chOff x="0" y="0"/>
+          <a:chExt cx="0" cy="0"/>
+        </a:xfrm>
+      </p:grpSpPr>
+      <p:sp>
+        <p:nvSpPr>
+          <p:cNvPr id="2" name="Slide Image Placeholder 1"/>
+          <p:cNvSpPr>
+            <a:spLocks noGrp="1" noRot="1" noChangeAspect="1"/>
+          </p:cNvSpPr>
+          <p:nvPr>
+            <p:ph type="sldImg"/>
+          </p:nvPr>
+        </p:nvSpPr>
+        <p:spPr/>
+      </p:sp>
+      <p:sp>
+        <p:nvSpPr>
+          <p:cNvPr id="3" name="Notes Placeholder 2"/>
+          <p:cNvSpPr>
+            <a:spLocks noGrp="1"/>
+          </p:cNvSpPr>
+          <p:nvPr>
+            <p:ph type="body" idx="1"/>
+          </p:nvPr>
+        </p:nvSpPr>
+        <p:spPr/>
+        <p:txBody>
+          <a:bodyPr/>
+          <a:lstStyle/>
+          <a:p>
+            <a:r>
+              <a:rPr lang="en-US" dirty="0" smtClean="0"/>
+              <a:t>Chef Client is local mode acts in a very similar way</a:t>
+            </a:r>
+            <a:r>
+              <a:rPr lang="en-US" baseline="0" dirty="0" smtClean="0"/>
+              <a:t> to chef-solo.  The Automate server does not distinguish between chef-solo and chef-client --local-mode</a:t>
+            </a:r>
+            <a:endParaRPr lang="en-US" dirty="0"/>
+          </a:p>
+        </p:txBody>
+      </p:sp>
+      <p:sp>
+        <p:nvSpPr>
+          <p:cNvPr id="4" name="Slide Number Placeholder 3"/>
+          <p:cNvSpPr>
+            <a:spLocks noGrp="1"/>
+          </p:cNvSpPr>
+          <p:nvPr>
+            <p:ph type="sldNum" sz="quarter" idx="10"/>
+          </p:nvPr>
+        </p:nvSpPr>
+        <p:spPr/>
+        <p:txBody>
+          <a:bodyPr/>
+          <a:lstStyle/>
+          <a:p>
+            <a:fld id="{8B29331E-A40C-8E45-90AE-4B94C2016DA4}" type="slidenum">
+              <a:rPr lang="en-US" smtClean="0"/>
+              <a:t>13</a:t>
+            </a:fld>
+            <a:endParaRPr lang="en-US"/>
+          </a:p>
+        </p:txBody>
+      </p:sp>
+    </p:spTree>
+    <p:extLst>
+      <p:ext uri="{BB962C8B-B14F-4D97-AF65-F5344CB8AC3E}">
+        <p14:creationId xmlns:p14="http://schemas.microsoft.com/office/powerpoint/2010/main" val="4070301584"/>
+      </p:ext>
+    </p:extLst>
+  </p:cSld>
+  <p:clrMapOvr>
+    <a:masterClrMapping/>
+  </p:clrMapOvr>
+</p:notes>
 </file>
 
 <file path=ppt/slideLayouts/slideLayout1.xml><?xml version="1.0" encoding="utf-8"?>
@@ -4002,6 +5559,143 @@
 </file>
 
 <file path=ppt/slideLayouts/slideLayout26.xml><?xml version="1.0" encoding="utf-8"?>
+<p:sldLayout xmlns:a="http://schemas.openxmlformats.org/drawingml/2006/main" xmlns:r="http://schemas.openxmlformats.org/officeDocument/2006/relationships" xmlns:p="http://schemas.openxmlformats.org/presentationml/2006/main" preserve="1">
+  <p:cSld name="Definition">
+    <p:spTree>
+      <p:nvGrpSpPr>
+        <p:cNvPr id="1" name=""/>
+        <p:cNvGrpSpPr/>
+        <p:nvPr/>
+      </p:nvGrpSpPr>
+      <p:grpSpPr>
+        <a:xfrm>
+          <a:off x="0" y="0"/>
+          <a:ext cx="0" cy="0"/>
+          <a:chOff x="0" y="0"/>
+          <a:chExt cx="0" cy="0"/>
+        </a:xfrm>
+      </p:grpSpPr>
+      <p:sp>
+        <p:nvSpPr>
+          <p:cNvPr id="2" name="Title 1"/>
+          <p:cNvSpPr>
+            <a:spLocks noGrp="1"/>
+          </p:cNvSpPr>
+          <p:nvPr>
+            <p:ph type="title"/>
+          </p:nvPr>
+        </p:nvSpPr>
+        <p:spPr/>
+        <p:txBody>
+          <a:bodyPr/>
+          <a:lstStyle>
+            <a:lvl1pPr>
+              <a:defRPr baseline="0"/>
+            </a:lvl1pPr>
+          </a:lstStyle>
+          <a:p>
+            <a:r>
+              <a:rPr lang="en-US" dirty="0" smtClean="0"/>
+              <a:t>Click to edit Master title style</a:t>
+            </a:r>
+            <a:endParaRPr lang="en-US" dirty="0"/>
+          </a:p>
+        </p:txBody>
+      </p:sp>
+      <p:sp>
+        <p:nvSpPr>
+          <p:cNvPr id="5" name="Text Placeholder 4"/>
+          <p:cNvSpPr>
+            <a:spLocks noGrp="1"/>
+          </p:cNvSpPr>
+          <p:nvPr>
+            <p:ph type="body" sz="quarter" idx="10"/>
+          </p:nvPr>
+        </p:nvSpPr>
+        <p:spPr>
+          <a:xfrm>
+            <a:off x="609600" y="1670583"/>
+            <a:ext cx="13408762" cy="4811358"/>
+          </a:xfrm>
+        </p:spPr>
+        <p:txBody>
+          <a:bodyPr>
+            <a:noAutofit/>
+          </a:bodyPr>
+          <a:lstStyle>
+            <a:lvl1pPr marL="0" indent="0" algn="ctr">
+              <a:buFontTx/>
+              <a:buNone/>
+              <a:defRPr sz="4000" baseline="0"/>
+            </a:lvl1pPr>
+            <a:lvl2pPr marL="278048" indent="0">
+              <a:buFontTx/>
+              <a:buNone/>
+              <a:defRPr baseline="0"/>
+            </a:lvl2pPr>
+            <a:lvl3pPr marL="548476" indent="0">
+              <a:buFontTx/>
+              <a:buNone/>
+              <a:defRPr baseline="0"/>
+            </a:lvl3pPr>
+            <a:lvl4pPr marL="756061" indent="0">
+              <a:buFontTx/>
+              <a:buNone/>
+              <a:defRPr baseline="0"/>
+            </a:lvl4pPr>
+            <a:lvl5pPr marL="961738" indent="0">
+              <a:buFontTx/>
+              <a:buNone/>
+              <a:defRPr baseline="0"/>
+            </a:lvl5pPr>
+          </a:lstStyle>
+          <a:p>
+            <a:pPr lvl="0"/>
+            <a:r>
+              <a:rPr lang="en-US" dirty="0" smtClean="0"/>
+              <a:t>Click to edit Master text </a:t>
+            </a:r>
+            <a:r>
+              <a:rPr lang="en-US" dirty="0" smtClean="0"/>
+              <a:t>styles</a:t>
+            </a:r>
+            <a:endParaRPr lang="en-US" dirty="0" smtClean="0"/>
+          </a:p>
+        </p:txBody>
+      </p:sp>
+    </p:spTree>
+    <p:extLst>
+      <p:ext uri="{BB962C8B-B14F-4D97-AF65-F5344CB8AC3E}">
+        <p14:creationId xmlns:p14="http://schemas.microsoft.com/office/powerpoint/2010/main" val="2755249443"/>
+      </p:ext>
+    </p:extLst>
+  </p:cSld>
+  <p:clrMapOvr>
+    <a:masterClrMapping/>
+  </p:clrMapOvr>
+  <mc:AlternateContent xmlns:mc="http://schemas.openxmlformats.org/markup-compatibility/2006" xmlns:p14="http://schemas.microsoft.com/office/powerpoint/2010/main">
+    <mc:Choice Requires="p14">
+      <p:transition spd="med" p14:dur="700">
+        <p:fade/>
+      </p:transition>
+    </mc:Choice>
+    <mc:Fallback xmlns="">
+      <p:transition spd="med">
+        <p:fade/>
+      </p:transition>
+    </mc:Fallback>
+  </mc:AlternateContent>
+  <p:timing>
+    <p:tnLst>
+      <p:par>
+        <p:cTn xmlns:p14="http://schemas.microsoft.com/office/powerpoint/2010/main" id="1" dur="indefinite" restart="never" nodeType="tmRoot"/>
+      </p:par>
+    </p:tnLst>
+  </p:timing>
+</p:sldLayout>
+</file>
+
+<file path=ppt/slideLayouts/slideLayout27.xml><?xml version="1.0" encoding="utf-8"?>
 <p:sldLayout xmlns:a="http://schemas.openxmlformats.org/drawingml/2006/main" xmlns:r="http://schemas.openxmlformats.org/officeDocument/2006/relationships" xmlns:p="http://schemas.openxmlformats.org/presentationml/2006/main" preserve="1" userDrawn="1">
   <p:cSld name="Bullets and Pic">
     <p:spTree>
@@ -4176,9 +5870,9 @@
 </p:sldLayout>
 </file>
 
-<file path=ppt/slideLayouts/slideLayout27.xml><?xml version="1.0" encoding="utf-8"?>
+<file path=ppt/slideLayouts/slideLayout28.xml><?xml version="1.0" encoding="utf-8"?>
 <p:sldLayout xmlns:a="http://schemas.openxmlformats.org/drawingml/2006/main" xmlns:r="http://schemas.openxmlformats.org/officeDocument/2006/relationships" xmlns:p="http://schemas.openxmlformats.org/presentationml/2006/main" preserve="1" userDrawn="1">
-  <p:cSld name="Code and Pic">
+  <p:cSld name="Title &amp; Image">
     <p:spTree>
       <p:nvGrpSpPr>
         <p:cNvPr id="1" name=""/>
@@ -4195,6 +5889,30 @@
       </p:grpSpPr>
       <p:sp>
         <p:nvSpPr>
+          <p:cNvPr id="6" name="Media Placeholder 6"/>
+          <p:cNvSpPr>
+            <a:spLocks noGrp="1"/>
+          </p:cNvSpPr>
+          <p:nvPr>
+            <p:ph type="media" sz="quarter" idx="12"/>
+          </p:nvPr>
+        </p:nvSpPr>
+        <p:spPr>
+          <a:xfrm>
+            <a:off x="609600" y="1670050"/>
+            <a:ext cx="13411200" cy="5594350"/>
+          </a:xfrm>
+        </p:spPr>
+        <p:txBody>
+          <a:bodyPr/>
+          <a:lstStyle/>
+          <a:p>
+            <a:endParaRPr lang="en-US"/>
+          </a:p>
+        </p:txBody>
+      </p:sp>
+      <p:sp>
+        <p:nvSpPr>
           <p:cNvPr id="2" name="Title 1"/>
           <p:cNvSpPr>
             <a:spLocks noGrp="1"/>
@@ -4220,206 +5938,10 @@
           </a:p>
         </p:txBody>
       </p:sp>
-      <p:sp>
-        <p:nvSpPr>
-          <p:cNvPr id="4" name="Text Placeholder 4"/>
-          <p:cNvSpPr>
-            <a:spLocks noGrp="1"/>
-          </p:cNvSpPr>
-          <p:nvPr>
-            <p:ph type="body" sz="quarter" idx="11" hasCustomPrompt="1"/>
-          </p:nvPr>
-        </p:nvSpPr>
-        <p:spPr>
-          <a:xfrm>
-            <a:off x="609600" y="1670583"/>
-            <a:ext cx="7782147" cy="4811358"/>
-          </a:xfrm>
-        </p:spPr>
-        <p:txBody>
-          <a:bodyPr>
-            <a:noAutofit/>
-          </a:bodyPr>
-          <a:lstStyle>
-            <a:lvl1pPr marL="0" indent="0">
-              <a:buFontTx/>
-              <a:buNone/>
-              <a:defRPr baseline="0"/>
-            </a:lvl1pPr>
-            <a:lvl2pPr>
-              <a:defRPr baseline="0"/>
-            </a:lvl2pPr>
-            <a:lvl3pPr>
-              <a:defRPr baseline="0"/>
-            </a:lvl3pPr>
-            <a:lvl4pPr>
-              <a:defRPr baseline="0"/>
-            </a:lvl4pPr>
-            <a:lvl5pPr>
-              <a:defRPr baseline="0"/>
-            </a:lvl5pPr>
-          </a:lstStyle>
-          <a:p>
-            <a:pPr lvl="0"/>
-            <a:r>
-              <a:rPr lang="en-US" dirty="0" smtClean="0"/>
-              <a:t>code</a:t>
-            </a:r>
-          </a:p>
-        </p:txBody>
-      </p:sp>
-      <p:sp>
-        <p:nvSpPr>
-          <p:cNvPr id="6" name="Media Placeholder 6"/>
-          <p:cNvSpPr>
-            <a:spLocks noGrp="1"/>
-          </p:cNvSpPr>
-          <p:nvPr>
-            <p:ph type="media" sz="quarter" idx="12"/>
-          </p:nvPr>
-        </p:nvSpPr>
-        <p:spPr>
-          <a:xfrm>
-            <a:off x="8864600" y="1670050"/>
-            <a:ext cx="5156200" cy="5594350"/>
-          </a:xfrm>
-        </p:spPr>
-        <p:txBody>
-          <a:bodyPr/>
-          <a:lstStyle/>
-          <a:p>
-            <a:endParaRPr lang="en-US"/>
-          </a:p>
-        </p:txBody>
-      </p:sp>
     </p:spTree>
     <p:extLst>
       <p:ext uri="{BB962C8B-B14F-4D97-AF65-F5344CB8AC3E}">
-        <p14:creationId xmlns:p14="http://schemas.microsoft.com/office/powerpoint/2010/main" val="1310226235"/>
-      </p:ext>
-    </p:extLst>
-  </p:cSld>
-  <p:clrMapOvr>
-    <a:masterClrMapping/>
-  </p:clrMapOvr>
-  <mc:AlternateContent xmlns:mc="http://schemas.openxmlformats.org/markup-compatibility/2006" xmlns:p14="http://schemas.microsoft.com/office/powerpoint/2010/main">
-    <mc:Choice Requires="p14">
-      <p:transition spd="med" p14:dur="700">
-        <p:fade/>
-      </p:transition>
-    </mc:Choice>
-    <mc:Fallback xmlns="">
-      <p:transition spd="med">
-        <p:fade/>
-      </p:transition>
-    </mc:Fallback>
-  </mc:AlternateContent>
-  <p:timing>
-    <p:tnLst>
-      <p:par>
-        <p:cTn xmlns:p14="http://schemas.microsoft.com/office/powerpoint/2010/main" id="1" dur="indefinite" restart="never" nodeType="tmRoot"/>
-      </p:par>
-    </p:tnLst>
-  </p:timing>
-</p:sldLayout>
-</file>
-
-<file path=ppt/slideLayouts/slideLayout28.xml><?xml version="1.0" encoding="utf-8"?>
-<p:sldLayout xmlns:a="http://schemas.openxmlformats.org/drawingml/2006/main" xmlns:r="http://schemas.openxmlformats.org/officeDocument/2006/relationships" xmlns:p="http://schemas.openxmlformats.org/presentationml/2006/main" preserve="1" userDrawn="1">
-  <p:cSld name="media and Pic">
-    <p:spTree>
-      <p:nvGrpSpPr>
-        <p:cNvPr id="1" name=""/>
-        <p:cNvGrpSpPr/>
-        <p:nvPr/>
-      </p:nvGrpSpPr>
-      <p:grpSpPr>
-        <a:xfrm>
-          <a:off x="0" y="0"/>
-          <a:ext cx="0" cy="0"/>
-          <a:chOff x="0" y="0"/>
-          <a:chExt cx="0" cy="0"/>
-        </a:xfrm>
-      </p:grpSpPr>
-      <p:sp>
-        <p:nvSpPr>
-          <p:cNvPr id="5" name="Media Placeholder 4"/>
-          <p:cNvSpPr>
-            <a:spLocks noGrp="1"/>
-          </p:cNvSpPr>
-          <p:nvPr>
-            <p:ph type="media" sz="quarter" idx="13"/>
-          </p:nvPr>
-        </p:nvSpPr>
-        <p:spPr>
-          <a:xfrm>
-            <a:off x="609600" y="1670050"/>
-            <a:ext cx="7781925" cy="5594350"/>
-          </a:xfrm>
-        </p:spPr>
-        <p:txBody>
-          <a:bodyPr/>
-          <a:lstStyle/>
-          <a:p>
-            <a:endParaRPr lang="en-US"/>
-          </a:p>
-        </p:txBody>
-      </p:sp>
-      <p:sp>
-        <p:nvSpPr>
-          <p:cNvPr id="2" name="Title 1"/>
-          <p:cNvSpPr>
-            <a:spLocks noGrp="1"/>
-          </p:cNvSpPr>
-          <p:nvPr>
-            <p:ph type="title"/>
-          </p:nvPr>
-        </p:nvSpPr>
-        <p:spPr/>
-        <p:txBody>
-          <a:bodyPr/>
-          <a:lstStyle>
-            <a:lvl1pPr>
-              <a:defRPr baseline="0"/>
-            </a:lvl1pPr>
-          </a:lstStyle>
-          <a:p>
-            <a:r>
-              <a:rPr lang="en-US" smtClean="0"/>
-              <a:t>Click to edit Master title style</a:t>
-            </a:r>
-            <a:endParaRPr lang="en-US" dirty="0"/>
-          </a:p>
-        </p:txBody>
-      </p:sp>
-      <p:sp>
-        <p:nvSpPr>
-          <p:cNvPr id="6" name="Media Placeholder 6"/>
-          <p:cNvSpPr>
-            <a:spLocks noGrp="1"/>
-          </p:cNvSpPr>
-          <p:nvPr>
-            <p:ph type="media" sz="quarter" idx="12"/>
-          </p:nvPr>
-        </p:nvSpPr>
-        <p:spPr>
-          <a:xfrm>
-            <a:off x="8864600" y="1670050"/>
-            <a:ext cx="5156200" cy="5594350"/>
-          </a:xfrm>
-        </p:spPr>
-        <p:txBody>
-          <a:bodyPr/>
-          <a:lstStyle/>
-          <a:p>
-            <a:endParaRPr lang="en-US"/>
-          </a:p>
-        </p:txBody>
-      </p:sp>
-    </p:spTree>
-    <p:extLst>
-      <p:ext uri="{BB962C8B-B14F-4D97-AF65-F5344CB8AC3E}">
-        <p14:creationId xmlns:p14="http://schemas.microsoft.com/office/powerpoint/2010/main" val="3103752934"/>
+        <p14:creationId xmlns:p14="http://schemas.microsoft.com/office/powerpoint/2010/main" val="4009587722"/>
       </p:ext>
     </p:extLst>
   </p:cSld>
@@ -4450,7 +5972,7 @@
 
 <file path=ppt/slideLayouts/slideLayout29.xml><?xml version="1.0" encoding="utf-8"?>
 <p:sldLayout xmlns:a="http://schemas.openxmlformats.org/drawingml/2006/main" xmlns:r="http://schemas.openxmlformats.org/officeDocument/2006/relationships" xmlns:p="http://schemas.openxmlformats.org/presentationml/2006/main" preserve="1" userDrawn="1">
-  <p:cSld name="Bullets Picture Right">
+  <p:cSld name="Code and Pic">
     <p:spTree>
       <p:nvGrpSpPr>
         <p:cNvPr id="1" name=""/>
@@ -4475,12 +5997,7 @@
             <p:ph type="title"/>
           </p:nvPr>
         </p:nvSpPr>
-        <p:spPr>
-          <a:xfrm>
-            <a:off x="609602" y="548642"/>
-            <a:ext cx="7782145" cy="609397"/>
-          </a:xfrm>
-        </p:spPr>
+        <p:spPr/>
         <p:txBody>
           <a:bodyPr/>
           <a:lstStyle>
@@ -4499,12 +6016,12 @@
       </p:sp>
       <p:sp>
         <p:nvSpPr>
-          <p:cNvPr id="5" name="Text Placeholder 4"/>
+          <p:cNvPr id="4" name="Text Placeholder 4"/>
           <p:cNvSpPr>
             <a:spLocks noGrp="1"/>
           </p:cNvSpPr>
           <p:nvPr>
-            <p:ph type="body" sz="quarter" idx="10"/>
+            <p:ph type="body" sz="quarter" idx="11" hasCustomPrompt="1"/>
           </p:nvPr>
         </p:nvSpPr>
         <p:spPr>
@@ -4518,7 +6035,9 @@
             <a:noAutofit/>
           </a:bodyPr>
           <a:lstStyle>
-            <a:lvl1pPr>
+            <a:lvl1pPr marL="0" indent="0">
+              <a:buFontTx/>
+              <a:buNone/>
               <a:defRPr baseline="0"/>
             </a:lvl1pPr>
             <a:lvl2pPr>
@@ -4537,120 +6056,26 @@
           <a:p>
             <a:pPr lvl="0"/>
             <a:r>
-              <a:rPr lang="en-US" smtClean="0"/>
-              <a:t>Click to edit Master text styles</a:t>
-            </a:r>
-          </a:p>
-          <a:p>
-            <a:pPr lvl="1"/>
-            <a:r>
-              <a:rPr lang="en-US" smtClean="0"/>
-              <a:t>Second level</a:t>
-            </a:r>
-          </a:p>
-          <a:p>
-            <a:pPr lvl="2"/>
-            <a:r>
-              <a:rPr lang="en-US" smtClean="0"/>
-              <a:t>Third level</a:t>
-            </a:r>
-          </a:p>
-          <a:p>
-            <a:pPr lvl="3"/>
-            <a:r>
-              <a:rPr lang="en-US" smtClean="0"/>
-              <a:t>Fourth level</a:t>
-            </a:r>
-          </a:p>
-          <a:p>
-            <a:pPr lvl="4"/>
-            <a:r>
-              <a:rPr lang="en-US" smtClean="0"/>
-              <a:t>Fifth level</a:t>
-            </a:r>
-            <a:endParaRPr lang="en-US" dirty="0"/>
-          </a:p>
-        </p:txBody>
-      </p:sp>
-      <p:sp>
-        <p:nvSpPr>
-          <p:cNvPr id="3" name="Rectangle 2"/>
-          <p:cNvSpPr/>
-          <p:nvPr userDrawn="1"/>
-        </p:nvSpPr>
-        <p:spPr bwMode="auto">
-          <a:xfrm>
-            <a:off x="9110416" y="0"/>
-            <a:ext cx="5519984" cy="8229600"/>
-          </a:xfrm>
-          <a:prstGeom prst="rect">
-            <a:avLst/>
-          </a:prstGeom>
-          <a:solidFill>
-            <a:srgbClr val="3486A7"/>
-          </a:solidFill>
-          <a:ln>
-            <a:noFill/>
-            <a:headEnd type="none" w="med" len="med"/>
-            <a:tailEnd type="none" w="med" len="med"/>
-          </a:ln>
-          <a:effectLst/>
-        </p:spPr>
-        <p:style>
-          <a:lnRef idx="1">
-            <a:schemeClr val="accent4"/>
-          </a:lnRef>
-          <a:fillRef idx="3">
-            <a:schemeClr val="accent4"/>
-          </a:fillRef>
-          <a:effectRef idx="2">
-            <a:schemeClr val="accent4"/>
-          </a:effectRef>
-          <a:fontRef idx="minor">
-            <a:schemeClr val="lt1"/>
-          </a:fontRef>
-        </p:style>
-        <p:txBody>
-          <a:bodyPr vert="horz" wrap="square" lIns="91436" tIns="45718" rIns="91436" bIns="45718" numCol="1" rtlCol="0" anchor="ctr" anchorCtr="0" compatLnSpc="1">
-            <a:prstTxWarp prst="textNoShape">
-              <a:avLst/>
-            </a:prstTxWarp>
-          </a:bodyPr>
-          <a:lstStyle/>
-          <a:p>
-            <a:pPr algn="ctr" defTabSz="914099"/>
-            <a:endParaRPr lang="en-US" sz="2400" dirty="0" smtClean="0">
-              <a:gradFill>
-                <a:gsLst>
-                  <a:gs pos="0">
-                    <a:srgbClr val="FFFFFF"/>
-                  </a:gs>
-                  <a:gs pos="100000">
-                    <a:srgbClr val="FFFFFF"/>
-                  </a:gs>
-                </a:gsLst>
-                <a:lin ang="5400000" scaled="0"/>
-              </a:gradFill>
-              <a:latin typeface="Gill Sans Light"/>
-              <a:cs typeface="Gill Sans Light"/>
-            </a:endParaRPr>
-          </a:p>
-        </p:txBody>
-      </p:sp>
-      <p:sp>
-        <p:nvSpPr>
-          <p:cNvPr id="7" name="Media Placeholder 6"/>
+              <a:rPr lang="en-US" dirty="0" smtClean="0"/>
+              <a:t>code</a:t>
+            </a:r>
+          </a:p>
+        </p:txBody>
+      </p:sp>
+      <p:sp>
+        <p:nvSpPr>
+          <p:cNvPr id="6" name="Media Placeholder 6"/>
           <p:cNvSpPr>
             <a:spLocks noGrp="1"/>
           </p:cNvSpPr>
           <p:nvPr>
-            <p:ph type="media" sz="quarter" idx="11"/>
+            <p:ph type="media" sz="quarter" idx="12"/>
           </p:nvPr>
         </p:nvSpPr>
         <p:spPr>
           <a:xfrm>
-            <a:off x="9296400" y="1670050"/>
-            <a:ext cx="5156200" cy="4811713"/>
+            <a:off x="8864600" y="1670050"/>
+            <a:ext cx="5156200" cy="5594350"/>
           </a:xfrm>
         </p:spPr>
         <p:txBody>
@@ -4664,7 +6089,7 @@
     </p:spTree>
     <p:extLst>
       <p:ext uri="{BB962C8B-B14F-4D97-AF65-F5344CB8AC3E}">
-        <p14:creationId xmlns:p14="http://schemas.microsoft.com/office/powerpoint/2010/main" val="512846880"/>
+        <p14:creationId xmlns:p14="http://schemas.microsoft.com/office/powerpoint/2010/main" val="1310226235"/>
       </p:ext>
     </p:extLst>
   </p:cSld>
@@ -4833,6 +6258,375 @@
 
 <file path=ppt/slideLayouts/slideLayout30.xml><?xml version="1.0" encoding="utf-8"?>
 <p:sldLayout xmlns:a="http://schemas.openxmlformats.org/drawingml/2006/main" xmlns:r="http://schemas.openxmlformats.org/officeDocument/2006/relationships" xmlns:p="http://schemas.openxmlformats.org/presentationml/2006/main" preserve="1" userDrawn="1">
+  <p:cSld name="media and Pic">
+    <p:spTree>
+      <p:nvGrpSpPr>
+        <p:cNvPr id="1" name=""/>
+        <p:cNvGrpSpPr/>
+        <p:nvPr/>
+      </p:nvGrpSpPr>
+      <p:grpSpPr>
+        <a:xfrm>
+          <a:off x="0" y="0"/>
+          <a:ext cx="0" cy="0"/>
+          <a:chOff x="0" y="0"/>
+          <a:chExt cx="0" cy="0"/>
+        </a:xfrm>
+      </p:grpSpPr>
+      <p:sp>
+        <p:nvSpPr>
+          <p:cNvPr id="5" name="Media Placeholder 4"/>
+          <p:cNvSpPr>
+            <a:spLocks noGrp="1"/>
+          </p:cNvSpPr>
+          <p:nvPr>
+            <p:ph type="media" sz="quarter" idx="13"/>
+          </p:nvPr>
+        </p:nvSpPr>
+        <p:spPr>
+          <a:xfrm>
+            <a:off x="609600" y="1670050"/>
+            <a:ext cx="7781925" cy="5594350"/>
+          </a:xfrm>
+        </p:spPr>
+        <p:txBody>
+          <a:bodyPr/>
+          <a:lstStyle/>
+          <a:p>
+            <a:endParaRPr lang="en-US"/>
+          </a:p>
+        </p:txBody>
+      </p:sp>
+      <p:sp>
+        <p:nvSpPr>
+          <p:cNvPr id="2" name="Title 1"/>
+          <p:cNvSpPr>
+            <a:spLocks noGrp="1"/>
+          </p:cNvSpPr>
+          <p:nvPr>
+            <p:ph type="title"/>
+          </p:nvPr>
+        </p:nvSpPr>
+        <p:spPr/>
+        <p:txBody>
+          <a:bodyPr/>
+          <a:lstStyle>
+            <a:lvl1pPr>
+              <a:defRPr baseline="0"/>
+            </a:lvl1pPr>
+          </a:lstStyle>
+          <a:p>
+            <a:r>
+              <a:rPr lang="en-US" smtClean="0"/>
+              <a:t>Click to edit Master title style</a:t>
+            </a:r>
+            <a:endParaRPr lang="en-US" dirty="0"/>
+          </a:p>
+        </p:txBody>
+      </p:sp>
+      <p:sp>
+        <p:nvSpPr>
+          <p:cNvPr id="6" name="Media Placeholder 6"/>
+          <p:cNvSpPr>
+            <a:spLocks noGrp="1"/>
+          </p:cNvSpPr>
+          <p:nvPr>
+            <p:ph type="media" sz="quarter" idx="12"/>
+          </p:nvPr>
+        </p:nvSpPr>
+        <p:spPr>
+          <a:xfrm>
+            <a:off x="8864600" y="1670050"/>
+            <a:ext cx="5156200" cy="5594350"/>
+          </a:xfrm>
+        </p:spPr>
+        <p:txBody>
+          <a:bodyPr/>
+          <a:lstStyle/>
+          <a:p>
+            <a:endParaRPr lang="en-US"/>
+          </a:p>
+        </p:txBody>
+      </p:sp>
+    </p:spTree>
+    <p:extLst>
+      <p:ext uri="{BB962C8B-B14F-4D97-AF65-F5344CB8AC3E}">
+        <p14:creationId xmlns:p14="http://schemas.microsoft.com/office/powerpoint/2010/main" val="3103752934"/>
+      </p:ext>
+    </p:extLst>
+  </p:cSld>
+  <p:clrMapOvr>
+    <a:masterClrMapping/>
+  </p:clrMapOvr>
+  <mc:AlternateContent xmlns:mc="http://schemas.openxmlformats.org/markup-compatibility/2006" xmlns:p14="http://schemas.microsoft.com/office/powerpoint/2010/main">
+    <mc:Choice Requires="p14">
+      <p:transition spd="med" p14:dur="700">
+        <p:fade/>
+      </p:transition>
+    </mc:Choice>
+    <mc:Fallback xmlns="">
+      <p:transition spd="med">
+        <p:fade/>
+      </p:transition>
+    </mc:Fallback>
+  </mc:AlternateContent>
+  <p:timing>
+    <p:tnLst>
+      <p:par>
+        <p:cTn xmlns:p14="http://schemas.microsoft.com/office/powerpoint/2010/main" id="1" dur="indefinite" restart="never" nodeType="tmRoot"/>
+      </p:par>
+    </p:tnLst>
+  </p:timing>
+</p:sldLayout>
+</file>
+
+<file path=ppt/slideLayouts/slideLayout31.xml><?xml version="1.0" encoding="utf-8"?>
+<p:sldLayout xmlns:a="http://schemas.openxmlformats.org/drawingml/2006/main" xmlns:r="http://schemas.openxmlformats.org/officeDocument/2006/relationships" xmlns:p="http://schemas.openxmlformats.org/presentationml/2006/main" preserve="1" userDrawn="1">
+  <p:cSld name="Bullets Picture Right">
+    <p:spTree>
+      <p:nvGrpSpPr>
+        <p:cNvPr id="1" name=""/>
+        <p:cNvGrpSpPr/>
+        <p:nvPr/>
+      </p:nvGrpSpPr>
+      <p:grpSpPr>
+        <a:xfrm>
+          <a:off x="0" y="0"/>
+          <a:ext cx="0" cy="0"/>
+          <a:chOff x="0" y="0"/>
+          <a:chExt cx="0" cy="0"/>
+        </a:xfrm>
+      </p:grpSpPr>
+      <p:sp>
+        <p:nvSpPr>
+          <p:cNvPr id="2" name="Title 1"/>
+          <p:cNvSpPr>
+            <a:spLocks noGrp="1"/>
+          </p:cNvSpPr>
+          <p:nvPr>
+            <p:ph type="title"/>
+          </p:nvPr>
+        </p:nvSpPr>
+        <p:spPr>
+          <a:xfrm>
+            <a:off x="609602" y="548642"/>
+            <a:ext cx="7782145" cy="609397"/>
+          </a:xfrm>
+        </p:spPr>
+        <p:txBody>
+          <a:bodyPr/>
+          <a:lstStyle>
+            <a:lvl1pPr>
+              <a:defRPr baseline="0"/>
+            </a:lvl1pPr>
+          </a:lstStyle>
+          <a:p>
+            <a:r>
+              <a:rPr lang="en-US" smtClean="0"/>
+              <a:t>Click to edit Master title style</a:t>
+            </a:r>
+            <a:endParaRPr lang="en-US" dirty="0"/>
+          </a:p>
+        </p:txBody>
+      </p:sp>
+      <p:sp>
+        <p:nvSpPr>
+          <p:cNvPr id="5" name="Text Placeholder 4"/>
+          <p:cNvSpPr>
+            <a:spLocks noGrp="1"/>
+          </p:cNvSpPr>
+          <p:nvPr>
+            <p:ph type="body" sz="quarter" idx="10"/>
+          </p:nvPr>
+        </p:nvSpPr>
+        <p:spPr>
+          <a:xfrm>
+            <a:off x="609600" y="1670583"/>
+            <a:ext cx="7782147" cy="4811358"/>
+          </a:xfrm>
+        </p:spPr>
+        <p:txBody>
+          <a:bodyPr>
+            <a:noAutofit/>
+          </a:bodyPr>
+          <a:lstStyle>
+            <a:lvl1pPr>
+              <a:defRPr baseline="0"/>
+            </a:lvl1pPr>
+            <a:lvl2pPr>
+              <a:defRPr baseline="0"/>
+            </a:lvl2pPr>
+            <a:lvl3pPr>
+              <a:defRPr baseline="0"/>
+            </a:lvl3pPr>
+            <a:lvl4pPr>
+              <a:defRPr baseline="0"/>
+            </a:lvl4pPr>
+            <a:lvl5pPr>
+              <a:defRPr baseline="0"/>
+            </a:lvl5pPr>
+          </a:lstStyle>
+          <a:p>
+            <a:pPr lvl="0"/>
+            <a:r>
+              <a:rPr lang="en-US" smtClean="0"/>
+              <a:t>Click to edit Master text styles</a:t>
+            </a:r>
+          </a:p>
+          <a:p>
+            <a:pPr lvl="1"/>
+            <a:r>
+              <a:rPr lang="en-US" smtClean="0"/>
+              <a:t>Second level</a:t>
+            </a:r>
+          </a:p>
+          <a:p>
+            <a:pPr lvl="2"/>
+            <a:r>
+              <a:rPr lang="en-US" smtClean="0"/>
+              <a:t>Third level</a:t>
+            </a:r>
+          </a:p>
+          <a:p>
+            <a:pPr lvl="3"/>
+            <a:r>
+              <a:rPr lang="en-US" smtClean="0"/>
+              <a:t>Fourth level</a:t>
+            </a:r>
+          </a:p>
+          <a:p>
+            <a:pPr lvl="4"/>
+            <a:r>
+              <a:rPr lang="en-US" smtClean="0"/>
+              <a:t>Fifth level</a:t>
+            </a:r>
+            <a:endParaRPr lang="en-US" dirty="0"/>
+          </a:p>
+        </p:txBody>
+      </p:sp>
+      <p:sp>
+        <p:nvSpPr>
+          <p:cNvPr id="3" name="Rectangle 2"/>
+          <p:cNvSpPr/>
+          <p:nvPr userDrawn="1"/>
+        </p:nvSpPr>
+        <p:spPr bwMode="auto">
+          <a:xfrm>
+            <a:off x="9110416" y="0"/>
+            <a:ext cx="5519984" cy="8229600"/>
+          </a:xfrm>
+          <a:prstGeom prst="rect">
+            <a:avLst/>
+          </a:prstGeom>
+          <a:solidFill>
+            <a:srgbClr val="3486A7"/>
+          </a:solidFill>
+          <a:ln>
+            <a:noFill/>
+            <a:headEnd type="none" w="med" len="med"/>
+            <a:tailEnd type="none" w="med" len="med"/>
+          </a:ln>
+          <a:effectLst/>
+        </p:spPr>
+        <p:style>
+          <a:lnRef idx="1">
+            <a:schemeClr val="accent4"/>
+          </a:lnRef>
+          <a:fillRef idx="3">
+            <a:schemeClr val="accent4"/>
+          </a:fillRef>
+          <a:effectRef idx="2">
+            <a:schemeClr val="accent4"/>
+          </a:effectRef>
+          <a:fontRef idx="minor">
+            <a:schemeClr val="lt1"/>
+          </a:fontRef>
+        </p:style>
+        <p:txBody>
+          <a:bodyPr vert="horz" wrap="square" lIns="91436" tIns="45718" rIns="91436" bIns="45718" numCol="1" rtlCol="0" anchor="ctr" anchorCtr="0" compatLnSpc="1">
+            <a:prstTxWarp prst="textNoShape">
+              <a:avLst/>
+            </a:prstTxWarp>
+          </a:bodyPr>
+          <a:lstStyle/>
+          <a:p>
+            <a:pPr algn="ctr" defTabSz="914099"/>
+            <a:endParaRPr lang="en-US" sz="2400" dirty="0" smtClean="0">
+              <a:gradFill>
+                <a:gsLst>
+                  <a:gs pos="0">
+                    <a:srgbClr val="FFFFFF"/>
+                  </a:gs>
+                  <a:gs pos="100000">
+                    <a:srgbClr val="FFFFFF"/>
+                  </a:gs>
+                </a:gsLst>
+                <a:lin ang="5400000" scaled="0"/>
+              </a:gradFill>
+              <a:latin typeface="Gill Sans Light"/>
+              <a:cs typeface="Gill Sans Light"/>
+            </a:endParaRPr>
+          </a:p>
+        </p:txBody>
+      </p:sp>
+      <p:sp>
+        <p:nvSpPr>
+          <p:cNvPr id="7" name="Media Placeholder 6"/>
+          <p:cNvSpPr>
+            <a:spLocks noGrp="1"/>
+          </p:cNvSpPr>
+          <p:nvPr>
+            <p:ph type="media" sz="quarter" idx="11"/>
+          </p:nvPr>
+        </p:nvSpPr>
+        <p:spPr>
+          <a:xfrm>
+            <a:off x="9296400" y="1670050"/>
+            <a:ext cx="5156200" cy="4811713"/>
+          </a:xfrm>
+        </p:spPr>
+        <p:txBody>
+          <a:bodyPr/>
+          <a:lstStyle/>
+          <a:p>
+            <a:endParaRPr lang="en-US"/>
+          </a:p>
+        </p:txBody>
+      </p:sp>
+    </p:spTree>
+    <p:extLst>
+      <p:ext uri="{BB962C8B-B14F-4D97-AF65-F5344CB8AC3E}">
+        <p14:creationId xmlns:p14="http://schemas.microsoft.com/office/powerpoint/2010/main" val="512846880"/>
+      </p:ext>
+    </p:extLst>
+  </p:cSld>
+  <p:clrMapOvr>
+    <a:masterClrMapping/>
+  </p:clrMapOvr>
+  <mc:AlternateContent xmlns:mc="http://schemas.openxmlformats.org/markup-compatibility/2006" xmlns:p14="http://schemas.microsoft.com/office/powerpoint/2010/main">
+    <mc:Choice Requires="p14">
+      <p:transition spd="med" p14:dur="700">
+        <p:fade/>
+      </p:transition>
+    </mc:Choice>
+    <mc:Fallback xmlns="">
+      <p:transition spd="med">
+        <p:fade/>
+      </p:transition>
+    </mc:Fallback>
+  </mc:AlternateContent>
+  <p:timing>
+    <p:tnLst>
+      <p:par>
+        <p:cTn xmlns:p14="http://schemas.microsoft.com/office/powerpoint/2010/main" id="1" dur="indefinite" restart="never" nodeType="tmRoot"/>
+      </p:par>
+    </p:tnLst>
+  </p:timing>
+</p:sldLayout>
+</file>
+
+<file path=ppt/slideLayouts/slideLayout32.xml><?xml version="1.0" encoding="utf-8"?>
+<p:sldLayout xmlns:a="http://schemas.openxmlformats.org/drawingml/2006/main" xmlns:r="http://schemas.openxmlformats.org/officeDocument/2006/relationships" xmlns:p="http://schemas.openxmlformats.org/presentationml/2006/main" preserve="1" userDrawn="1">
   <p:cSld name="Bullets Words Right - Orange">
     <p:spTree>
       <p:nvGrpSpPr>
@@ -5156,7 +6950,7 @@
 </p:sldLayout>
 </file>
 
-<file path=ppt/slideLayouts/slideLayout31.xml><?xml version="1.0" encoding="utf-8"?>
+<file path=ppt/slideLayouts/slideLayout33.xml><?xml version="1.0" encoding="utf-8"?>
 <p:sldLayout xmlns:a="http://schemas.openxmlformats.org/drawingml/2006/main" xmlns:r="http://schemas.openxmlformats.org/officeDocument/2006/relationships" xmlns:p="http://schemas.openxmlformats.org/presentationml/2006/main" preserve="1">
   <p:cSld name="Code">
     <p:spTree>
@@ -5294,7 +7088,7 @@
 </p:sldLayout>
 </file>
 
-<file path=ppt/slideLayouts/slideLayout32.xml><?xml version="1.0" encoding="utf-8"?>
+<file path=ppt/slideLayouts/slideLayout34.xml><?xml version="1.0" encoding="utf-8"?>
 <p:sldLayout xmlns:a="http://schemas.openxmlformats.org/drawingml/2006/main" xmlns:r="http://schemas.openxmlformats.org/officeDocument/2006/relationships" xmlns:p="http://schemas.openxmlformats.org/presentationml/2006/main" preserve="1">
   <p:cSld name="1_Title Only">
     <p:spTree>
@@ -5366,7 +7160,7 @@
 </p:sldLayout>
 </file>
 
-<file path=ppt/slideLayouts/slideLayout33.xml><?xml version="1.0" encoding="utf-8"?>
+<file path=ppt/slideLayouts/slideLayout35.xml><?xml version="1.0" encoding="utf-8"?>
 <p:sldLayout xmlns:a="http://schemas.openxmlformats.org/drawingml/2006/main" xmlns:r="http://schemas.openxmlformats.org/officeDocument/2006/relationships" xmlns:p="http://schemas.openxmlformats.org/presentationml/2006/main" preserve="1" userDrawn="1">
   <p:cSld name="Title Only">
     <p:spTree>
@@ -5762,7 +7556,7 @@
 </p:sldLayout>
 </file>
 
-<file path=ppt/slideLayouts/slideLayout34.xml><?xml version="1.0" encoding="utf-8"?>
+<file path=ppt/slideLayouts/slideLayout36.xml><?xml version="1.0" encoding="utf-8"?>
 <p:sldLayout xmlns:a="http://schemas.openxmlformats.org/drawingml/2006/main" xmlns:r="http://schemas.openxmlformats.org/officeDocument/2006/relationships" xmlns:p="http://schemas.openxmlformats.org/presentationml/2006/main" preserve="1">
   <p:cSld name="Logo Middle">
     <p:spTree>
@@ -5977,7 +7771,7 @@
 </p:sldLayout>
 </file>
 
-<file path=ppt/slideLayouts/slideLayout35.xml><?xml version="1.0" encoding="utf-8"?>
+<file path=ppt/slideLayouts/slideLayout37.xml><?xml version="1.0" encoding="utf-8"?>
 <p:sldLayout xmlns:a="http://schemas.openxmlformats.org/drawingml/2006/main" xmlns:r="http://schemas.openxmlformats.org/officeDocument/2006/relationships" xmlns:p="http://schemas.openxmlformats.org/presentationml/2006/main" preserve="1" userDrawn="1">
   <p:cSld name="Blank">
     <p:spTree>
@@ -6019,7 +7813,7 @@
 </p:sldLayout>
 </file>
 
-<file path=ppt/slideLayouts/slideLayout36.xml><?xml version="1.0" encoding="utf-8"?>
+<file path=ppt/slideLayouts/slideLayout38.xml><?xml version="1.0" encoding="utf-8"?>
 <p:sldLayout xmlns:a="http://schemas.openxmlformats.org/drawingml/2006/main" xmlns:r="http://schemas.openxmlformats.org/officeDocument/2006/relationships" xmlns:p="http://schemas.openxmlformats.org/presentationml/2006/main" preserve="1">
   <p:cSld name="Divider Slide">
     <p:spTree>
@@ -6234,7 +8028,7 @@
 </p:sldLayout>
 </file>
 
-<file path=ppt/slideLayouts/slideLayout37.xml><?xml version="1.0" encoding="utf-8"?>
+<file path=ppt/slideLayouts/slideLayout39.xml><?xml version="1.0" encoding="utf-8"?>
 <p:sldLayout xmlns:a="http://schemas.openxmlformats.org/drawingml/2006/main" xmlns:r="http://schemas.openxmlformats.org/officeDocument/2006/relationships" xmlns:p="http://schemas.openxmlformats.org/presentationml/2006/main" preserve="1">
   <p:cSld name="Thank You">
     <p:spTree>
@@ -8390,7 +10184,7 @@
     <p:bg bwMode="auto">
       <p:bgPr>
         <a:blipFill dpi="0" rotWithShape="1">
-          <a:blip r:embed="rId16"/>
+          <a:blip r:embed="rId18"/>
           <a:srcRect/>
           <a:stretch>
             <a:fillRect/>
@@ -8517,7 +10311,7 @@
           <p:nvPr/>
         </p:nvPicPr>
         <p:blipFill>
-          <a:blip r:embed="rId17">
+          <a:blip r:embed="rId19">
             <a:extLst>
               <a:ext uri="{28A0092B-C50C-407E-A947-70E740481C1C}">
                 <a14:useLocalDpi xmlns:a14="http://schemas.microsoft.com/office/drawing/2010/main" val="0"/>
@@ -8549,18 +10343,20 @@
   <p:sldLayoutIdLst>
     <p:sldLayoutId id="2147483961" r:id="rId1"/>
     <p:sldLayoutId id="2147483962" r:id="rId2"/>
-    <p:sldLayoutId id="2147483976" r:id="rId3"/>
-    <p:sldLayoutId id="2147483977" r:id="rId4"/>
-    <p:sldLayoutId id="2147483978" r:id="rId5"/>
-    <p:sldLayoutId id="2147483979" r:id="rId6"/>
-    <p:sldLayoutId id="2147483980" r:id="rId7"/>
-    <p:sldLayoutId id="2147483963" r:id="rId8"/>
-    <p:sldLayoutId id="2147483981" r:id="rId9"/>
-    <p:sldLayoutId id="2147483964" r:id="rId10"/>
-    <p:sldLayoutId id="2147483965" r:id="rId11"/>
-    <p:sldLayoutId id="2147483966" r:id="rId12"/>
-    <p:sldLayoutId id="2147483967" r:id="rId13"/>
-    <p:sldLayoutId id="2147483968" r:id="rId14"/>
+    <p:sldLayoutId id="2147483983" r:id="rId3"/>
+    <p:sldLayoutId id="2147483976" r:id="rId4"/>
+    <p:sldLayoutId id="2147483982" r:id="rId5"/>
+    <p:sldLayoutId id="2147483977" r:id="rId6"/>
+    <p:sldLayoutId id="2147483978" r:id="rId7"/>
+    <p:sldLayoutId id="2147483979" r:id="rId8"/>
+    <p:sldLayoutId id="2147483980" r:id="rId9"/>
+    <p:sldLayoutId id="2147483963" r:id="rId10"/>
+    <p:sldLayoutId id="2147483981" r:id="rId11"/>
+    <p:sldLayoutId id="2147483964" r:id="rId12"/>
+    <p:sldLayoutId id="2147483965" r:id="rId13"/>
+    <p:sldLayoutId id="2147483966" r:id="rId14"/>
+    <p:sldLayoutId id="2147483967" r:id="rId15"/>
+    <p:sldLayoutId id="2147483968" r:id="rId16"/>
   </p:sldLayoutIdLst>
   <mc:AlternateContent xmlns:mc="http://schemas.openxmlformats.org/markup-compatibility/2006" xmlns:p14="http://schemas.microsoft.com/office/powerpoint/2010/main">
     <mc:Choice Requires="p14">
@@ -8977,7 +10773,7 @@
       </p:grpSpPr>
       <p:sp>
         <p:nvSpPr>
-          <p:cNvPr id="4" name="Title 3"/>
+          <p:cNvPr id="2" name="Title 1"/>
           <p:cNvSpPr>
             <a:spLocks noGrp="1"/>
           </p:cNvSpPr>
@@ -8992,7 +10788,15 @@
           <a:p>
             <a:r>
               <a:rPr lang="en-US" dirty="0" smtClean="0"/>
-              <a:t>Helpful Stuff</a:t>
+              <a:t>Chef Automate </a:t>
+            </a:r>
+            <a:r>
+              <a:rPr lang="mr-IN" dirty="0" smtClean="0"/>
+              <a:t>–</a:t>
+            </a:r>
+            <a:r>
+              <a:rPr lang="en-US" dirty="0" smtClean="0"/>
+              <a:t> Node View</a:t>
             </a:r>
             <a:endParaRPr lang="en-US" dirty="0"/>
           </a:p>
@@ -9000,684 +10804,92 @@
       </p:sp>
       <p:sp>
         <p:nvSpPr>
-          <p:cNvPr id="5" name="Rectangle 4"/>
-          <p:cNvSpPr/>
-          <p:nvPr/>
-        </p:nvSpPr>
-        <p:spPr bwMode="auto">
-          <a:xfrm>
-            <a:off x="609603" y="1796138"/>
-            <a:ext cx="1989623" cy="1832357"/>
-          </a:xfrm>
-          <a:prstGeom prst="rect">
-            <a:avLst/>
-          </a:prstGeom>
-          <a:solidFill>
-            <a:schemeClr val="accent2"/>
-          </a:solidFill>
-          <a:ln>
-            <a:noFill/>
-            <a:headEnd type="none" w="med" len="med"/>
-            <a:tailEnd type="none" w="med" len="med"/>
-          </a:ln>
-          <a:effectLst/>
-        </p:spPr>
-        <p:style>
-          <a:lnRef idx="1">
-            <a:schemeClr val="accent4"/>
-          </a:lnRef>
-          <a:fillRef idx="3">
-            <a:schemeClr val="accent4"/>
-          </a:fillRef>
-          <a:effectRef idx="2">
-            <a:schemeClr val="accent4"/>
-          </a:effectRef>
-          <a:fontRef idx="minor">
-            <a:schemeClr val="lt1"/>
-          </a:fontRef>
-        </p:style>
-        <p:txBody>
-          <a:bodyPr vert="horz" wrap="square" lIns="91436" tIns="45718" rIns="91436" bIns="45718" numCol="1" rtlCol="0" anchor="ctr" anchorCtr="0" compatLnSpc="1">
-            <a:prstTxWarp prst="textNoShape">
-              <a:avLst/>
-            </a:prstTxWarp>
-          </a:bodyPr>
+          <p:cNvPr id="3" name="Text Placeholder 2"/>
+          <p:cNvSpPr>
+            <a:spLocks noGrp="1"/>
+          </p:cNvSpPr>
+          <p:nvPr>
+            <p:ph type="body" sz="quarter" idx="10"/>
+          </p:nvPr>
+        </p:nvSpPr>
+        <p:spPr/>
+        <p:txBody>
+          <a:bodyPr/>
           <a:lstStyle/>
           <a:p>
-            <a:pPr algn="ctr" defTabSz="914099"/>
-            <a:endParaRPr lang="en-US" sz="2400" dirty="0" err="1" smtClean="0">
-              <a:gradFill>
-                <a:gsLst>
-                  <a:gs pos="0">
-                    <a:srgbClr val="FFFFFF"/>
-                  </a:gs>
-                  <a:gs pos="100000">
-                    <a:srgbClr val="FFFFFF"/>
-                  </a:gs>
-                </a:gsLst>
-                <a:lin ang="5400000" scaled="0"/>
-              </a:gradFill>
-              <a:latin typeface="Gill Sans Light"/>
-            </a:endParaRPr>
-          </a:p>
-        </p:txBody>
-      </p:sp>
-      <p:sp>
-        <p:nvSpPr>
-          <p:cNvPr id="6" name="Rectangle 5"/>
-          <p:cNvSpPr/>
-          <p:nvPr/>
-        </p:nvSpPr>
-        <p:spPr bwMode="auto">
-          <a:xfrm>
-            <a:off x="2893918" y="1796138"/>
-            <a:ext cx="1989623" cy="1832357"/>
-          </a:xfrm>
-          <a:prstGeom prst="rect">
-            <a:avLst/>
-          </a:prstGeom>
-          <a:solidFill>
-            <a:schemeClr val="accent1"/>
-          </a:solidFill>
-          <a:ln>
-            <a:noFill/>
-            <a:headEnd type="none" w="med" len="med"/>
-            <a:tailEnd type="none" w="med" len="med"/>
-          </a:ln>
-          <a:effectLst/>
-        </p:spPr>
-        <p:style>
-          <a:lnRef idx="1">
-            <a:schemeClr val="accent4"/>
-          </a:lnRef>
-          <a:fillRef idx="3">
-            <a:schemeClr val="accent4"/>
-          </a:fillRef>
-          <a:effectRef idx="2">
-            <a:schemeClr val="accent4"/>
-          </a:effectRef>
-          <a:fontRef idx="minor">
-            <a:schemeClr val="lt1"/>
-          </a:fontRef>
-        </p:style>
-        <p:txBody>
-          <a:bodyPr vert="horz" wrap="square" lIns="91436" tIns="45718" rIns="91436" bIns="45718" numCol="1" rtlCol="0" anchor="ctr" anchorCtr="0" compatLnSpc="1">
-            <a:prstTxWarp prst="textNoShape">
-              <a:avLst/>
-            </a:prstTxWarp>
-          </a:bodyPr>
-          <a:lstStyle/>
-          <a:p>
-            <a:pPr algn="ctr" defTabSz="914099"/>
-            <a:endParaRPr lang="en-US" sz="2400" dirty="0" err="1" smtClean="0">
-              <a:gradFill>
-                <a:gsLst>
-                  <a:gs pos="0">
-                    <a:srgbClr val="FFFFFF"/>
-                  </a:gs>
-                  <a:gs pos="100000">
-                    <a:srgbClr val="FFFFFF"/>
-                  </a:gs>
-                </a:gsLst>
-                <a:lin ang="5400000" scaled="0"/>
-              </a:gradFill>
-              <a:latin typeface="Gill Sans Light"/>
-            </a:endParaRPr>
-          </a:p>
-        </p:txBody>
-      </p:sp>
-      <p:sp>
-        <p:nvSpPr>
-          <p:cNvPr id="7" name="Rectangle 6"/>
-          <p:cNvSpPr/>
-          <p:nvPr/>
-        </p:nvSpPr>
-        <p:spPr bwMode="auto">
-          <a:xfrm>
-            <a:off x="5178234" y="1796138"/>
-            <a:ext cx="1989623" cy="1832357"/>
-          </a:xfrm>
-          <a:prstGeom prst="rect">
-            <a:avLst/>
-          </a:prstGeom>
-          <a:solidFill>
-            <a:schemeClr val="accent3"/>
-          </a:solidFill>
-          <a:ln>
-            <a:noFill/>
-            <a:headEnd type="none" w="med" len="med"/>
-            <a:tailEnd type="none" w="med" len="med"/>
-          </a:ln>
-          <a:effectLst/>
-        </p:spPr>
-        <p:style>
-          <a:lnRef idx="1">
-            <a:schemeClr val="accent4"/>
-          </a:lnRef>
-          <a:fillRef idx="3">
-            <a:schemeClr val="accent4"/>
-          </a:fillRef>
-          <a:effectRef idx="2">
-            <a:schemeClr val="accent4"/>
-          </a:effectRef>
-          <a:fontRef idx="minor">
-            <a:schemeClr val="lt1"/>
-          </a:fontRef>
-        </p:style>
-        <p:txBody>
-          <a:bodyPr vert="horz" wrap="square" lIns="91436" tIns="45718" rIns="91436" bIns="45718" numCol="1" rtlCol="0" anchor="ctr" anchorCtr="0" compatLnSpc="1">
-            <a:prstTxWarp prst="textNoShape">
-              <a:avLst/>
-            </a:prstTxWarp>
-          </a:bodyPr>
-          <a:lstStyle/>
-          <a:p>
-            <a:pPr algn="ctr" defTabSz="914099"/>
-            <a:endParaRPr lang="en-US" sz="2400" dirty="0" err="1" smtClean="0">
-              <a:gradFill>
-                <a:gsLst>
-                  <a:gs pos="0">
-                    <a:srgbClr val="FFFFFF"/>
-                  </a:gs>
-                  <a:gs pos="100000">
-                    <a:srgbClr val="FFFFFF"/>
-                  </a:gs>
-                </a:gsLst>
-                <a:lin ang="5400000" scaled="0"/>
-              </a:gradFill>
-              <a:latin typeface="Gill Sans Light"/>
-            </a:endParaRPr>
-          </a:p>
-        </p:txBody>
-      </p:sp>
-      <p:sp>
-        <p:nvSpPr>
-          <p:cNvPr id="8" name="Rectangle 7"/>
-          <p:cNvSpPr/>
-          <p:nvPr/>
-        </p:nvSpPr>
-        <p:spPr bwMode="auto">
-          <a:xfrm>
-            <a:off x="7462549" y="1796138"/>
-            <a:ext cx="1989623" cy="1832357"/>
-          </a:xfrm>
-          <a:prstGeom prst="rect">
-            <a:avLst/>
-          </a:prstGeom>
-          <a:solidFill>
-            <a:schemeClr val="accent4"/>
-          </a:solidFill>
-          <a:ln>
-            <a:noFill/>
-            <a:headEnd type="none" w="med" len="med"/>
-            <a:tailEnd type="none" w="med" len="med"/>
-          </a:ln>
-          <a:effectLst/>
-        </p:spPr>
-        <p:style>
-          <a:lnRef idx="1">
-            <a:schemeClr val="accent4"/>
-          </a:lnRef>
-          <a:fillRef idx="3">
-            <a:schemeClr val="accent4"/>
-          </a:fillRef>
-          <a:effectRef idx="2">
-            <a:schemeClr val="accent4"/>
-          </a:effectRef>
-          <a:fontRef idx="minor">
-            <a:schemeClr val="lt1"/>
-          </a:fontRef>
-        </p:style>
-        <p:txBody>
-          <a:bodyPr vert="horz" wrap="square" lIns="91436" tIns="45718" rIns="91436" bIns="45718" numCol="1" rtlCol="0" anchor="ctr" anchorCtr="0" compatLnSpc="1">
-            <a:prstTxWarp prst="textNoShape">
-              <a:avLst/>
-            </a:prstTxWarp>
-          </a:bodyPr>
-          <a:lstStyle/>
-          <a:p>
-            <a:pPr algn="ctr" defTabSz="914099"/>
-            <a:endParaRPr lang="en-US" sz="2400" dirty="0" err="1" smtClean="0">
-              <a:gradFill>
-                <a:gsLst>
-                  <a:gs pos="0">
-                    <a:srgbClr val="FFFFFF"/>
-                  </a:gs>
-                  <a:gs pos="100000">
-                    <a:srgbClr val="FFFFFF"/>
-                  </a:gs>
-                </a:gsLst>
-                <a:lin ang="5400000" scaled="0"/>
-              </a:gradFill>
-              <a:latin typeface="Gill Sans Light"/>
-            </a:endParaRPr>
-          </a:p>
-        </p:txBody>
-      </p:sp>
-      <p:sp>
-        <p:nvSpPr>
-          <p:cNvPr id="9" name="Rectangle 8"/>
-          <p:cNvSpPr/>
-          <p:nvPr/>
-        </p:nvSpPr>
-        <p:spPr bwMode="auto">
-          <a:xfrm>
-            <a:off x="9746864" y="1796138"/>
-            <a:ext cx="1989623" cy="1832357"/>
-          </a:xfrm>
-          <a:prstGeom prst="rect">
-            <a:avLst/>
-          </a:prstGeom>
-          <a:solidFill>
-            <a:schemeClr val="accent5"/>
-          </a:solidFill>
-          <a:ln>
-            <a:noFill/>
-            <a:headEnd type="none" w="med" len="med"/>
-            <a:tailEnd type="none" w="med" len="med"/>
-          </a:ln>
-          <a:effectLst/>
-        </p:spPr>
-        <p:style>
-          <a:lnRef idx="1">
-            <a:schemeClr val="accent4"/>
-          </a:lnRef>
-          <a:fillRef idx="3">
-            <a:schemeClr val="accent4"/>
-          </a:fillRef>
-          <a:effectRef idx="2">
-            <a:schemeClr val="accent4"/>
-          </a:effectRef>
-          <a:fontRef idx="minor">
-            <a:schemeClr val="lt1"/>
-          </a:fontRef>
-        </p:style>
-        <p:txBody>
-          <a:bodyPr vert="horz" wrap="square" lIns="91436" tIns="45718" rIns="91436" bIns="45718" numCol="1" rtlCol="0" anchor="ctr" anchorCtr="0" compatLnSpc="1">
-            <a:prstTxWarp prst="textNoShape">
-              <a:avLst/>
-            </a:prstTxWarp>
-          </a:bodyPr>
-          <a:lstStyle/>
-          <a:p>
-            <a:pPr algn="ctr" defTabSz="914099"/>
-            <a:endParaRPr lang="en-US" sz="2400" dirty="0" err="1" smtClean="0">
-              <a:gradFill>
-                <a:gsLst>
-                  <a:gs pos="0">
-                    <a:srgbClr val="FFFFFF"/>
-                  </a:gs>
-                  <a:gs pos="100000">
-                    <a:srgbClr val="FFFFFF"/>
-                  </a:gs>
-                </a:gsLst>
-                <a:lin ang="5400000" scaled="0"/>
-              </a:gradFill>
-              <a:latin typeface="Gill Sans Light"/>
-            </a:endParaRPr>
-          </a:p>
-        </p:txBody>
-      </p:sp>
-      <p:sp>
-        <p:nvSpPr>
-          <p:cNvPr id="10" name="Rectangle 9"/>
-          <p:cNvSpPr/>
-          <p:nvPr/>
-        </p:nvSpPr>
-        <p:spPr bwMode="auto">
-          <a:xfrm>
-            <a:off x="12031180" y="1796138"/>
-            <a:ext cx="1989623" cy="1832357"/>
-          </a:xfrm>
-          <a:prstGeom prst="rect">
-            <a:avLst/>
-          </a:prstGeom>
-          <a:solidFill>
-            <a:schemeClr val="accent6"/>
-          </a:solidFill>
-          <a:ln>
-            <a:noFill/>
-            <a:headEnd type="none" w="med" len="med"/>
-            <a:tailEnd type="none" w="med" len="med"/>
-          </a:ln>
-          <a:effectLst/>
-        </p:spPr>
-        <p:style>
-          <a:lnRef idx="1">
-            <a:schemeClr val="accent4"/>
-          </a:lnRef>
-          <a:fillRef idx="3">
-            <a:schemeClr val="accent4"/>
-          </a:fillRef>
-          <a:effectRef idx="2">
-            <a:schemeClr val="accent4"/>
-          </a:effectRef>
-          <a:fontRef idx="minor">
-            <a:schemeClr val="lt1"/>
-          </a:fontRef>
-        </p:style>
-        <p:txBody>
-          <a:bodyPr vert="horz" wrap="square" lIns="91436" tIns="45718" rIns="91436" bIns="45718" numCol="1" rtlCol="0" anchor="ctr" anchorCtr="0" compatLnSpc="1">
-            <a:prstTxWarp prst="textNoShape">
-              <a:avLst/>
-            </a:prstTxWarp>
-          </a:bodyPr>
-          <a:lstStyle/>
-          <a:p>
-            <a:pPr algn="ctr" defTabSz="914099"/>
-            <a:endParaRPr lang="en-US" sz="2400" dirty="0" err="1" smtClean="0">
-              <a:gradFill>
-                <a:gsLst>
-                  <a:gs pos="0">
-                    <a:srgbClr val="FFFFFF"/>
-                  </a:gs>
-                  <a:gs pos="100000">
-                    <a:srgbClr val="FFFFFF"/>
-                  </a:gs>
-                </a:gsLst>
-                <a:lin ang="5400000" scaled="0"/>
-              </a:gradFill>
-              <a:latin typeface="Gill Sans Light"/>
-            </a:endParaRPr>
-          </a:p>
-        </p:txBody>
-      </p:sp>
-      <p:sp>
-        <p:nvSpPr>
-          <p:cNvPr id="17" name="Rectangle 16"/>
-          <p:cNvSpPr/>
-          <p:nvPr/>
-        </p:nvSpPr>
-        <p:spPr bwMode="auto">
-          <a:xfrm>
-            <a:off x="609602" y="3865893"/>
-            <a:ext cx="4273939" cy="3672385"/>
-          </a:xfrm>
-          <a:prstGeom prst="rect">
-            <a:avLst/>
-          </a:prstGeom>
-          <a:solidFill>
-            <a:schemeClr val="accent1"/>
-          </a:solidFill>
-          <a:ln>
-            <a:noFill/>
-            <a:headEnd type="none" w="med" len="med"/>
-            <a:tailEnd type="none" w="med" len="med"/>
-          </a:ln>
-          <a:effectLst/>
-        </p:spPr>
-        <p:style>
-          <a:lnRef idx="1">
-            <a:schemeClr val="accent4"/>
-          </a:lnRef>
-          <a:fillRef idx="3">
-            <a:schemeClr val="accent4"/>
-          </a:fillRef>
-          <a:effectRef idx="2">
-            <a:schemeClr val="accent4"/>
-          </a:effectRef>
-          <a:fontRef idx="minor">
-            <a:schemeClr val="lt1"/>
-          </a:fontRef>
-        </p:style>
-        <p:txBody>
-          <a:bodyPr rot="0" spcFirstLastPara="0" vertOverflow="overflow" horzOverflow="overflow" vert="horz" wrap="square" lIns="91436" tIns="45718" rIns="91436" bIns="45718" numCol="1" spcCol="0" rtlCol="0" fromWordArt="0" anchor="ctr" anchorCtr="0" forceAA="0" compatLnSpc="1">
-            <a:prstTxWarp prst="textNoShape">
-              <a:avLst/>
-            </a:prstTxWarp>
-            <a:noAutofit/>
-          </a:bodyPr>
-          <a:lstStyle/>
-          <a:p>
-            <a:pPr algn="ctr" defTabSz="914099"/>
-            <a:r>
-              <a:rPr lang="en-US" sz="3600" dirty="0" smtClean="0">
-                <a:gradFill>
-                  <a:gsLst>
-                    <a:gs pos="0">
-                      <a:srgbClr val="FFFFFF"/>
-                    </a:gs>
-                    <a:gs pos="100000">
-                      <a:srgbClr val="FFFFFF"/>
-                    </a:gs>
-                  </a:gsLst>
-                  <a:lin ang="5400000" scaled="0"/>
-                </a:gradFill>
-                <a:latin typeface="Gill Sans Light"/>
-                <a:cs typeface="Gill Sans Light"/>
-              </a:rPr>
-              <a:t>Font:</a:t>
-            </a:r>
-            <a:endParaRPr lang="en-US" sz="3600" dirty="0">
-              <a:gradFill>
-                <a:gsLst>
-                  <a:gs pos="0">
-                    <a:srgbClr val="FFFFFF"/>
-                  </a:gs>
-                  <a:gs pos="100000">
-                    <a:srgbClr val="FFFFFF"/>
-                  </a:gs>
-                </a:gsLst>
-                <a:lin ang="5400000" scaled="0"/>
-              </a:gradFill>
-              <a:latin typeface="Gill Sans Light"/>
-              <a:cs typeface="Gill Sans Light"/>
-            </a:endParaRPr>
-          </a:p>
-          <a:p>
-            <a:pPr algn="ctr" defTabSz="914099"/>
-            <a:r>
-              <a:rPr lang="en-US" sz="2400" dirty="0" smtClean="0">
-                <a:gradFill>
-                  <a:gsLst>
-                    <a:gs pos="0">
-                      <a:srgbClr val="FFFFFF"/>
-                    </a:gs>
-                    <a:gs pos="100000">
-                      <a:srgbClr val="FFFFFF"/>
-                    </a:gs>
-                  </a:gsLst>
-                  <a:lin ang="5400000" scaled="0"/>
-                </a:gradFill>
-                <a:latin typeface="Gill Sans Light"/>
-                <a:cs typeface="Gill Sans Light"/>
-              </a:rPr>
-              <a:t>Please use Gill Sans Light</a:t>
-            </a:r>
-          </a:p>
-          <a:p>
-            <a:pPr algn="ctr" defTabSz="914099"/>
-            <a:r>
-              <a:rPr lang="en-US" sz="2400" dirty="0" smtClean="0">
-                <a:gradFill>
-                  <a:gsLst>
-                    <a:gs pos="0">
-                      <a:srgbClr val="FFFFFF"/>
-                    </a:gs>
-                    <a:gs pos="100000">
-                      <a:srgbClr val="FFFFFF"/>
-                    </a:gs>
-                  </a:gsLst>
-                  <a:lin ang="5400000" scaled="0"/>
-                </a:gradFill>
-                <a:latin typeface="Gill Sans Light"/>
-                <a:cs typeface="Gill Sans Light"/>
-                <a:hlinkClick r:id="rId2"/>
-              </a:rPr>
-              <a:t>(available for download here)</a:t>
-            </a:r>
-            <a:endParaRPr lang="en-US" sz="2400" dirty="0" smtClean="0">
-              <a:gradFill>
-                <a:gsLst>
-                  <a:gs pos="0">
-                    <a:srgbClr val="FFFFFF"/>
-                  </a:gs>
-                  <a:gs pos="100000">
-                    <a:srgbClr val="FFFFFF"/>
-                  </a:gs>
-                </a:gsLst>
-                <a:lin ang="5400000" scaled="0"/>
-              </a:gradFill>
-              <a:latin typeface="Gill Sans Light"/>
-              <a:cs typeface="Gill Sans Light"/>
-            </a:endParaRPr>
-          </a:p>
-        </p:txBody>
-      </p:sp>
-      <p:sp>
-        <p:nvSpPr>
-          <p:cNvPr id="18" name="Rectangle 17"/>
-          <p:cNvSpPr/>
-          <p:nvPr/>
-        </p:nvSpPr>
-        <p:spPr bwMode="auto">
-          <a:xfrm>
-            <a:off x="5178233" y="3865893"/>
-            <a:ext cx="6558253" cy="3672385"/>
-          </a:xfrm>
-          <a:prstGeom prst="rect">
-            <a:avLst/>
-          </a:prstGeom>
-          <a:solidFill>
-            <a:srgbClr val="3897D3"/>
-          </a:solidFill>
-          <a:ln>
-            <a:noFill/>
-            <a:headEnd type="none" w="med" len="med"/>
-            <a:tailEnd type="none" w="med" len="med"/>
-          </a:ln>
-          <a:effectLst/>
-        </p:spPr>
-        <p:style>
-          <a:lnRef idx="1">
-            <a:schemeClr val="accent4"/>
-          </a:lnRef>
-          <a:fillRef idx="3">
-            <a:schemeClr val="accent4"/>
-          </a:fillRef>
-          <a:effectRef idx="2">
-            <a:schemeClr val="accent4"/>
-          </a:effectRef>
-          <a:fontRef idx="minor">
-            <a:schemeClr val="lt1"/>
-          </a:fontRef>
-        </p:style>
-        <p:txBody>
-          <a:bodyPr vert="horz" wrap="square" lIns="91436" tIns="45718" rIns="91436" bIns="45718" numCol="1" rtlCol="0" anchor="ctr" anchorCtr="0" compatLnSpc="1">
-            <a:prstTxWarp prst="textNoShape">
-              <a:avLst/>
-            </a:prstTxWarp>
-          </a:bodyPr>
-          <a:lstStyle/>
-          <a:p>
-            <a:pPr algn="ctr" defTabSz="914099"/>
-            <a:r>
-              <a:rPr lang="en-US" sz="2400" dirty="0" smtClean="0">
-                <a:gradFill>
-                  <a:gsLst>
-                    <a:gs pos="0">
-                      <a:srgbClr val="FFFFFF"/>
-                    </a:gs>
-                    <a:gs pos="100000">
-                      <a:srgbClr val="FFFFFF"/>
-                    </a:gs>
-                  </a:gsLst>
-                  <a:lin ang="5400000" scaled="0"/>
-                </a:gradFill>
-                <a:latin typeface="Gill Sans Light"/>
-              </a:rPr>
-              <a:t>When pasting graphics from another presentation, click the clipboard icon after pasting and select </a:t>
-            </a:r>
-            <a:r>
-              <a:rPr lang="en-US" sz="2400" dirty="0" smtClean="0">
-                <a:gradFill>
-                  <a:gsLst>
-                    <a:gs pos="0">
-                      <a:srgbClr val="FFFFFF"/>
-                    </a:gs>
-                    <a:gs pos="100000">
-                      <a:srgbClr val="FFFFFF"/>
-                    </a:gs>
-                  </a:gsLst>
-                  <a:lin ang="5400000" scaled="0"/>
-                </a:gradFill>
-                <a:latin typeface="Gill Sans SemiBold"/>
-                <a:cs typeface="Gill Sans SemiBold"/>
-              </a:rPr>
-              <a:t>“Keep Source Formatting”</a:t>
-            </a:r>
-          </a:p>
-        </p:txBody>
-      </p:sp>
-      <p:pic>
-        <p:nvPicPr>
-          <p:cNvPr id="19" name="Picture 18" descr="Screen Shot 2015-04-20 at 2.22.37 PM.png"/>
-          <p:cNvPicPr>
-            <a:picLocks noChangeAspect="1"/>
-          </p:cNvPicPr>
-          <p:nvPr/>
-        </p:nvPicPr>
-        <p:blipFill>
-          <a:blip r:embed="rId3">
-            <a:extLst>
-              <a:ext uri="{28A0092B-C50C-407E-A947-70E740481C1C}">
-                <a14:useLocalDpi xmlns:a14="http://schemas.microsoft.com/office/drawing/2010/main" val="0"/>
-              </a:ext>
-            </a:extLst>
-          </a:blip>
-          <a:stretch>
-            <a:fillRect/>
-          </a:stretch>
-        </p:blipFill>
-        <p:spPr>
-          <a:xfrm>
-            <a:off x="8235641" y="4592773"/>
-            <a:ext cx="431800" cy="431800"/>
-          </a:xfrm>
-          <a:prstGeom prst="rect">
-            <a:avLst/>
-          </a:prstGeom>
-        </p:spPr>
-      </p:pic>
-      <p:sp>
-        <p:nvSpPr>
-          <p:cNvPr id="20" name="TextBox 19"/>
-          <p:cNvSpPr txBox="1"/>
-          <p:nvPr/>
-        </p:nvSpPr>
-        <p:spPr>
-          <a:xfrm>
-            <a:off x="601593" y="1358559"/>
-            <a:ext cx="1676090" cy="369332"/>
-          </a:xfrm>
-          <a:prstGeom prst="rect">
-            <a:avLst/>
-          </a:prstGeom>
-          <a:noFill/>
-        </p:spPr>
-        <p:txBody>
-          <a:bodyPr wrap="none" lIns="0" tIns="0" rIns="0" bIns="0" rtlCol="0">
-            <a:spAutoFit/>
-          </a:bodyPr>
-          <a:lstStyle/>
-          <a:p>
-            <a:r>
-              <a:rPr lang="en-US" sz="2400" dirty="0" smtClean="0">
-                <a:solidFill>
-                  <a:schemeClr val="accent2"/>
-                </a:solidFill>
-                <a:latin typeface="Gill Sans Light"/>
-                <a:cs typeface="Gill Sans Light"/>
-              </a:rPr>
-              <a:t>Brand Colors:</a:t>
-            </a:r>
+            <a:r>
+              <a:rPr lang="en-US" dirty="0" smtClean="0"/>
+              <a:t>View aggregate status of your infrastructure</a:t>
+            </a:r>
+          </a:p>
+          <a:p>
+            <a:pPr lvl="1"/>
+            <a:r>
+              <a:rPr lang="en-US" dirty="0" smtClean="0"/>
+              <a:t>Overall &amp; trend views of converge status</a:t>
+            </a:r>
+          </a:p>
+          <a:p>
+            <a:pPr lvl="1"/>
+            <a:r>
+              <a:rPr lang="en-US" dirty="0"/>
+              <a:t>Overall &amp; trend views of c</a:t>
+            </a:r>
+            <a:r>
+              <a:rPr lang="en-US" dirty="0" smtClean="0"/>
+              <a:t>ompliance status</a:t>
+            </a:r>
+          </a:p>
+          <a:p>
+            <a:pPr lvl="1"/>
+            <a:r>
+              <a:rPr lang="en-US" dirty="0" smtClean="0"/>
+              <a:t>Filter &amp; search options</a:t>
+            </a:r>
+          </a:p>
+          <a:p>
+            <a:r>
+              <a:rPr lang="en-US" dirty="0" smtClean="0"/>
+              <a:t>View details of any node</a:t>
+            </a:r>
+          </a:p>
+          <a:p>
+            <a:pPr lvl="1"/>
+            <a:r>
+              <a:rPr lang="en-US" dirty="0" smtClean="0"/>
+              <a:t>Status of converged resources</a:t>
+            </a:r>
+          </a:p>
+          <a:p>
+            <a:pPr lvl="1"/>
+            <a:r>
+              <a:rPr lang="en-US" dirty="0" smtClean="0"/>
+              <a:t>Run List applied to the node</a:t>
+            </a:r>
+          </a:p>
+          <a:p>
+            <a:pPr lvl="1"/>
+            <a:r>
+              <a:rPr lang="en-US" dirty="0" smtClean="0"/>
+              <a:t>Attributes of the node</a:t>
+            </a:r>
+          </a:p>
+          <a:p>
+            <a:pPr lvl="1"/>
+            <a:endParaRPr lang="en-US" dirty="0" smtClean="0"/>
+          </a:p>
+          <a:p>
+            <a:endParaRPr lang="en-US" dirty="0" smtClean="0"/>
+          </a:p>
+          <a:p>
+            <a:endParaRPr lang="en-US" dirty="0" smtClean="0"/>
           </a:p>
         </p:txBody>
       </p:sp>
     </p:spTree>
     <p:extLst>
       <p:ext uri="{BB962C8B-B14F-4D97-AF65-F5344CB8AC3E}">
-        <p14:creationId xmlns:p14="http://schemas.microsoft.com/office/powerpoint/2010/main" val="3558496404"/>
+        <p14:creationId xmlns:p14="http://schemas.microsoft.com/office/powerpoint/2010/main" val="3834822692"/>
       </p:ext>
     </p:extLst>
   </p:cSld>
@@ -9723,10 +10935,1215 @@
           <a:chExt cx="0" cy="0"/>
         </a:xfrm>
       </p:grpSpPr>
+      <p:sp>
+        <p:nvSpPr>
+          <p:cNvPr id="2" name="Title 1"/>
+          <p:cNvSpPr>
+            <a:spLocks noGrp="1"/>
+          </p:cNvSpPr>
+          <p:nvPr>
+            <p:ph type="title"/>
+          </p:nvPr>
+        </p:nvSpPr>
+        <p:spPr/>
+        <p:txBody>
+          <a:bodyPr/>
+          <a:lstStyle/>
+          <a:p>
+            <a:r>
+              <a:rPr lang="en-US" dirty="0" smtClean="0"/>
+              <a:t>Chef Solo</a:t>
+            </a:r>
+            <a:endParaRPr lang="en-US" dirty="0"/>
+          </a:p>
+        </p:txBody>
+      </p:sp>
+      <p:sp>
+        <p:nvSpPr>
+          <p:cNvPr id="4" name="Text Placeholder 3"/>
+          <p:cNvSpPr>
+            <a:spLocks noGrp="1"/>
+          </p:cNvSpPr>
+          <p:nvPr>
+            <p:ph type="body" sz="quarter" idx="10"/>
+          </p:nvPr>
+        </p:nvSpPr>
+        <p:spPr/>
+        <p:txBody>
+          <a:bodyPr/>
+          <a:lstStyle/>
+          <a:p>
+            <a:r>
+              <a:rPr lang="en-US" dirty="0" smtClean="0"/>
+              <a:t>Executes </a:t>
+            </a:r>
+            <a:r>
+              <a:rPr lang="en-US" dirty="0"/>
+              <a:t>chef-client </a:t>
+            </a:r>
+            <a:r>
+              <a:rPr lang="en-US" dirty="0" smtClean="0"/>
+              <a:t>without relying on a Chef server to provide configuration policies (cookbooks, environments, etc.)</a:t>
+            </a:r>
+          </a:p>
+          <a:p>
+            <a:endParaRPr lang="en-US" dirty="0"/>
+          </a:p>
+          <a:p>
+            <a:r>
+              <a:rPr lang="en-US" dirty="0"/>
+              <a:t>https://</a:t>
+            </a:r>
+            <a:r>
+              <a:rPr lang="en-US" dirty="0" err="1"/>
+              <a:t>docs.chef.io</a:t>
+            </a:r>
+            <a:r>
+              <a:rPr lang="en-US" dirty="0"/>
+              <a:t>/</a:t>
+            </a:r>
+            <a:r>
+              <a:rPr lang="en-US" dirty="0" err="1"/>
+              <a:t>chef_solo.html</a:t>
+            </a:r>
+            <a:endParaRPr lang="en-US" dirty="0"/>
+          </a:p>
+        </p:txBody>
+      </p:sp>
     </p:spTree>
     <p:extLst>
       <p:ext uri="{BB962C8B-B14F-4D97-AF65-F5344CB8AC3E}">
-        <p14:creationId xmlns:p14="http://schemas.microsoft.com/office/powerpoint/2010/main" val="1247420561"/>
+        <p14:creationId xmlns:p14="http://schemas.microsoft.com/office/powerpoint/2010/main" val="702500588"/>
+      </p:ext>
+    </p:extLst>
+  </p:cSld>
+  <p:clrMapOvr>
+    <a:masterClrMapping/>
+  </p:clrMapOvr>
+  <mc:AlternateContent xmlns:mc="http://schemas.openxmlformats.org/markup-compatibility/2006" xmlns:p14="http://schemas.microsoft.com/office/powerpoint/2010/main">
+    <mc:Choice Requires="p14">
+      <p:transition spd="med" p14:dur="700">
+        <p:fade/>
+      </p:transition>
+    </mc:Choice>
+    <mc:Fallback xmlns="">
+      <p:transition spd="med">
+        <p:fade/>
+      </p:transition>
+    </mc:Fallback>
+  </mc:AlternateContent>
+  <p:timing>
+    <p:tnLst>
+      <p:par>
+        <p:cTn xmlns:p14="http://schemas.microsoft.com/office/powerpoint/2010/main" id="1" dur="indefinite" restart="never" nodeType="tmRoot"/>
+      </p:par>
+    </p:tnLst>
+  </p:timing>
+</p:sld>
+</file>
+
+<file path=ppt/slides/slide12.xml><?xml version="1.0" encoding="utf-8"?>
+<p:sld xmlns:a="http://schemas.openxmlformats.org/drawingml/2006/main" xmlns:r="http://schemas.openxmlformats.org/officeDocument/2006/relationships" xmlns:p="http://schemas.openxmlformats.org/presentationml/2006/main">
+  <p:cSld>
+    <p:spTree>
+      <p:nvGrpSpPr>
+        <p:cNvPr id="1" name=""/>
+        <p:cNvGrpSpPr/>
+        <p:nvPr/>
+      </p:nvGrpSpPr>
+      <p:grpSpPr>
+        <a:xfrm>
+          <a:off x="0" y="0"/>
+          <a:ext cx="0" cy="0"/>
+          <a:chOff x="0" y="0"/>
+          <a:chExt cx="0" cy="0"/>
+        </a:xfrm>
+      </p:grpSpPr>
+      <p:sp>
+        <p:nvSpPr>
+          <p:cNvPr id="2" name="Title 1"/>
+          <p:cNvSpPr>
+            <a:spLocks noGrp="1"/>
+          </p:cNvSpPr>
+          <p:nvPr>
+            <p:ph type="title"/>
+          </p:nvPr>
+        </p:nvSpPr>
+        <p:spPr/>
+        <p:txBody>
+          <a:bodyPr/>
+          <a:lstStyle/>
+          <a:p>
+            <a:r>
+              <a:rPr lang="en-US" dirty="0" smtClean="0"/>
+              <a:t>Chef Solo</a:t>
+            </a:r>
+            <a:endParaRPr lang="en-US" dirty="0"/>
+          </a:p>
+        </p:txBody>
+      </p:sp>
+      <p:sp>
+        <p:nvSpPr>
+          <p:cNvPr id="3" name="Text Placeholder 2"/>
+          <p:cNvSpPr>
+            <a:spLocks noGrp="1"/>
+          </p:cNvSpPr>
+          <p:nvPr>
+            <p:ph type="body" sz="quarter" idx="10"/>
+          </p:nvPr>
+        </p:nvSpPr>
+        <p:spPr/>
+        <p:txBody>
+          <a:bodyPr/>
+          <a:lstStyle/>
+          <a:p>
+            <a:r>
+              <a:rPr lang="en-US" dirty="0" smtClean="0"/>
+              <a:t>Local directory for configuration policy</a:t>
+            </a:r>
+          </a:p>
+          <a:p>
+            <a:pPr lvl="1"/>
+            <a:r>
+              <a:rPr lang="en-US" dirty="0" smtClean="0"/>
+              <a:t>Or a URL from which a </a:t>
+            </a:r>
+            <a:r>
+              <a:rPr lang="en-US" dirty="0" smtClean="0">
+                <a:latin typeface="Consolas"/>
+                <a:cs typeface="Consolas"/>
+              </a:rPr>
+              <a:t>.</a:t>
+            </a:r>
+            <a:r>
+              <a:rPr lang="en-US" dirty="0" err="1" smtClean="0">
+                <a:latin typeface="Consolas"/>
+                <a:cs typeface="Consolas"/>
+              </a:rPr>
+              <a:t>tar.gz</a:t>
+            </a:r>
+            <a:r>
+              <a:rPr lang="en-US" dirty="0" smtClean="0">
+                <a:latin typeface="Consolas"/>
+                <a:cs typeface="Consolas"/>
+              </a:rPr>
+              <a:t> </a:t>
+            </a:r>
+            <a:r>
+              <a:rPr lang="en-US" dirty="0" smtClean="0"/>
+              <a:t>file can be downloaded</a:t>
+            </a:r>
+          </a:p>
+          <a:p>
+            <a:r>
+              <a:rPr lang="en-US" dirty="0" smtClean="0"/>
+              <a:t>Node objects stored as a local JSON file</a:t>
+            </a:r>
+          </a:p>
+          <a:p>
+            <a:r>
+              <a:rPr lang="en-US" dirty="0" smtClean="0"/>
+              <a:t>Attribute data stored in a JSON file</a:t>
+            </a:r>
+          </a:p>
+          <a:p>
+            <a:pPr lvl="1"/>
+            <a:r>
+              <a:rPr lang="en-US" dirty="0" smtClean="0"/>
+              <a:t>Local or remote</a:t>
+            </a:r>
+          </a:p>
+          <a:p>
+            <a:r>
+              <a:rPr lang="en-US" dirty="0" smtClean="0"/>
+              <a:t>Does not pull from a Chef Server</a:t>
+            </a:r>
+          </a:p>
+          <a:p>
+            <a:r>
+              <a:rPr lang="en-US" dirty="0" smtClean="0"/>
+              <a:t>Can be configured to send data to a Chef Server</a:t>
+            </a:r>
+          </a:p>
+          <a:p>
+            <a:endParaRPr lang="en-US" dirty="0"/>
+          </a:p>
+        </p:txBody>
+      </p:sp>
+    </p:spTree>
+    <p:extLst>
+      <p:ext uri="{BB962C8B-B14F-4D97-AF65-F5344CB8AC3E}">
+        <p14:creationId xmlns:p14="http://schemas.microsoft.com/office/powerpoint/2010/main" val="2260722568"/>
+      </p:ext>
+    </p:extLst>
+  </p:cSld>
+  <p:clrMapOvr>
+    <a:masterClrMapping/>
+  </p:clrMapOvr>
+  <mc:AlternateContent xmlns:mc="http://schemas.openxmlformats.org/markup-compatibility/2006" xmlns:p14="http://schemas.microsoft.com/office/powerpoint/2010/main">
+    <mc:Choice Requires="p14">
+      <p:transition spd="med" p14:dur="700">
+        <p:fade/>
+      </p:transition>
+    </mc:Choice>
+    <mc:Fallback xmlns="">
+      <p:transition spd="med">
+        <p:fade/>
+      </p:transition>
+    </mc:Fallback>
+  </mc:AlternateContent>
+  <p:timing>
+    <p:tnLst>
+      <p:par>
+        <p:cTn xmlns:p14="http://schemas.microsoft.com/office/powerpoint/2010/main" id="1" dur="indefinite" restart="never" nodeType="tmRoot"/>
+      </p:par>
+    </p:tnLst>
+  </p:timing>
+</p:sld>
+</file>
+
+<file path=ppt/slides/slide13.xml><?xml version="1.0" encoding="utf-8"?>
+<p:sld xmlns:a="http://schemas.openxmlformats.org/drawingml/2006/main" xmlns:r="http://schemas.openxmlformats.org/officeDocument/2006/relationships" xmlns:p="http://schemas.openxmlformats.org/presentationml/2006/main">
+  <p:cSld>
+    <p:spTree>
+      <p:nvGrpSpPr>
+        <p:cNvPr id="1" name=""/>
+        <p:cNvGrpSpPr/>
+        <p:nvPr/>
+      </p:nvGrpSpPr>
+      <p:grpSpPr>
+        <a:xfrm>
+          <a:off x="0" y="0"/>
+          <a:ext cx="0" cy="0"/>
+          <a:chOff x="0" y="0"/>
+          <a:chExt cx="0" cy="0"/>
+        </a:xfrm>
+      </p:grpSpPr>
+      <p:sp>
+        <p:nvSpPr>
+          <p:cNvPr id="2" name="Title 1"/>
+          <p:cNvSpPr>
+            <a:spLocks noGrp="1"/>
+          </p:cNvSpPr>
+          <p:nvPr>
+            <p:ph type="title"/>
+          </p:nvPr>
+        </p:nvSpPr>
+        <p:spPr/>
+        <p:txBody>
+          <a:bodyPr/>
+          <a:lstStyle/>
+          <a:p>
+            <a:r>
+              <a:rPr lang="en-US" dirty="0" smtClean="0"/>
+              <a:t>Chef Client </a:t>
+            </a:r>
+            <a:r>
+              <a:rPr lang="mr-IN" dirty="0" smtClean="0"/>
+              <a:t>–</a:t>
+            </a:r>
+            <a:r>
+              <a:rPr lang="en-US" dirty="0" smtClean="0"/>
+              <a:t> Local Mode</a:t>
+            </a:r>
+            <a:endParaRPr lang="en-US" dirty="0"/>
+          </a:p>
+        </p:txBody>
+      </p:sp>
+      <p:sp>
+        <p:nvSpPr>
+          <p:cNvPr id="3" name="Text Placeholder 2"/>
+          <p:cNvSpPr>
+            <a:spLocks noGrp="1"/>
+          </p:cNvSpPr>
+          <p:nvPr>
+            <p:ph type="body" sz="quarter" idx="10"/>
+          </p:nvPr>
+        </p:nvSpPr>
+        <p:spPr/>
+        <p:txBody>
+          <a:bodyPr/>
+          <a:lstStyle/>
+          <a:p>
+            <a:r>
+              <a:rPr lang="en-US" dirty="0"/>
+              <a:t>Local mode is a way to run the chef-client against the chef-repo on a local machine as if it were running against the Chef server. </a:t>
+            </a:r>
+            <a:endParaRPr lang="en-US" dirty="0" smtClean="0"/>
+          </a:p>
+          <a:p>
+            <a:endParaRPr lang="en-US" dirty="0" smtClean="0"/>
+          </a:p>
+          <a:p>
+            <a:endParaRPr lang="en-US" dirty="0"/>
+          </a:p>
+          <a:p>
+            <a:r>
+              <a:rPr lang="en-US" dirty="0"/>
+              <a:t>https://</a:t>
+            </a:r>
+            <a:r>
+              <a:rPr lang="en-US" dirty="0" err="1"/>
+              <a:t>docs.chef.io</a:t>
+            </a:r>
+            <a:r>
+              <a:rPr lang="en-US" dirty="0"/>
+              <a:t>/</a:t>
+            </a:r>
+            <a:r>
+              <a:rPr lang="en-US" dirty="0" err="1"/>
+              <a:t>ctl_chef_client.html#run-in-local-mode</a:t>
+            </a:r>
+            <a:endParaRPr lang="en-US" dirty="0"/>
+          </a:p>
+        </p:txBody>
+      </p:sp>
+    </p:spTree>
+    <p:extLst>
+      <p:ext uri="{BB962C8B-B14F-4D97-AF65-F5344CB8AC3E}">
+        <p14:creationId xmlns:p14="http://schemas.microsoft.com/office/powerpoint/2010/main" val="1377619109"/>
+      </p:ext>
+    </p:extLst>
+  </p:cSld>
+  <p:clrMapOvr>
+    <a:masterClrMapping/>
+  </p:clrMapOvr>
+  <mc:AlternateContent xmlns:mc="http://schemas.openxmlformats.org/markup-compatibility/2006" xmlns:p14="http://schemas.microsoft.com/office/powerpoint/2010/main">
+    <mc:Choice Requires="p14">
+      <p:transition spd="med" p14:dur="700">
+        <p:fade/>
+      </p:transition>
+    </mc:Choice>
+    <mc:Fallback xmlns="">
+      <p:transition spd="med">
+        <p:fade/>
+      </p:transition>
+    </mc:Fallback>
+  </mc:AlternateContent>
+  <p:timing>
+    <p:tnLst>
+      <p:par>
+        <p:cTn xmlns:p14="http://schemas.microsoft.com/office/powerpoint/2010/main" id="1" dur="indefinite" restart="never" nodeType="tmRoot"/>
+      </p:par>
+    </p:tnLst>
+  </p:timing>
+</p:sld>
+</file>
+
+<file path=ppt/slides/slide14.xml><?xml version="1.0" encoding="utf-8"?>
+<p:sld xmlns:a="http://schemas.openxmlformats.org/drawingml/2006/main" xmlns:r="http://schemas.openxmlformats.org/officeDocument/2006/relationships" xmlns:p="http://schemas.openxmlformats.org/presentationml/2006/main">
+  <p:cSld>
+    <p:spTree>
+      <p:nvGrpSpPr>
+        <p:cNvPr id="1" name=""/>
+        <p:cNvGrpSpPr/>
+        <p:nvPr/>
+      </p:nvGrpSpPr>
+      <p:grpSpPr>
+        <a:xfrm>
+          <a:off x="0" y="0"/>
+          <a:ext cx="0" cy="0"/>
+          <a:chOff x="0" y="0"/>
+          <a:chExt cx="0" cy="0"/>
+        </a:xfrm>
+      </p:grpSpPr>
+      <p:sp>
+        <p:nvSpPr>
+          <p:cNvPr id="2" name="Title 1"/>
+          <p:cNvSpPr>
+            <a:spLocks noGrp="1"/>
+          </p:cNvSpPr>
+          <p:nvPr>
+            <p:ph type="title"/>
+          </p:nvPr>
+        </p:nvSpPr>
+        <p:spPr/>
+        <p:txBody>
+          <a:bodyPr/>
+          <a:lstStyle/>
+          <a:p>
+            <a:r>
+              <a:rPr lang="en-US" dirty="0" smtClean="0"/>
+              <a:t>Go home</a:t>
+            </a:r>
+            <a:endParaRPr lang="en-US" dirty="0"/>
+          </a:p>
+        </p:txBody>
+      </p:sp>
+      <p:sp>
+        <p:nvSpPr>
+          <p:cNvPr id="3" name="Content Placeholder 2"/>
+          <p:cNvSpPr>
+            <a:spLocks noGrp="1"/>
+          </p:cNvSpPr>
+          <p:nvPr>
+            <p:ph sz="quarter" idx="11"/>
+          </p:nvPr>
+        </p:nvSpPr>
+        <p:spPr/>
+        <p:txBody>
+          <a:bodyPr/>
+          <a:lstStyle/>
+          <a:p>
+            <a:endParaRPr lang="en-US"/>
+          </a:p>
+        </p:txBody>
+      </p:sp>
+      <p:sp>
+        <p:nvSpPr>
+          <p:cNvPr id="4" name="Text Placeholder 3"/>
+          <p:cNvSpPr>
+            <a:spLocks noGrp="1"/>
+          </p:cNvSpPr>
+          <p:nvPr>
+            <p:ph type="body" sz="quarter" idx="12"/>
+          </p:nvPr>
+        </p:nvSpPr>
+        <p:spPr/>
+        <p:txBody>
+          <a:bodyPr/>
+          <a:lstStyle/>
+          <a:p>
+            <a:r>
+              <a:rPr lang="en-US" dirty="0" smtClean="0"/>
+              <a:t>cd ~</a:t>
+            </a:r>
+            <a:endParaRPr lang="en-US" dirty="0"/>
+          </a:p>
+        </p:txBody>
+      </p:sp>
+    </p:spTree>
+    <p:extLst>
+      <p:ext uri="{BB962C8B-B14F-4D97-AF65-F5344CB8AC3E}">
+        <p14:creationId xmlns:p14="http://schemas.microsoft.com/office/powerpoint/2010/main" val="838886971"/>
+      </p:ext>
+    </p:extLst>
+  </p:cSld>
+  <p:clrMapOvr>
+    <a:masterClrMapping/>
+  </p:clrMapOvr>
+  <mc:AlternateContent xmlns:mc="http://schemas.openxmlformats.org/markup-compatibility/2006" xmlns:p14="http://schemas.microsoft.com/office/powerpoint/2010/main">
+    <mc:Choice Requires="p14">
+      <p:transition spd="med" p14:dur="700">
+        <p:fade/>
+      </p:transition>
+    </mc:Choice>
+    <mc:Fallback xmlns="">
+      <p:transition spd="med">
+        <p:fade/>
+      </p:transition>
+    </mc:Fallback>
+  </mc:AlternateContent>
+  <p:timing>
+    <p:tnLst>
+      <p:par>
+        <p:cTn xmlns:p14="http://schemas.microsoft.com/office/powerpoint/2010/main" id="1" dur="indefinite" restart="never" nodeType="tmRoot"/>
+      </p:par>
+    </p:tnLst>
+  </p:timing>
+</p:sld>
+</file>
+
+<file path=ppt/slides/slide15.xml><?xml version="1.0" encoding="utf-8"?>
+<p:sld xmlns:a="http://schemas.openxmlformats.org/drawingml/2006/main" xmlns:r="http://schemas.openxmlformats.org/officeDocument/2006/relationships" xmlns:p="http://schemas.openxmlformats.org/presentationml/2006/main">
+  <p:cSld>
+    <p:spTree>
+      <p:nvGrpSpPr>
+        <p:cNvPr id="1" name=""/>
+        <p:cNvGrpSpPr/>
+        <p:nvPr/>
+      </p:nvGrpSpPr>
+      <p:grpSpPr>
+        <a:xfrm>
+          <a:off x="0" y="0"/>
+          <a:ext cx="0" cy="0"/>
+          <a:chOff x="0" y="0"/>
+          <a:chExt cx="0" cy="0"/>
+        </a:xfrm>
+      </p:grpSpPr>
+      <p:sp>
+        <p:nvSpPr>
+          <p:cNvPr id="2" name="Title 1"/>
+          <p:cNvSpPr>
+            <a:spLocks noGrp="1"/>
+          </p:cNvSpPr>
+          <p:nvPr>
+            <p:ph type="title"/>
+          </p:nvPr>
+        </p:nvSpPr>
+        <p:spPr/>
+        <p:txBody>
+          <a:bodyPr/>
+          <a:lstStyle/>
+          <a:p>
+            <a:r>
+              <a:rPr lang="en-US" dirty="0" smtClean="0"/>
+              <a:t>Run chef-client in local mode</a:t>
+            </a:r>
+            <a:endParaRPr lang="en-US" dirty="0"/>
+          </a:p>
+        </p:txBody>
+      </p:sp>
+      <p:sp>
+        <p:nvSpPr>
+          <p:cNvPr id="3" name="Content Placeholder 2"/>
+          <p:cNvSpPr>
+            <a:spLocks noGrp="1"/>
+          </p:cNvSpPr>
+          <p:nvPr>
+            <p:ph sz="quarter" idx="11"/>
+          </p:nvPr>
+        </p:nvSpPr>
+        <p:spPr/>
+        <p:txBody>
+          <a:bodyPr>
+            <a:normAutofit lnSpcReduction="10000"/>
+          </a:bodyPr>
+          <a:lstStyle/>
+          <a:p>
+            <a:r>
+              <a:rPr lang="en-US" dirty="0"/>
+              <a:t>[2017-03-10T14:05:49+00:00] INFO: Forking chef instance to converge...</a:t>
+            </a:r>
+          </a:p>
+          <a:p>
+            <a:r>
+              <a:rPr lang="en-US" dirty="0"/>
+              <a:t>Starting Chef Client, version 12.18.31</a:t>
+            </a:r>
+          </a:p>
+          <a:p>
+            <a:r>
+              <a:rPr lang="en-US" dirty="0" smtClean="0"/>
+              <a:t>...</a:t>
+            </a:r>
+          </a:p>
+          <a:p>
+            <a:r>
+              <a:rPr lang="en-US" dirty="0" smtClean="0"/>
+              <a:t>Converging </a:t>
+            </a:r>
+            <a:r>
+              <a:rPr lang="en-US" dirty="0"/>
+              <a:t>0 resources</a:t>
+            </a:r>
+          </a:p>
+          <a:p>
+            <a:r>
+              <a:rPr lang="en-US" dirty="0"/>
+              <a:t>[2017-03-10T14:05:51+00:00] INFO: Chef Run complete in 0.19413018 seconds</a:t>
+            </a:r>
+          </a:p>
+          <a:p>
+            <a:endParaRPr lang="en-US" dirty="0"/>
+          </a:p>
+          <a:p>
+            <a:r>
+              <a:rPr lang="en-US" dirty="0"/>
+              <a:t>Running handlers:</a:t>
+            </a:r>
+          </a:p>
+          <a:p>
+            <a:r>
+              <a:rPr lang="en-US" dirty="0"/>
+              <a:t>[2017-03-10T14:05:51+00:00] INFO: Running report handlers</a:t>
+            </a:r>
+          </a:p>
+          <a:p>
+            <a:r>
+              <a:rPr lang="en-US" dirty="0"/>
+              <a:t>Running handlers complete</a:t>
+            </a:r>
+          </a:p>
+          <a:p>
+            <a:r>
+              <a:rPr lang="en-US" dirty="0"/>
+              <a:t>[2017-03-10T14:05:51+00:00] INFO: Report handlers complete</a:t>
+            </a:r>
+          </a:p>
+          <a:p>
+            <a:r>
+              <a:rPr lang="en-US" dirty="0"/>
+              <a:t>Chef Client finished, 0/0 resources updated in 01 seconds</a:t>
+            </a:r>
+          </a:p>
+          <a:p>
+            <a:endParaRPr lang="en-US" dirty="0"/>
+          </a:p>
+        </p:txBody>
+      </p:sp>
+      <p:sp>
+        <p:nvSpPr>
+          <p:cNvPr id="4" name="Text Placeholder 3"/>
+          <p:cNvSpPr>
+            <a:spLocks noGrp="1"/>
+          </p:cNvSpPr>
+          <p:nvPr>
+            <p:ph type="body" sz="quarter" idx="12"/>
+          </p:nvPr>
+        </p:nvSpPr>
+        <p:spPr/>
+        <p:txBody>
+          <a:bodyPr/>
+          <a:lstStyle/>
+          <a:p>
+            <a:r>
+              <a:rPr lang="en-US" dirty="0" err="1"/>
+              <a:t>sudo</a:t>
+            </a:r>
+            <a:r>
+              <a:rPr lang="en-US" dirty="0"/>
+              <a:t> chef-client --local-</a:t>
+            </a:r>
+            <a:r>
+              <a:rPr lang="en-US" dirty="0" smtClean="0"/>
+              <a:t>mode</a:t>
+            </a:r>
+            <a:endParaRPr lang="en-US" dirty="0"/>
+          </a:p>
+        </p:txBody>
+      </p:sp>
+    </p:spTree>
+    <p:extLst>
+      <p:ext uri="{BB962C8B-B14F-4D97-AF65-F5344CB8AC3E}">
+        <p14:creationId xmlns:p14="http://schemas.microsoft.com/office/powerpoint/2010/main" val="4001153859"/>
+      </p:ext>
+    </p:extLst>
+  </p:cSld>
+  <p:clrMapOvr>
+    <a:masterClrMapping/>
+  </p:clrMapOvr>
+  <mc:AlternateContent xmlns:mc="http://schemas.openxmlformats.org/markup-compatibility/2006" xmlns:p14="http://schemas.microsoft.com/office/powerpoint/2010/main">
+    <mc:Choice Requires="p14">
+      <p:transition spd="med" p14:dur="700">
+        <p:fade/>
+      </p:transition>
+    </mc:Choice>
+    <mc:Fallback xmlns="">
+      <p:transition spd="med">
+        <p:fade/>
+      </p:transition>
+    </mc:Fallback>
+  </mc:AlternateContent>
+  <p:timing>
+    <p:tnLst>
+      <p:par>
+        <p:cTn xmlns:p14="http://schemas.microsoft.com/office/powerpoint/2010/main" id="1" dur="indefinite" restart="never" nodeType="tmRoot"/>
+      </p:par>
+    </p:tnLst>
+  </p:timing>
+</p:sld>
+</file>
+
+<file path=ppt/slides/slide16.xml><?xml version="1.0" encoding="utf-8"?>
+<p:sld xmlns:a="http://schemas.openxmlformats.org/drawingml/2006/main" xmlns:r="http://schemas.openxmlformats.org/officeDocument/2006/relationships" xmlns:p="http://schemas.openxmlformats.org/presentationml/2006/main">
+  <p:cSld>
+    <p:spTree>
+      <p:nvGrpSpPr>
+        <p:cNvPr id="1" name=""/>
+        <p:cNvGrpSpPr/>
+        <p:nvPr/>
+      </p:nvGrpSpPr>
+      <p:grpSpPr>
+        <a:xfrm>
+          <a:off x="0" y="0"/>
+          <a:ext cx="0" cy="0"/>
+          <a:chOff x="0" y="0"/>
+          <a:chExt cx="0" cy="0"/>
+        </a:xfrm>
+      </p:grpSpPr>
+      <p:pic>
+        <p:nvPicPr>
+          <p:cNvPr id="4" name="Media Placeholder 3" descr="Chef_Automate.png"/>
+          <p:cNvPicPr>
+            <a:picLocks noGrp="1" noChangeAspect="1"/>
+          </p:cNvPicPr>
+          <p:nvPr>
+            <p:ph type="media" sz="quarter" idx="12"/>
+          </p:nvPr>
+        </p:nvPicPr>
+        <p:blipFill rotWithShape="1">
+          <a:blip r:embed="rId2">
+            <a:extLst>
+              <a:ext uri="{28A0092B-C50C-407E-A947-70E740481C1C}">
+                <a14:useLocalDpi xmlns:a14="http://schemas.microsoft.com/office/drawing/2010/main" val="0"/>
+              </a:ext>
+            </a:extLst>
+          </a:blip>
+          <a:srcRect l="22050" t="578" r="189" b="-578"/>
+          <a:stretch/>
+        </p:blipFill>
+        <p:spPr/>
+      </p:pic>
+      <p:sp>
+        <p:nvSpPr>
+          <p:cNvPr id="3" name="Title 2"/>
+          <p:cNvSpPr>
+            <a:spLocks noGrp="1"/>
+          </p:cNvSpPr>
+          <p:nvPr>
+            <p:ph type="title"/>
+          </p:nvPr>
+        </p:nvSpPr>
+        <p:spPr/>
+        <p:txBody>
+          <a:bodyPr/>
+          <a:lstStyle/>
+          <a:p>
+            <a:r>
+              <a:rPr lang="en-US" dirty="0" smtClean="0"/>
+              <a:t>Check the converge status in Automate</a:t>
+            </a:r>
+            <a:endParaRPr lang="en-US" dirty="0"/>
+          </a:p>
+        </p:txBody>
+      </p:sp>
+    </p:spTree>
+    <p:extLst>
+      <p:ext uri="{BB962C8B-B14F-4D97-AF65-F5344CB8AC3E}">
+        <p14:creationId xmlns:p14="http://schemas.microsoft.com/office/powerpoint/2010/main" val="532671637"/>
+      </p:ext>
+    </p:extLst>
+  </p:cSld>
+  <p:clrMapOvr>
+    <a:masterClrMapping/>
+  </p:clrMapOvr>
+  <mc:AlternateContent xmlns:mc="http://schemas.openxmlformats.org/markup-compatibility/2006" xmlns:p14="http://schemas.microsoft.com/office/powerpoint/2010/main">
+    <mc:Choice Requires="p14">
+      <p:transition spd="med" p14:dur="700">
+        <p:fade/>
+      </p:transition>
+    </mc:Choice>
+    <mc:Fallback xmlns="">
+      <p:transition spd="med">
+        <p:fade/>
+      </p:transition>
+    </mc:Fallback>
+  </mc:AlternateContent>
+  <p:timing>
+    <p:tnLst>
+      <p:par>
+        <p:cTn xmlns:p14="http://schemas.microsoft.com/office/powerpoint/2010/main" id="1" dur="indefinite" restart="never" nodeType="tmRoot"/>
+      </p:par>
+    </p:tnLst>
+  </p:timing>
+</p:sld>
+</file>
+
+<file path=ppt/slides/slide17.xml><?xml version="1.0" encoding="utf-8"?>
+<p:sld xmlns:a="http://schemas.openxmlformats.org/drawingml/2006/main" xmlns:r="http://schemas.openxmlformats.org/officeDocument/2006/relationships" xmlns:p="http://schemas.openxmlformats.org/presentationml/2006/main">
+  <p:cSld>
+    <p:spTree>
+      <p:nvGrpSpPr>
+        <p:cNvPr id="1" name=""/>
+        <p:cNvGrpSpPr/>
+        <p:nvPr/>
+      </p:nvGrpSpPr>
+      <p:grpSpPr>
+        <a:xfrm>
+          <a:off x="0" y="0"/>
+          <a:ext cx="0" cy="0"/>
+          <a:chOff x="0" y="0"/>
+          <a:chExt cx="0" cy="0"/>
+        </a:xfrm>
+      </p:grpSpPr>
+      <p:sp>
+        <p:nvSpPr>
+          <p:cNvPr id="2" name="Title 1"/>
+          <p:cNvSpPr>
+            <a:spLocks noGrp="1"/>
+          </p:cNvSpPr>
+          <p:nvPr>
+            <p:ph type="title"/>
+          </p:nvPr>
+        </p:nvSpPr>
+        <p:spPr/>
+        <p:txBody>
+          <a:bodyPr/>
+          <a:lstStyle/>
+          <a:p>
+            <a:r>
+              <a:rPr lang="en-US" dirty="0" smtClean="0"/>
+              <a:t>Run with additional parameters</a:t>
+            </a:r>
+            <a:endParaRPr lang="en-US" dirty="0"/>
+          </a:p>
+        </p:txBody>
+      </p:sp>
+      <p:sp>
+        <p:nvSpPr>
+          <p:cNvPr id="3" name="Content Placeholder 2"/>
+          <p:cNvSpPr>
+            <a:spLocks noGrp="1"/>
+          </p:cNvSpPr>
+          <p:nvPr>
+            <p:ph sz="quarter" idx="11"/>
+          </p:nvPr>
+        </p:nvSpPr>
+        <p:spPr/>
+        <p:txBody>
+          <a:bodyPr>
+            <a:normAutofit fontScale="62500" lnSpcReduction="20000"/>
+          </a:bodyPr>
+          <a:lstStyle/>
+          <a:p>
+            <a:r>
+              <a:rPr lang="en-US" dirty="0"/>
+              <a:t>[2017-03-10T14:10:34+00:00] INFO: Forking chef instance to converge...</a:t>
+            </a:r>
+          </a:p>
+          <a:p>
+            <a:r>
+              <a:rPr lang="en-US" dirty="0"/>
+              <a:t>Starting Chef Client, version 12.18.31</a:t>
+            </a:r>
+          </a:p>
+          <a:p>
+            <a:r>
+              <a:rPr lang="en-US" dirty="0"/>
+              <a:t>[2017-03-10T14:10:34+00:00] INFO: *** Chef 12.18.31 ***</a:t>
+            </a:r>
+          </a:p>
+          <a:p>
+            <a:r>
+              <a:rPr lang="en-US" dirty="0"/>
+              <a:t>...</a:t>
+            </a:r>
+          </a:p>
+          <a:p>
+            <a:r>
+              <a:rPr lang="en-US" dirty="0"/>
+              <a:t>[2017-03-10T14:10:40+00:00] INFO: Chef Run complete in 4.10402964 seconds</a:t>
+            </a:r>
+          </a:p>
+          <a:p>
+            <a:endParaRPr lang="en-US" dirty="0"/>
+          </a:p>
+          <a:p>
+            <a:r>
+              <a:rPr lang="en-US" dirty="0"/>
+              <a:t>Running handlers:</a:t>
+            </a:r>
+          </a:p>
+          <a:p>
+            <a:r>
+              <a:rPr lang="en-US" dirty="0"/>
+              <a:t>[2017-03-10T14:10:40+00:00] INFO: Running report handlers</a:t>
+            </a:r>
+          </a:p>
+          <a:p>
+            <a:r>
+              <a:rPr lang="en-US" dirty="0"/>
+              <a:t>[2017-03-10T14:10:40+00:00] WARN: Format is </a:t>
+            </a:r>
+            <a:r>
+              <a:rPr lang="en-US" dirty="0" err="1"/>
+              <a:t>json</a:t>
+            </a:r>
+            <a:endParaRPr lang="en-US" dirty="0"/>
+          </a:p>
+          <a:p>
+            <a:r>
+              <a:rPr lang="en-US" dirty="0"/>
+              <a:t>[2017-03-10T14:10:40+00:00] INFO: Initialize </a:t>
+            </a:r>
+            <a:r>
+              <a:rPr lang="en-US" dirty="0" err="1"/>
+              <a:t>InSpec</a:t>
+            </a:r>
+            <a:endParaRPr lang="en-US" dirty="0"/>
+          </a:p>
+          <a:p>
+            <a:r>
+              <a:rPr lang="en-US" dirty="0"/>
+              <a:t>[2017-03-10T14:10:40+00:00] INFO: Running tests from: [{:name=&gt;"</a:t>
+            </a:r>
+            <a:r>
+              <a:rPr lang="en-US" dirty="0" err="1"/>
+              <a:t>ssh</a:t>
+            </a:r>
+            <a:r>
+              <a:rPr lang="en-US" dirty="0"/>
+              <a:t>", :path=&gt;"/home/chef/profiles/</a:t>
+            </a:r>
+            <a:r>
+              <a:rPr lang="en-US" dirty="0" err="1"/>
+              <a:t>ssh</a:t>
+            </a:r>
+            <a:r>
+              <a:rPr lang="en-US" dirty="0"/>
+              <a:t>"}]</a:t>
+            </a:r>
+          </a:p>
+          <a:p>
+            <a:r>
+              <a:rPr lang="en-US" dirty="0"/>
+              <a:t>[2017-03-10T14:10:40+00:00] INFO: Reporting to chef-visibility</a:t>
+            </a:r>
+          </a:p>
+          <a:p>
+            <a:r>
+              <a:rPr lang="en-US" dirty="0"/>
+              <a:t>...</a:t>
+            </a:r>
+          </a:p>
+          <a:p>
+            <a:r>
+              <a:rPr lang="en-US" dirty="0"/>
+              <a:t>Running handlers complete</a:t>
+            </a:r>
+          </a:p>
+          <a:p>
+            <a:r>
+              <a:rPr lang="en-US" dirty="0"/>
+              <a:t>[2017-03-10T14:10:40+00:00] INFO: Report handlers complete</a:t>
+            </a:r>
+          </a:p>
+          <a:p>
+            <a:r>
+              <a:rPr lang="en-US" dirty="0"/>
+              <a:t>Chef Client finished, 1/2 resources updated in 06 seconds</a:t>
+            </a:r>
+          </a:p>
+        </p:txBody>
+      </p:sp>
+      <p:sp>
+        <p:nvSpPr>
+          <p:cNvPr id="4" name="Text Placeholder 3"/>
+          <p:cNvSpPr>
+            <a:spLocks noGrp="1"/>
+          </p:cNvSpPr>
+          <p:nvPr>
+            <p:ph type="body" sz="quarter" idx="12"/>
+          </p:nvPr>
+        </p:nvSpPr>
+        <p:spPr/>
+        <p:txBody>
+          <a:bodyPr>
+            <a:normAutofit fontScale="92500"/>
+          </a:bodyPr>
+          <a:lstStyle/>
+          <a:p>
+            <a:r>
+              <a:rPr lang="en-US" dirty="0" err="1"/>
+              <a:t>sudo</a:t>
+            </a:r>
+            <a:r>
+              <a:rPr lang="en-US" dirty="0"/>
+              <a:t> chef-client --local-mode -j </a:t>
+            </a:r>
+            <a:r>
+              <a:rPr lang="en-US" dirty="0" err="1"/>
+              <a:t>config.json</a:t>
+            </a:r>
+            <a:r>
+              <a:rPr lang="en-US" dirty="0"/>
+              <a:t> -r "recipe[audit::default</a:t>
+            </a:r>
+            <a:r>
+              <a:rPr lang="en-US" dirty="0" smtClean="0"/>
+              <a:t>]"</a:t>
+            </a:r>
+            <a:endParaRPr lang="en-US" dirty="0"/>
+          </a:p>
+        </p:txBody>
+      </p:sp>
+    </p:spTree>
+    <p:extLst>
+      <p:ext uri="{BB962C8B-B14F-4D97-AF65-F5344CB8AC3E}">
+        <p14:creationId xmlns:p14="http://schemas.microsoft.com/office/powerpoint/2010/main" val="939868018"/>
+      </p:ext>
+    </p:extLst>
+  </p:cSld>
+  <p:clrMapOvr>
+    <a:masterClrMapping/>
+  </p:clrMapOvr>
+  <mc:AlternateContent xmlns:mc="http://schemas.openxmlformats.org/markup-compatibility/2006" xmlns:p14="http://schemas.microsoft.com/office/powerpoint/2010/main">
+    <mc:Choice Requires="p14">
+      <p:transition spd="med" p14:dur="700">
+        <p:fade/>
+      </p:transition>
+    </mc:Choice>
+    <mc:Fallback xmlns="">
+      <p:transition spd="med">
+        <p:fade/>
+      </p:transition>
+    </mc:Fallback>
+  </mc:AlternateContent>
+  <p:timing>
+    <p:tnLst>
+      <p:par>
+        <p:cTn xmlns:p14="http://schemas.microsoft.com/office/powerpoint/2010/main" id="1" dur="indefinite" restart="never" nodeType="tmRoot"/>
+      </p:par>
+    </p:tnLst>
+  </p:timing>
+</p:sld>
+</file>
+
+<file path=ppt/slides/slide18.xml><?xml version="1.0" encoding="utf-8"?>
+<p:sld xmlns:a="http://schemas.openxmlformats.org/drawingml/2006/main" xmlns:r="http://schemas.openxmlformats.org/officeDocument/2006/relationships" xmlns:p="http://schemas.openxmlformats.org/presentationml/2006/main">
+  <p:cSld>
+    <p:spTree>
+      <p:nvGrpSpPr>
+        <p:cNvPr id="1" name=""/>
+        <p:cNvGrpSpPr/>
+        <p:nvPr/>
+      </p:nvGrpSpPr>
+      <p:grpSpPr>
+        <a:xfrm>
+          <a:off x="0" y="0"/>
+          <a:ext cx="0" cy="0"/>
+          <a:chOff x="0" y="0"/>
+          <a:chExt cx="0" cy="0"/>
+        </a:xfrm>
+      </p:grpSpPr>
+      <p:sp>
+        <p:nvSpPr>
+          <p:cNvPr id="3" name="Title 2"/>
+          <p:cNvSpPr>
+            <a:spLocks noGrp="1"/>
+          </p:cNvSpPr>
+          <p:nvPr>
+            <p:ph type="title"/>
+          </p:nvPr>
+        </p:nvSpPr>
+        <p:spPr/>
+        <p:txBody>
+          <a:bodyPr/>
+          <a:lstStyle/>
+          <a:p>
+            <a:r>
+              <a:rPr lang="en-US" dirty="0" smtClean="0"/>
+              <a:t>Check the converge status in Automate</a:t>
+            </a:r>
+            <a:endParaRPr lang="en-US" dirty="0"/>
+          </a:p>
+        </p:txBody>
+      </p:sp>
+      <p:pic>
+        <p:nvPicPr>
+          <p:cNvPr id="5" name="Media Placeholder 4" descr="Chef_Automate.png"/>
+          <p:cNvPicPr>
+            <a:picLocks noGrp="1" noChangeAspect="1"/>
+          </p:cNvPicPr>
+          <p:nvPr>
+            <p:ph type="media" sz="quarter" idx="12"/>
+          </p:nvPr>
+        </p:nvPicPr>
+        <p:blipFill rotWithShape="1">
+          <a:blip r:embed="rId2">
+            <a:extLst>
+              <a:ext uri="{28A0092B-C50C-407E-A947-70E740481C1C}">
+                <a14:useLocalDpi xmlns:a14="http://schemas.microsoft.com/office/drawing/2010/main" val="0"/>
+              </a:ext>
+            </a:extLst>
+          </a:blip>
+          <a:srcRect t="30300" b="2928"/>
+          <a:stretch/>
+        </p:blipFill>
+        <p:spPr/>
+      </p:pic>
+    </p:spTree>
+    <p:extLst>
+      <p:ext uri="{BB962C8B-B14F-4D97-AF65-F5344CB8AC3E}">
+        <p14:creationId xmlns:p14="http://schemas.microsoft.com/office/powerpoint/2010/main" val="2067031565"/>
+      </p:ext>
+    </p:extLst>
+  </p:cSld>
+  <p:clrMapOvr>
+    <a:masterClrMapping/>
+  </p:clrMapOvr>
+  <mc:AlternateContent xmlns:mc="http://schemas.openxmlformats.org/markup-compatibility/2006" xmlns:p14="http://schemas.microsoft.com/office/powerpoint/2010/main">
+    <mc:Choice Requires="p14">
+      <p:transition spd="med" p14:dur="700">
+        <p:fade/>
+      </p:transition>
+    </mc:Choice>
+    <mc:Fallback xmlns="">
+      <p:transition spd="med">
+        <p:fade/>
+      </p:transition>
+    </mc:Fallback>
+  </mc:AlternateContent>
+  <p:timing>
+    <p:tnLst>
+      <p:par>
+        <p:cTn xmlns:p14="http://schemas.microsoft.com/office/powerpoint/2010/main" id="1" dur="indefinite" restart="never" nodeType="tmRoot"/>
+      </p:par>
+    </p:tnLst>
+  </p:timing>
+</p:sld>
+</file>
+
+<file path=ppt/slides/slide19.xml><?xml version="1.0" encoding="utf-8"?>
+<p:sld xmlns:a="http://schemas.openxmlformats.org/drawingml/2006/main" xmlns:r="http://schemas.openxmlformats.org/officeDocument/2006/relationships" xmlns:p="http://schemas.openxmlformats.org/presentationml/2006/main">
+  <p:cSld>
+    <p:spTree>
+      <p:nvGrpSpPr>
+        <p:cNvPr id="1" name=""/>
+        <p:cNvGrpSpPr/>
+        <p:nvPr/>
+      </p:nvGrpSpPr>
+      <p:grpSpPr>
+        <a:xfrm>
+          <a:off x="0" y="0"/>
+          <a:ext cx="0" cy="0"/>
+          <a:chOff x="0" y="0"/>
+          <a:chExt cx="0" cy="0"/>
+        </a:xfrm>
+      </p:grpSpPr>
+      <p:sp>
+        <p:nvSpPr>
+          <p:cNvPr id="3" name="Title 2"/>
+          <p:cNvSpPr>
+            <a:spLocks noGrp="1"/>
+          </p:cNvSpPr>
+          <p:nvPr>
+            <p:ph type="title"/>
+          </p:nvPr>
+        </p:nvSpPr>
+        <p:spPr/>
+        <p:txBody>
+          <a:bodyPr/>
+          <a:lstStyle/>
+          <a:p>
+            <a:r>
+              <a:rPr lang="en-US" dirty="0" smtClean="0"/>
+              <a:t>Check the converge status in Automate</a:t>
+            </a:r>
+            <a:endParaRPr lang="en-US" dirty="0"/>
+          </a:p>
+        </p:txBody>
+      </p:sp>
+      <p:pic>
+        <p:nvPicPr>
+          <p:cNvPr id="4" name="Media Placeholder 3" descr="Chef_Automate.png"/>
+          <p:cNvPicPr>
+            <a:picLocks noGrp="1" noChangeAspect="1"/>
+          </p:cNvPicPr>
+          <p:nvPr>
+            <p:ph type="media" sz="quarter" idx="12"/>
+          </p:nvPr>
+        </p:nvPicPr>
+        <p:blipFill>
+          <a:blip r:embed="rId2">
+            <a:extLst>
+              <a:ext uri="{28A0092B-C50C-407E-A947-70E740481C1C}">
+                <a14:useLocalDpi xmlns:a14="http://schemas.microsoft.com/office/drawing/2010/main" val="0"/>
+              </a:ext>
+            </a:extLst>
+          </a:blip>
+          <a:srcRect t="8521" b="8521"/>
+          <a:stretch>
+            <a:fillRect/>
+          </a:stretch>
+        </p:blipFill>
+        <p:spPr/>
+      </p:pic>
+    </p:spTree>
+    <p:extLst>
+      <p:ext uri="{BB962C8B-B14F-4D97-AF65-F5344CB8AC3E}">
+        <p14:creationId xmlns:p14="http://schemas.microsoft.com/office/powerpoint/2010/main" val="1081119102"/>
       </p:ext>
     </p:extLst>
   </p:cSld>
@@ -9789,7 +12206,7 @@
           <a:p>
             <a:r>
               <a:rPr lang="en-US" dirty="0" smtClean="0"/>
-              <a:t>Go home</a:t>
+              <a:t>Login to Chef Automate</a:t>
             </a:r>
             <a:endParaRPr lang="en-US" dirty="0"/>
           </a:p>
@@ -9797,12 +12214,12 @@
       </p:sp>
       <p:sp>
         <p:nvSpPr>
-          <p:cNvPr id="3" name="Content Placeholder 2"/>
+          <p:cNvPr id="3" name="Text Placeholder 2"/>
           <p:cNvSpPr>
             <a:spLocks noGrp="1"/>
           </p:cNvSpPr>
           <p:nvPr>
-            <p:ph sz="quarter" idx="11"/>
+            <p:ph type="body" sz="quarter" idx="11"/>
           </p:nvPr>
         </p:nvSpPr>
         <p:spPr/>
@@ -9810,37 +12227,557 @@
           <a:bodyPr/>
           <a:lstStyle/>
           <a:p>
-            <a:endParaRPr lang="en-US"/>
-          </a:p>
-        </p:txBody>
-      </p:sp>
-      <p:sp>
-        <p:nvSpPr>
-          <p:cNvPr id="4" name="Text Placeholder 3"/>
-          <p:cNvSpPr>
-            <a:spLocks noGrp="1"/>
-          </p:cNvSpPr>
-          <p:nvPr>
-            <p:ph type="body" sz="quarter" idx="12"/>
-          </p:nvPr>
-        </p:nvSpPr>
+            <a:r>
+              <a:rPr lang="en-US" dirty="0" smtClean="0"/>
+              <a:t>URL_OF_AUTOMATE_SERVER</a:t>
+            </a:r>
+          </a:p>
+          <a:p>
+            <a:r>
+              <a:rPr lang="en-US" dirty="0" smtClean="0"/>
+              <a:t>Uses a self-signed certificate in this lab</a:t>
+            </a:r>
+          </a:p>
+          <a:p>
+            <a:endParaRPr lang="en-US" dirty="0" smtClean="0"/>
+          </a:p>
+          <a:p>
+            <a:r>
+              <a:rPr lang="en-US" dirty="0" smtClean="0"/>
+              <a:t>Username:  </a:t>
+            </a:r>
+            <a:r>
+              <a:rPr lang="en-US" dirty="0" smtClean="0">
+                <a:latin typeface="Consolas"/>
+                <a:cs typeface="Consolas"/>
+              </a:rPr>
+              <a:t>chef</a:t>
+            </a:r>
+          </a:p>
+          <a:p>
+            <a:r>
+              <a:rPr lang="en-US" dirty="0" smtClean="0"/>
+              <a:t>Password:  </a:t>
+            </a:r>
+            <a:r>
+              <a:rPr lang="en-US" dirty="0" smtClean="0">
+                <a:latin typeface="Consolas"/>
+                <a:cs typeface="Consolas"/>
+              </a:rPr>
+              <a:t>chef</a:t>
+            </a:r>
+            <a:endParaRPr lang="en-US" dirty="0">
+              <a:latin typeface="Consolas"/>
+              <a:cs typeface="Consolas"/>
+            </a:endParaRPr>
+          </a:p>
+        </p:txBody>
+      </p:sp>
+      <p:pic>
+        <p:nvPicPr>
+          <p:cNvPr id="5" name="Media Placeholder 4" descr="Chef_Automate.png"/>
+          <p:cNvPicPr>
+            <a:picLocks noGrp="1" noChangeAspect="1"/>
+          </p:cNvPicPr>
+          <p:nvPr>
+            <p:ph type="media" sz="quarter" idx="12"/>
+          </p:nvPr>
+        </p:nvPicPr>
+        <p:blipFill>
+          <a:blip r:embed="rId3">
+            <a:extLst>
+              <a:ext uri="{28A0092B-C50C-407E-A947-70E740481C1C}">
+                <a14:useLocalDpi xmlns:a14="http://schemas.microsoft.com/office/drawing/2010/main" val="0"/>
+              </a:ext>
+            </a:extLst>
+          </a:blip>
+          <a:srcRect l="-13148" r="-13148"/>
+          <a:stretch>
+            <a:fillRect/>
+          </a:stretch>
+        </p:blipFill>
         <p:spPr/>
-        <p:txBody>
-          <a:bodyPr/>
-          <a:lstStyle/>
-          <a:p>
-            <a:r>
-              <a:rPr lang="en-US" dirty="0" smtClean="0"/>
-              <a:t>cd ~</a:t>
-            </a:r>
-            <a:endParaRPr lang="en-US" dirty="0"/>
-          </a:p>
-        </p:txBody>
-      </p:sp>
+      </p:pic>
     </p:spTree>
     <p:extLst>
       <p:ext uri="{BB962C8B-B14F-4D97-AF65-F5344CB8AC3E}">
-        <p14:creationId xmlns:p14="http://schemas.microsoft.com/office/powerpoint/2010/main" val="4275177305"/>
+        <p14:creationId xmlns:p14="http://schemas.microsoft.com/office/powerpoint/2010/main" val="68232316"/>
+      </p:ext>
+    </p:extLst>
+  </p:cSld>
+  <p:clrMapOvr>
+    <a:masterClrMapping/>
+  </p:clrMapOvr>
+  <mc:AlternateContent xmlns:mc="http://schemas.openxmlformats.org/markup-compatibility/2006" xmlns:p14="http://schemas.microsoft.com/office/powerpoint/2010/main">
+    <mc:Choice Requires="p14">
+      <p:transition spd="med" p14:dur="700">
+        <p:fade/>
+      </p:transition>
+    </mc:Choice>
+    <mc:Fallback xmlns="">
+      <p:transition spd="med">
+        <p:fade/>
+      </p:transition>
+    </mc:Fallback>
+  </mc:AlternateContent>
+  <p:timing>
+    <p:tnLst>
+      <p:par>
+        <p:cTn xmlns:p14="http://schemas.microsoft.com/office/powerpoint/2010/main" id="1" dur="indefinite" restart="never" nodeType="tmRoot"/>
+      </p:par>
+    </p:tnLst>
+  </p:timing>
+</p:sld>
+</file>
+
+<file path=ppt/slides/slide20.xml><?xml version="1.0" encoding="utf-8"?>
+<p:sld xmlns:a="http://schemas.openxmlformats.org/drawingml/2006/main" xmlns:r="http://schemas.openxmlformats.org/officeDocument/2006/relationships" xmlns:p="http://schemas.openxmlformats.org/presentationml/2006/main">
+  <p:cSld>
+    <p:spTree>
+      <p:nvGrpSpPr>
+        <p:cNvPr id="1" name=""/>
+        <p:cNvGrpSpPr/>
+        <p:nvPr/>
+      </p:nvGrpSpPr>
+      <p:grpSpPr>
+        <a:xfrm>
+          <a:off x="0" y="0"/>
+          <a:ext cx="0" cy="0"/>
+          <a:chOff x="0" y="0"/>
+          <a:chExt cx="0" cy="0"/>
+        </a:xfrm>
+      </p:grpSpPr>
+      <p:sp>
+        <p:nvSpPr>
+          <p:cNvPr id="3" name="Title 2"/>
+          <p:cNvSpPr>
+            <a:spLocks noGrp="1"/>
+          </p:cNvSpPr>
+          <p:nvPr>
+            <p:ph type="title"/>
+          </p:nvPr>
+        </p:nvSpPr>
+        <p:spPr/>
+        <p:txBody>
+          <a:bodyPr/>
+          <a:lstStyle/>
+          <a:p>
+            <a:r>
+              <a:rPr lang="en-US" dirty="0" smtClean="0"/>
+              <a:t>Check the compliance status in Automate</a:t>
+            </a:r>
+            <a:endParaRPr lang="en-US" dirty="0"/>
+          </a:p>
+        </p:txBody>
+      </p:sp>
+      <p:pic>
+        <p:nvPicPr>
+          <p:cNvPr id="5" name="Media Placeholder 4" descr="Chef_Automate.png"/>
+          <p:cNvPicPr>
+            <a:picLocks noGrp="1" noChangeAspect="1"/>
+          </p:cNvPicPr>
+          <p:nvPr>
+            <p:ph type="media" sz="quarter" idx="12"/>
+          </p:nvPr>
+        </p:nvPicPr>
+        <p:blipFill rotWithShape="1">
+          <a:blip r:embed="rId2">
+            <a:extLst>
+              <a:ext uri="{28A0092B-C50C-407E-A947-70E740481C1C}">
+                <a14:useLocalDpi xmlns:a14="http://schemas.microsoft.com/office/drawing/2010/main" val="0"/>
+              </a:ext>
+            </a:extLst>
+          </a:blip>
+          <a:srcRect b="25116"/>
+          <a:stretch/>
+        </p:blipFill>
+        <p:spPr/>
+      </p:pic>
+    </p:spTree>
+    <p:extLst>
+      <p:ext uri="{BB962C8B-B14F-4D97-AF65-F5344CB8AC3E}">
+        <p14:creationId xmlns:p14="http://schemas.microsoft.com/office/powerpoint/2010/main" val="2579007355"/>
+      </p:ext>
+    </p:extLst>
+  </p:cSld>
+  <p:clrMapOvr>
+    <a:masterClrMapping/>
+  </p:clrMapOvr>
+  <mc:AlternateContent xmlns:mc="http://schemas.openxmlformats.org/markup-compatibility/2006" xmlns:p14="http://schemas.microsoft.com/office/powerpoint/2010/main">
+    <mc:Choice Requires="p14">
+      <p:transition spd="med" p14:dur="700">
+        <p:fade/>
+      </p:transition>
+    </mc:Choice>
+    <mc:Fallback xmlns="">
+      <p:transition spd="med">
+        <p:fade/>
+      </p:transition>
+    </mc:Fallback>
+  </mc:AlternateContent>
+  <p:timing>
+    <p:tnLst>
+      <p:par>
+        <p:cTn xmlns:p14="http://schemas.microsoft.com/office/powerpoint/2010/main" id="1" dur="indefinite" restart="never" nodeType="tmRoot"/>
+      </p:par>
+    </p:tnLst>
+  </p:timing>
+</p:sld>
+</file>
+
+<file path=ppt/slides/slide21.xml><?xml version="1.0" encoding="utf-8"?>
+<p:sld xmlns:a="http://schemas.openxmlformats.org/drawingml/2006/main" xmlns:r="http://schemas.openxmlformats.org/officeDocument/2006/relationships" xmlns:p="http://schemas.openxmlformats.org/presentationml/2006/main">
+  <p:cSld>
+    <p:spTree>
+      <p:nvGrpSpPr>
+        <p:cNvPr id="1" name=""/>
+        <p:cNvGrpSpPr/>
+        <p:nvPr/>
+      </p:nvGrpSpPr>
+      <p:grpSpPr>
+        <a:xfrm>
+          <a:off x="0" y="0"/>
+          <a:ext cx="0" cy="0"/>
+          <a:chOff x="0" y="0"/>
+          <a:chExt cx="0" cy="0"/>
+        </a:xfrm>
+      </p:grpSpPr>
+      <p:sp>
+        <p:nvSpPr>
+          <p:cNvPr id="3" name="Title 2"/>
+          <p:cNvSpPr>
+            <a:spLocks noGrp="1"/>
+          </p:cNvSpPr>
+          <p:nvPr>
+            <p:ph type="title"/>
+          </p:nvPr>
+        </p:nvSpPr>
+        <p:spPr/>
+        <p:txBody>
+          <a:bodyPr/>
+          <a:lstStyle/>
+          <a:p>
+            <a:r>
+              <a:rPr lang="en-US" dirty="0" smtClean="0"/>
+              <a:t>Check the compliance status in Automate</a:t>
+            </a:r>
+            <a:endParaRPr lang="en-US" dirty="0"/>
+          </a:p>
+        </p:txBody>
+      </p:sp>
+      <p:pic>
+        <p:nvPicPr>
+          <p:cNvPr id="4" name="Media Placeholder 3" descr="Chef_Automate.png"/>
+          <p:cNvPicPr>
+            <a:picLocks noGrp="1" noChangeAspect="1"/>
+          </p:cNvPicPr>
+          <p:nvPr>
+            <p:ph type="media" sz="quarter" idx="12"/>
+          </p:nvPr>
+        </p:nvPicPr>
+        <p:blipFill>
+          <a:blip r:embed="rId2">
+            <a:extLst>
+              <a:ext uri="{28A0092B-C50C-407E-A947-70E740481C1C}">
+                <a14:useLocalDpi xmlns:a14="http://schemas.microsoft.com/office/drawing/2010/main" val="0"/>
+              </a:ext>
+            </a:extLst>
+          </a:blip>
+          <a:srcRect l="916" r="916"/>
+          <a:stretch>
+            <a:fillRect/>
+          </a:stretch>
+        </p:blipFill>
+        <p:spPr/>
+      </p:pic>
+    </p:spTree>
+    <p:extLst>
+      <p:ext uri="{BB962C8B-B14F-4D97-AF65-F5344CB8AC3E}">
+        <p14:creationId xmlns:p14="http://schemas.microsoft.com/office/powerpoint/2010/main" val="147016742"/>
+      </p:ext>
+    </p:extLst>
+  </p:cSld>
+  <p:clrMapOvr>
+    <a:masterClrMapping/>
+  </p:clrMapOvr>
+  <mc:AlternateContent xmlns:mc="http://schemas.openxmlformats.org/markup-compatibility/2006" xmlns:p14="http://schemas.microsoft.com/office/powerpoint/2010/main">
+    <mc:Choice Requires="p14">
+      <p:transition spd="med" p14:dur="700">
+        <p:fade/>
+      </p:transition>
+    </mc:Choice>
+    <mc:Fallback xmlns="">
+      <p:transition spd="med">
+        <p:fade/>
+      </p:transition>
+    </mc:Fallback>
+  </mc:AlternateContent>
+  <p:timing>
+    <p:tnLst>
+      <p:par>
+        <p:cTn xmlns:p14="http://schemas.microsoft.com/office/powerpoint/2010/main" id="1" dur="indefinite" restart="never" nodeType="tmRoot"/>
+      </p:par>
+    </p:tnLst>
+  </p:timing>
+</p:sld>
+</file>
+
+<file path=ppt/slides/slide22.xml><?xml version="1.0" encoding="utf-8"?>
+<p:sld xmlns:a="http://schemas.openxmlformats.org/drawingml/2006/main" xmlns:r="http://schemas.openxmlformats.org/officeDocument/2006/relationships" xmlns:p="http://schemas.openxmlformats.org/presentationml/2006/main">
+  <p:cSld>
+    <p:spTree>
+      <p:nvGrpSpPr>
+        <p:cNvPr id="1" name=""/>
+        <p:cNvGrpSpPr/>
+        <p:nvPr/>
+      </p:nvGrpSpPr>
+      <p:grpSpPr>
+        <a:xfrm>
+          <a:off x="0" y="0"/>
+          <a:ext cx="0" cy="0"/>
+          <a:chOff x="0" y="0"/>
+          <a:chExt cx="0" cy="0"/>
+        </a:xfrm>
+      </p:grpSpPr>
+      <p:sp>
+        <p:nvSpPr>
+          <p:cNvPr id="3" name="Title 2"/>
+          <p:cNvSpPr>
+            <a:spLocks noGrp="1"/>
+          </p:cNvSpPr>
+          <p:nvPr>
+            <p:ph type="title"/>
+          </p:nvPr>
+        </p:nvSpPr>
+        <p:spPr/>
+        <p:txBody>
+          <a:bodyPr/>
+          <a:lstStyle/>
+          <a:p>
+            <a:r>
+              <a:rPr lang="en-US" dirty="0" smtClean="0"/>
+              <a:t>View details of the failing control</a:t>
+            </a:r>
+            <a:endParaRPr lang="en-US" dirty="0"/>
+          </a:p>
+        </p:txBody>
+      </p:sp>
+      <p:pic>
+        <p:nvPicPr>
+          <p:cNvPr id="7" name="Media Placeholder 6" descr="Chef_Automate.png"/>
+          <p:cNvPicPr>
+            <a:picLocks noGrp="1" noChangeAspect="1"/>
+          </p:cNvPicPr>
+          <p:nvPr>
+            <p:ph type="media" sz="quarter" idx="12"/>
+          </p:nvPr>
+        </p:nvPicPr>
+        <p:blipFill>
+          <a:blip r:embed="rId2">
+            <a:extLst>
+              <a:ext uri="{28A0092B-C50C-407E-A947-70E740481C1C}">
+                <a14:useLocalDpi xmlns:a14="http://schemas.microsoft.com/office/drawing/2010/main" val="0"/>
+              </a:ext>
+            </a:extLst>
+          </a:blip>
+          <a:srcRect t="6358" b="6358"/>
+          <a:stretch>
+            <a:fillRect/>
+          </a:stretch>
+        </p:blipFill>
+        <p:spPr/>
+      </p:pic>
+    </p:spTree>
+    <p:extLst>
+      <p:ext uri="{BB962C8B-B14F-4D97-AF65-F5344CB8AC3E}">
+        <p14:creationId xmlns:p14="http://schemas.microsoft.com/office/powerpoint/2010/main" val="147016742"/>
+      </p:ext>
+    </p:extLst>
+  </p:cSld>
+  <p:clrMapOvr>
+    <a:masterClrMapping/>
+  </p:clrMapOvr>
+  <mc:AlternateContent xmlns:mc="http://schemas.openxmlformats.org/markup-compatibility/2006" xmlns:p14="http://schemas.microsoft.com/office/powerpoint/2010/main">
+    <mc:Choice Requires="p14">
+      <p:transition spd="med" p14:dur="700">
+        <p:fade/>
+      </p:transition>
+    </mc:Choice>
+    <mc:Fallback xmlns="">
+      <p:transition spd="med">
+        <p:fade/>
+      </p:transition>
+    </mc:Fallback>
+  </mc:AlternateContent>
+  <p:timing>
+    <p:tnLst>
+      <p:par>
+        <p:cTn xmlns:p14="http://schemas.microsoft.com/office/powerpoint/2010/main" id="1" dur="indefinite" restart="never" nodeType="tmRoot"/>
+      </p:par>
+    </p:tnLst>
+  </p:timing>
+</p:sld>
+</file>
+
+<file path=ppt/slides/slide23.xml><?xml version="1.0" encoding="utf-8"?>
+<p:sld xmlns:a="http://schemas.openxmlformats.org/drawingml/2006/main" xmlns:r="http://schemas.openxmlformats.org/officeDocument/2006/relationships" xmlns:p="http://schemas.openxmlformats.org/presentationml/2006/main">
+  <p:cSld>
+    <p:spTree>
+      <p:nvGrpSpPr>
+        <p:cNvPr id="1" name=""/>
+        <p:cNvGrpSpPr/>
+        <p:nvPr/>
+      </p:nvGrpSpPr>
+      <p:grpSpPr>
+        <a:xfrm>
+          <a:off x="0" y="0"/>
+          <a:ext cx="0" cy="0"/>
+          <a:chOff x="0" y="0"/>
+          <a:chExt cx="0" cy="0"/>
+        </a:xfrm>
+      </p:grpSpPr>
+      <p:pic>
+        <p:nvPicPr>
+          <p:cNvPr id="4" name="Media Placeholder 3" descr="Chef_Automate.png"/>
+          <p:cNvPicPr>
+            <a:picLocks noGrp="1" noChangeAspect="1"/>
+          </p:cNvPicPr>
+          <p:nvPr>
+            <p:ph type="media" sz="quarter" idx="12"/>
+          </p:nvPr>
+        </p:nvPicPr>
+        <p:blipFill>
+          <a:blip r:embed="rId2">
+            <a:extLst>
+              <a:ext uri="{28A0092B-C50C-407E-A947-70E740481C1C}">
+                <a14:useLocalDpi xmlns:a14="http://schemas.microsoft.com/office/drawing/2010/main" val="0"/>
+              </a:ext>
+            </a:extLst>
+          </a:blip>
+          <a:srcRect t="11113" b="11113"/>
+          <a:stretch>
+            <a:fillRect/>
+          </a:stretch>
+        </p:blipFill>
+        <p:spPr/>
+      </p:pic>
+      <p:sp>
+        <p:nvSpPr>
+          <p:cNvPr id="3" name="Title 2"/>
+          <p:cNvSpPr>
+            <a:spLocks noGrp="1"/>
+          </p:cNvSpPr>
+          <p:nvPr>
+            <p:ph type="title"/>
+          </p:nvPr>
+        </p:nvSpPr>
+        <p:spPr/>
+        <p:txBody>
+          <a:bodyPr/>
+          <a:lstStyle/>
+          <a:p>
+            <a:r>
+              <a:rPr lang="en-US" dirty="0"/>
+              <a:t>View details of the failing control</a:t>
+            </a:r>
+          </a:p>
+        </p:txBody>
+      </p:sp>
+    </p:spTree>
+    <p:extLst>
+      <p:ext uri="{BB962C8B-B14F-4D97-AF65-F5344CB8AC3E}">
+        <p14:creationId xmlns:p14="http://schemas.microsoft.com/office/powerpoint/2010/main" val="480065617"/>
+      </p:ext>
+    </p:extLst>
+  </p:cSld>
+  <p:clrMapOvr>
+    <a:masterClrMapping/>
+  </p:clrMapOvr>
+  <mc:AlternateContent xmlns:mc="http://schemas.openxmlformats.org/markup-compatibility/2006" xmlns:p14="http://schemas.microsoft.com/office/powerpoint/2010/main">
+    <mc:Choice Requires="p14">
+      <p:transition spd="med" p14:dur="700">
+        <p:fade/>
+      </p:transition>
+    </mc:Choice>
+    <mc:Fallback xmlns="">
+      <p:transition spd="med">
+        <p:fade/>
+      </p:transition>
+    </mc:Fallback>
+  </mc:AlternateContent>
+  <p:timing>
+    <p:tnLst>
+      <p:par>
+        <p:cTn xmlns:p14="http://schemas.microsoft.com/office/powerpoint/2010/main" id="1" dur="indefinite" restart="never" nodeType="tmRoot"/>
+      </p:par>
+    </p:tnLst>
+  </p:timing>
+</p:sld>
+</file>
+
+<file path=ppt/slides/slide24.xml><?xml version="1.0" encoding="utf-8"?>
+<p:sld xmlns:a="http://schemas.openxmlformats.org/drawingml/2006/main" xmlns:r="http://schemas.openxmlformats.org/officeDocument/2006/relationships" xmlns:p="http://schemas.openxmlformats.org/presentationml/2006/main">
+  <p:cSld>
+    <p:spTree>
+      <p:nvGrpSpPr>
+        <p:cNvPr id="1" name=""/>
+        <p:cNvGrpSpPr/>
+        <p:nvPr/>
+      </p:nvGrpSpPr>
+      <p:grpSpPr>
+        <a:xfrm>
+          <a:off x="0" y="0"/>
+          <a:ext cx="0" cy="0"/>
+          <a:chOff x="0" y="0"/>
+          <a:chExt cx="0" cy="0"/>
+        </a:xfrm>
+      </p:grpSpPr>
+      <p:sp>
+        <p:nvSpPr>
+          <p:cNvPr id="2" name="Title 1"/>
+          <p:cNvSpPr>
+            <a:spLocks noGrp="1"/>
+          </p:cNvSpPr>
+          <p:nvPr>
+            <p:ph type="ctrTitle"/>
+          </p:nvPr>
+        </p:nvSpPr>
+        <p:spPr/>
+        <p:txBody>
+          <a:bodyPr/>
+          <a:lstStyle/>
+          <a:p>
+            <a:r>
+              <a:rPr lang="en-US" smtClean="0"/>
+              <a:t>Review our set-up</a:t>
+            </a:r>
+            <a:endParaRPr lang="en-US"/>
+          </a:p>
+        </p:txBody>
+      </p:sp>
+      <p:sp>
+        <p:nvSpPr>
+          <p:cNvPr id="3" name="Subtitle 2"/>
+          <p:cNvSpPr>
+            <a:spLocks noGrp="1"/>
+          </p:cNvSpPr>
+          <p:nvPr>
+            <p:ph type="subTitle" idx="1"/>
+          </p:nvPr>
+        </p:nvSpPr>
+        <p:spPr/>
+        <p:txBody>
+          <a:bodyPr/>
+          <a:lstStyle/>
+          <a:p>
+            <a:endParaRPr lang="en-US"/>
+          </a:p>
+        </p:txBody>
+      </p:sp>
+    </p:spTree>
+    <p:extLst>
+      <p:ext uri="{BB962C8B-B14F-4D97-AF65-F5344CB8AC3E}">
+        <p14:creationId xmlns:p14="http://schemas.microsoft.com/office/powerpoint/2010/main" val="3469690032"/>
       </p:ext>
     </p:extLst>
   </p:cSld>
@@ -9879,9 +12816,34 @@
           <a:chExt cx="0" cy="0"/>
         </a:xfrm>
       </p:grpSpPr>
-      <p:sp>
-        <p:nvSpPr>
-          <p:cNvPr id="2" name="Title 1"/>
+      <p:pic>
+        <p:nvPicPr>
+          <p:cNvPr id="4" name="Media Placeholder 3" descr="Chef_Automate.png"/>
+          <p:cNvPicPr>
+            <a:picLocks noGrp="1" noChangeAspect="1"/>
+          </p:cNvPicPr>
+          <p:nvPr>
+            <p:ph type="media" sz="quarter" idx="12"/>
+          </p:nvPr>
+        </p:nvPicPr>
+        <p:blipFill>
+          <a:blip r:embed="rId2">
+            <a:extLst>
+              <a:ext uri="{28A0092B-C50C-407E-A947-70E740481C1C}">
+                <a14:useLocalDpi xmlns:a14="http://schemas.microsoft.com/office/drawing/2010/main" val="0"/>
+              </a:ext>
+            </a:extLst>
+          </a:blip>
+          <a:srcRect l="956" r="956"/>
+          <a:stretch>
+            <a:fillRect/>
+          </a:stretch>
+        </p:blipFill>
+        <p:spPr/>
+      </p:pic>
+      <p:sp>
+        <p:nvSpPr>
+          <p:cNvPr id="3" name="Title 2"/>
           <p:cNvSpPr>
             <a:spLocks noGrp="1"/>
           </p:cNvSpPr>
@@ -9896,58 +12858,16 @@
           <a:p>
             <a:r>
               <a:rPr lang="en-US" dirty="0" smtClean="0"/>
-              <a:t>Run chef-client without a </a:t>
-            </a:r>
-            <a:r>
-              <a:rPr lang="en-US" dirty="0" err="1" smtClean="0"/>
-              <a:t>runlist</a:t>
+              <a:t>Browse to your node</a:t>
             </a:r>
             <a:endParaRPr lang="en-US" dirty="0"/>
-          </a:p>
-        </p:txBody>
-      </p:sp>
-      <p:sp>
-        <p:nvSpPr>
-          <p:cNvPr id="3" name="Content Placeholder 2"/>
-          <p:cNvSpPr>
-            <a:spLocks noGrp="1"/>
-          </p:cNvSpPr>
-          <p:nvPr>
-            <p:ph sz="quarter" idx="11"/>
-          </p:nvPr>
-        </p:nvSpPr>
-        <p:spPr/>
-        <p:txBody>
-          <a:bodyPr/>
-          <a:lstStyle/>
-          <a:p>
-            <a:endParaRPr lang="en-US"/>
-          </a:p>
-        </p:txBody>
-      </p:sp>
-      <p:sp>
-        <p:nvSpPr>
-          <p:cNvPr id="4" name="Text Placeholder 3"/>
-          <p:cNvSpPr>
-            <a:spLocks noGrp="1"/>
-          </p:cNvSpPr>
-          <p:nvPr>
-            <p:ph type="body" sz="quarter" idx="12"/>
-          </p:nvPr>
-        </p:nvSpPr>
-        <p:spPr/>
-        <p:txBody>
-          <a:bodyPr/>
-          <a:lstStyle/>
-          <a:p>
-            <a:endParaRPr lang="en-US"/>
           </a:p>
         </p:txBody>
       </p:sp>
     </p:spTree>
     <p:extLst>
       <p:ext uri="{BB962C8B-B14F-4D97-AF65-F5344CB8AC3E}">
-        <p14:creationId xmlns:p14="http://schemas.microsoft.com/office/powerpoint/2010/main" val="2424052822"/>
+        <p14:creationId xmlns:p14="http://schemas.microsoft.com/office/powerpoint/2010/main" val="3182504384"/>
       </p:ext>
     </p:extLst>
   </p:cSld>
@@ -9966,6 +12886,13 @@
       </p:transition>
     </mc:Fallback>
   </mc:AlternateContent>
+  <p:timing>
+    <p:tnLst>
+      <p:par>
+        <p:cTn xmlns:p14="http://schemas.microsoft.com/office/powerpoint/2010/main" id="1" dur="indefinite" restart="never" nodeType="tmRoot"/>
+      </p:par>
+    </p:tnLst>
+  </p:timing>
 </p:sld>
 </file>
 
@@ -9986,9 +12913,32 @@
           <a:chExt cx="0" cy="0"/>
         </a:xfrm>
       </p:grpSpPr>
-      <p:sp>
-        <p:nvSpPr>
-          <p:cNvPr id="2" name="Title 1"/>
+      <p:pic>
+        <p:nvPicPr>
+          <p:cNvPr id="4" name="Media Placeholder 3" descr="Chef_Automate.png"/>
+          <p:cNvPicPr>
+            <a:picLocks noGrp="1" noChangeAspect="1"/>
+          </p:cNvPicPr>
+          <p:nvPr>
+            <p:ph type="media" sz="quarter" idx="12"/>
+          </p:nvPr>
+        </p:nvPicPr>
+        <p:blipFill rotWithShape="1">
+          <a:blip r:embed="rId3">
+            <a:extLst>
+              <a:ext uri="{28A0092B-C50C-407E-A947-70E740481C1C}">
+                <a14:useLocalDpi xmlns:a14="http://schemas.microsoft.com/office/drawing/2010/main" val="0"/>
+              </a:ext>
+            </a:extLst>
+          </a:blip>
+          <a:srcRect t="4718" b="18721"/>
+          <a:stretch/>
+        </p:blipFill>
+        <p:spPr/>
+      </p:pic>
+      <p:sp>
+        <p:nvSpPr>
+          <p:cNvPr id="3" name="Title 2"/>
           <p:cNvSpPr>
             <a:spLocks noGrp="1"/>
           </p:cNvSpPr>
@@ -10003,54 +12953,16 @@
           <a:p>
             <a:r>
               <a:rPr lang="en-US" dirty="0" smtClean="0"/>
-              <a:t>Look, there’s a profiles directory</a:t>
+              <a:t>Browse to your node</a:t>
             </a:r>
             <a:endParaRPr lang="en-US" dirty="0"/>
-          </a:p>
-        </p:txBody>
-      </p:sp>
-      <p:sp>
-        <p:nvSpPr>
-          <p:cNvPr id="3" name="Content Placeholder 2"/>
-          <p:cNvSpPr>
-            <a:spLocks noGrp="1"/>
-          </p:cNvSpPr>
-          <p:nvPr>
-            <p:ph sz="quarter" idx="11"/>
-          </p:nvPr>
-        </p:nvSpPr>
-        <p:spPr/>
-        <p:txBody>
-          <a:bodyPr/>
-          <a:lstStyle/>
-          <a:p>
-            <a:endParaRPr lang="en-US"/>
-          </a:p>
-        </p:txBody>
-      </p:sp>
-      <p:sp>
-        <p:nvSpPr>
-          <p:cNvPr id="4" name="Text Placeholder 3"/>
-          <p:cNvSpPr>
-            <a:spLocks noGrp="1"/>
-          </p:cNvSpPr>
-          <p:nvPr>
-            <p:ph type="body" sz="quarter" idx="12"/>
-          </p:nvPr>
-        </p:nvSpPr>
-        <p:spPr/>
-        <p:txBody>
-          <a:bodyPr/>
-          <a:lstStyle/>
-          <a:p>
-            <a:endParaRPr lang="en-US"/>
           </a:p>
         </p:txBody>
       </p:sp>
     </p:spTree>
     <p:extLst>
       <p:ext uri="{BB962C8B-B14F-4D97-AF65-F5344CB8AC3E}">
-        <p14:creationId xmlns:p14="http://schemas.microsoft.com/office/powerpoint/2010/main" val="2013035383"/>
+        <p14:creationId xmlns:p14="http://schemas.microsoft.com/office/powerpoint/2010/main" val="1952127092"/>
       </p:ext>
     </p:extLst>
   </p:cSld>
@@ -10069,6 +12981,13 @@
       </p:transition>
     </mc:Fallback>
   </mc:AlternateContent>
+  <p:timing>
+    <p:tnLst>
+      <p:par>
+        <p:cTn xmlns:p14="http://schemas.microsoft.com/office/powerpoint/2010/main" id="1" dur="indefinite" restart="never" nodeType="tmRoot"/>
+      </p:par>
+    </p:tnLst>
+  </p:timing>
 </p:sld>
 </file>
 
@@ -10089,9 +13008,32 @@
           <a:chExt cx="0" cy="0"/>
         </a:xfrm>
       </p:grpSpPr>
-      <p:sp>
-        <p:nvSpPr>
-          <p:cNvPr id="2" name="Title 1"/>
+      <p:pic>
+        <p:nvPicPr>
+          <p:cNvPr id="4" name="Media Placeholder 3" descr="Chef_Automate.png"/>
+          <p:cNvPicPr>
+            <a:picLocks noGrp="1" noChangeAspect="1"/>
+          </p:cNvPicPr>
+          <p:nvPr>
+            <p:ph type="media" sz="quarter" idx="12"/>
+          </p:nvPr>
+        </p:nvPicPr>
+        <p:blipFill rotWithShape="1">
+          <a:blip r:embed="rId3">
+            <a:extLst>
+              <a:ext uri="{28A0092B-C50C-407E-A947-70E740481C1C}">
+                <a14:useLocalDpi xmlns:a14="http://schemas.microsoft.com/office/drawing/2010/main" val="0"/>
+              </a:ext>
+            </a:extLst>
+          </a:blip>
+          <a:srcRect t="5580" b="33446"/>
+          <a:stretch/>
+        </p:blipFill>
+        <p:spPr/>
+      </p:pic>
+      <p:sp>
+        <p:nvSpPr>
+          <p:cNvPr id="3" name="Title 2"/>
           <p:cNvSpPr>
             <a:spLocks noGrp="1"/>
           </p:cNvSpPr>
@@ -10106,54 +13048,16 @@
           <a:p>
             <a:r>
               <a:rPr lang="en-US" dirty="0" smtClean="0"/>
-              <a:t>Run with the audit cookbook</a:t>
+              <a:t>View details of your node</a:t>
             </a:r>
             <a:endParaRPr lang="en-US" dirty="0"/>
-          </a:p>
-        </p:txBody>
-      </p:sp>
-      <p:sp>
-        <p:nvSpPr>
-          <p:cNvPr id="3" name="Content Placeholder 2"/>
-          <p:cNvSpPr>
-            <a:spLocks noGrp="1"/>
-          </p:cNvSpPr>
-          <p:nvPr>
-            <p:ph sz="quarter" idx="11"/>
-          </p:nvPr>
-        </p:nvSpPr>
-        <p:spPr/>
-        <p:txBody>
-          <a:bodyPr/>
-          <a:lstStyle/>
-          <a:p>
-            <a:endParaRPr lang="en-US"/>
-          </a:p>
-        </p:txBody>
-      </p:sp>
-      <p:sp>
-        <p:nvSpPr>
-          <p:cNvPr id="4" name="Text Placeholder 3"/>
-          <p:cNvSpPr>
-            <a:spLocks noGrp="1"/>
-          </p:cNvSpPr>
-          <p:nvPr>
-            <p:ph type="body" sz="quarter" idx="12"/>
-          </p:nvPr>
-        </p:nvSpPr>
-        <p:spPr/>
-        <p:txBody>
-          <a:bodyPr/>
-          <a:lstStyle/>
-          <a:p>
-            <a:endParaRPr lang="en-US"/>
           </a:p>
         </p:txBody>
       </p:sp>
     </p:spTree>
     <p:extLst>
       <p:ext uri="{BB962C8B-B14F-4D97-AF65-F5344CB8AC3E}">
-        <p14:creationId xmlns:p14="http://schemas.microsoft.com/office/powerpoint/2010/main" val="1646558435"/>
+        <p14:creationId xmlns:p14="http://schemas.microsoft.com/office/powerpoint/2010/main" val="2505568072"/>
       </p:ext>
     </p:extLst>
   </p:cSld>
@@ -10172,6 +13076,13 @@
       </p:transition>
     </mc:Fallback>
   </mc:AlternateContent>
+  <p:timing>
+    <p:tnLst>
+      <p:par>
+        <p:cTn xmlns:p14="http://schemas.microsoft.com/office/powerpoint/2010/main" id="1" dur="indefinite" restart="never" nodeType="tmRoot"/>
+      </p:par>
+    </p:tnLst>
+  </p:timing>
 </p:sld>
 </file>
 
@@ -10194,7 +13105,7 @@
       </p:grpSpPr>
       <p:sp>
         <p:nvSpPr>
-          <p:cNvPr id="2" name="Title 1"/>
+          <p:cNvPr id="3" name="Title 2"/>
           <p:cNvSpPr>
             <a:spLocks noGrp="1"/>
           </p:cNvSpPr>
@@ -10209,54 +13120,39 @@
           <a:p>
             <a:r>
               <a:rPr lang="en-US" dirty="0" smtClean="0"/>
-              <a:t>Login to automate</a:t>
+              <a:t>View details of your node</a:t>
             </a:r>
             <a:endParaRPr lang="en-US" dirty="0"/>
           </a:p>
         </p:txBody>
       </p:sp>
-      <p:sp>
-        <p:nvSpPr>
-          <p:cNvPr id="3" name="Content Placeholder 2"/>
-          <p:cNvSpPr>
-            <a:spLocks noGrp="1"/>
-          </p:cNvSpPr>
-          <p:nvPr>
-            <p:ph sz="quarter" idx="11"/>
-          </p:nvPr>
-        </p:nvSpPr>
+      <p:pic>
+        <p:nvPicPr>
+          <p:cNvPr id="5" name="Media Placeholder 4" descr="Chef_Automate.png"/>
+          <p:cNvPicPr>
+            <a:picLocks noGrp="1" noChangeAspect="1"/>
+          </p:cNvPicPr>
+          <p:nvPr>
+            <p:ph type="media" sz="quarter" idx="12"/>
+          </p:nvPr>
+        </p:nvPicPr>
+        <p:blipFill rotWithShape="1">
+          <a:blip r:embed="rId3">
+            <a:extLst>
+              <a:ext uri="{28A0092B-C50C-407E-A947-70E740481C1C}">
+                <a14:useLocalDpi xmlns:a14="http://schemas.microsoft.com/office/drawing/2010/main" val="0"/>
+              </a:ext>
+            </a:extLst>
+          </a:blip>
+          <a:srcRect t="20396"/>
+          <a:stretch/>
+        </p:blipFill>
         <p:spPr/>
-        <p:txBody>
-          <a:bodyPr/>
-          <a:lstStyle/>
-          <a:p>
-            <a:endParaRPr lang="en-US"/>
-          </a:p>
-        </p:txBody>
-      </p:sp>
-      <p:sp>
-        <p:nvSpPr>
-          <p:cNvPr id="4" name="Text Placeholder 3"/>
-          <p:cNvSpPr>
-            <a:spLocks noGrp="1"/>
-          </p:cNvSpPr>
-          <p:nvPr>
-            <p:ph type="body" sz="quarter" idx="12"/>
-          </p:nvPr>
-        </p:nvSpPr>
-        <p:spPr/>
-        <p:txBody>
-          <a:bodyPr/>
-          <a:lstStyle/>
-          <a:p>
-            <a:endParaRPr lang="en-US"/>
-          </a:p>
-        </p:txBody>
-      </p:sp>
+      </p:pic>
     </p:spTree>
     <p:extLst>
       <p:ext uri="{BB962C8B-B14F-4D97-AF65-F5344CB8AC3E}">
-        <p14:creationId xmlns:p14="http://schemas.microsoft.com/office/powerpoint/2010/main" val="3568970010"/>
+        <p14:creationId xmlns:p14="http://schemas.microsoft.com/office/powerpoint/2010/main" val="3644432447"/>
       </p:ext>
     </p:extLst>
   </p:cSld>
@@ -10275,6 +13171,13 @@
       </p:transition>
     </mc:Fallback>
   </mc:AlternateContent>
+  <p:timing>
+    <p:tnLst>
+      <p:par>
+        <p:cTn xmlns:p14="http://schemas.microsoft.com/office/powerpoint/2010/main" id="1" dur="indefinite" restart="never" nodeType="tmRoot"/>
+      </p:par>
+    </p:tnLst>
+  </p:timing>
 </p:sld>
 </file>
 
@@ -10297,7 +13200,7 @@
       </p:grpSpPr>
       <p:sp>
         <p:nvSpPr>
-          <p:cNvPr id="2" name="Title 1"/>
+          <p:cNvPr id="3" name="Title 2"/>
           <p:cNvSpPr>
             <a:spLocks noGrp="1"/>
           </p:cNvSpPr>
@@ -10312,54 +13215,41 @@
           <a:p>
             <a:r>
               <a:rPr lang="en-US" dirty="0" smtClean="0"/>
-              <a:t>See failure</a:t>
+              <a:t>View details of your node</a:t>
             </a:r>
             <a:endParaRPr lang="en-US" dirty="0"/>
           </a:p>
         </p:txBody>
       </p:sp>
-      <p:sp>
-        <p:nvSpPr>
-          <p:cNvPr id="3" name="Content Placeholder 2"/>
-          <p:cNvSpPr>
-            <a:spLocks noGrp="1"/>
-          </p:cNvSpPr>
-          <p:nvPr>
-            <p:ph sz="quarter" idx="11"/>
-          </p:nvPr>
-        </p:nvSpPr>
+      <p:pic>
+        <p:nvPicPr>
+          <p:cNvPr id="4" name="Media Placeholder 3" descr="Chef_Automate.png"/>
+          <p:cNvPicPr>
+            <a:picLocks noGrp="1" noChangeAspect="1"/>
+          </p:cNvPicPr>
+          <p:nvPr>
+            <p:ph type="media" sz="quarter" idx="12"/>
+          </p:nvPr>
+        </p:nvPicPr>
+        <p:blipFill>
+          <a:blip r:embed="rId3">
+            <a:extLst>
+              <a:ext uri="{28A0092B-C50C-407E-A947-70E740481C1C}">
+                <a14:useLocalDpi xmlns:a14="http://schemas.microsoft.com/office/drawing/2010/main" val="0"/>
+              </a:ext>
+            </a:extLst>
+          </a:blip>
+          <a:srcRect t="6954" b="6954"/>
+          <a:stretch>
+            <a:fillRect/>
+          </a:stretch>
+        </p:blipFill>
         <p:spPr/>
-        <p:txBody>
-          <a:bodyPr/>
-          <a:lstStyle/>
-          <a:p>
-            <a:endParaRPr lang="en-US"/>
-          </a:p>
-        </p:txBody>
-      </p:sp>
-      <p:sp>
-        <p:nvSpPr>
-          <p:cNvPr id="4" name="Text Placeholder 3"/>
-          <p:cNvSpPr>
-            <a:spLocks noGrp="1"/>
-          </p:cNvSpPr>
-          <p:nvPr>
-            <p:ph type="body" sz="quarter" idx="12"/>
-          </p:nvPr>
-        </p:nvSpPr>
-        <p:spPr/>
-        <p:txBody>
-          <a:bodyPr/>
-          <a:lstStyle/>
-          <a:p>
-            <a:endParaRPr lang="en-US"/>
-          </a:p>
-        </p:txBody>
-      </p:sp>
+      </p:pic>
     </p:spTree>
     <p:extLst>
       <p:ext uri="{BB962C8B-B14F-4D97-AF65-F5344CB8AC3E}">
-        <p14:creationId xmlns:p14="http://schemas.microsoft.com/office/powerpoint/2010/main" val="791083447"/>
+        <p14:creationId xmlns:p14="http://schemas.microsoft.com/office/powerpoint/2010/main" val="1828298600"/>
       </p:ext>
     </p:extLst>
   </p:cSld>
@@ -10378,6 +13268,13 @@
       </p:transition>
     </mc:Fallback>
   </mc:AlternateContent>
+  <p:timing>
+    <p:tnLst>
+      <p:par>
+        <p:cTn xmlns:p14="http://schemas.microsoft.com/office/powerpoint/2010/main" id="1" dur="indefinite" restart="never" nodeType="tmRoot"/>
+      </p:par>
+    </p:tnLst>
+  </p:timing>
 </p:sld>
 </file>
 
@@ -10400,7 +13297,7 @@
       </p:grpSpPr>
       <p:sp>
         <p:nvSpPr>
-          <p:cNvPr id="2" name="Title 1"/>
+          <p:cNvPr id="3" name="Title 2"/>
           <p:cNvSpPr>
             <a:spLocks noGrp="1"/>
           </p:cNvSpPr>
@@ -10415,53 +13312,41 @@
           <a:p>
             <a:r>
               <a:rPr lang="en-US" dirty="0" smtClean="0"/>
-              <a:t>Slide title</a:t>
+              <a:t>View details of your node</a:t>
             </a:r>
             <a:endParaRPr lang="en-US" dirty="0"/>
           </a:p>
         </p:txBody>
       </p:sp>
-      <p:sp>
-        <p:nvSpPr>
-          <p:cNvPr id="3" name="Text Placeholder 2"/>
-          <p:cNvSpPr>
-            <a:spLocks noGrp="1"/>
-          </p:cNvSpPr>
-          <p:nvPr>
-            <p:ph type="body" sz="quarter" idx="10"/>
-          </p:nvPr>
-        </p:nvSpPr>
+      <p:pic>
+        <p:nvPicPr>
+          <p:cNvPr id="5" name="Media Placeholder 4" descr="Chef_Automate.png"/>
+          <p:cNvPicPr>
+            <a:picLocks noGrp="1" noChangeAspect="1"/>
+          </p:cNvPicPr>
+          <p:nvPr>
+            <p:ph type="media" sz="quarter" idx="12"/>
+          </p:nvPr>
+        </p:nvPicPr>
+        <p:blipFill>
+          <a:blip r:embed="rId3">
+            <a:extLst>
+              <a:ext uri="{28A0092B-C50C-407E-A947-70E740481C1C}">
+                <a14:useLocalDpi xmlns:a14="http://schemas.microsoft.com/office/drawing/2010/main" val="0"/>
+              </a:ext>
+            </a:extLst>
+          </a:blip>
+          <a:srcRect t="9789" b="9789"/>
+          <a:stretch>
+            <a:fillRect/>
+          </a:stretch>
+        </p:blipFill>
         <p:spPr/>
-        <p:txBody>
-          <a:bodyPr/>
-          <a:lstStyle/>
-          <a:p>
-            <a:r>
-              <a:rPr lang="en-US" dirty="0" smtClean="0"/>
-              <a:t>Bullet One</a:t>
-            </a:r>
-          </a:p>
-          <a:p>
-            <a:pPr lvl="1"/>
-            <a:r>
-              <a:rPr lang="en-US" dirty="0" smtClean="0"/>
-              <a:t>Bullet Two</a:t>
-            </a:r>
-          </a:p>
-          <a:p>
-            <a:pPr lvl="2"/>
-            <a:r>
-              <a:rPr lang="en-US" dirty="0" smtClean="0"/>
-              <a:t>Bullet Three</a:t>
-            </a:r>
-            <a:endParaRPr lang="en-US" dirty="0"/>
-          </a:p>
-        </p:txBody>
-      </p:sp>
+      </p:pic>
     </p:spTree>
     <p:extLst>
       <p:ext uri="{BB962C8B-B14F-4D97-AF65-F5344CB8AC3E}">
-        <p14:creationId xmlns:p14="http://schemas.microsoft.com/office/powerpoint/2010/main" val="2900402138"/>
+        <p14:creationId xmlns:p14="http://schemas.microsoft.com/office/powerpoint/2010/main" val="3491426250"/>
       </p:ext>
     </p:extLst>
   </p:cSld>
@@ -10509,64 +13394,54 @@
       </p:grpSpPr>
       <p:sp>
         <p:nvSpPr>
-          <p:cNvPr id="2" name="Title 1"/>
+          <p:cNvPr id="3" name="Title 2"/>
           <p:cNvSpPr>
             <a:spLocks noGrp="1"/>
           </p:cNvSpPr>
           <p:nvPr>
-            <p:ph type="ctrTitle"/>
-          </p:nvPr>
-        </p:nvSpPr>
-        <p:spPr>
-          <a:xfrm>
-            <a:off x="2394868" y="2246695"/>
-            <a:ext cx="9875520" cy="1203795"/>
-          </a:xfrm>
-        </p:spPr>
+            <p:ph type="title"/>
+          </p:nvPr>
+        </p:nvSpPr>
+        <p:spPr/>
         <p:txBody>
           <a:bodyPr/>
           <a:lstStyle/>
           <a:p>
             <a:r>
               <a:rPr lang="en-US" dirty="0" smtClean="0"/>
-              <a:t>Non-bullet Slide</a:t>
+              <a:t>The node uses chef solo</a:t>
             </a:r>
             <a:endParaRPr lang="en-US" dirty="0"/>
           </a:p>
         </p:txBody>
       </p:sp>
-      <p:sp>
-        <p:nvSpPr>
-          <p:cNvPr id="3" name="Subtitle 2"/>
-          <p:cNvSpPr>
-            <a:spLocks noGrp="1"/>
-          </p:cNvSpPr>
-          <p:nvPr>
-            <p:ph type="subTitle" idx="1"/>
-          </p:nvPr>
-        </p:nvSpPr>
-        <p:spPr>
-          <a:xfrm>
-            <a:off x="2394868" y="3106028"/>
-            <a:ext cx="9875520" cy="504709"/>
-          </a:xfrm>
-        </p:spPr>
-        <p:txBody>
-          <a:bodyPr/>
-          <a:lstStyle/>
-          <a:p>
-            <a:r>
-              <a:rPr lang="en-US" dirty="0" smtClean="0"/>
-              <a:t>Non-bullet slide subtitle</a:t>
-            </a:r>
-            <a:endParaRPr lang="en-US" dirty="0"/>
-          </a:p>
-        </p:txBody>
-      </p:sp>
+      <p:pic>
+        <p:nvPicPr>
+          <p:cNvPr id="4" name="Media Placeholder 3" descr="Chef_Automate.png"/>
+          <p:cNvPicPr>
+            <a:picLocks noGrp="1" noChangeAspect="1"/>
+          </p:cNvPicPr>
+          <p:nvPr>
+            <p:ph type="media" sz="quarter" idx="12"/>
+          </p:nvPr>
+        </p:nvPicPr>
+        <p:blipFill rotWithShape="1">
+          <a:blip r:embed="rId3">
+            <a:extLst>
+              <a:ext uri="{28A0092B-C50C-407E-A947-70E740481C1C}">
+                <a14:useLocalDpi xmlns:a14="http://schemas.microsoft.com/office/drawing/2010/main" val="0"/>
+              </a:ext>
+            </a:extLst>
+          </a:blip>
+          <a:srcRect b="15760"/>
+          <a:stretch/>
+        </p:blipFill>
+        <p:spPr/>
+      </p:pic>
     </p:spTree>
     <p:extLst>
       <p:ext uri="{BB962C8B-B14F-4D97-AF65-F5344CB8AC3E}">
-        <p14:creationId xmlns:p14="http://schemas.microsoft.com/office/powerpoint/2010/main" val="2109002672"/>
+        <p14:creationId xmlns:p14="http://schemas.microsoft.com/office/powerpoint/2010/main" val="275707945"/>
       </p:ext>
     </p:extLst>
   </p:cSld>
@@ -11781,4 +14656,644 @@
     </a:ext>
   </a:extLst>
 </a:theme>
+</file>
+
+<file path=ppt/theme/theme4.xml><?xml version="1.0" encoding="utf-8"?>
+<a:theme xmlns:a="http://schemas.openxmlformats.org/drawingml/2006/main" name="Office Theme">
+  <a:themeElements>
+    <a:clrScheme name="Office">
+      <a:dk1>
+        <a:sysClr val="windowText" lastClr="000000"/>
+      </a:dk1>
+      <a:lt1>
+        <a:sysClr val="window" lastClr="FFFFFF"/>
+      </a:lt1>
+      <a:dk2>
+        <a:srgbClr val="1F497D"/>
+      </a:dk2>
+      <a:lt2>
+        <a:srgbClr val="EEECE1"/>
+      </a:lt2>
+      <a:accent1>
+        <a:srgbClr val="4F81BD"/>
+      </a:accent1>
+      <a:accent2>
+        <a:srgbClr val="C0504D"/>
+      </a:accent2>
+      <a:accent3>
+        <a:srgbClr val="9BBB59"/>
+      </a:accent3>
+      <a:accent4>
+        <a:srgbClr val="8064A2"/>
+      </a:accent4>
+      <a:accent5>
+        <a:srgbClr val="4BACC6"/>
+      </a:accent5>
+      <a:accent6>
+        <a:srgbClr val="F79646"/>
+      </a:accent6>
+      <a:hlink>
+        <a:srgbClr val="0000FF"/>
+      </a:hlink>
+      <a:folHlink>
+        <a:srgbClr val="800080"/>
+      </a:folHlink>
+    </a:clrScheme>
+    <a:fontScheme name="Office">
+      <a:majorFont>
+        <a:latin typeface="Calibri"/>
+        <a:ea typeface=""/>
+        <a:cs typeface=""/>
+        <a:font script="Jpan" typeface="ＭＳ Ｐゴシック"/>
+        <a:font script="Hang" typeface="맑은 고딕"/>
+        <a:font script="Hans" typeface="宋体"/>
+        <a:font script="Hant" typeface="新細明體"/>
+        <a:font script="Arab" typeface="Times New Roman"/>
+        <a:font script="Hebr" typeface="Times New Roman"/>
+        <a:font script="Thai" typeface="Angsana New"/>
+        <a:font script="Ethi" typeface="Nyala"/>
+        <a:font script="Beng" typeface="Vrinda"/>
+        <a:font script="Gujr" typeface="Shruti"/>
+        <a:font script="Khmr" typeface="MoolBoran"/>
+        <a:font script="Knda" typeface="Tunga"/>
+        <a:font script="Guru" typeface="Raavi"/>
+        <a:font script="Cans" typeface="Euphemia"/>
+        <a:font script="Cher" typeface="Plantagenet Cherokee"/>
+        <a:font script="Yiii" typeface="Microsoft Yi Baiti"/>
+        <a:font script="Tibt" typeface="Microsoft Himalaya"/>
+        <a:font script="Thaa" typeface="MV Boli"/>
+        <a:font script="Deva" typeface="Mangal"/>
+        <a:font script="Telu" typeface="Gautami"/>
+        <a:font script="Taml" typeface="Latha"/>
+        <a:font script="Syrc" typeface="Estrangelo Edessa"/>
+        <a:font script="Orya" typeface="Kalinga"/>
+        <a:font script="Mlym" typeface="Kartika"/>
+        <a:font script="Laoo" typeface="DokChampa"/>
+        <a:font script="Sinh" typeface="Iskoola Pota"/>
+        <a:font script="Mong" typeface="Mongolian Baiti"/>
+        <a:font script="Viet" typeface="Times New Roman"/>
+        <a:font script="Uigh" typeface="Microsoft Uighur"/>
+        <a:font script="Geor" typeface="Sylfaen"/>
+      </a:majorFont>
+      <a:minorFont>
+        <a:latin typeface="Calibri"/>
+        <a:ea typeface=""/>
+        <a:cs typeface=""/>
+        <a:font script="Jpan" typeface="ＭＳ Ｐゴシック"/>
+        <a:font script="Hang" typeface="맑은 고딕"/>
+        <a:font script="Hans" typeface="宋体"/>
+        <a:font script="Hant" typeface="新細明體"/>
+        <a:font script="Arab" typeface="Arial"/>
+        <a:font script="Hebr" typeface="Arial"/>
+        <a:font script="Thai" typeface="Cordia New"/>
+        <a:font script="Ethi" typeface="Nyala"/>
+        <a:font script="Beng" typeface="Vrinda"/>
+        <a:font script="Gujr" typeface="Shruti"/>
+        <a:font script="Khmr" typeface="DaunPenh"/>
+        <a:font script="Knda" typeface="Tunga"/>
+        <a:font script="Guru" typeface="Raavi"/>
+        <a:font script="Cans" typeface="Euphemia"/>
+        <a:font script="Cher" typeface="Plantagenet Cherokee"/>
+        <a:font script="Yiii" typeface="Microsoft Yi Baiti"/>
+        <a:font script="Tibt" typeface="Microsoft Himalaya"/>
+        <a:font script="Thaa" typeface="MV Boli"/>
+        <a:font script="Deva" typeface="Mangal"/>
+        <a:font script="Telu" typeface="Gautami"/>
+        <a:font script="Taml" typeface="Latha"/>
+        <a:font script="Syrc" typeface="Estrangelo Edessa"/>
+        <a:font script="Orya" typeface="Kalinga"/>
+        <a:font script="Mlym" typeface="Kartika"/>
+        <a:font script="Laoo" typeface="DokChampa"/>
+        <a:font script="Sinh" typeface="Iskoola Pota"/>
+        <a:font script="Mong" typeface="Mongolian Baiti"/>
+        <a:font script="Viet" typeface="Arial"/>
+        <a:font script="Uigh" typeface="Microsoft Uighur"/>
+        <a:font script="Geor" typeface="Sylfaen"/>
+      </a:minorFont>
+    </a:fontScheme>
+    <a:fmtScheme name="Office">
+      <a:fillStyleLst>
+        <a:solidFill>
+          <a:schemeClr val="phClr"/>
+        </a:solidFill>
+        <a:gradFill rotWithShape="1">
+          <a:gsLst>
+            <a:gs pos="0">
+              <a:schemeClr val="phClr">
+                <a:tint val="50000"/>
+                <a:satMod val="300000"/>
+              </a:schemeClr>
+            </a:gs>
+            <a:gs pos="35000">
+              <a:schemeClr val="phClr">
+                <a:tint val="37000"/>
+                <a:satMod val="300000"/>
+              </a:schemeClr>
+            </a:gs>
+            <a:gs pos="100000">
+              <a:schemeClr val="phClr">
+                <a:tint val="15000"/>
+                <a:satMod val="350000"/>
+              </a:schemeClr>
+            </a:gs>
+          </a:gsLst>
+          <a:lin ang="16200000" scaled="1"/>
+        </a:gradFill>
+        <a:gradFill rotWithShape="1">
+          <a:gsLst>
+            <a:gs pos="0">
+              <a:schemeClr val="phClr">
+                <a:tint val="100000"/>
+                <a:shade val="100000"/>
+                <a:satMod val="130000"/>
+              </a:schemeClr>
+            </a:gs>
+            <a:gs pos="100000">
+              <a:schemeClr val="phClr">
+                <a:tint val="50000"/>
+                <a:shade val="100000"/>
+                <a:satMod val="350000"/>
+              </a:schemeClr>
+            </a:gs>
+          </a:gsLst>
+          <a:lin ang="16200000" scaled="0"/>
+        </a:gradFill>
+      </a:fillStyleLst>
+      <a:lnStyleLst>
+        <a:ln w="9525" cap="flat" cmpd="sng" algn="ctr">
+          <a:solidFill>
+            <a:schemeClr val="phClr">
+              <a:shade val="95000"/>
+              <a:satMod val="105000"/>
+            </a:schemeClr>
+          </a:solidFill>
+          <a:prstDash val="solid"/>
+        </a:ln>
+        <a:ln w="25400" cap="flat" cmpd="sng" algn="ctr">
+          <a:solidFill>
+            <a:schemeClr val="phClr"/>
+          </a:solidFill>
+          <a:prstDash val="solid"/>
+        </a:ln>
+        <a:ln w="38100" cap="flat" cmpd="sng" algn="ctr">
+          <a:solidFill>
+            <a:schemeClr val="phClr"/>
+          </a:solidFill>
+          <a:prstDash val="solid"/>
+        </a:ln>
+      </a:lnStyleLst>
+      <a:effectStyleLst>
+        <a:effectStyle>
+          <a:effectLst>
+            <a:outerShdw blurRad="40000" dist="20000" dir="5400000" rotWithShape="0">
+              <a:srgbClr val="000000">
+                <a:alpha val="38000"/>
+              </a:srgbClr>
+            </a:outerShdw>
+          </a:effectLst>
+        </a:effectStyle>
+        <a:effectStyle>
+          <a:effectLst>
+            <a:outerShdw blurRad="40000" dist="23000" dir="5400000" rotWithShape="0">
+              <a:srgbClr val="000000">
+                <a:alpha val="35000"/>
+              </a:srgbClr>
+            </a:outerShdw>
+          </a:effectLst>
+        </a:effectStyle>
+        <a:effectStyle>
+          <a:effectLst>
+            <a:outerShdw blurRad="40000" dist="23000" dir="5400000" rotWithShape="0">
+              <a:srgbClr val="000000">
+                <a:alpha val="35000"/>
+              </a:srgbClr>
+            </a:outerShdw>
+          </a:effectLst>
+          <a:scene3d>
+            <a:camera prst="orthographicFront">
+              <a:rot lat="0" lon="0" rev="0"/>
+            </a:camera>
+            <a:lightRig rig="threePt" dir="t">
+              <a:rot lat="0" lon="0" rev="1200000"/>
+            </a:lightRig>
+          </a:scene3d>
+          <a:sp3d>
+            <a:bevelT w="63500" h="25400"/>
+          </a:sp3d>
+        </a:effectStyle>
+      </a:effectStyleLst>
+      <a:bgFillStyleLst>
+        <a:solidFill>
+          <a:schemeClr val="phClr"/>
+        </a:solidFill>
+        <a:gradFill rotWithShape="1">
+          <a:gsLst>
+            <a:gs pos="0">
+              <a:schemeClr val="phClr">
+                <a:tint val="40000"/>
+                <a:satMod val="350000"/>
+              </a:schemeClr>
+            </a:gs>
+            <a:gs pos="40000">
+              <a:schemeClr val="phClr">
+                <a:tint val="45000"/>
+                <a:shade val="99000"/>
+                <a:satMod val="350000"/>
+              </a:schemeClr>
+            </a:gs>
+            <a:gs pos="100000">
+              <a:schemeClr val="phClr">
+                <a:shade val="20000"/>
+                <a:satMod val="255000"/>
+              </a:schemeClr>
+            </a:gs>
+          </a:gsLst>
+          <a:path path="circle">
+            <a:fillToRect l="50000" t="-80000" r="50000" b="180000"/>
+          </a:path>
+        </a:gradFill>
+        <a:gradFill rotWithShape="1">
+          <a:gsLst>
+            <a:gs pos="0">
+              <a:schemeClr val="phClr">
+                <a:tint val="80000"/>
+                <a:satMod val="300000"/>
+              </a:schemeClr>
+            </a:gs>
+            <a:gs pos="100000">
+              <a:schemeClr val="phClr">
+                <a:shade val="30000"/>
+                <a:satMod val="200000"/>
+              </a:schemeClr>
+            </a:gs>
+          </a:gsLst>
+          <a:path path="circle">
+            <a:fillToRect l="50000" t="50000" r="50000" b="50000"/>
+          </a:path>
+        </a:gradFill>
+      </a:bgFillStyleLst>
+    </a:fmtScheme>
+  </a:themeElements>
+  <a:objectDefaults>
+    <a:spDef>
+      <a:spPr/>
+      <a:bodyPr/>
+      <a:lstStyle/>
+      <a:style>
+        <a:lnRef idx="1">
+          <a:schemeClr val="accent1"/>
+        </a:lnRef>
+        <a:fillRef idx="3">
+          <a:schemeClr val="accent1"/>
+        </a:fillRef>
+        <a:effectRef idx="2">
+          <a:schemeClr val="accent1"/>
+        </a:effectRef>
+        <a:fontRef idx="minor">
+          <a:schemeClr val="lt1"/>
+        </a:fontRef>
+      </a:style>
+    </a:spDef>
+    <a:lnDef>
+      <a:spPr/>
+      <a:bodyPr/>
+      <a:lstStyle/>
+      <a:style>
+        <a:lnRef idx="2">
+          <a:schemeClr val="accent1"/>
+        </a:lnRef>
+        <a:fillRef idx="0">
+          <a:schemeClr val="accent1"/>
+        </a:fillRef>
+        <a:effectRef idx="1">
+          <a:schemeClr val="accent1"/>
+        </a:effectRef>
+        <a:fontRef idx="minor">
+          <a:schemeClr val="tx1"/>
+        </a:fontRef>
+      </a:style>
+    </a:lnDef>
+  </a:objectDefaults>
+  <a:extraClrSchemeLst/>
+</a:theme>
+</file>
+
+<file path=ppt/theme/theme5.xml><?xml version="1.0" encoding="utf-8"?>
+<a:theme xmlns:a="http://schemas.openxmlformats.org/drawingml/2006/main" name="Office Theme">
+  <a:themeElements>
+    <a:clrScheme name="Office">
+      <a:dk1>
+        <a:sysClr val="windowText" lastClr="000000"/>
+      </a:dk1>
+      <a:lt1>
+        <a:sysClr val="window" lastClr="FFFFFF"/>
+      </a:lt1>
+      <a:dk2>
+        <a:srgbClr val="1F497D"/>
+      </a:dk2>
+      <a:lt2>
+        <a:srgbClr val="EEECE1"/>
+      </a:lt2>
+      <a:accent1>
+        <a:srgbClr val="4F81BD"/>
+      </a:accent1>
+      <a:accent2>
+        <a:srgbClr val="C0504D"/>
+      </a:accent2>
+      <a:accent3>
+        <a:srgbClr val="9BBB59"/>
+      </a:accent3>
+      <a:accent4>
+        <a:srgbClr val="8064A2"/>
+      </a:accent4>
+      <a:accent5>
+        <a:srgbClr val="4BACC6"/>
+      </a:accent5>
+      <a:accent6>
+        <a:srgbClr val="F79646"/>
+      </a:accent6>
+      <a:hlink>
+        <a:srgbClr val="0000FF"/>
+      </a:hlink>
+      <a:folHlink>
+        <a:srgbClr val="800080"/>
+      </a:folHlink>
+    </a:clrScheme>
+    <a:fontScheme name="Office">
+      <a:majorFont>
+        <a:latin typeface="Calibri"/>
+        <a:ea typeface=""/>
+        <a:cs typeface=""/>
+        <a:font script="Jpan" typeface="ＭＳ Ｐゴシック"/>
+        <a:font script="Hang" typeface="맑은 고딕"/>
+        <a:font script="Hans" typeface="宋体"/>
+        <a:font script="Hant" typeface="新細明體"/>
+        <a:font script="Arab" typeface="Times New Roman"/>
+        <a:font script="Hebr" typeface="Times New Roman"/>
+        <a:font script="Thai" typeface="Angsana New"/>
+        <a:font script="Ethi" typeface="Nyala"/>
+        <a:font script="Beng" typeface="Vrinda"/>
+        <a:font script="Gujr" typeface="Shruti"/>
+        <a:font script="Khmr" typeface="MoolBoran"/>
+        <a:font script="Knda" typeface="Tunga"/>
+        <a:font script="Guru" typeface="Raavi"/>
+        <a:font script="Cans" typeface="Euphemia"/>
+        <a:font script="Cher" typeface="Plantagenet Cherokee"/>
+        <a:font script="Yiii" typeface="Microsoft Yi Baiti"/>
+        <a:font script="Tibt" typeface="Microsoft Himalaya"/>
+        <a:font script="Thaa" typeface="MV Boli"/>
+        <a:font script="Deva" typeface="Mangal"/>
+        <a:font script="Telu" typeface="Gautami"/>
+        <a:font script="Taml" typeface="Latha"/>
+        <a:font script="Syrc" typeface="Estrangelo Edessa"/>
+        <a:font script="Orya" typeface="Kalinga"/>
+        <a:font script="Mlym" typeface="Kartika"/>
+        <a:font script="Laoo" typeface="DokChampa"/>
+        <a:font script="Sinh" typeface="Iskoola Pota"/>
+        <a:font script="Mong" typeface="Mongolian Baiti"/>
+        <a:font script="Viet" typeface="Times New Roman"/>
+        <a:font script="Uigh" typeface="Microsoft Uighur"/>
+        <a:font script="Geor" typeface="Sylfaen"/>
+      </a:majorFont>
+      <a:minorFont>
+        <a:latin typeface="Calibri"/>
+        <a:ea typeface=""/>
+        <a:cs typeface=""/>
+        <a:font script="Jpan" typeface="ＭＳ Ｐゴシック"/>
+        <a:font script="Hang" typeface="맑은 고딕"/>
+        <a:font script="Hans" typeface="宋体"/>
+        <a:font script="Hant" typeface="新細明體"/>
+        <a:font script="Arab" typeface="Arial"/>
+        <a:font script="Hebr" typeface="Arial"/>
+        <a:font script="Thai" typeface="Cordia New"/>
+        <a:font script="Ethi" typeface="Nyala"/>
+        <a:font script="Beng" typeface="Vrinda"/>
+        <a:font script="Gujr" typeface="Shruti"/>
+        <a:font script="Khmr" typeface="DaunPenh"/>
+        <a:font script="Knda" typeface="Tunga"/>
+        <a:font script="Guru" typeface="Raavi"/>
+        <a:font script="Cans" typeface="Euphemia"/>
+        <a:font script="Cher" typeface="Plantagenet Cherokee"/>
+        <a:font script="Yiii" typeface="Microsoft Yi Baiti"/>
+        <a:font script="Tibt" typeface="Microsoft Himalaya"/>
+        <a:font script="Thaa" typeface="MV Boli"/>
+        <a:font script="Deva" typeface="Mangal"/>
+        <a:font script="Telu" typeface="Gautami"/>
+        <a:font script="Taml" typeface="Latha"/>
+        <a:font script="Syrc" typeface="Estrangelo Edessa"/>
+        <a:font script="Orya" typeface="Kalinga"/>
+        <a:font script="Mlym" typeface="Kartika"/>
+        <a:font script="Laoo" typeface="DokChampa"/>
+        <a:font script="Sinh" typeface="Iskoola Pota"/>
+        <a:font script="Mong" typeface="Mongolian Baiti"/>
+        <a:font script="Viet" typeface="Arial"/>
+        <a:font script="Uigh" typeface="Microsoft Uighur"/>
+        <a:font script="Geor" typeface="Sylfaen"/>
+      </a:minorFont>
+    </a:fontScheme>
+    <a:fmtScheme name="Office">
+      <a:fillStyleLst>
+        <a:solidFill>
+          <a:schemeClr val="phClr"/>
+        </a:solidFill>
+        <a:gradFill rotWithShape="1">
+          <a:gsLst>
+            <a:gs pos="0">
+              <a:schemeClr val="phClr">
+                <a:tint val="50000"/>
+                <a:satMod val="300000"/>
+              </a:schemeClr>
+            </a:gs>
+            <a:gs pos="35000">
+              <a:schemeClr val="phClr">
+                <a:tint val="37000"/>
+                <a:satMod val="300000"/>
+              </a:schemeClr>
+            </a:gs>
+            <a:gs pos="100000">
+              <a:schemeClr val="phClr">
+                <a:tint val="15000"/>
+                <a:satMod val="350000"/>
+              </a:schemeClr>
+            </a:gs>
+          </a:gsLst>
+          <a:lin ang="16200000" scaled="1"/>
+        </a:gradFill>
+        <a:gradFill rotWithShape="1">
+          <a:gsLst>
+            <a:gs pos="0">
+              <a:schemeClr val="phClr">
+                <a:tint val="100000"/>
+                <a:shade val="100000"/>
+                <a:satMod val="130000"/>
+              </a:schemeClr>
+            </a:gs>
+            <a:gs pos="100000">
+              <a:schemeClr val="phClr">
+                <a:tint val="50000"/>
+                <a:shade val="100000"/>
+                <a:satMod val="350000"/>
+              </a:schemeClr>
+            </a:gs>
+          </a:gsLst>
+          <a:lin ang="16200000" scaled="0"/>
+        </a:gradFill>
+      </a:fillStyleLst>
+      <a:lnStyleLst>
+        <a:ln w="9525" cap="flat" cmpd="sng" algn="ctr">
+          <a:solidFill>
+            <a:schemeClr val="phClr">
+              <a:shade val="95000"/>
+              <a:satMod val="105000"/>
+            </a:schemeClr>
+          </a:solidFill>
+          <a:prstDash val="solid"/>
+        </a:ln>
+        <a:ln w="25400" cap="flat" cmpd="sng" algn="ctr">
+          <a:solidFill>
+            <a:schemeClr val="phClr"/>
+          </a:solidFill>
+          <a:prstDash val="solid"/>
+        </a:ln>
+        <a:ln w="38100" cap="flat" cmpd="sng" algn="ctr">
+          <a:solidFill>
+            <a:schemeClr val="phClr"/>
+          </a:solidFill>
+          <a:prstDash val="solid"/>
+        </a:ln>
+      </a:lnStyleLst>
+      <a:effectStyleLst>
+        <a:effectStyle>
+          <a:effectLst>
+            <a:outerShdw blurRad="40000" dist="20000" dir="5400000" rotWithShape="0">
+              <a:srgbClr val="000000">
+                <a:alpha val="38000"/>
+              </a:srgbClr>
+            </a:outerShdw>
+          </a:effectLst>
+        </a:effectStyle>
+        <a:effectStyle>
+          <a:effectLst>
+            <a:outerShdw blurRad="40000" dist="23000" dir="5400000" rotWithShape="0">
+              <a:srgbClr val="000000">
+                <a:alpha val="35000"/>
+              </a:srgbClr>
+            </a:outerShdw>
+          </a:effectLst>
+        </a:effectStyle>
+        <a:effectStyle>
+          <a:effectLst>
+            <a:outerShdw blurRad="40000" dist="23000" dir="5400000" rotWithShape="0">
+              <a:srgbClr val="000000">
+                <a:alpha val="35000"/>
+              </a:srgbClr>
+            </a:outerShdw>
+          </a:effectLst>
+          <a:scene3d>
+            <a:camera prst="orthographicFront">
+              <a:rot lat="0" lon="0" rev="0"/>
+            </a:camera>
+            <a:lightRig rig="threePt" dir="t">
+              <a:rot lat="0" lon="0" rev="1200000"/>
+            </a:lightRig>
+          </a:scene3d>
+          <a:sp3d>
+            <a:bevelT w="63500" h="25400"/>
+          </a:sp3d>
+        </a:effectStyle>
+      </a:effectStyleLst>
+      <a:bgFillStyleLst>
+        <a:solidFill>
+          <a:schemeClr val="phClr"/>
+        </a:solidFill>
+        <a:gradFill rotWithShape="1">
+          <a:gsLst>
+            <a:gs pos="0">
+              <a:schemeClr val="phClr">
+                <a:tint val="40000"/>
+                <a:satMod val="350000"/>
+              </a:schemeClr>
+            </a:gs>
+            <a:gs pos="40000">
+              <a:schemeClr val="phClr">
+                <a:tint val="45000"/>
+                <a:shade val="99000"/>
+                <a:satMod val="350000"/>
+              </a:schemeClr>
+            </a:gs>
+            <a:gs pos="100000">
+              <a:schemeClr val="phClr">
+                <a:shade val="20000"/>
+                <a:satMod val="255000"/>
+              </a:schemeClr>
+            </a:gs>
+          </a:gsLst>
+          <a:path path="circle">
+            <a:fillToRect l="50000" t="-80000" r="50000" b="180000"/>
+          </a:path>
+        </a:gradFill>
+        <a:gradFill rotWithShape="1">
+          <a:gsLst>
+            <a:gs pos="0">
+              <a:schemeClr val="phClr">
+                <a:tint val="80000"/>
+                <a:satMod val="300000"/>
+              </a:schemeClr>
+            </a:gs>
+            <a:gs pos="100000">
+              <a:schemeClr val="phClr">
+                <a:shade val="30000"/>
+                <a:satMod val="200000"/>
+              </a:schemeClr>
+            </a:gs>
+          </a:gsLst>
+          <a:path path="circle">
+            <a:fillToRect l="50000" t="50000" r="50000" b="50000"/>
+          </a:path>
+        </a:gradFill>
+      </a:bgFillStyleLst>
+    </a:fmtScheme>
+  </a:themeElements>
+  <a:objectDefaults>
+    <a:spDef>
+      <a:spPr/>
+      <a:bodyPr/>
+      <a:lstStyle/>
+      <a:style>
+        <a:lnRef idx="1">
+          <a:schemeClr val="accent1"/>
+        </a:lnRef>
+        <a:fillRef idx="3">
+          <a:schemeClr val="accent1"/>
+        </a:fillRef>
+        <a:effectRef idx="2">
+          <a:schemeClr val="accent1"/>
+        </a:effectRef>
+        <a:fontRef idx="minor">
+          <a:schemeClr val="lt1"/>
+        </a:fontRef>
+      </a:style>
+    </a:spDef>
+    <a:lnDef>
+      <a:spPr/>
+      <a:bodyPr/>
+      <a:lstStyle/>
+      <a:style>
+        <a:lnRef idx="2">
+          <a:schemeClr val="accent1"/>
+        </a:lnRef>
+        <a:fillRef idx="0">
+          <a:schemeClr val="accent1"/>
+        </a:fillRef>
+        <a:effectRef idx="1">
+          <a:schemeClr val="accent1"/>
+        </a:effectRef>
+        <a:fontRef idx="minor">
+          <a:schemeClr val="tx1"/>
+        </a:fontRef>
+      </a:style>
+    </a:lnDef>
+  </a:objectDefaults>
+  <a:extraClrSchemeLst/>
+</a:theme>
 </file>
--- a/powerpoint/Continuous-Compliance.pptx
+++ b/powerpoint/Continuous-Compliance.pptx
@@ -7,10 +7,10 @@
     <p:sldMasterId id="2147483960" r:id="rId3"/>
   </p:sldMasterIdLst>
   <p:notesMasterIdLst>
-    <p:notesMasterId r:id="rId28"/>
+    <p:notesMasterId r:id="rId40"/>
   </p:notesMasterIdLst>
   <p:handoutMasterIdLst>
-    <p:handoutMasterId r:id="rId29"/>
+    <p:handoutMasterId r:id="rId41"/>
   </p:handoutMasterIdLst>
   <p:sldIdLst>
     <p:sldId id="256" r:id="rId4"/>
@@ -37,6 +37,18 @@
     <p:sldId id="280" r:id="rId25"/>
     <p:sldId id="281" r:id="rId26"/>
     <p:sldId id="282" r:id="rId27"/>
+    <p:sldId id="283" r:id="rId28"/>
+    <p:sldId id="284" r:id="rId29"/>
+    <p:sldId id="285" r:id="rId30"/>
+    <p:sldId id="289" r:id="rId31"/>
+    <p:sldId id="290" r:id="rId32"/>
+    <p:sldId id="291" r:id="rId33"/>
+    <p:sldId id="292" r:id="rId34"/>
+    <p:sldId id="293" r:id="rId35"/>
+    <p:sldId id="294" r:id="rId36"/>
+    <p:sldId id="295" r:id="rId37"/>
+    <p:sldId id="296" r:id="rId38"/>
+    <p:sldId id="297" r:id="rId39"/>
   </p:sldIdLst>
   <p:sldSz cx="14630400" cy="8229600"/>
   <p:notesSz cx="6858000" cy="9144000"/>
@@ -164,12 +176,24 @@
             <p14:sldId id="280"/>
             <p14:sldId id="281"/>
             <p14:sldId id="282"/>
+            <p14:sldId id="283"/>
+            <p14:sldId id="284"/>
+            <p14:sldId id="285"/>
+            <p14:sldId id="289"/>
+            <p14:sldId id="290"/>
+            <p14:sldId id="291"/>
+            <p14:sldId id="292"/>
+            <p14:sldId id="293"/>
+            <p14:sldId id="294"/>
+            <p14:sldId id="295"/>
+            <p14:sldId id="296"/>
+            <p14:sldId id="297"/>
           </p14:sldIdLst>
         </p14:section>
       </p14:sectionLst>
     </p:ext>
     <p:ext uri="{EFAFB233-063F-42B5-8137-9DF3F51BA10A}">
-      <p15:sldGuideLst xmlns:p15="http://schemas.microsoft.com/office/powerpoint/2012/main" xmlns="">
+      <p15:sldGuideLst xmlns="" xmlns:p15="http://schemas.microsoft.com/office/powerpoint/2012/main">
         <p15:guide id="1" orient="horz" pos="2856" userDrawn="1">
           <p15:clr>
             <a:srgbClr val="A4A3A4"/>
@@ -944,6 +968,94 @@
 </p:notes>
 </file>
 
+<file path=ppt/notesSlides/notesSlide11.xml><?xml version="1.0" encoding="utf-8"?>
+<p:notes xmlns:a="http://schemas.openxmlformats.org/drawingml/2006/main" xmlns:r="http://schemas.openxmlformats.org/officeDocument/2006/relationships" xmlns:p="http://schemas.openxmlformats.org/presentationml/2006/main">
+  <p:cSld>
+    <p:spTree>
+      <p:nvGrpSpPr>
+        <p:cNvPr id="1" name=""/>
+        <p:cNvGrpSpPr/>
+        <p:nvPr/>
+      </p:nvGrpSpPr>
+      <p:grpSpPr>
+        <a:xfrm>
+          <a:off x="0" y="0"/>
+          <a:ext cx="0" cy="0"/>
+          <a:chOff x="0" y="0"/>
+          <a:chExt cx="0" cy="0"/>
+        </a:xfrm>
+      </p:grpSpPr>
+      <p:sp>
+        <p:nvSpPr>
+          <p:cNvPr id="2" name="Slide Image Placeholder 1"/>
+          <p:cNvSpPr>
+            <a:spLocks noGrp="1" noRot="1" noChangeAspect="1"/>
+          </p:cNvSpPr>
+          <p:nvPr>
+            <p:ph type="sldImg"/>
+          </p:nvPr>
+        </p:nvSpPr>
+        <p:spPr/>
+      </p:sp>
+      <p:sp>
+        <p:nvSpPr>
+          <p:cNvPr id="3" name="Notes Placeholder 2"/>
+          <p:cNvSpPr>
+            <a:spLocks noGrp="1"/>
+          </p:cNvSpPr>
+          <p:nvPr>
+            <p:ph type="body" idx="1"/>
+          </p:nvPr>
+        </p:nvSpPr>
+        <p:spPr/>
+        <p:txBody>
+          <a:bodyPr/>
+          <a:lstStyle/>
+          <a:p>
+            <a:r>
+              <a:rPr lang="en-US" dirty="0" smtClean="0"/>
+              <a:t>Depending on time and experience with Chef you can do either thing next</a:t>
+            </a:r>
+            <a:endParaRPr lang="en-US" dirty="0"/>
+          </a:p>
+        </p:txBody>
+      </p:sp>
+      <p:sp>
+        <p:nvSpPr>
+          <p:cNvPr id="4" name="Slide Number Placeholder 3"/>
+          <p:cNvSpPr>
+            <a:spLocks noGrp="1"/>
+          </p:cNvSpPr>
+          <p:nvPr>
+            <p:ph type="sldNum" sz="quarter" idx="10"/>
+          </p:nvPr>
+        </p:nvSpPr>
+        <p:spPr/>
+        <p:txBody>
+          <a:bodyPr/>
+          <a:lstStyle/>
+          <a:p>
+            <a:fld id="{8B29331E-A40C-8E45-90AE-4B94C2016DA4}" type="slidenum">
+              <a:rPr lang="en-US" smtClean="0"/>
+              <a:t>32</a:t>
+            </a:fld>
+            <a:endParaRPr lang="en-US"/>
+          </a:p>
+        </p:txBody>
+      </p:sp>
+    </p:spTree>
+    <p:extLst>
+      <p:ext uri="{BB962C8B-B14F-4D97-AF65-F5344CB8AC3E}">
+        <p14:creationId xmlns:p14="http://schemas.microsoft.com/office/powerpoint/2010/main" val="119724306"/>
+      </p:ext>
+    </p:extLst>
+  </p:cSld>
+  <p:clrMapOvr>
+    <a:masterClrMapping/>
+  </p:clrMapOvr>
+</p:notes>
+</file>
+
 <file path=ppt/notesSlides/notesSlide2.xml><?xml version="1.0" encoding="utf-8"?>
 <p:notes xmlns:a="http://schemas.openxmlformats.org/drawingml/2006/main" xmlns:r="http://schemas.openxmlformats.org/officeDocument/2006/relationships" xmlns:p="http://schemas.openxmlformats.org/presentationml/2006/main">
   <p:cSld>
@@ -5653,13 +5765,8 @@
             <a:pPr lvl="0"/>
             <a:r>
               <a:rPr lang="en-US" dirty="0" smtClean="0"/>
-              <a:t>Click to edit Master text </a:t>
-            </a:r>
-            <a:r>
-              <a:rPr lang="en-US" dirty="0" smtClean="0"/>
-              <a:t>styles</a:t>
-            </a:r>
-            <a:endParaRPr lang="en-US" dirty="0" smtClean="0"/>
+              <a:t>Click to edit Master text styles</a:t>
+            </a:r>
           </a:p>
         </p:txBody>
       </p:sp>
@@ -7162,7 +7269,7 @@
 
 <file path=ppt/slideLayouts/slideLayout35.xml><?xml version="1.0" encoding="utf-8"?>
 <p:sldLayout xmlns:a="http://schemas.openxmlformats.org/drawingml/2006/main" xmlns:r="http://schemas.openxmlformats.org/officeDocument/2006/relationships" xmlns:p="http://schemas.openxmlformats.org/presentationml/2006/main" preserve="1" userDrawn="1">
-  <p:cSld name="Title Only">
+  <p:cSld name="Shell Command">
     <p:spTree>
       <p:nvGrpSpPr>
         <p:cNvPr id="1" name=""/>
@@ -9688,7 +9795,7 @@
   </p:txStyles>
   <p:extLst mod="1">
     <p:ext uri="{27BBF7A9-308A-43DC-89C8-2F10F3537804}">
-      <p15:sldGuideLst xmlns:p15="http://schemas.microsoft.com/office/powerpoint/2012/main" xmlns=""/>
+      <p15:sldGuideLst xmlns="" xmlns:p15="http://schemas.microsoft.com/office/powerpoint/2012/main"/>
     </p:ext>
   </p:extLst>
 </p:sldMaster>
@@ -10172,7 +10279,7 @@
   </p:txStyles>
   <p:extLst mod="1">
     <p:ext uri="{27BBF7A9-308A-43DC-89C8-2F10F3537804}">
-      <p15:sldGuideLst xmlns:p15="http://schemas.microsoft.com/office/powerpoint/2012/main" xmlns=""/>
+      <p15:sldGuideLst xmlns="" xmlns:p15="http://schemas.microsoft.com/office/powerpoint/2012/main"/>
     </p:ext>
   </p:extLst>
 </p:sldMaster>
@@ -10657,7 +10764,7 @@
   </p:txStyles>
   <p:extLst mod="1">
     <p:ext uri="{27BBF7A9-308A-43DC-89C8-2F10F3537804}">
-      <p15:sldGuideLst xmlns:p15="http://schemas.microsoft.com/office/powerpoint/2012/main" xmlns=""/>
+      <p15:sldGuideLst xmlns="" xmlns:p15="http://schemas.microsoft.com/office/powerpoint/2012/main"/>
     </p:ext>
   </p:extLst>
 </p:sldMaster>
@@ -12796,6 +12903,754 @@
       </p:transition>
     </mc:Fallback>
   </mc:AlternateContent>
+  <p:timing>
+    <p:tnLst>
+      <p:par>
+        <p:cTn xmlns:p14="http://schemas.microsoft.com/office/powerpoint/2010/main" id="1" dur="indefinite" restart="never" nodeType="tmRoot"/>
+      </p:par>
+    </p:tnLst>
+  </p:timing>
+</p:sld>
+</file>
+
+<file path=ppt/slides/slide25.xml><?xml version="1.0" encoding="utf-8"?>
+<p:sld xmlns:a="http://schemas.openxmlformats.org/drawingml/2006/main" xmlns:r="http://schemas.openxmlformats.org/officeDocument/2006/relationships" xmlns:p="http://schemas.openxmlformats.org/presentationml/2006/main">
+  <p:cSld>
+    <p:spTree>
+      <p:nvGrpSpPr>
+        <p:cNvPr id="1" name=""/>
+        <p:cNvGrpSpPr/>
+        <p:nvPr/>
+      </p:nvGrpSpPr>
+      <p:grpSpPr>
+        <a:xfrm>
+          <a:off x="0" y="0"/>
+          <a:ext cx="0" cy="0"/>
+          <a:chOff x="0" y="0"/>
+          <a:chExt cx="0" cy="0"/>
+        </a:xfrm>
+      </p:grpSpPr>
+      <p:sp>
+        <p:nvSpPr>
+          <p:cNvPr id="2" name="Title 1"/>
+          <p:cNvSpPr>
+            <a:spLocks noGrp="1"/>
+          </p:cNvSpPr>
+          <p:nvPr>
+            <p:ph type="title"/>
+          </p:nvPr>
+        </p:nvSpPr>
+        <p:spPr/>
+        <p:txBody>
+          <a:bodyPr/>
+          <a:lstStyle/>
+          <a:p>
+            <a:r>
+              <a:rPr lang="en-US" dirty="0" smtClean="0"/>
+              <a:t>Go home</a:t>
+            </a:r>
+            <a:endParaRPr lang="en-US" dirty="0"/>
+          </a:p>
+        </p:txBody>
+      </p:sp>
+      <p:sp>
+        <p:nvSpPr>
+          <p:cNvPr id="3" name="Content Placeholder 2"/>
+          <p:cNvSpPr>
+            <a:spLocks noGrp="1"/>
+          </p:cNvSpPr>
+          <p:nvPr>
+            <p:ph sz="quarter" idx="11"/>
+          </p:nvPr>
+        </p:nvSpPr>
+        <p:spPr/>
+        <p:txBody>
+          <a:bodyPr/>
+          <a:lstStyle/>
+          <a:p>
+            <a:endParaRPr lang="en-US"/>
+          </a:p>
+        </p:txBody>
+      </p:sp>
+      <p:sp>
+        <p:nvSpPr>
+          <p:cNvPr id="4" name="Text Placeholder 3"/>
+          <p:cNvSpPr>
+            <a:spLocks noGrp="1"/>
+          </p:cNvSpPr>
+          <p:nvPr>
+            <p:ph type="body" sz="quarter" idx="12"/>
+          </p:nvPr>
+        </p:nvSpPr>
+        <p:spPr/>
+        <p:txBody>
+          <a:bodyPr/>
+          <a:lstStyle/>
+          <a:p>
+            <a:r>
+              <a:rPr lang="en-US" dirty="0" smtClean="0"/>
+              <a:t>cd ~</a:t>
+            </a:r>
+            <a:endParaRPr lang="en-US" dirty="0"/>
+          </a:p>
+        </p:txBody>
+      </p:sp>
+    </p:spTree>
+    <p:extLst>
+      <p:ext uri="{BB962C8B-B14F-4D97-AF65-F5344CB8AC3E}">
+        <p14:creationId xmlns:p14="http://schemas.microsoft.com/office/powerpoint/2010/main" val="940361013"/>
+      </p:ext>
+    </p:extLst>
+  </p:cSld>
+  <p:clrMapOvr>
+    <a:masterClrMapping/>
+  </p:clrMapOvr>
+  <mc:AlternateContent xmlns:mc="http://schemas.openxmlformats.org/markup-compatibility/2006" xmlns:p14="http://schemas.microsoft.com/office/powerpoint/2010/main">
+    <mc:Choice Requires="p14">
+      <p:transition spd="med" p14:dur="700">
+        <p:fade/>
+      </p:transition>
+    </mc:Choice>
+    <mc:Fallback xmlns="">
+      <p:transition spd="med">
+        <p:fade/>
+      </p:transition>
+    </mc:Fallback>
+  </mc:AlternateContent>
+  <p:timing>
+    <p:tnLst>
+      <p:par>
+        <p:cTn xmlns:p14="http://schemas.microsoft.com/office/powerpoint/2010/main" id="1" dur="indefinite" restart="never" nodeType="tmRoot"/>
+      </p:par>
+    </p:tnLst>
+  </p:timing>
+</p:sld>
+</file>
+
+<file path=ppt/slides/slide26.xml><?xml version="1.0" encoding="utf-8"?>
+<p:sld xmlns:a="http://schemas.openxmlformats.org/drawingml/2006/main" xmlns:r="http://schemas.openxmlformats.org/officeDocument/2006/relationships" xmlns:p="http://schemas.openxmlformats.org/presentationml/2006/main">
+  <p:cSld>
+    <p:spTree>
+      <p:nvGrpSpPr>
+        <p:cNvPr id="1" name=""/>
+        <p:cNvGrpSpPr/>
+        <p:nvPr/>
+      </p:nvGrpSpPr>
+      <p:grpSpPr>
+        <a:xfrm>
+          <a:off x="0" y="0"/>
+          <a:ext cx="0" cy="0"/>
+          <a:chOff x="0" y="0"/>
+          <a:chExt cx="0" cy="0"/>
+        </a:xfrm>
+      </p:grpSpPr>
+      <p:sp>
+        <p:nvSpPr>
+          <p:cNvPr id="2" name="Title 1"/>
+          <p:cNvSpPr>
+            <a:spLocks noGrp="1"/>
+          </p:cNvSpPr>
+          <p:nvPr>
+            <p:ph type="title"/>
+          </p:nvPr>
+        </p:nvSpPr>
+        <p:spPr/>
+        <p:txBody>
+          <a:bodyPr/>
+          <a:lstStyle/>
+          <a:p>
+            <a:r>
+              <a:rPr lang="en-US" dirty="0" smtClean="0"/>
+              <a:t>List contents</a:t>
+            </a:r>
+            <a:endParaRPr lang="en-US" dirty="0"/>
+          </a:p>
+        </p:txBody>
+      </p:sp>
+      <p:sp>
+        <p:nvSpPr>
+          <p:cNvPr id="3" name="Content Placeholder 2"/>
+          <p:cNvSpPr>
+            <a:spLocks noGrp="1"/>
+          </p:cNvSpPr>
+          <p:nvPr>
+            <p:ph sz="quarter" idx="11"/>
+          </p:nvPr>
+        </p:nvSpPr>
+        <p:spPr/>
+        <p:txBody>
+          <a:bodyPr/>
+          <a:lstStyle/>
+          <a:p>
+            <a:r>
+              <a:rPr lang="en-US" dirty="0" err="1"/>
+              <a:t>Berksfile</a:t>
+            </a:r>
+            <a:r>
+              <a:rPr lang="en-US" dirty="0"/>
+              <a:t>       </a:t>
+            </a:r>
+            <a:r>
+              <a:rPr lang="en-US" dirty="0" err="1"/>
+              <a:t>config.json</a:t>
+            </a:r>
+            <a:r>
+              <a:rPr lang="en-US" dirty="0"/>
+              <a:t>  local-mode-cache  profiles</a:t>
+            </a:r>
+          </a:p>
+          <a:p>
+            <a:r>
+              <a:rPr lang="en-US" dirty="0" err="1"/>
+              <a:t>Berksfile.lock</a:t>
+            </a:r>
+            <a:r>
+              <a:rPr lang="en-US" dirty="0"/>
+              <a:t>  cookbooks    nodes</a:t>
+            </a:r>
+          </a:p>
+          <a:p>
+            <a:endParaRPr lang="en-US" b="1" dirty="0"/>
+          </a:p>
+        </p:txBody>
+      </p:sp>
+      <p:sp>
+        <p:nvSpPr>
+          <p:cNvPr id="4" name="Text Placeholder 3"/>
+          <p:cNvSpPr>
+            <a:spLocks noGrp="1"/>
+          </p:cNvSpPr>
+          <p:nvPr>
+            <p:ph type="body" sz="quarter" idx="12"/>
+          </p:nvPr>
+        </p:nvSpPr>
+        <p:spPr/>
+        <p:txBody>
+          <a:bodyPr/>
+          <a:lstStyle/>
+          <a:p>
+            <a:r>
+              <a:rPr lang="en-US" dirty="0" err="1" smtClean="0"/>
+              <a:t>ls</a:t>
+            </a:r>
+            <a:endParaRPr lang="en-US" dirty="0"/>
+          </a:p>
+        </p:txBody>
+      </p:sp>
+    </p:spTree>
+    <p:extLst>
+      <p:ext uri="{BB962C8B-B14F-4D97-AF65-F5344CB8AC3E}">
+        <p14:creationId xmlns:p14="http://schemas.microsoft.com/office/powerpoint/2010/main" val="4106926164"/>
+      </p:ext>
+    </p:extLst>
+  </p:cSld>
+  <p:clrMapOvr>
+    <a:masterClrMapping/>
+  </p:clrMapOvr>
+  <mc:AlternateContent xmlns:mc="http://schemas.openxmlformats.org/markup-compatibility/2006" xmlns:p14="http://schemas.microsoft.com/office/powerpoint/2010/main">
+    <mc:Choice Requires="p14">
+      <p:transition spd="med" p14:dur="700">
+        <p:fade/>
+      </p:transition>
+    </mc:Choice>
+    <mc:Fallback xmlns="">
+      <p:transition spd="med">
+        <p:fade/>
+      </p:transition>
+    </mc:Fallback>
+  </mc:AlternateContent>
+  <p:timing>
+    <p:tnLst>
+      <p:par>
+        <p:cTn xmlns:p14="http://schemas.microsoft.com/office/powerpoint/2010/main" id="1" dur="indefinite" restart="never" nodeType="tmRoot"/>
+      </p:par>
+    </p:tnLst>
+  </p:timing>
+</p:sld>
+</file>
+
+<file path=ppt/slides/slide27.xml><?xml version="1.0" encoding="utf-8"?>
+<p:sld xmlns:a="http://schemas.openxmlformats.org/drawingml/2006/main" xmlns:r="http://schemas.openxmlformats.org/officeDocument/2006/relationships" xmlns:p="http://schemas.openxmlformats.org/presentationml/2006/main">
+  <p:cSld>
+    <p:spTree>
+      <p:nvGrpSpPr>
+        <p:cNvPr id="1" name=""/>
+        <p:cNvGrpSpPr/>
+        <p:nvPr/>
+      </p:nvGrpSpPr>
+      <p:grpSpPr>
+        <a:xfrm>
+          <a:off x="0" y="0"/>
+          <a:ext cx="0" cy="0"/>
+          <a:chOff x="0" y="0"/>
+          <a:chExt cx="0" cy="0"/>
+        </a:xfrm>
+      </p:grpSpPr>
+      <p:sp>
+        <p:nvSpPr>
+          <p:cNvPr id="2" name="Title 1"/>
+          <p:cNvSpPr>
+            <a:spLocks noGrp="1"/>
+          </p:cNvSpPr>
+          <p:nvPr>
+            <p:ph type="title"/>
+          </p:nvPr>
+        </p:nvSpPr>
+        <p:spPr/>
+        <p:txBody>
+          <a:bodyPr/>
+          <a:lstStyle/>
+          <a:p>
+            <a:r>
+              <a:rPr lang="en-US" dirty="0" err="1" smtClean="0"/>
+              <a:t>config.json</a:t>
+            </a:r>
+            <a:endParaRPr lang="en-US" dirty="0"/>
+          </a:p>
+        </p:txBody>
+      </p:sp>
+      <p:sp>
+        <p:nvSpPr>
+          <p:cNvPr id="3" name="Content Placeholder 2"/>
+          <p:cNvSpPr>
+            <a:spLocks noGrp="1"/>
+          </p:cNvSpPr>
+          <p:nvPr>
+            <p:ph sz="quarter" idx="11"/>
+          </p:nvPr>
+        </p:nvSpPr>
+        <p:spPr/>
+        <p:txBody>
+          <a:bodyPr>
+            <a:normAutofit fontScale="92500" lnSpcReduction="10000"/>
+          </a:bodyPr>
+          <a:lstStyle/>
+          <a:p>
+            <a:r>
+              <a:rPr lang="mr-IN" dirty="0"/>
+              <a:t>{</a:t>
+            </a:r>
+          </a:p>
+          <a:p>
+            <a:r>
+              <a:rPr lang="mr-IN" dirty="0"/>
+              <a:t>  "audit": {</a:t>
+            </a:r>
+          </a:p>
+          <a:p>
+            <a:r>
+              <a:rPr lang="mr-IN" dirty="0"/>
+              <a:t>    "collector": "chef-visibility",</a:t>
+            </a:r>
+          </a:p>
+          <a:p>
+            <a:r>
+              <a:rPr lang="mr-IN" dirty="0"/>
+              <a:t>    "inspec_version": "1.15.0",</a:t>
+            </a:r>
+          </a:p>
+          <a:p>
+            <a:r>
+              <a:rPr lang="mr-IN" dirty="0"/>
+              <a:t>    "profiles": [</a:t>
+            </a:r>
+          </a:p>
+          <a:p>
+            <a:r>
+              <a:rPr lang="mr-IN" dirty="0"/>
+              <a:t>      {</a:t>
+            </a:r>
+          </a:p>
+          <a:p>
+            <a:r>
+              <a:rPr lang="mr-IN" dirty="0"/>
+              <a:t>        "name": "ssh",</a:t>
+            </a:r>
+          </a:p>
+          <a:p>
+            <a:r>
+              <a:rPr lang="mr-IN" dirty="0"/>
+              <a:t>        "path": "/home/chef/profiles/ssh"</a:t>
+            </a:r>
+          </a:p>
+          <a:p>
+            <a:r>
+              <a:rPr lang="mr-IN" dirty="0"/>
+              <a:t>      }</a:t>
+            </a:r>
+          </a:p>
+          <a:p>
+            <a:r>
+              <a:rPr lang="mr-IN" dirty="0"/>
+              <a:t>    ]</a:t>
+            </a:r>
+          </a:p>
+          <a:p>
+            <a:r>
+              <a:rPr lang="mr-IN" dirty="0"/>
+              <a:t>  </a:t>
+            </a:r>
+            <a:r>
+              <a:rPr lang="mr-IN" dirty="0" smtClean="0"/>
+              <a:t>}</a:t>
+            </a:r>
+            <a:endParaRPr lang="en-US" dirty="0" smtClean="0"/>
+          </a:p>
+          <a:p>
+            <a:r>
+              <a:rPr lang="en-US" dirty="0"/>
+              <a:t>}</a:t>
+            </a:r>
+            <a:endParaRPr lang="mr-IN" dirty="0"/>
+          </a:p>
+        </p:txBody>
+      </p:sp>
+      <p:sp>
+        <p:nvSpPr>
+          <p:cNvPr id="4" name="Text Placeholder 3"/>
+          <p:cNvSpPr>
+            <a:spLocks noGrp="1"/>
+          </p:cNvSpPr>
+          <p:nvPr>
+            <p:ph type="body" sz="quarter" idx="12"/>
+          </p:nvPr>
+        </p:nvSpPr>
+        <p:spPr/>
+        <p:txBody>
+          <a:bodyPr/>
+          <a:lstStyle/>
+          <a:p>
+            <a:r>
+              <a:rPr lang="en-US" dirty="0" smtClean="0"/>
+              <a:t>cat </a:t>
+            </a:r>
+            <a:r>
+              <a:rPr lang="en-US" dirty="0" err="1" smtClean="0"/>
+              <a:t>config.json</a:t>
+            </a:r>
+            <a:endParaRPr lang="en-US" dirty="0"/>
+          </a:p>
+        </p:txBody>
+      </p:sp>
+    </p:spTree>
+    <p:extLst>
+      <p:ext uri="{BB962C8B-B14F-4D97-AF65-F5344CB8AC3E}">
+        <p14:creationId xmlns:p14="http://schemas.microsoft.com/office/powerpoint/2010/main" val="90576953"/>
+      </p:ext>
+    </p:extLst>
+  </p:cSld>
+  <p:clrMapOvr>
+    <a:masterClrMapping/>
+  </p:clrMapOvr>
+  <mc:AlternateContent xmlns:mc="http://schemas.openxmlformats.org/markup-compatibility/2006" xmlns:p14="http://schemas.microsoft.com/office/powerpoint/2010/main">
+    <mc:Choice Requires="p14">
+      <p:transition spd="med" p14:dur="700">
+        <p:fade/>
+      </p:transition>
+    </mc:Choice>
+    <mc:Fallback xmlns="">
+      <p:transition spd="med">
+        <p:fade/>
+      </p:transition>
+    </mc:Fallback>
+  </mc:AlternateContent>
+  <p:timing>
+    <p:tnLst>
+      <p:par>
+        <p:cTn xmlns:p14="http://schemas.microsoft.com/office/powerpoint/2010/main" id="1" dur="indefinite" restart="never" nodeType="tmRoot"/>
+      </p:par>
+    </p:tnLst>
+  </p:timing>
+</p:sld>
+</file>
+
+<file path=ppt/slides/slide28.xml><?xml version="1.0" encoding="utf-8"?>
+<p:sld xmlns:a="http://schemas.openxmlformats.org/drawingml/2006/main" xmlns:r="http://schemas.openxmlformats.org/officeDocument/2006/relationships" xmlns:p="http://schemas.openxmlformats.org/presentationml/2006/main">
+  <p:cSld>
+    <p:spTree>
+      <p:nvGrpSpPr>
+        <p:cNvPr id="1" name=""/>
+        <p:cNvGrpSpPr/>
+        <p:nvPr/>
+      </p:nvGrpSpPr>
+      <p:grpSpPr>
+        <a:xfrm>
+          <a:off x="0" y="0"/>
+          <a:ext cx="0" cy="0"/>
+          <a:chOff x="0" y="0"/>
+          <a:chExt cx="0" cy="0"/>
+        </a:xfrm>
+      </p:grpSpPr>
+      <p:sp>
+        <p:nvSpPr>
+          <p:cNvPr id="5" name="Title 4"/>
+          <p:cNvSpPr>
+            <a:spLocks noGrp="1"/>
+          </p:cNvSpPr>
+          <p:nvPr>
+            <p:ph type="title"/>
+          </p:nvPr>
+        </p:nvSpPr>
+        <p:spPr/>
+        <p:txBody>
+          <a:bodyPr/>
+          <a:lstStyle/>
+          <a:p>
+            <a:r>
+              <a:rPr lang="en-US" dirty="0" smtClean="0"/>
+              <a:t>Audit Cookbook</a:t>
+            </a:r>
+            <a:endParaRPr lang="en-US" dirty="0"/>
+          </a:p>
+        </p:txBody>
+      </p:sp>
+      <p:sp>
+        <p:nvSpPr>
+          <p:cNvPr id="6" name="Text Placeholder 5"/>
+          <p:cNvSpPr>
+            <a:spLocks noGrp="1"/>
+          </p:cNvSpPr>
+          <p:nvPr>
+            <p:ph type="body" sz="quarter" idx="10"/>
+          </p:nvPr>
+        </p:nvSpPr>
+        <p:spPr/>
+        <p:txBody>
+          <a:bodyPr/>
+          <a:lstStyle/>
+          <a:p>
+            <a:r>
+              <a:rPr lang="en-US" dirty="0" smtClean="0"/>
+              <a:t>Installs </a:t>
+            </a:r>
+            <a:r>
+              <a:rPr lang="en-US" dirty="0" err="1" smtClean="0"/>
+              <a:t>InSpec</a:t>
+            </a:r>
+            <a:endParaRPr lang="en-US" dirty="0" smtClean="0"/>
+          </a:p>
+          <a:p>
+            <a:r>
+              <a:rPr lang="en-US" dirty="0" smtClean="0"/>
+              <a:t>Executes compliance profiles</a:t>
+            </a:r>
+          </a:p>
+          <a:p>
+            <a:r>
+              <a:rPr lang="en-US" dirty="0" smtClean="0"/>
+              <a:t>Uses a report handler to send data to Chef Automate</a:t>
+            </a:r>
+          </a:p>
+        </p:txBody>
+      </p:sp>
+    </p:spTree>
+    <p:extLst>
+      <p:ext uri="{BB962C8B-B14F-4D97-AF65-F5344CB8AC3E}">
+        <p14:creationId xmlns:p14="http://schemas.microsoft.com/office/powerpoint/2010/main" val="1354841192"/>
+      </p:ext>
+    </p:extLst>
+  </p:cSld>
+  <p:clrMapOvr>
+    <a:masterClrMapping/>
+  </p:clrMapOvr>
+  <mc:AlternateContent xmlns:mc="http://schemas.openxmlformats.org/markup-compatibility/2006" xmlns:p14="http://schemas.microsoft.com/office/powerpoint/2010/main">
+    <mc:Choice Requires="p14">
+      <p:transition spd="med" p14:dur="700">
+        <p:fade/>
+      </p:transition>
+    </mc:Choice>
+    <mc:Fallback xmlns="">
+      <p:transition spd="med">
+        <p:fade/>
+      </p:transition>
+    </mc:Fallback>
+  </mc:AlternateContent>
+  <p:timing>
+    <p:tnLst>
+      <p:par>
+        <p:cTn xmlns:p14="http://schemas.microsoft.com/office/powerpoint/2010/main" id="1" dur="indefinite" restart="never" nodeType="tmRoot"/>
+      </p:par>
+    </p:tnLst>
+  </p:timing>
+</p:sld>
+</file>
+
+<file path=ppt/slides/slide29.xml><?xml version="1.0" encoding="utf-8"?>
+<p:sld xmlns:a="http://schemas.openxmlformats.org/drawingml/2006/main" xmlns:r="http://schemas.openxmlformats.org/officeDocument/2006/relationships" xmlns:p="http://schemas.openxmlformats.org/presentationml/2006/main">
+  <p:cSld>
+    <p:spTree>
+      <p:nvGrpSpPr>
+        <p:cNvPr id="1" name=""/>
+        <p:cNvGrpSpPr/>
+        <p:nvPr/>
+      </p:nvGrpSpPr>
+      <p:grpSpPr>
+        <a:xfrm>
+          <a:off x="0" y="0"/>
+          <a:ext cx="0" cy="0"/>
+          <a:chOff x="0" y="0"/>
+          <a:chExt cx="0" cy="0"/>
+        </a:xfrm>
+      </p:grpSpPr>
+      <p:sp>
+        <p:nvSpPr>
+          <p:cNvPr id="2" name="Title 1"/>
+          <p:cNvSpPr>
+            <a:spLocks noGrp="1"/>
+          </p:cNvSpPr>
+          <p:nvPr>
+            <p:ph type="title"/>
+          </p:nvPr>
+        </p:nvSpPr>
+        <p:spPr/>
+        <p:txBody>
+          <a:bodyPr/>
+          <a:lstStyle/>
+          <a:p>
+            <a:r>
+              <a:rPr lang="en-US" dirty="0" smtClean="0"/>
+              <a:t>Local Profiles</a:t>
+            </a:r>
+            <a:endParaRPr lang="en-US" dirty="0"/>
+          </a:p>
+        </p:txBody>
+      </p:sp>
+      <p:sp>
+        <p:nvSpPr>
+          <p:cNvPr id="3" name="Content Placeholder 2"/>
+          <p:cNvSpPr>
+            <a:spLocks noGrp="1"/>
+          </p:cNvSpPr>
+          <p:nvPr>
+            <p:ph sz="quarter" idx="11"/>
+          </p:nvPr>
+        </p:nvSpPr>
+        <p:spPr/>
+        <p:txBody>
+          <a:bodyPr/>
+          <a:lstStyle/>
+          <a:p>
+            <a:r>
+              <a:rPr lang="en-US" dirty="0"/>
+              <a:t>profiles/</a:t>
+            </a:r>
+          </a:p>
+          <a:p>
+            <a:r>
+              <a:rPr lang="en-US" dirty="0"/>
+              <a:t>└── </a:t>
+            </a:r>
+            <a:r>
+              <a:rPr lang="en-US" dirty="0" err="1"/>
+              <a:t>ssh</a:t>
+            </a:r>
+            <a:endParaRPr lang="en-US" dirty="0"/>
+          </a:p>
+          <a:p>
+            <a:r>
+              <a:rPr lang="en-US" dirty="0"/>
+              <a:t>    ├── controls</a:t>
+            </a:r>
+          </a:p>
+          <a:p>
+            <a:r>
+              <a:rPr lang="en-US" dirty="0"/>
+              <a:t>    │   └── </a:t>
+            </a:r>
+            <a:r>
+              <a:rPr lang="en-US" dirty="0" err="1"/>
+              <a:t>ssh.rb</a:t>
+            </a:r>
+            <a:endParaRPr lang="en-US" dirty="0"/>
+          </a:p>
+          <a:p>
+            <a:r>
+              <a:rPr lang="en-US" dirty="0"/>
+              <a:t>    ├── </a:t>
+            </a:r>
+            <a:r>
+              <a:rPr lang="en-US" dirty="0" err="1"/>
+              <a:t>inspec.lock</a:t>
+            </a:r>
+            <a:endParaRPr lang="en-US" dirty="0"/>
+          </a:p>
+          <a:p>
+            <a:r>
+              <a:rPr lang="en-US" dirty="0"/>
+              <a:t>    └── </a:t>
+            </a:r>
+            <a:r>
+              <a:rPr lang="en-US" dirty="0" err="1"/>
+              <a:t>inspec.yml</a:t>
+            </a:r>
+            <a:endParaRPr lang="en-US" dirty="0"/>
+          </a:p>
+          <a:p>
+            <a:endParaRPr lang="en-US" dirty="0"/>
+          </a:p>
+          <a:p>
+            <a:r>
+              <a:rPr lang="en-US" dirty="0"/>
+              <a:t>2 directories, 3 files</a:t>
+            </a:r>
+          </a:p>
+          <a:p>
+            <a:endParaRPr lang="en-US" dirty="0"/>
+          </a:p>
+        </p:txBody>
+      </p:sp>
+      <p:sp>
+        <p:nvSpPr>
+          <p:cNvPr id="4" name="Text Placeholder 3"/>
+          <p:cNvSpPr>
+            <a:spLocks noGrp="1"/>
+          </p:cNvSpPr>
+          <p:nvPr>
+            <p:ph type="body" sz="quarter" idx="12"/>
+          </p:nvPr>
+        </p:nvSpPr>
+        <p:spPr/>
+        <p:txBody>
+          <a:bodyPr/>
+          <a:lstStyle/>
+          <a:p>
+            <a:r>
+              <a:rPr lang="en-US" dirty="0" smtClean="0"/>
+              <a:t>tree profiles</a:t>
+            </a:r>
+            <a:endParaRPr lang="en-US" dirty="0"/>
+          </a:p>
+        </p:txBody>
+      </p:sp>
+    </p:spTree>
+    <p:extLst>
+      <p:ext uri="{BB962C8B-B14F-4D97-AF65-F5344CB8AC3E}">
+        <p14:creationId xmlns:p14="http://schemas.microsoft.com/office/powerpoint/2010/main" val="1404056138"/>
+      </p:ext>
+    </p:extLst>
+  </p:cSld>
+  <p:clrMapOvr>
+    <a:masterClrMapping/>
+  </p:clrMapOvr>
+  <mc:AlternateContent xmlns:mc="http://schemas.openxmlformats.org/markup-compatibility/2006" xmlns:p14="http://schemas.microsoft.com/office/powerpoint/2010/main">
+    <mc:Choice Requires="p14">
+      <p:transition spd="med" p14:dur="700">
+        <p:fade/>
+      </p:transition>
+    </mc:Choice>
+    <mc:Fallback xmlns="">
+      <p:transition spd="med">
+        <p:fade/>
+      </p:transition>
+    </mc:Fallback>
+  </mc:AlternateContent>
+  <p:timing>
+    <p:tnLst>
+      <p:par>
+        <p:cTn xmlns:p14="http://schemas.microsoft.com/office/powerpoint/2010/main" id="1" dur="indefinite" restart="never" nodeType="tmRoot"/>
+      </p:par>
+    </p:tnLst>
+  </p:timing>
 </p:sld>
 </file>
 
@@ -12868,6 +13723,1022 @@
     <p:extLst>
       <p:ext uri="{BB962C8B-B14F-4D97-AF65-F5344CB8AC3E}">
         <p14:creationId xmlns:p14="http://schemas.microsoft.com/office/powerpoint/2010/main" val="3182504384"/>
+      </p:ext>
+    </p:extLst>
+  </p:cSld>
+  <p:clrMapOvr>
+    <a:masterClrMapping/>
+  </p:clrMapOvr>
+  <mc:AlternateContent xmlns:mc="http://schemas.openxmlformats.org/markup-compatibility/2006" xmlns:p14="http://schemas.microsoft.com/office/powerpoint/2010/main">
+    <mc:Choice Requires="p14">
+      <p:transition spd="med" p14:dur="700">
+        <p:fade/>
+      </p:transition>
+    </mc:Choice>
+    <mc:Fallback xmlns="">
+      <p:transition spd="med">
+        <p:fade/>
+      </p:transition>
+    </mc:Fallback>
+  </mc:AlternateContent>
+  <p:timing>
+    <p:tnLst>
+      <p:par>
+        <p:cTn xmlns:p14="http://schemas.microsoft.com/office/powerpoint/2010/main" id="1" dur="indefinite" restart="never" nodeType="tmRoot"/>
+      </p:par>
+    </p:tnLst>
+  </p:timing>
+</p:sld>
+</file>
+
+<file path=ppt/slides/slide30.xml><?xml version="1.0" encoding="utf-8"?>
+<p:sld xmlns:a="http://schemas.openxmlformats.org/drawingml/2006/main" xmlns:r="http://schemas.openxmlformats.org/officeDocument/2006/relationships" xmlns:p="http://schemas.openxmlformats.org/presentationml/2006/main">
+  <p:cSld>
+    <p:spTree>
+      <p:nvGrpSpPr>
+        <p:cNvPr id="1" name=""/>
+        <p:cNvGrpSpPr/>
+        <p:nvPr/>
+      </p:nvGrpSpPr>
+      <p:grpSpPr>
+        <a:xfrm>
+          <a:off x="0" y="0"/>
+          <a:ext cx="0" cy="0"/>
+          <a:chOff x="0" y="0"/>
+          <a:chExt cx="0" cy="0"/>
+        </a:xfrm>
+      </p:grpSpPr>
+      <p:sp>
+        <p:nvSpPr>
+          <p:cNvPr id="2" name="Title 1"/>
+          <p:cNvSpPr>
+            <a:spLocks noGrp="1"/>
+          </p:cNvSpPr>
+          <p:nvPr>
+            <p:ph type="title"/>
+          </p:nvPr>
+        </p:nvSpPr>
+        <p:spPr/>
+        <p:txBody>
+          <a:bodyPr/>
+          <a:lstStyle/>
+          <a:p>
+            <a:r>
+              <a:rPr lang="en-US" dirty="0" smtClean="0"/>
+              <a:t>Run Locally with </a:t>
+            </a:r>
+            <a:r>
+              <a:rPr lang="en-US" dirty="0" err="1" smtClean="0"/>
+              <a:t>InSpec</a:t>
+            </a:r>
+            <a:endParaRPr lang="en-US" dirty="0"/>
+          </a:p>
+        </p:txBody>
+      </p:sp>
+      <p:sp>
+        <p:nvSpPr>
+          <p:cNvPr id="3" name="Content Placeholder 2"/>
+          <p:cNvSpPr>
+            <a:spLocks noGrp="1"/>
+          </p:cNvSpPr>
+          <p:nvPr>
+            <p:ph sz="quarter" idx="11"/>
+          </p:nvPr>
+        </p:nvSpPr>
+        <p:spPr/>
+        <p:txBody>
+          <a:bodyPr>
+            <a:normAutofit fontScale="47500" lnSpcReduction="20000"/>
+          </a:bodyPr>
+          <a:lstStyle/>
+          <a:p>
+            <a:r>
+              <a:rPr lang="en-US" dirty="0"/>
+              <a:t>Profile: SSH Configuration (</a:t>
+            </a:r>
+            <a:r>
+              <a:rPr lang="en-US" dirty="0" err="1"/>
+              <a:t>ssh</a:t>
+            </a:r>
+            <a:r>
+              <a:rPr lang="en-US" dirty="0"/>
+              <a:t>)</a:t>
+            </a:r>
+          </a:p>
+          <a:p>
+            <a:r>
+              <a:rPr lang="en-US" dirty="0"/>
+              <a:t>Version: 0.1.0</a:t>
+            </a:r>
+          </a:p>
+          <a:p>
+            <a:r>
+              <a:rPr lang="en-US" dirty="0"/>
+              <a:t>Target:  local://</a:t>
+            </a:r>
+          </a:p>
+          <a:p>
+            <a:endParaRPr lang="en-US" dirty="0"/>
+          </a:p>
+          <a:p>
+            <a:r>
+              <a:rPr lang="en-US" dirty="0"/>
+              <a:t>  ×  sshd-1.0: SSH Version 2 (</a:t>
+            </a:r>
+          </a:p>
+          <a:p>
+            <a:r>
+              <a:rPr lang="en-US" dirty="0"/>
+              <a:t>     expected: 2</a:t>
+            </a:r>
+          </a:p>
+          <a:p>
+            <a:r>
+              <a:rPr lang="en-US" dirty="0"/>
+              <a:t>          got:</a:t>
+            </a:r>
+          </a:p>
+          <a:p>
+            <a:endParaRPr lang="en-US" dirty="0"/>
+          </a:p>
+          <a:p>
+            <a:r>
+              <a:rPr lang="en-US" dirty="0"/>
+              <a:t>     (compared using `</a:t>
+            </a:r>
+            <a:r>
+              <a:rPr lang="en-US" dirty="0" err="1"/>
+              <a:t>cmp</a:t>
+            </a:r>
+            <a:r>
+              <a:rPr lang="en-US" dirty="0"/>
+              <a:t>` matcher)</a:t>
+            </a:r>
+          </a:p>
+          <a:p>
+            <a:r>
+              <a:rPr lang="en-US" dirty="0"/>
+              <a:t>     )</a:t>
+            </a:r>
+          </a:p>
+          <a:p>
+            <a:r>
+              <a:rPr lang="en-US" dirty="0"/>
+              <a:t>     ×  SSH Configuration Protocol should </a:t>
+            </a:r>
+            <a:r>
+              <a:rPr lang="en-US" dirty="0" err="1"/>
+              <a:t>cmp</a:t>
+            </a:r>
+            <a:r>
+              <a:rPr lang="en-US" dirty="0"/>
+              <a:t> == 2</a:t>
+            </a:r>
+          </a:p>
+          <a:p>
+            <a:endParaRPr lang="en-US" dirty="0"/>
+          </a:p>
+          <a:p>
+            <a:r>
+              <a:rPr lang="en-US" dirty="0"/>
+              <a:t>     expected: 2</a:t>
+            </a:r>
+          </a:p>
+          <a:p>
+            <a:r>
+              <a:rPr lang="en-US" dirty="0"/>
+              <a:t>          got:</a:t>
+            </a:r>
+          </a:p>
+          <a:p>
+            <a:endParaRPr lang="en-US" dirty="0"/>
+          </a:p>
+          <a:p>
+            <a:r>
+              <a:rPr lang="en-US" dirty="0"/>
+              <a:t>     (compared using `</a:t>
+            </a:r>
+            <a:r>
+              <a:rPr lang="en-US" dirty="0" err="1"/>
+              <a:t>cmp</a:t>
+            </a:r>
+            <a:r>
+              <a:rPr lang="en-US" dirty="0"/>
+              <a:t>` matcher)</a:t>
+            </a:r>
+          </a:p>
+          <a:p>
+            <a:endParaRPr lang="en-US" dirty="0"/>
+          </a:p>
+          <a:p>
+            <a:endParaRPr lang="en-US" dirty="0"/>
+          </a:p>
+          <a:p>
+            <a:r>
+              <a:rPr lang="en-US" dirty="0"/>
+              <a:t>Profile Summary: 0 successful, 1 failures, 0 skipped</a:t>
+            </a:r>
+          </a:p>
+          <a:p>
+            <a:r>
+              <a:rPr lang="en-US" dirty="0"/>
+              <a:t>Test Summary: 0 successful, 1 failures, 0 skipped</a:t>
+            </a:r>
+          </a:p>
+          <a:p>
+            <a:endParaRPr lang="en-US" dirty="0"/>
+          </a:p>
+        </p:txBody>
+      </p:sp>
+      <p:sp>
+        <p:nvSpPr>
+          <p:cNvPr id="4" name="Text Placeholder 3"/>
+          <p:cNvSpPr>
+            <a:spLocks noGrp="1"/>
+          </p:cNvSpPr>
+          <p:nvPr>
+            <p:ph type="body" sz="quarter" idx="12"/>
+          </p:nvPr>
+        </p:nvSpPr>
+        <p:spPr/>
+        <p:txBody>
+          <a:bodyPr/>
+          <a:lstStyle/>
+          <a:p>
+            <a:r>
+              <a:rPr lang="en-US" dirty="0" err="1" smtClean="0"/>
+              <a:t>inspec</a:t>
+            </a:r>
+            <a:r>
+              <a:rPr lang="en-US" dirty="0" smtClean="0"/>
+              <a:t> exec profiles/</a:t>
+            </a:r>
+            <a:r>
+              <a:rPr lang="en-US" dirty="0" err="1" smtClean="0"/>
+              <a:t>ssh</a:t>
+            </a:r>
+            <a:endParaRPr lang="en-US" dirty="0"/>
+          </a:p>
+        </p:txBody>
+      </p:sp>
+    </p:spTree>
+    <p:extLst>
+      <p:ext uri="{BB962C8B-B14F-4D97-AF65-F5344CB8AC3E}">
+        <p14:creationId xmlns:p14="http://schemas.microsoft.com/office/powerpoint/2010/main" val="1095646581"/>
+      </p:ext>
+    </p:extLst>
+  </p:cSld>
+  <p:clrMapOvr>
+    <a:masterClrMapping/>
+  </p:clrMapOvr>
+  <mc:AlternateContent xmlns:mc="http://schemas.openxmlformats.org/markup-compatibility/2006" xmlns:p14="http://schemas.microsoft.com/office/powerpoint/2010/main">
+    <mc:Choice Requires="p14">
+      <p:transition spd="med" p14:dur="700">
+        <p:fade/>
+      </p:transition>
+    </mc:Choice>
+    <mc:Fallback xmlns="">
+      <p:transition spd="med">
+        <p:fade/>
+      </p:transition>
+    </mc:Fallback>
+  </mc:AlternateContent>
+  <p:timing>
+    <p:tnLst>
+      <p:par>
+        <p:cTn xmlns:p14="http://schemas.microsoft.com/office/powerpoint/2010/main" id="1" dur="indefinite" restart="never" nodeType="tmRoot"/>
+      </p:par>
+    </p:tnLst>
+  </p:timing>
+</p:sld>
+</file>
+
+<file path=ppt/slides/slide31.xml><?xml version="1.0" encoding="utf-8"?>
+<p:sld xmlns:a="http://schemas.openxmlformats.org/drawingml/2006/main" xmlns:r="http://schemas.openxmlformats.org/officeDocument/2006/relationships" xmlns:p="http://schemas.openxmlformats.org/presentationml/2006/main">
+  <p:cSld>
+    <p:spTree>
+      <p:nvGrpSpPr>
+        <p:cNvPr id="1" name=""/>
+        <p:cNvGrpSpPr/>
+        <p:nvPr/>
+      </p:nvGrpSpPr>
+      <p:grpSpPr>
+        <a:xfrm>
+          <a:off x="0" y="0"/>
+          <a:ext cx="0" cy="0"/>
+          <a:chOff x="0" y="0"/>
+          <a:chExt cx="0" cy="0"/>
+        </a:xfrm>
+      </p:grpSpPr>
+      <p:sp>
+        <p:nvSpPr>
+          <p:cNvPr id="7" name="Title 6"/>
+          <p:cNvSpPr>
+            <a:spLocks noGrp="1"/>
+          </p:cNvSpPr>
+          <p:nvPr>
+            <p:ph type="ctrTitle"/>
+          </p:nvPr>
+        </p:nvSpPr>
+        <p:spPr/>
+        <p:txBody>
+          <a:bodyPr/>
+          <a:lstStyle/>
+          <a:p>
+            <a:r>
+              <a:rPr lang="en-US" dirty="0" smtClean="0"/>
+              <a:t>Remediate the Failing Control</a:t>
+            </a:r>
+            <a:endParaRPr lang="en-US" dirty="0"/>
+          </a:p>
+        </p:txBody>
+      </p:sp>
+      <p:sp>
+        <p:nvSpPr>
+          <p:cNvPr id="8" name="Subtitle 7"/>
+          <p:cNvSpPr>
+            <a:spLocks noGrp="1"/>
+          </p:cNvSpPr>
+          <p:nvPr>
+            <p:ph type="subTitle" idx="1"/>
+          </p:nvPr>
+        </p:nvSpPr>
+        <p:spPr/>
+        <p:txBody>
+          <a:bodyPr/>
+          <a:lstStyle/>
+          <a:p>
+            <a:endParaRPr lang="en-US"/>
+          </a:p>
+        </p:txBody>
+      </p:sp>
+    </p:spTree>
+    <p:extLst>
+      <p:ext uri="{BB962C8B-B14F-4D97-AF65-F5344CB8AC3E}">
+        <p14:creationId xmlns:p14="http://schemas.microsoft.com/office/powerpoint/2010/main" val="3306305221"/>
+      </p:ext>
+    </p:extLst>
+  </p:cSld>
+  <p:clrMapOvr>
+    <a:masterClrMapping/>
+  </p:clrMapOvr>
+  <mc:AlternateContent xmlns:mc="http://schemas.openxmlformats.org/markup-compatibility/2006" xmlns:p14="http://schemas.microsoft.com/office/powerpoint/2010/main">
+    <mc:Choice Requires="p14">
+      <p:transition spd="med" p14:dur="700">
+        <p:fade/>
+      </p:transition>
+    </mc:Choice>
+    <mc:Fallback xmlns="">
+      <p:transition spd="med">
+        <p:fade/>
+      </p:transition>
+    </mc:Fallback>
+  </mc:AlternateContent>
+  <p:timing>
+    <p:tnLst>
+      <p:par>
+        <p:cTn xmlns:p14="http://schemas.microsoft.com/office/powerpoint/2010/main" id="1" dur="indefinite" restart="never" nodeType="tmRoot"/>
+      </p:par>
+    </p:tnLst>
+  </p:timing>
+</p:sld>
+</file>
+
+<file path=ppt/slides/slide32.xml><?xml version="1.0" encoding="utf-8"?>
+<p:sld xmlns:a="http://schemas.openxmlformats.org/drawingml/2006/main" xmlns:r="http://schemas.openxmlformats.org/officeDocument/2006/relationships" xmlns:p="http://schemas.openxmlformats.org/presentationml/2006/main">
+  <p:cSld>
+    <p:spTree>
+      <p:nvGrpSpPr>
+        <p:cNvPr id="1" name=""/>
+        <p:cNvGrpSpPr/>
+        <p:nvPr/>
+      </p:nvGrpSpPr>
+      <p:grpSpPr>
+        <a:xfrm>
+          <a:off x="0" y="0"/>
+          <a:ext cx="0" cy="0"/>
+          <a:chOff x="0" y="0"/>
+          <a:chExt cx="0" cy="0"/>
+        </a:xfrm>
+      </p:grpSpPr>
+      <p:sp>
+        <p:nvSpPr>
+          <p:cNvPr id="4" name="Title 3"/>
+          <p:cNvSpPr>
+            <a:spLocks noGrp="1"/>
+          </p:cNvSpPr>
+          <p:nvPr>
+            <p:ph type="title"/>
+          </p:nvPr>
+        </p:nvSpPr>
+        <p:spPr/>
+        <p:txBody>
+          <a:bodyPr/>
+          <a:lstStyle/>
+          <a:p>
+            <a:r>
+              <a:rPr lang="en-US" dirty="0" smtClean="0"/>
+              <a:t>Fix your </a:t>
+            </a:r>
+            <a:r>
+              <a:rPr lang="en-US" dirty="0" err="1" smtClean="0"/>
+              <a:t>ssh</a:t>
+            </a:r>
+            <a:r>
+              <a:rPr lang="en-US" dirty="0" smtClean="0"/>
+              <a:t> configuration on your own</a:t>
+            </a:r>
+            <a:endParaRPr lang="en-US" dirty="0"/>
+          </a:p>
+        </p:txBody>
+      </p:sp>
+      <p:sp>
+        <p:nvSpPr>
+          <p:cNvPr id="5" name="Text Placeholder 4"/>
+          <p:cNvSpPr>
+            <a:spLocks noGrp="1"/>
+          </p:cNvSpPr>
+          <p:nvPr>
+            <p:ph type="body" sz="quarter" idx="10"/>
+          </p:nvPr>
+        </p:nvSpPr>
+        <p:spPr/>
+        <p:txBody>
+          <a:bodyPr/>
+          <a:lstStyle/>
+          <a:p>
+            <a:r>
+              <a:rPr lang="en-US" dirty="0" smtClean="0"/>
+              <a:t>Write a cookbook to manage SSH</a:t>
+            </a:r>
+          </a:p>
+          <a:p>
+            <a:r>
+              <a:rPr lang="en-US" dirty="0" smtClean="0"/>
+              <a:t>Manually update the SSH configuration</a:t>
+            </a:r>
+            <a:endParaRPr lang="en-US" dirty="0"/>
+          </a:p>
+        </p:txBody>
+      </p:sp>
+    </p:spTree>
+    <p:extLst>
+      <p:ext uri="{BB962C8B-B14F-4D97-AF65-F5344CB8AC3E}">
+        <p14:creationId xmlns:p14="http://schemas.microsoft.com/office/powerpoint/2010/main" val="3928293892"/>
+      </p:ext>
+    </p:extLst>
+  </p:cSld>
+  <p:clrMapOvr>
+    <a:masterClrMapping/>
+  </p:clrMapOvr>
+  <mc:AlternateContent xmlns:mc="http://schemas.openxmlformats.org/markup-compatibility/2006" xmlns:p14="http://schemas.microsoft.com/office/powerpoint/2010/main">
+    <mc:Choice Requires="p14">
+      <p:transition spd="med" p14:dur="700">
+        <p:fade/>
+      </p:transition>
+    </mc:Choice>
+    <mc:Fallback xmlns="">
+      <p:transition spd="med">
+        <p:fade/>
+      </p:transition>
+    </mc:Fallback>
+  </mc:AlternateContent>
+  <p:timing>
+    <p:tnLst>
+      <p:par>
+        <p:cTn xmlns:p14="http://schemas.microsoft.com/office/powerpoint/2010/main" id="1" dur="indefinite" restart="never" nodeType="tmRoot"/>
+      </p:par>
+    </p:tnLst>
+  </p:timing>
+</p:sld>
+</file>
+
+<file path=ppt/slides/slide33.xml><?xml version="1.0" encoding="utf-8"?>
+<p:sld xmlns:a="http://schemas.openxmlformats.org/drawingml/2006/main" xmlns:r="http://schemas.openxmlformats.org/officeDocument/2006/relationships" xmlns:p="http://schemas.openxmlformats.org/presentationml/2006/main">
+  <p:cSld>
+    <p:spTree>
+      <p:nvGrpSpPr>
+        <p:cNvPr id="1" name=""/>
+        <p:cNvGrpSpPr/>
+        <p:nvPr/>
+      </p:nvGrpSpPr>
+      <p:grpSpPr>
+        <a:xfrm>
+          <a:off x="0" y="0"/>
+          <a:ext cx="0" cy="0"/>
+          <a:chOff x="0" y="0"/>
+          <a:chExt cx="0" cy="0"/>
+        </a:xfrm>
+      </p:grpSpPr>
+      <p:sp>
+        <p:nvSpPr>
+          <p:cNvPr id="2" name="Title 1"/>
+          <p:cNvSpPr>
+            <a:spLocks noGrp="1"/>
+          </p:cNvSpPr>
+          <p:nvPr>
+            <p:ph type="title"/>
+          </p:nvPr>
+        </p:nvSpPr>
+        <p:spPr/>
+        <p:txBody>
+          <a:bodyPr/>
+          <a:lstStyle/>
+          <a:p>
+            <a:r>
+              <a:rPr lang="en-US" dirty="0" smtClean="0"/>
+              <a:t>Remediate with Chef</a:t>
+            </a:r>
+            <a:endParaRPr lang="en-US" dirty="0"/>
+          </a:p>
+        </p:txBody>
+      </p:sp>
+      <p:sp>
+        <p:nvSpPr>
+          <p:cNvPr id="3" name="Content Placeholder 2"/>
+          <p:cNvSpPr>
+            <a:spLocks noGrp="1"/>
+          </p:cNvSpPr>
+          <p:nvPr>
+            <p:ph sz="quarter" idx="11"/>
+          </p:nvPr>
+        </p:nvSpPr>
+        <p:spPr/>
+        <p:txBody>
+          <a:bodyPr>
+            <a:normAutofit fontScale="62500" lnSpcReduction="20000"/>
+          </a:bodyPr>
+          <a:lstStyle/>
+          <a:p>
+            <a:r>
+              <a:rPr lang="en-US" dirty="0"/>
+              <a:t>[2017-03-10T16:48:02+00:00] INFO: Forking chef instance to converge...</a:t>
+            </a:r>
+          </a:p>
+          <a:p>
+            <a:r>
+              <a:rPr lang="en-US" dirty="0"/>
+              <a:t>Starting Chef Client, version 12.18.31</a:t>
+            </a:r>
+          </a:p>
+          <a:p>
+            <a:r>
+              <a:rPr lang="en-US" dirty="0"/>
+              <a:t>...</a:t>
+            </a:r>
+          </a:p>
+          <a:p>
+            <a:r>
+              <a:rPr lang="en-US" dirty="0"/>
+              <a:t>Synchronizing Cookbooks:</a:t>
+            </a:r>
+          </a:p>
+          <a:p>
+            <a:r>
+              <a:rPr lang="en-US" dirty="0"/>
+              <a:t>  - </a:t>
+            </a:r>
+            <a:r>
+              <a:rPr lang="en-US" dirty="0" err="1"/>
+              <a:t>ssh</a:t>
+            </a:r>
+            <a:r>
+              <a:rPr lang="en-US" dirty="0"/>
+              <a:t> (0.1.0)</a:t>
+            </a:r>
+          </a:p>
+          <a:p>
+            <a:r>
+              <a:rPr lang="en-US" dirty="0"/>
+              <a:t>  - audit (2.4.0)</a:t>
+            </a:r>
+          </a:p>
+          <a:p>
+            <a:r>
+              <a:rPr lang="en-US" dirty="0"/>
+              <a:t>  - </a:t>
+            </a:r>
+            <a:r>
+              <a:rPr lang="en-US" dirty="0" err="1"/>
+              <a:t>compat_resource</a:t>
+            </a:r>
+            <a:r>
+              <a:rPr lang="en-US" dirty="0"/>
+              <a:t> (12.16.3)</a:t>
+            </a:r>
+          </a:p>
+          <a:p>
+            <a:r>
+              <a:rPr lang="en-US" dirty="0"/>
+              <a:t>...</a:t>
+            </a:r>
+          </a:p>
+          <a:p>
+            <a:r>
+              <a:rPr lang="en-US" dirty="0"/>
+              <a:t>    -#Protocol 2</a:t>
+            </a:r>
+          </a:p>
+          <a:p>
+            <a:r>
+              <a:rPr lang="en-US" dirty="0"/>
+              <a:t>    +Protocol 2</a:t>
+            </a:r>
+          </a:p>
+          <a:p>
+            <a:r>
+              <a:rPr lang="en-US" dirty="0"/>
+              <a:t>...</a:t>
+            </a:r>
+          </a:p>
+          <a:p>
+            <a:r>
+              <a:rPr lang="en-US" dirty="0"/>
+              <a:t>[2017-03-10T16:48:05+00:00] INFO: Chef Run complete in 1.248588588 seconds</a:t>
+            </a:r>
+          </a:p>
+          <a:p>
+            <a:endParaRPr lang="en-US" dirty="0"/>
+          </a:p>
+          <a:p>
+            <a:r>
+              <a:rPr lang="en-US" dirty="0"/>
+              <a:t>Running handlers:</a:t>
+            </a:r>
+          </a:p>
+          <a:p>
+            <a:r>
+              <a:rPr lang="en-US" dirty="0"/>
+              <a:t>...</a:t>
+            </a:r>
+          </a:p>
+          <a:p>
+            <a:r>
+              <a:rPr lang="en-US" dirty="0"/>
+              <a:t>[2017-03-10T16:48:05+00:00] INFO: Report handlers complete</a:t>
+            </a:r>
+          </a:p>
+          <a:p>
+            <a:r>
+              <a:rPr lang="en-US" dirty="0"/>
+              <a:t>Chef Client finished, 1/3 resources updated in 03 seconds</a:t>
+            </a:r>
+          </a:p>
+        </p:txBody>
+      </p:sp>
+      <p:sp>
+        <p:nvSpPr>
+          <p:cNvPr id="4" name="Text Placeholder 3"/>
+          <p:cNvSpPr>
+            <a:spLocks noGrp="1"/>
+          </p:cNvSpPr>
+          <p:nvPr>
+            <p:ph type="body" sz="quarter" idx="12"/>
+          </p:nvPr>
+        </p:nvSpPr>
+        <p:spPr/>
+        <p:txBody>
+          <a:bodyPr>
+            <a:normAutofit fontScale="77500" lnSpcReduction="20000"/>
+          </a:bodyPr>
+          <a:lstStyle/>
+          <a:p>
+            <a:r>
+              <a:rPr lang="en-US" dirty="0" err="1"/>
+              <a:t>sudo</a:t>
+            </a:r>
+            <a:r>
+              <a:rPr lang="en-US" dirty="0"/>
+              <a:t> chef-client --local-mode -j </a:t>
+            </a:r>
+            <a:r>
+              <a:rPr lang="en-US" dirty="0" err="1"/>
+              <a:t>config.json</a:t>
+            </a:r>
+            <a:r>
+              <a:rPr lang="en-US" dirty="0"/>
+              <a:t> -r "recipe[</a:t>
+            </a:r>
+            <a:r>
+              <a:rPr lang="en-US" dirty="0" err="1"/>
+              <a:t>ssh</a:t>
+            </a:r>
+            <a:r>
+              <a:rPr lang="en-US" dirty="0"/>
+              <a:t>::server],recipe[audit::default]"</a:t>
+            </a:r>
+          </a:p>
+        </p:txBody>
+      </p:sp>
+    </p:spTree>
+    <p:extLst>
+      <p:ext uri="{BB962C8B-B14F-4D97-AF65-F5344CB8AC3E}">
+        <p14:creationId xmlns:p14="http://schemas.microsoft.com/office/powerpoint/2010/main" val="1907999452"/>
+      </p:ext>
+    </p:extLst>
+  </p:cSld>
+  <p:clrMapOvr>
+    <a:masterClrMapping/>
+  </p:clrMapOvr>
+  <mc:AlternateContent xmlns:mc="http://schemas.openxmlformats.org/markup-compatibility/2006" xmlns:p14="http://schemas.microsoft.com/office/powerpoint/2010/main">
+    <mc:Choice Requires="p14">
+      <p:transition spd="med" p14:dur="700">
+        <p:fade/>
+      </p:transition>
+    </mc:Choice>
+    <mc:Fallback xmlns="">
+      <p:transition spd="med">
+        <p:fade/>
+      </p:transition>
+    </mc:Fallback>
+  </mc:AlternateContent>
+  <p:timing>
+    <p:tnLst>
+      <p:par>
+        <p:cTn xmlns:p14="http://schemas.microsoft.com/office/powerpoint/2010/main" id="1" dur="indefinite" restart="never" nodeType="tmRoot"/>
+      </p:par>
+    </p:tnLst>
+  </p:timing>
+</p:sld>
+</file>
+
+<file path=ppt/slides/slide34.xml><?xml version="1.0" encoding="utf-8"?>
+<p:sld xmlns:a="http://schemas.openxmlformats.org/drawingml/2006/main" xmlns:r="http://schemas.openxmlformats.org/officeDocument/2006/relationships" xmlns:p="http://schemas.openxmlformats.org/presentationml/2006/main">
+  <p:cSld>
+    <p:spTree>
+      <p:nvGrpSpPr>
+        <p:cNvPr id="1" name=""/>
+        <p:cNvGrpSpPr/>
+        <p:nvPr/>
+      </p:nvGrpSpPr>
+      <p:grpSpPr>
+        <a:xfrm>
+          <a:off x="0" y="0"/>
+          <a:ext cx="0" cy="0"/>
+          <a:chOff x="0" y="0"/>
+          <a:chExt cx="0" cy="0"/>
+        </a:xfrm>
+      </p:grpSpPr>
+      <p:pic>
+        <p:nvPicPr>
+          <p:cNvPr id="4" name="Media Placeholder 3" descr="Chef_Automate.png"/>
+          <p:cNvPicPr>
+            <a:picLocks noGrp="1" noChangeAspect="1"/>
+          </p:cNvPicPr>
+          <p:nvPr>
+            <p:ph type="media" sz="quarter" idx="12"/>
+          </p:nvPr>
+        </p:nvPicPr>
+        <p:blipFill>
+          <a:blip r:embed="rId2">
+            <a:extLst>
+              <a:ext uri="{28A0092B-C50C-407E-A947-70E740481C1C}">
+                <a14:useLocalDpi xmlns:a14="http://schemas.microsoft.com/office/drawing/2010/main" val="0"/>
+              </a:ext>
+            </a:extLst>
+          </a:blip>
+          <a:srcRect t="12289" b="12289"/>
+          <a:stretch>
+            <a:fillRect/>
+          </a:stretch>
+        </p:blipFill>
+        <p:spPr/>
+      </p:pic>
+      <p:sp>
+        <p:nvSpPr>
+          <p:cNvPr id="3" name="Title 2"/>
+          <p:cNvSpPr>
+            <a:spLocks noGrp="1"/>
+          </p:cNvSpPr>
+          <p:nvPr>
+            <p:ph type="title"/>
+          </p:nvPr>
+        </p:nvSpPr>
+        <p:spPr/>
+        <p:txBody>
+          <a:bodyPr/>
+          <a:lstStyle/>
+          <a:p>
+            <a:r>
+              <a:rPr lang="en-US" dirty="0" smtClean="0"/>
+              <a:t>Verify Converge Status in Automate</a:t>
+            </a:r>
+            <a:endParaRPr lang="en-US" dirty="0"/>
+          </a:p>
+        </p:txBody>
+      </p:sp>
+    </p:spTree>
+    <p:extLst>
+      <p:ext uri="{BB962C8B-B14F-4D97-AF65-F5344CB8AC3E}">
+        <p14:creationId xmlns:p14="http://schemas.microsoft.com/office/powerpoint/2010/main" val="3167196052"/>
+      </p:ext>
+    </p:extLst>
+  </p:cSld>
+  <p:clrMapOvr>
+    <a:masterClrMapping/>
+  </p:clrMapOvr>
+  <mc:AlternateContent xmlns:mc="http://schemas.openxmlformats.org/markup-compatibility/2006" xmlns:p14="http://schemas.microsoft.com/office/powerpoint/2010/main">
+    <mc:Choice Requires="p14">
+      <p:transition spd="med" p14:dur="700">
+        <p:fade/>
+      </p:transition>
+    </mc:Choice>
+    <mc:Fallback xmlns="">
+      <p:transition spd="med">
+        <p:fade/>
+      </p:transition>
+    </mc:Fallback>
+  </mc:AlternateContent>
+  <p:timing>
+    <p:tnLst>
+      <p:par>
+        <p:cTn xmlns:p14="http://schemas.microsoft.com/office/powerpoint/2010/main" id="1" dur="indefinite" restart="never" nodeType="tmRoot"/>
+      </p:par>
+    </p:tnLst>
+  </p:timing>
+</p:sld>
+</file>
+
+<file path=ppt/slides/slide35.xml><?xml version="1.0" encoding="utf-8"?>
+<p:sld xmlns:a="http://schemas.openxmlformats.org/drawingml/2006/main" xmlns:r="http://schemas.openxmlformats.org/officeDocument/2006/relationships" xmlns:p="http://schemas.openxmlformats.org/presentationml/2006/main">
+  <p:cSld>
+    <p:spTree>
+      <p:nvGrpSpPr>
+        <p:cNvPr id="1" name=""/>
+        <p:cNvGrpSpPr/>
+        <p:nvPr/>
+      </p:nvGrpSpPr>
+      <p:grpSpPr>
+        <a:xfrm>
+          <a:off x="0" y="0"/>
+          <a:ext cx="0" cy="0"/>
+          <a:chOff x="0" y="0"/>
+          <a:chExt cx="0" cy="0"/>
+        </a:xfrm>
+      </p:grpSpPr>
+      <p:pic>
+        <p:nvPicPr>
+          <p:cNvPr id="4" name="Media Placeholder 3" descr="Chef_Automate.png"/>
+          <p:cNvPicPr>
+            <a:picLocks noGrp="1" noChangeAspect="1"/>
+          </p:cNvPicPr>
+          <p:nvPr>
+            <p:ph type="media" sz="quarter" idx="12"/>
+          </p:nvPr>
+        </p:nvPicPr>
+        <p:blipFill>
+          <a:blip r:embed="rId2">
+            <a:extLst>
+              <a:ext uri="{28A0092B-C50C-407E-A947-70E740481C1C}">
+                <a14:useLocalDpi xmlns:a14="http://schemas.microsoft.com/office/drawing/2010/main" val="0"/>
+              </a:ext>
+            </a:extLst>
+          </a:blip>
+          <a:srcRect t="5864" b="5864"/>
+          <a:stretch>
+            <a:fillRect/>
+          </a:stretch>
+        </p:blipFill>
+        <p:spPr/>
+      </p:pic>
+      <p:sp>
+        <p:nvSpPr>
+          <p:cNvPr id="3" name="Title 2"/>
+          <p:cNvSpPr>
+            <a:spLocks noGrp="1"/>
+          </p:cNvSpPr>
+          <p:nvPr>
+            <p:ph type="title"/>
+          </p:nvPr>
+        </p:nvSpPr>
+        <p:spPr/>
+        <p:txBody>
+          <a:bodyPr/>
+          <a:lstStyle/>
+          <a:p>
+            <a:r>
+              <a:rPr lang="en-US" dirty="0"/>
+              <a:t>Verify </a:t>
+            </a:r>
+            <a:r>
+              <a:rPr lang="en-US" dirty="0" smtClean="0"/>
+              <a:t>Compliance Status </a:t>
+            </a:r>
+            <a:r>
+              <a:rPr lang="en-US" dirty="0"/>
+              <a:t>in Automate</a:t>
+            </a:r>
+          </a:p>
+        </p:txBody>
+      </p:sp>
+    </p:spTree>
+    <p:extLst>
+      <p:ext uri="{BB962C8B-B14F-4D97-AF65-F5344CB8AC3E}">
+        <p14:creationId xmlns:p14="http://schemas.microsoft.com/office/powerpoint/2010/main" val="1491139915"/>
+      </p:ext>
+    </p:extLst>
+  </p:cSld>
+  <p:clrMapOvr>
+    <a:masterClrMapping/>
+  </p:clrMapOvr>
+  <mc:AlternateContent xmlns:mc="http://schemas.openxmlformats.org/markup-compatibility/2006" xmlns:p14="http://schemas.microsoft.com/office/powerpoint/2010/main">
+    <mc:Choice Requires="p14">
+      <p:transition spd="med" p14:dur="700">
+        <p:fade/>
+      </p:transition>
+    </mc:Choice>
+    <mc:Fallback xmlns="">
+      <p:transition spd="med">
+        <p:fade/>
+      </p:transition>
+    </mc:Fallback>
+  </mc:AlternateContent>
+  <p:timing>
+    <p:tnLst>
+      <p:par>
+        <p:cTn xmlns:p14="http://schemas.microsoft.com/office/powerpoint/2010/main" id="1" dur="indefinite" restart="never" nodeType="tmRoot"/>
+      </p:par>
+    </p:tnLst>
+  </p:timing>
+</p:sld>
+</file>
+
+<file path=ppt/slides/slide36.xml><?xml version="1.0" encoding="utf-8"?>
+<p:sld xmlns:a="http://schemas.openxmlformats.org/drawingml/2006/main" xmlns:r="http://schemas.openxmlformats.org/officeDocument/2006/relationships" xmlns:p="http://schemas.openxmlformats.org/presentationml/2006/main">
+  <p:cSld>
+    <p:spTree>
+      <p:nvGrpSpPr>
+        <p:cNvPr id="1" name=""/>
+        <p:cNvGrpSpPr/>
+        <p:nvPr/>
+      </p:nvGrpSpPr>
+      <p:grpSpPr>
+        <a:xfrm>
+          <a:off x="0" y="0"/>
+          <a:ext cx="0" cy="0"/>
+          <a:chOff x="0" y="0"/>
+          <a:chExt cx="0" cy="0"/>
+        </a:xfrm>
+      </p:grpSpPr>
+      <p:sp>
+        <p:nvSpPr>
+          <p:cNvPr id="3" name="Title 2"/>
+          <p:cNvSpPr>
+            <a:spLocks noGrp="1"/>
+          </p:cNvSpPr>
+          <p:nvPr>
+            <p:ph type="title"/>
+          </p:nvPr>
+        </p:nvSpPr>
+        <p:spPr/>
+        <p:txBody>
+          <a:bodyPr/>
+          <a:lstStyle/>
+          <a:p>
+            <a:r>
+              <a:rPr lang="en-US" dirty="0"/>
+              <a:t>Verify </a:t>
+            </a:r>
+            <a:r>
+              <a:rPr lang="en-US" dirty="0" smtClean="0"/>
+              <a:t>Compliance Status </a:t>
+            </a:r>
+            <a:r>
+              <a:rPr lang="en-US" dirty="0"/>
+              <a:t>in Automate</a:t>
+            </a:r>
+          </a:p>
+        </p:txBody>
+      </p:sp>
+      <p:pic>
+        <p:nvPicPr>
+          <p:cNvPr id="5" name="Media Placeholder 4" descr="Chef_Automate.png"/>
+          <p:cNvPicPr>
+            <a:picLocks noGrp="1" noChangeAspect="1"/>
+          </p:cNvPicPr>
+          <p:nvPr>
+            <p:ph type="media" sz="quarter" idx="12"/>
+          </p:nvPr>
+        </p:nvPicPr>
+        <p:blipFill>
+          <a:blip r:embed="rId2">
+            <a:extLst>
+              <a:ext uri="{28A0092B-C50C-407E-A947-70E740481C1C}">
+                <a14:useLocalDpi xmlns:a14="http://schemas.microsoft.com/office/drawing/2010/main" val="0"/>
+              </a:ext>
+            </a:extLst>
+          </a:blip>
+          <a:srcRect l="1417" r="1417"/>
+          <a:stretch>
+            <a:fillRect/>
+          </a:stretch>
+        </p:blipFill>
+        <p:spPr/>
+      </p:pic>
+    </p:spTree>
+    <p:extLst>
+      <p:ext uri="{BB962C8B-B14F-4D97-AF65-F5344CB8AC3E}">
+        <p14:creationId xmlns:p14="http://schemas.microsoft.com/office/powerpoint/2010/main" val="3325247150"/>
       </p:ext>
     </p:extLst>
   </p:cSld>
@@ -13860,7 +15731,7 @@
   <a:extraClrSchemeLst/>
   <a:extLst>
     <a:ext uri="{05A4C25C-085E-4340-85A3-A5531E510DB2}">
-      <thm15:themeFamily xmlns:thm15="http://schemas.microsoft.com/office/thememl/2012/main" xmlns="" name="Chef-Template-16x9-Blue.potx" id="{AEDCA41E-F161-4EBB-B511-A8687687A8DC}" vid="{64ECDA82-38C2-4FAD-B0A3-D276970F43D1}"/>
+      <thm15:themeFamily xmlns="" xmlns:thm15="http://schemas.microsoft.com/office/thememl/2012/main" name="Chef-Template-16x9-Blue.potx" id="{AEDCA41E-F161-4EBB-B511-A8687687A8DC}" vid="{64ECDA82-38C2-4FAD-B0A3-D276970F43D1}"/>
     </a:ext>
   </a:extLst>
 </a:theme>
@@ -14256,7 +16127,7 @@
   <a:extraClrSchemeLst/>
   <a:extLst>
     <a:ext uri="{05A4C25C-085E-4340-85A3-A5531E510DB2}">
-      <thm15:themeFamily xmlns:thm15="http://schemas.microsoft.com/office/thememl/2012/main" xmlns="" name="Chef-Template-16x9-Blue.potx" id="{AEDCA41E-F161-4EBB-B511-A8687687A8DC}" vid="{64ECDA82-38C2-4FAD-B0A3-D276970F43D1}"/>
+      <thm15:themeFamily xmlns="" xmlns:thm15="http://schemas.microsoft.com/office/thememl/2012/main" name="Chef-Template-16x9-Blue.potx" id="{AEDCA41E-F161-4EBB-B511-A8687687A8DC}" vid="{64ECDA82-38C2-4FAD-B0A3-D276970F43D1}"/>
     </a:ext>
   </a:extLst>
 </a:theme>
@@ -14652,7 +16523,7 @@
   <a:extraClrSchemeLst/>
   <a:extLst>
     <a:ext uri="{05A4C25C-085E-4340-85A3-A5531E510DB2}">
-      <thm15:themeFamily xmlns:thm15="http://schemas.microsoft.com/office/thememl/2012/main" xmlns="" name="Chef-Template-16x9-Blue.potx" id="{AEDCA41E-F161-4EBB-B511-A8687687A8DC}" vid="{64ECDA82-38C2-4FAD-B0A3-D276970F43D1}"/>
+      <thm15:themeFamily xmlns="" xmlns:thm15="http://schemas.microsoft.com/office/thememl/2012/main" name="Chef-Template-16x9-Blue.potx" id="{AEDCA41E-F161-4EBB-B511-A8687687A8DC}" vid="{64ECDA82-38C2-4FAD-B0A3-D276970F43D1}"/>
     </a:ext>
   </a:extLst>
 </a:theme>

--- a/powerpoint/Continuous-Compliance.pptx
+++ b/powerpoint/Continuous-Compliance.pptx
@@ -7,48 +7,49 @@
     <p:sldMasterId id="2147483960" r:id="rId3"/>
   </p:sldMasterIdLst>
   <p:notesMasterIdLst>
-    <p:notesMasterId r:id="rId40"/>
+    <p:notesMasterId r:id="rId41"/>
   </p:notesMasterIdLst>
   <p:handoutMasterIdLst>
-    <p:handoutMasterId r:id="rId41"/>
+    <p:handoutMasterId r:id="rId42"/>
   </p:handoutMasterIdLst>
   <p:sldIdLst>
-    <p:sldId id="256" r:id="rId4"/>
-    <p:sldId id="258" r:id="rId5"/>
-    <p:sldId id="259" r:id="rId6"/>
-    <p:sldId id="260" r:id="rId7"/>
-    <p:sldId id="261" r:id="rId8"/>
-    <p:sldId id="263" r:id="rId9"/>
-    <p:sldId id="264" r:id="rId10"/>
-    <p:sldId id="265" r:id="rId11"/>
-    <p:sldId id="266" r:id="rId12"/>
-    <p:sldId id="267" r:id="rId13"/>
-    <p:sldId id="268" r:id="rId14"/>
-    <p:sldId id="272" r:id="rId15"/>
-    <p:sldId id="271" r:id="rId16"/>
-    <p:sldId id="257" r:id="rId17"/>
-    <p:sldId id="270" r:id="rId18"/>
-    <p:sldId id="273" r:id="rId19"/>
-    <p:sldId id="274" r:id="rId20"/>
-    <p:sldId id="275" r:id="rId21"/>
-    <p:sldId id="276" r:id="rId22"/>
-    <p:sldId id="277" r:id="rId23"/>
-    <p:sldId id="279" r:id="rId24"/>
-    <p:sldId id="280" r:id="rId25"/>
-    <p:sldId id="281" r:id="rId26"/>
-    <p:sldId id="282" r:id="rId27"/>
-    <p:sldId id="283" r:id="rId28"/>
-    <p:sldId id="284" r:id="rId29"/>
-    <p:sldId id="285" r:id="rId30"/>
-    <p:sldId id="289" r:id="rId31"/>
-    <p:sldId id="290" r:id="rId32"/>
-    <p:sldId id="291" r:id="rId33"/>
-    <p:sldId id="292" r:id="rId34"/>
-    <p:sldId id="293" r:id="rId35"/>
-    <p:sldId id="294" r:id="rId36"/>
-    <p:sldId id="295" r:id="rId37"/>
-    <p:sldId id="296" r:id="rId38"/>
-    <p:sldId id="297" r:id="rId39"/>
+    <p:sldId id="298" r:id="rId4"/>
+    <p:sldId id="299" r:id="rId5"/>
+    <p:sldId id="300" r:id="rId6"/>
+    <p:sldId id="301" r:id="rId7"/>
+    <p:sldId id="302" r:id="rId8"/>
+    <p:sldId id="303" r:id="rId9"/>
+    <p:sldId id="304" r:id="rId10"/>
+    <p:sldId id="305" r:id="rId11"/>
+    <p:sldId id="306" r:id="rId12"/>
+    <p:sldId id="307" r:id="rId13"/>
+    <p:sldId id="308" r:id="rId14"/>
+    <p:sldId id="309" r:id="rId15"/>
+    <p:sldId id="310" r:id="rId16"/>
+    <p:sldId id="311" r:id="rId17"/>
+    <p:sldId id="312" r:id="rId18"/>
+    <p:sldId id="313" r:id="rId19"/>
+    <p:sldId id="314" r:id="rId20"/>
+    <p:sldId id="315" r:id="rId21"/>
+    <p:sldId id="316" r:id="rId22"/>
+    <p:sldId id="317" r:id="rId23"/>
+    <p:sldId id="318" r:id="rId24"/>
+    <p:sldId id="319" r:id="rId25"/>
+    <p:sldId id="320" r:id="rId26"/>
+    <p:sldId id="321" r:id="rId27"/>
+    <p:sldId id="322" r:id="rId28"/>
+    <p:sldId id="323" r:id="rId29"/>
+    <p:sldId id="324" r:id="rId30"/>
+    <p:sldId id="325" r:id="rId31"/>
+    <p:sldId id="326" r:id="rId32"/>
+    <p:sldId id="327" r:id="rId33"/>
+    <p:sldId id="328" r:id="rId34"/>
+    <p:sldId id="329" r:id="rId35"/>
+    <p:sldId id="330" r:id="rId36"/>
+    <p:sldId id="292" r:id="rId37"/>
+    <p:sldId id="293" r:id="rId38"/>
+    <p:sldId id="296" r:id="rId39"/>
+    <p:sldId id="297" r:id="rId40"/>
   </p:sldIdLst>
   <p:sldSz cx="14630400" cy="8229600"/>
   <p:notesSz cx="6858000" cy="9144000"/>
@@ -152,40 +153,41 @@
       <p14:sectionLst xmlns:p14="http://schemas.microsoft.com/office/powerpoint/2010/main">
         <p14:section name="Default Section" id="{65A0AD92-78D2-7545-8A6E-2D1143DEE447}">
           <p14:sldIdLst>
-            <p14:sldId id="256"/>
-            <p14:sldId id="258"/>
-            <p14:sldId id="259"/>
-            <p14:sldId id="260"/>
-            <p14:sldId id="261"/>
-            <p14:sldId id="263"/>
-            <p14:sldId id="264"/>
-            <p14:sldId id="265"/>
-            <p14:sldId id="266"/>
-            <p14:sldId id="267"/>
-            <p14:sldId id="268"/>
-            <p14:sldId id="272"/>
-            <p14:sldId id="271"/>
-            <p14:sldId id="257"/>
-            <p14:sldId id="270"/>
-            <p14:sldId id="273"/>
-            <p14:sldId id="274"/>
-            <p14:sldId id="275"/>
-            <p14:sldId id="276"/>
-            <p14:sldId id="277"/>
-            <p14:sldId id="279"/>
-            <p14:sldId id="280"/>
-            <p14:sldId id="281"/>
-            <p14:sldId id="282"/>
-            <p14:sldId id="283"/>
-            <p14:sldId id="284"/>
-            <p14:sldId id="285"/>
-            <p14:sldId id="289"/>
-            <p14:sldId id="290"/>
-            <p14:sldId id="291"/>
+            <p14:sldId id="298"/>
+            <p14:sldId id="299"/>
+            <p14:sldId id="300"/>
+            <p14:sldId id="301"/>
+            <p14:sldId id="302"/>
+            <p14:sldId id="303"/>
+            <p14:sldId id="304"/>
+            <p14:sldId id="305"/>
+            <p14:sldId id="306"/>
+            <p14:sldId id="307"/>
+            <p14:sldId id="308"/>
+            <p14:sldId id="309"/>
+            <p14:sldId id="310"/>
+            <p14:sldId id="311"/>
+            <p14:sldId id="312"/>
+            <p14:sldId id="313"/>
+            <p14:sldId id="314"/>
+            <p14:sldId id="315"/>
+            <p14:sldId id="316"/>
+            <p14:sldId id="317"/>
+            <p14:sldId id="318"/>
+            <p14:sldId id="319"/>
+            <p14:sldId id="320"/>
+            <p14:sldId id="321"/>
+            <p14:sldId id="322"/>
+            <p14:sldId id="323"/>
+            <p14:sldId id="324"/>
+            <p14:sldId id="325"/>
+            <p14:sldId id="326"/>
+            <p14:sldId id="327"/>
+            <p14:sldId id="328"/>
+            <p14:sldId id="329"/>
+            <p14:sldId id="330"/>
             <p14:sldId id="292"/>
             <p14:sldId id="293"/>
-            <p14:sldId id="294"/>
-            <p14:sldId id="295"/>
             <p14:sldId id="296"/>
             <p14:sldId id="297"/>
           </p14:sldIdLst>
@@ -193,7 +195,7 @@
       </p14:sectionLst>
     </p:ext>
     <p:ext uri="{EFAFB233-063F-42B5-8137-9DF3F51BA10A}">
-      <p15:sldGuideLst xmlns="" xmlns:p15="http://schemas.microsoft.com/office/powerpoint/2012/main">
+      <p15:sldGuideLst xmlns:p15="http://schemas.microsoft.com/office/powerpoint/2012/main" xmlns="">
         <p15:guide id="1" orient="horz" pos="2856" userDrawn="1">
           <p15:clr>
             <a:srgbClr val="A4A3A4"/>
@@ -327,7 +329,7 @@
           <a:p>
             <a:fld id="{5977D6C1-E4BB-6347-9104-221EF0C509F7}" type="datetimeFigureOut">
               <a:rPr lang="en-US" smtClean="0"/>
-              <a:t>3/10/17</a:t>
+              <a:t>3/11/17</a:t>
             </a:fld>
             <a:endParaRPr lang="en-US"/>
           </a:p>
@@ -492,7 +494,7 @@
           <a:p>
             <a:fld id="{13CF7FD9-86D8-B24C-A742-0889D50FC59B}" type="datetimeFigureOut">
               <a:rPr lang="en-US" smtClean="0"/>
-              <a:t>3/10/17</a:t>
+              <a:t>3/11/17</a:t>
             </a:fld>
             <a:endParaRPr lang="en-US"/>
           </a:p>
@@ -847,10 +849,21 @@
           <a:lstStyle/>
           <a:p>
             <a:fld id="{8B29331E-A40C-8E45-90AE-4B94C2016DA4}" type="slidenum">
-              <a:rPr lang="en-US" smtClean="0"/>
+              <a:rPr lang="en-US" smtClean="0">
+                <a:solidFill>
+                  <a:prstClr val="black"/>
+                </a:solidFill>
+                <a:latin typeface="Calibri"/>
+              </a:rPr>
+              <a:pPr/>
               <a:t>2</a:t>
             </a:fld>
-            <a:endParaRPr lang="en-US"/>
+            <a:endParaRPr lang="en-US">
+              <a:solidFill>
+                <a:prstClr val="black"/>
+              </a:solidFill>
+              <a:latin typeface="Calibri"/>
+            </a:endParaRPr>
           </a:p>
         </p:txBody>
       </p:sp>
@@ -948,10 +961,21 @@
           <a:lstStyle/>
           <a:p>
             <a:fld id="{8B29331E-A40C-8E45-90AE-4B94C2016DA4}" type="slidenum">
-              <a:rPr lang="en-US" smtClean="0"/>
+              <a:rPr lang="en-US" smtClean="0">
+                <a:solidFill>
+                  <a:prstClr val="black"/>
+                </a:solidFill>
+                <a:latin typeface="Calibri"/>
+              </a:rPr>
+              <a:pPr/>
               <a:t>15</a:t>
             </a:fld>
-            <a:endParaRPr lang="en-US"/>
+            <a:endParaRPr lang="en-US">
+              <a:solidFill>
+                <a:prstClr val="black"/>
+              </a:solidFill>
+              <a:latin typeface="Calibri"/>
+            </a:endParaRPr>
           </a:p>
         </p:txBody>
       </p:sp>
@@ -1014,7 +1038,16 @@
           <a:p>
             <a:r>
               <a:rPr lang="en-US" dirty="0" smtClean="0"/>
-              <a:t>Depending on time and experience with Chef you can do either thing next</a:t>
+              <a:t>Node-specific attributes are specified in a JSON file.</a:t>
+            </a:r>
+          </a:p>
+          <a:p>
+            <a:endParaRPr lang="en-US" dirty="0" smtClean="0"/>
+          </a:p>
+          <a:p>
+            <a:r>
+              <a:rPr lang="en-US" dirty="0" smtClean="0"/>
+              <a:t>These attributes are used by the audit cookbook.</a:t>
             </a:r>
             <a:endParaRPr lang="en-US" dirty="0"/>
           </a:p>
@@ -1035,9 +1068,97 @@
           <a:bodyPr/>
           <a:lstStyle/>
           <a:p>
+            <a:fld id="{504054EB-2F4D-684E-A8F9-B214901B80D0}" type="slidenum">
+              <a:rPr lang="en-US" smtClean="0"/>
+              <a:t>30</a:t>
+            </a:fld>
+            <a:endParaRPr lang="en-US"/>
+          </a:p>
+        </p:txBody>
+      </p:sp>
+    </p:spTree>
+    <p:extLst>
+      <p:ext uri="{BB962C8B-B14F-4D97-AF65-F5344CB8AC3E}">
+        <p14:creationId xmlns:p14="http://schemas.microsoft.com/office/powerpoint/2010/main" val="3436707869"/>
+      </p:ext>
+    </p:extLst>
+  </p:cSld>
+  <p:clrMapOvr>
+    <a:masterClrMapping/>
+  </p:clrMapOvr>
+</p:notes>
+</file>
+
+<file path=ppt/notesSlides/notesSlide12.xml><?xml version="1.0" encoding="utf-8"?>
+<p:notes xmlns:a="http://schemas.openxmlformats.org/drawingml/2006/main" xmlns:r="http://schemas.openxmlformats.org/officeDocument/2006/relationships" xmlns:p="http://schemas.openxmlformats.org/presentationml/2006/main">
+  <p:cSld>
+    <p:spTree>
+      <p:nvGrpSpPr>
+        <p:cNvPr id="1" name=""/>
+        <p:cNvGrpSpPr/>
+        <p:nvPr/>
+      </p:nvGrpSpPr>
+      <p:grpSpPr>
+        <a:xfrm>
+          <a:off x="0" y="0"/>
+          <a:ext cx="0" cy="0"/>
+          <a:chOff x="0" y="0"/>
+          <a:chExt cx="0" cy="0"/>
+        </a:xfrm>
+      </p:grpSpPr>
+      <p:sp>
+        <p:nvSpPr>
+          <p:cNvPr id="2" name="Slide Image Placeholder 1"/>
+          <p:cNvSpPr>
+            <a:spLocks noGrp="1" noRot="1" noChangeAspect="1"/>
+          </p:cNvSpPr>
+          <p:nvPr>
+            <p:ph type="sldImg"/>
+          </p:nvPr>
+        </p:nvSpPr>
+        <p:spPr/>
+      </p:sp>
+      <p:sp>
+        <p:nvSpPr>
+          <p:cNvPr id="3" name="Notes Placeholder 2"/>
+          <p:cNvSpPr>
+            <a:spLocks noGrp="1"/>
+          </p:cNvSpPr>
+          <p:nvPr>
+            <p:ph type="body" idx="1"/>
+          </p:nvPr>
+        </p:nvSpPr>
+        <p:spPr/>
+        <p:txBody>
+          <a:bodyPr/>
+          <a:lstStyle/>
+          <a:p>
+            <a:r>
+              <a:rPr lang="en-US" dirty="0" smtClean="0"/>
+              <a:t>Depending on time and experience with Chef you can do either thing next</a:t>
+            </a:r>
+            <a:endParaRPr lang="en-US" dirty="0"/>
+          </a:p>
+        </p:txBody>
+      </p:sp>
+      <p:sp>
+        <p:nvSpPr>
+          <p:cNvPr id="4" name="Slide Number Placeholder 3"/>
+          <p:cNvSpPr>
+            <a:spLocks noGrp="1"/>
+          </p:cNvSpPr>
+          <p:nvPr>
+            <p:ph type="sldNum" sz="quarter" idx="10"/>
+          </p:nvPr>
+        </p:nvSpPr>
+        <p:spPr/>
+        <p:txBody>
+          <a:bodyPr/>
+          <a:lstStyle/>
+          <a:p>
             <a:fld id="{8B29331E-A40C-8E45-90AE-4B94C2016DA4}" type="slidenum">
               <a:rPr lang="en-US" smtClean="0"/>
-              <a:t>32</a:t>
+              <a:t>35</a:t>
             </a:fld>
             <a:endParaRPr lang="en-US"/>
           </a:p>
@@ -1145,10 +1266,21 @@
           <a:lstStyle/>
           <a:p>
             <a:fld id="{8B29331E-A40C-8E45-90AE-4B94C2016DA4}" type="slidenum">
-              <a:rPr lang="en-US" smtClean="0"/>
+              <a:rPr lang="en-US" smtClean="0">
+                <a:solidFill>
+                  <a:prstClr val="black"/>
+                </a:solidFill>
+                <a:latin typeface="Calibri"/>
+              </a:rPr>
+              <a:pPr/>
               <a:t>4</a:t>
             </a:fld>
-            <a:endParaRPr lang="en-US"/>
+            <a:endParaRPr lang="en-US">
+              <a:solidFill>
+                <a:prstClr val="black"/>
+              </a:solidFill>
+              <a:latin typeface="Calibri"/>
+            </a:endParaRPr>
           </a:p>
         </p:txBody>
       </p:sp>
@@ -1245,10 +1377,21 @@
           <a:lstStyle/>
           <a:p>
             <a:fld id="{8B29331E-A40C-8E45-90AE-4B94C2016DA4}" type="slidenum">
-              <a:rPr lang="en-US" smtClean="0"/>
+              <a:rPr lang="en-US" smtClean="0">
+                <a:solidFill>
+                  <a:prstClr val="black"/>
+                </a:solidFill>
+                <a:latin typeface="Calibri"/>
+              </a:rPr>
+              <a:pPr/>
               <a:t>5</a:t>
             </a:fld>
-            <a:endParaRPr lang="en-US"/>
+            <a:endParaRPr lang="en-US">
+              <a:solidFill>
+                <a:prstClr val="black"/>
+              </a:solidFill>
+              <a:latin typeface="Calibri"/>
+            </a:endParaRPr>
           </a:p>
         </p:txBody>
       </p:sp>
@@ -1345,10 +1488,21 @@
           <a:lstStyle/>
           <a:p>
             <a:fld id="{8B29331E-A40C-8E45-90AE-4B94C2016DA4}" type="slidenum">
-              <a:rPr lang="en-US" smtClean="0"/>
+              <a:rPr lang="en-US" smtClean="0">
+                <a:solidFill>
+                  <a:prstClr val="black"/>
+                </a:solidFill>
+                <a:latin typeface="Calibri"/>
+              </a:rPr>
+              <a:pPr/>
               <a:t>6</a:t>
             </a:fld>
-            <a:endParaRPr lang="en-US"/>
+            <a:endParaRPr lang="en-US">
+              <a:solidFill>
+                <a:prstClr val="black"/>
+              </a:solidFill>
+              <a:latin typeface="Calibri"/>
+            </a:endParaRPr>
           </a:p>
         </p:txBody>
       </p:sp>
@@ -1445,10 +1599,21 @@
           <a:lstStyle/>
           <a:p>
             <a:fld id="{8B29331E-A40C-8E45-90AE-4B94C2016DA4}" type="slidenum">
-              <a:rPr lang="en-US" smtClean="0"/>
+              <a:rPr lang="en-US" smtClean="0">
+                <a:solidFill>
+                  <a:prstClr val="black"/>
+                </a:solidFill>
+                <a:latin typeface="Calibri"/>
+              </a:rPr>
+              <a:pPr/>
               <a:t>7</a:t>
             </a:fld>
-            <a:endParaRPr lang="en-US"/>
+            <a:endParaRPr lang="en-US">
+              <a:solidFill>
+                <a:prstClr val="black"/>
+              </a:solidFill>
+              <a:latin typeface="Calibri"/>
+            </a:endParaRPr>
           </a:p>
         </p:txBody>
       </p:sp>
@@ -1545,10 +1710,21 @@
           <a:lstStyle/>
           <a:p>
             <a:fld id="{8B29331E-A40C-8E45-90AE-4B94C2016DA4}" type="slidenum">
-              <a:rPr lang="en-US" smtClean="0"/>
+              <a:rPr lang="en-US" smtClean="0">
+                <a:solidFill>
+                  <a:prstClr val="black"/>
+                </a:solidFill>
+                <a:latin typeface="Calibri"/>
+              </a:rPr>
+              <a:pPr/>
               <a:t>8</a:t>
             </a:fld>
-            <a:endParaRPr lang="en-US"/>
+            <a:endParaRPr lang="en-US">
+              <a:solidFill>
+                <a:prstClr val="black"/>
+              </a:solidFill>
+              <a:latin typeface="Calibri"/>
+            </a:endParaRPr>
           </a:p>
         </p:txBody>
       </p:sp>
@@ -1645,10 +1821,21 @@
           <a:lstStyle/>
           <a:p>
             <a:fld id="{8B29331E-A40C-8E45-90AE-4B94C2016DA4}" type="slidenum">
-              <a:rPr lang="en-US" smtClean="0"/>
+              <a:rPr lang="en-US" smtClean="0">
+                <a:solidFill>
+                  <a:prstClr val="black"/>
+                </a:solidFill>
+                <a:latin typeface="Calibri"/>
+              </a:rPr>
+              <a:pPr/>
               <a:t>9</a:t>
             </a:fld>
-            <a:endParaRPr lang="en-US"/>
+            <a:endParaRPr lang="en-US">
+              <a:solidFill>
+                <a:prstClr val="black"/>
+              </a:solidFill>
+              <a:latin typeface="Calibri"/>
+            </a:endParaRPr>
           </a:p>
         </p:txBody>
       </p:sp>
@@ -1746,10 +1933,21 @@
           <a:lstStyle/>
           <a:p>
             <a:fld id="{8B29331E-A40C-8E45-90AE-4B94C2016DA4}" type="slidenum">
-              <a:rPr lang="en-US" smtClean="0"/>
+              <a:rPr lang="en-US" smtClean="0">
+                <a:solidFill>
+                  <a:prstClr val="black"/>
+                </a:solidFill>
+                <a:latin typeface="Calibri"/>
+              </a:rPr>
+              <a:pPr/>
               <a:t>12</a:t>
             </a:fld>
-            <a:endParaRPr lang="en-US"/>
+            <a:endParaRPr lang="en-US">
+              <a:solidFill>
+                <a:prstClr val="black"/>
+              </a:solidFill>
+              <a:latin typeface="Calibri"/>
+            </a:endParaRPr>
           </a:p>
         </p:txBody>
       </p:sp>
@@ -1838,10 +2036,21 @@
           <a:lstStyle/>
           <a:p>
             <a:fld id="{8B29331E-A40C-8E45-90AE-4B94C2016DA4}" type="slidenum">
-              <a:rPr lang="en-US" smtClean="0"/>
+              <a:rPr lang="en-US" smtClean="0">
+                <a:solidFill>
+                  <a:prstClr val="black"/>
+                </a:solidFill>
+                <a:latin typeface="Calibri"/>
+              </a:rPr>
+              <a:pPr/>
               <a:t>13</a:t>
             </a:fld>
-            <a:endParaRPr lang="en-US"/>
+            <a:endParaRPr lang="en-US">
+              <a:solidFill>
+                <a:prstClr val="black"/>
+              </a:solidFill>
+              <a:latin typeface="Calibri"/>
+            </a:endParaRPr>
           </a:p>
         </p:txBody>
       </p:sp>
@@ -9795,7 +10004,7 @@
   </p:txStyles>
   <p:extLst mod="1">
     <p:ext uri="{27BBF7A9-308A-43DC-89C8-2F10F3537804}">
-      <p15:sldGuideLst xmlns="" xmlns:p15="http://schemas.microsoft.com/office/powerpoint/2012/main"/>
+      <p15:sldGuideLst xmlns:p15="http://schemas.microsoft.com/office/powerpoint/2012/main" xmlns=""/>
     </p:ext>
   </p:extLst>
 </p:sldMaster>
@@ -10279,7 +10488,7 @@
   </p:txStyles>
   <p:extLst mod="1">
     <p:ext uri="{27BBF7A9-308A-43DC-89C8-2F10F3537804}">
-      <p15:sldGuideLst xmlns="" xmlns:p15="http://schemas.microsoft.com/office/powerpoint/2012/main"/>
+      <p15:sldGuideLst xmlns:p15="http://schemas.microsoft.com/office/powerpoint/2012/main" xmlns=""/>
     </p:ext>
   </p:extLst>
 </p:sldMaster>
@@ -10764,7 +10973,7 @@
   </p:txStyles>
   <p:extLst mod="1">
     <p:ext uri="{27BBF7A9-308A-43DC-89C8-2F10F3537804}">
-      <p15:sldGuideLst xmlns="" xmlns:p15="http://schemas.microsoft.com/office/powerpoint/2012/main"/>
+      <p15:sldGuideLst xmlns:p15="http://schemas.microsoft.com/office/powerpoint/2012/main" xmlns=""/>
     </p:ext>
   </p:extLst>
 </p:sldMaster>
@@ -10825,6 +11034,18 @@
           <a:bodyPr/>
           <a:lstStyle/>
           <a:p>
+            <a:r>
+              <a:rPr lang="en-US" dirty="0" smtClean="0"/>
+              <a:t>Chef Automate and </a:t>
+            </a:r>
+            <a:r>
+              <a:rPr lang="en-US" dirty="0" err="1" smtClean="0"/>
+              <a:t>InSpec</a:t>
+            </a:r>
+            <a:r>
+              <a:rPr lang="en-US" dirty="0" smtClean="0"/>
+              <a:t> Profiles</a:t>
+            </a:r>
             <a:endParaRPr lang="en-US" dirty="0"/>
           </a:p>
         </p:txBody>
@@ -10832,7 +11053,7 @@
     </p:spTree>
     <p:extLst>
       <p:ext uri="{BB962C8B-B14F-4D97-AF65-F5344CB8AC3E}">
-        <p14:creationId xmlns:p14="http://schemas.microsoft.com/office/powerpoint/2010/main" val="923973601"/>
+        <p14:creationId xmlns:p14="http://schemas.microsoft.com/office/powerpoint/2010/main" val="3528172887"/>
       </p:ext>
     </p:extLst>
   </p:cSld>
@@ -10996,7 +11217,7 @@
     </p:spTree>
     <p:extLst>
       <p:ext uri="{BB962C8B-B14F-4D97-AF65-F5344CB8AC3E}">
-        <p14:creationId xmlns:p14="http://schemas.microsoft.com/office/powerpoint/2010/main" val="3834822692"/>
+        <p14:creationId xmlns:p14="http://schemas.microsoft.com/office/powerpoint/2010/main" val="3629290947"/>
       </p:ext>
     </p:extLst>
   </p:cSld>
@@ -11120,7 +11341,7 @@
     </p:spTree>
     <p:extLst>
       <p:ext uri="{BB962C8B-B14F-4D97-AF65-F5344CB8AC3E}">
-        <p14:creationId xmlns:p14="http://schemas.microsoft.com/office/powerpoint/2010/main" val="702500588"/>
+        <p14:creationId xmlns:p14="http://schemas.microsoft.com/office/powerpoint/2010/main" val="1096151836"/>
       </p:ext>
     </p:extLst>
   </p:cSld>
@@ -11280,7 +11501,7 @@
     </p:spTree>
     <p:extLst>
       <p:ext uri="{BB962C8B-B14F-4D97-AF65-F5344CB8AC3E}">
-        <p14:creationId xmlns:p14="http://schemas.microsoft.com/office/powerpoint/2010/main" val="2260722568"/>
+        <p14:creationId xmlns:p14="http://schemas.microsoft.com/office/powerpoint/2010/main" val="4186386557"/>
       </p:ext>
     </p:extLst>
   </p:cSld>
@@ -11408,7 +11629,7 @@
     </p:spTree>
     <p:extLst>
       <p:ext uri="{BB962C8B-B14F-4D97-AF65-F5344CB8AC3E}">
-        <p14:creationId xmlns:p14="http://schemas.microsoft.com/office/powerpoint/2010/main" val="1377619109"/>
+        <p14:creationId xmlns:p14="http://schemas.microsoft.com/office/powerpoint/2010/main" val="4225270564"/>
       </p:ext>
     </p:extLst>
   </p:cSld>
@@ -11522,7 +11743,7 @@
     </p:spTree>
     <p:extLst>
       <p:ext uri="{BB962C8B-B14F-4D97-AF65-F5344CB8AC3E}">
-        <p14:creationId xmlns:p14="http://schemas.microsoft.com/office/powerpoint/2010/main" val="838886971"/>
+        <p14:creationId xmlns:p14="http://schemas.microsoft.com/office/powerpoint/2010/main" val="3671567862"/>
       </p:ext>
     </p:extLst>
   </p:cSld>
@@ -11713,7 +11934,7 @@
     </p:spTree>
     <p:extLst>
       <p:ext uri="{BB962C8B-B14F-4D97-AF65-F5344CB8AC3E}">
-        <p14:creationId xmlns:p14="http://schemas.microsoft.com/office/powerpoint/2010/main" val="4001153859"/>
+        <p14:creationId xmlns:p14="http://schemas.microsoft.com/office/powerpoint/2010/main" val="2343555059"/>
       </p:ext>
     </p:extLst>
   </p:cSld>
@@ -11808,7 +12029,7 @@
     </p:spTree>
     <p:extLst>
       <p:ext uri="{BB962C8B-B14F-4D97-AF65-F5344CB8AC3E}">
-        <p14:creationId xmlns:p14="http://schemas.microsoft.com/office/powerpoint/2010/main" val="532671637"/>
+        <p14:creationId xmlns:p14="http://schemas.microsoft.com/office/powerpoint/2010/main" val="825380040"/>
       </p:ext>
     </p:extLst>
   </p:cSld>
@@ -12058,7 +12279,7 @@
     </p:spTree>
     <p:extLst>
       <p:ext uri="{BB962C8B-B14F-4D97-AF65-F5344CB8AC3E}">
-        <p14:creationId xmlns:p14="http://schemas.microsoft.com/office/powerpoint/2010/main" val="939868018"/>
+        <p14:creationId xmlns:p14="http://schemas.microsoft.com/office/powerpoint/2010/main" val="3054650488"/>
       </p:ext>
     </p:extLst>
   </p:cSld>
@@ -12153,7 +12374,7 @@
     </p:spTree>
     <p:extLst>
       <p:ext uri="{BB962C8B-B14F-4D97-AF65-F5344CB8AC3E}">
-        <p14:creationId xmlns:p14="http://schemas.microsoft.com/office/powerpoint/2010/main" val="2067031565"/>
+        <p14:creationId xmlns:p14="http://schemas.microsoft.com/office/powerpoint/2010/main" val="3636098940"/>
       </p:ext>
     </p:extLst>
   </p:cSld>
@@ -12250,7 +12471,7 @@
     </p:spTree>
     <p:extLst>
       <p:ext uri="{BB962C8B-B14F-4D97-AF65-F5344CB8AC3E}">
-        <p14:creationId xmlns:p14="http://schemas.microsoft.com/office/powerpoint/2010/main" val="1081119102"/>
+        <p14:creationId xmlns:p14="http://schemas.microsoft.com/office/powerpoint/2010/main" val="3402332783"/>
       </p:ext>
     </p:extLst>
   </p:cSld>
@@ -12408,7 +12629,7 @@
     </p:spTree>
     <p:extLst>
       <p:ext uri="{BB962C8B-B14F-4D97-AF65-F5344CB8AC3E}">
-        <p14:creationId xmlns:p14="http://schemas.microsoft.com/office/powerpoint/2010/main" val="68232316"/>
+        <p14:creationId xmlns:p14="http://schemas.microsoft.com/office/powerpoint/2010/main" val="467308030"/>
       </p:ext>
     </p:extLst>
   </p:cSld>
@@ -12503,7 +12724,7 @@
     </p:spTree>
     <p:extLst>
       <p:ext uri="{BB962C8B-B14F-4D97-AF65-F5344CB8AC3E}">
-        <p14:creationId xmlns:p14="http://schemas.microsoft.com/office/powerpoint/2010/main" val="2579007355"/>
+        <p14:creationId xmlns:p14="http://schemas.microsoft.com/office/powerpoint/2010/main" val="2803866197"/>
       </p:ext>
     </p:extLst>
   </p:cSld>
@@ -12600,7 +12821,7 @@
     </p:spTree>
     <p:extLst>
       <p:ext uri="{BB962C8B-B14F-4D97-AF65-F5344CB8AC3E}">
-        <p14:creationId xmlns:p14="http://schemas.microsoft.com/office/powerpoint/2010/main" val="147016742"/>
+        <p14:creationId xmlns:p14="http://schemas.microsoft.com/office/powerpoint/2010/main" val="1507745938"/>
       </p:ext>
     </p:extLst>
   </p:cSld>
@@ -12697,7 +12918,7 @@
     </p:spTree>
     <p:extLst>
       <p:ext uri="{BB962C8B-B14F-4D97-AF65-F5344CB8AC3E}">
-        <p14:creationId xmlns:p14="http://schemas.microsoft.com/office/powerpoint/2010/main" val="147016742"/>
+        <p14:creationId xmlns:p14="http://schemas.microsoft.com/office/powerpoint/2010/main" val="3864221468"/>
       </p:ext>
     </p:extLst>
   </p:cSld>
@@ -12793,7 +13014,7 @@
     </p:spTree>
     <p:extLst>
       <p:ext uri="{BB962C8B-B14F-4D97-AF65-F5344CB8AC3E}">
-        <p14:creationId xmlns:p14="http://schemas.microsoft.com/office/powerpoint/2010/main" val="480065617"/>
+        <p14:creationId xmlns:p14="http://schemas.microsoft.com/office/powerpoint/2010/main" val="2411436824"/>
       </p:ext>
     </p:extLst>
   </p:cSld>
@@ -12855,10 +13076,18 @@
           <a:lstStyle/>
           <a:p>
             <a:r>
-              <a:rPr lang="en-US" smtClean="0"/>
-              <a:t>Review our set-up</a:t>
-            </a:r>
-            <a:endParaRPr lang="en-US"/>
+              <a:rPr lang="en-US" dirty="0" smtClean="0"/>
+              <a:t>Review </a:t>
+            </a:r>
+            <a:r>
+              <a:rPr lang="en-US" dirty="0" smtClean="0"/>
+              <a:t>the set</a:t>
+            </a:r>
+            <a:r>
+              <a:rPr lang="en-US" dirty="0" smtClean="0"/>
+              <a:t>-up</a:t>
+            </a:r>
+            <a:endParaRPr lang="en-US" dirty="0"/>
           </a:p>
         </p:txBody>
       </p:sp>
@@ -12877,14 +13106,18 @@
           <a:bodyPr/>
           <a:lstStyle/>
           <a:p>
-            <a:endParaRPr lang="en-US"/>
+            <a:r>
+              <a:rPr lang="en-US" dirty="0" smtClean="0"/>
+              <a:t>tying it all together</a:t>
+            </a:r>
+            <a:endParaRPr lang="en-US" dirty="0"/>
           </a:p>
         </p:txBody>
       </p:sp>
     </p:spTree>
     <p:extLst>
       <p:ext uri="{BB962C8B-B14F-4D97-AF65-F5344CB8AC3E}">
-        <p14:creationId xmlns:p14="http://schemas.microsoft.com/office/powerpoint/2010/main" val="3469690032"/>
+        <p14:creationId xmlns:p14="http://schemas.microsoft.com/office/powerpoint/2010/main" val="1189624282"/>
       </p:ext>
     </p:extLst>
   </p:cSld>
@@ -12998,7 +13231,7 @@
     </p:spTree>
     <p:extLst>
       <p:ext uri="{BB962C8B-B14F-4D97-AF65-F5344CB8AC3E}">
-        <p14:creationId xmlns:p14="http://schemas.microsoft.com/office/powerpoint/2010/main" val="940361013"/>
+        <p14:creationId xmlns:p14="http://schemas.microsoft.com/office/powerpoint/2010/main" val="3811307201"/>
       </p:ext>
     </p:extLst>
   </p:cSld>
@@ -13096,7 +13329,15 @@
             </a:r>
             <a:r>
               <a:rPr lang="en-US" dirty="0"/>
-              <a:t>  local-mode-cache  profiles</a:t>
+              <a:t>  </a:t>
+            </a:r>
+            <a:r>
+              <a:rPr lang="en-US" dirty="0" err="1"/>
+              <a:t>firstname-lastname</a:t>
+            </a:r>
+            <a:r>
+              <a:rPr lang="en-US" dirty="0"/>
+              <a:t>  profiles</a:t>
             </a:r>
           </a:p>
           <a:p>
@@ -13108,9 +13349,7 @@
               <a:rPr lang="en-US" dirty="0"/>
               <a:t>  cookbooks    nodes</a:t>
             </a:r>
-          </a:p>
-          <a:p>
-            <a:endParaRPr lang="en-US" b="1" dirty="0"/>
+            <a:endParaRPr lang="en-US" dirty="0"/>
           </a:p>
         </p:txBody>
       </p:sp>
@@ -13140,7 +13379,7 @@
     </p:spTree>
     <p:extLst>
       <p:ext uri="{BB962C8B-B14F-4D97-AF65-F5344CB8AC3E}">
-        <p14:creationId xmlns:p14="http://schemas.microsoft.com/office/powerpoint/2010/main" val="4106926164"/>
+        <p14:creationId xmlns:p14="http://schemas.microsoft.com/office/powerpoint/2010/main" val="2732749347"/>
       </p:ext>
     </p:extLst>
   </p:cSld>
@@ -13202,8 +13441,12 @@
           <a:lstStyle/>
           <a:p>
             <a:r>
-              <a:rPr lang="en-US" dirty="0" err="1" smtClean="0"/>
-              <a:t>config.json</a:t>
+              <a:rPr lang="en-US" dirty="0" smtClean="0"/>
+              <a:t>List </a:t>
+            </a:r>
+            <a:r>
+              <a:rPr lang="en-US" dirty="0" smtClean="0"/>
+              <a:t>cookbooks</a:t>
             </a:r>
             <a:endParaRPr lang="en-US" dirty="0"/>
           </a:p>
@@ -13217,102 +13460,6 @@
           </p:cNvSpPr>
           <p:nvPr>
             <p:ph sz="quarter" idx="11"/>
-          </p:nvPr>
-        </p:nvSpPr>
-        <p:spPr/>
-        <p:txBody>
-          <a:bodyPr>
-            <a:normAutofit fontScale="92500" lnSpcReduction="10000"/>
-          </a:bodyPr>
-          <a:lstStyle/>
-          <a:p>
-            <a:r>
-              <a:rPr lang="mr-IN" dirty="0"/>
-              <a:t>{</a:t>
-            </a:r>
-          </a:p>
-          <a:p>
-            <a:r>
-              <a:rPr lang="mr-IN" dirty="0"/>
-              <a:t>  "audit": {</a:t>
-            </a:r>
-          </a:p>
-          <a:p>
-            <a:r>
-              <a:rPr lang="mr-IN" dirty="0"/>
-              <a:t>    "collector": "chef-visibility",</a:t>
-            </a:r>
-          </a:p>
-          <a:p>
-            <a:r>
-              <a:rPr lang="mr-IN" dirty="0"/>
-              <a:t>    "inspec_version": "1.15.0",</a:t>
-            </a:r>
-          </a:p>
-          <a:p>
-            <a:r>
-              <a:rPr lang="mr-IN" dirty="0"/>
-              <a:t>    "profiles": [</a:t>
-            </a:r>
-          </a:p>
-          <a:p>
-            <a:r>
-              <a:rPr lang="mr-IN" dirty="0"/>
-              <a:t>      {</a:t>
-            </a:r>
-          </a:p>
-          <a:p>
-            <a:r>
-              <a:rPr lang="mr-IN" dirty="0"/>
-              <a:t>        "name": "ssh",</a:t>
-            </a:r>
-          </a:p>
-          <a:p>
-            <a:r>
-              <a:rPr lang="mr-IN" dirty="0"/>
-              <a:t>        "path": "/home/chef/profiles/ssh"</a:t>
-            </a:r>
-          </a:p>
-          <a:p>
-            <a:r>
-              <a:rPr lang="mr-IN" dirty="0"/>
-              <a:t>      }</a:t>
-            </a:r>
-          </a:p>
-          <a:p>
-            <a:r>
-              <a:rPr lang="mr-IN" dirty="0"/>
-              <a:t>    ]</a:t>
-            </a:r>
-          </a:p>
-          <a:p>
-            <a:r>
-              <a:rPr lang="mr-IN" dirty="0"/>
-              <a:t>  </a:t>
-            </a:r>
-            <a:r>
-              <a:rPr lang="mr-IN" dirty="0" smtClean="0"/>
-              <a:t>}</a:t>
-            </a:r>
-            <a:endParaRPr lang="en-US" dirty="0" smtClean="0"/>
-          </a:p>
-          <a:p>
-            <a:r>
-              <a:rPr lang="en-US" dirty="0"/>
-              <a:t>}</a:t>
-            </a:r>
-            <a:endParaRPr lang="mr-IN" dirty="0"/>
-          </a:p>
-        </p:txBody>
-      </p:sp>
-      <p:sp>
-        <p:nvSpPr>
-          <p:cNvPr id="4" name="Text Placeholder 3"/>
-          <p:cNvSpPr>
-            <a:spLocks noGrp="1"/>
-          </p:cNvSpPr>
-          <p:nvPr>
-            <p:ph type="body" sz="quarter" idx="12"/>
           </p:nvPr>
         </p:nvSpPr>
         <p:spPr/>
@@ -13321,12 +13468,39 @@
           <a:lstStyle/>
           <a:p>
             <a:r>
+              <a:rPr lang="en-US" dirty="0"/>
+              <a:t>audit  </a:t>
+            </a:r>
+            <a:r>
+              <a:rPr lang="en-US" dirty="0" err="1" smtClean="0"/>
+              <a:t>compat_resource</a:t>
+            </a:r>
+            <a:endParaRPr lang="en-US" dirty="0"/>
+          </a:p>
+        </p:txBody>
+      </p:sp>
+      <p:sp>
+        <p:nvSpPr>
+          <p:cNvPr id="4" name="Text Placeholder 3"/>
+          <p:cNvSpPr>
+            <a:spLocks noGrp="1"/>
+          </p:cNvSpPr>
+          <p:nvPr>
+            <p:ph type="body" sz="quarter" idx="12"/>
+          </p:nvPr>
+        </p:nvSpPr>
+        <p:spPr/>
+        <p:txBody>
+          <a:bodyPr/>
+          <a:lstStyle/>
+          <a:p>
+            <a:r>
+              <a:rPr lang="en-US" dirty="0" err="1" smtClean="0"/>
+              <a:t>ls</a:t>
+            </a:r>
+            <a:r>
               <a:rPr lang="en-US" dirty="0" smtClean="0"/>
-              <a:t>cat </a:t>
-            </a:r>
-            <a:r>
-              <a:rPr lang="en-US" dirty="0" err="1" smtClean="0"/>
-              <a:t>config.json</a:t>
+              <a:t> cookbooks</a:t>
             </a:r>
             <a:endParaRPr lang="en-US" dirty="0"/>
           </a:p>
@@ -13335,7 +13509,7 @@
     </p:spTree>
     <p:extLst>
       <p:ext uri="{BB962C8B-B14F-4D97-AF65-F5344CB8AC3E}">
-        <p14:creationId xmlns:p14="http://schemas.microsoft.com/office/powerpoint/2010/main" val="90576953"/>
+        <p14:creationId xmlns:p14="http://schemas.microsoft.com/office/powerpoint/2010/main" val="3645814923"/>
       </p:ext>
     </p:extLst>
   </p:cSld>
@@ -13420,33 +13594,46 @@
           <a:lstStyle/>
           <a:p>
             <a:r>
+              <a:rPr lang="en-US" dirty="0"/>
+              <a:t>Install </a:t>
+            </a:r>
+            <a:r>
+              <a:rPr lang="en-US" dirty="0" err="1"/>
+              <a:t>InSpec</a:t>
+            </a:r>
+            <a:endParaRPr lang="en-US" dirty="0"/>
+          </a:p>
+          <a:p>
+            <a:r>
+              <a:rPr lang="en-US" dirty="0"/>
+              <a:t>Run </a:t>
+            </a:r>
+            <a:r>
+              <a:rPr lang="en-US" dirty="0" err="1"/>
+              <a:t>InSpec</a:t>
+            </a:r>
+            <a:r>
+              <a:rPr lang="en-US" dirty="0"/>
+              <a:t> profiles</a:t>
+            </a:r>
+          </a:p>
+          <a:p>
+            <a:r>
+              <a:rPr lang="en-US" dirty="0"/>
+              <a:t>Report results to Chef Compliance or Chef </a:t>
+            </a:r>
+            <a:r>
               <a:rPr lang="en-US" dirty="0" smtClean="0"/>
-              <a:t>Installs </a:t>
-            </a:r>
-            <a:r>
-              <a:rPr lang="en-US" dirty="0" err="1" smtClean="0"/>
-              <a:t>InSpec</a:t>
-            </a:r>
-            <a:endParaRPr lang="en-US" dirty="0" smtClean="0"/>
-          </a:p>
-          <a:p>
-            <a:r>
-              <a:rPr lang="en-US" dirty="0" smtClean="0"/>
-              <a:t>Executes compliance profiles</a:t>
-            </a:r>
-          </a:p>
-          <a:p>
-            <a:r>
-              <a:rPr lang="en-US" dirty="0" smtClean="0"/>
-              <a:t>Uses a report handler to send data to Chef Automate</a:t>
-            </a:r>
+              <a:t>Visibility</a:t>
+            </a:r>
+            <a:endParaRPr lang="en-US" dirty="0"/>
           </a:p>
         </p:txBody>
       </p:sp>
     </p:spTree>
     <p:extLst>
       <p:ext uri="{BB962C8B-B14F-4D97-AF65-F5344CB8AC3E}">
-        <p14:creationId xmlns:p14="http://schemas.microsoft.com/office/powerpoint/2010/main" val="1354841192"/>
+        <p14:creationId xmlns:p14="http://schemas.microsoft.com/office/powerpoint/2010/main" val="1218332846"/>
       </p:ext>
     </p:extLst>
   </p:cSld>
@@ -13508,8 +13695,12 @@
           <a:lstStyle/>
           <a:p>
             <a:r>
+              <a:rPr lang="en-US" dirty="0" err="1" smtClean="0"/>
+              <a:t>Compat</a:t>
+            </a:r>
+            <a:r>
               <a:rPr lang="en-US" dirty="0" smtClean="0"/>
-              <a:t>Local Profiles</a:t>
+              <a:t> Resource Cookbook</a:t>
             </a:r>
             <a:endParaRPr lang="en-US" dirty="0"/>
           </a:p>
@@ -13517,12 +13708,12 @@
       </p:sp>
       <p:sp>
         <p:nvSpPr>
-          <p:cNvPr id="3" name="Content Placeholder 2"/>
-          <p:cNvSpPr>
-            <a:spLocks noGrp="1"/>
-          </p:cNvSpPr>
-          <p:nvPr>
-            <p:ph sz="quarter" idx="11"/>
+          <p:cNvPr id="3" name="Text Placeholder 2"/>
+          <p:cNvSpPr>
+            <a:spLocks noGrp="1"/>
+          </p:cNvSpPr>
+          <p:nvPr>
+            <p:ph type="body" sz="quarter" idx="10"/>
           </p:nvPr>
         </p:nvSpPr>
         <p:spPr/>
@@ -13532,100 +13723,48 @@
           <a:p>
             <a:r>
               <a:rPr lang="en-US" dirty="0"/>
-              <a:t>profiles/</a:t>
+              <a:t>Adds functionality introduced in the latest chef-client releases to any chef-client from 12.1 onwards. </a:t>
             </a:r>
           </a:p>
           <a:p>
             <a:r>
               <a:rPr lang="en-US" dirty="0"/>
-              <a:t>└── </a:t>
-            </a:r>
-            <a:r>
-              <a:rPr lang="en-US" dirty="0" err="1"/>
-              <a:t>ssh</a:t>
-            </a:r>
-            <a:endParaRPr lang="en-US" dirty="0"/>
-          </a:p>
-          <a:p>
+              <a:t>Includes</a:t>
+            </a:r>
+          </a:p>
+          <a:p>
+            <a:pPr lvl="1"/>
             <a:r>
               <a:rPr lang="en-US" dirty="0"/>
-              <a:t>    ├── controls</a:t>
-            </a:r>
-          </a:p>
-          <a:p>
+              <a:t>Custom Resource functionality</a:t>
+            </a:r>
+          </a:p>
+          <a:p>
+            <a:pPr lvl="1"/>
             <a:r>
               <a:rPr lang="en-US" dirty="0"/>
-              <a:t>    │   └── </a:t>
-            </a:r>
-            <a:r>
-              <a:rPr lang="en-US" dirty="0" err="1"/>
-              <a:t>ssh.rb</a:t>
-            </a:r>
-            <a:endParaRPr lang="en-US" dirty="0"/>
-          </a:p>
-          <a:p>
+              <a:t>notification improvements</a:t>
+            </a:r>
+          </a:p>
+          <a:p>
+            <a:pPr lvl="1"/>
             <a:r>
               <a:rPr lang="en-US" dirty="0"/>
-              <a:t>    ├── </a:t>
-            </a:r>
-            <a:r>
-              <a:rPr lang="en-US" dirty="0" err="1"/>
-              <a:t>inspec.lock</a:t>
-            </a:r>
-            <a:endParaRPr lang="en-US" dirty="0"/>
+              <a:t>new resources added to core chef</a:t>
+            </a:r>
           </a:p>
           <a:p>
             <a:r>
               <a:rPr lang="en-US" dirty="0"/>
-              <a:t>    └── </a:t>
-            </a:r>
-            <a:r>
-              <a:rPr lang="en-US" dirty="0" err="1"/>
-              <a:t>inspec.yml</a:t>
-            </a:r>
-            <a:endParaRPr lang="en-US" dirty="0"/>
-          </a:p>
-          <a:p>
-            <a:endParaRPr lang="en-US" dirty="0"/>
-          </a:p>
-          <a:p>
-            <a:r>
-              <a:rPr lang="en-US" dirty="0"/>
-              <a:t>2 directories, 3 files</a:t>
-            </a:r>
-          </a:p>
-          <a:p>
-            <a:endParaRPr lang="en-US" dirty="0"/>
-          </a:p>
-        </p:txBody>
-      </p:sp>
-      <p:sp>
-        <p:nvSpPr>
-          <p:cNvPr id="4" name="Text Placeholder 3"/>
-          <p:cNvSpPr>
-            <a:spLocks noGrp="1"/>
-          </p:cNvSpPr>
-          <p:nvPr>
-            <p:ph type="body" sz="quarter" idx="12"/>
-          </p:nvPr>
-        </p:nvSpPr>
-        <p:spPr/>
-        <p:txBody>
-          <a:bodyPr/>
-          <a:lstStyle/>
-          <a:p>
-            <a:r>
-              <a:rPr lang="en-US" dirty="0" smtClean="0"/>
-              <a:t>tree profiles</a:t>
-            </a:r>
-            <a:endParaRPr lang="en-US" dirty="0"/>
+              <a:t>Allows for these new resources in cookbooks without requiring the very latest Chef client release.</a:t>
+            </a:r>
           </a:p>
         </p:txBody>
       </p:sp>
     </p:spTree>
     <p:extLst>
       <p:ext uri="{BB962C8B-B14F-4D97-AF65-F5344CB8AC3E}">
-        <p14:creationId xmlns:p14="http://schemas.microsoft.com/office/powerpoint/2010/main" val="1404056138"/>
+        <p14:creationId xmlns:p14="http://schemas.microsoft.com/office/powerpoint/2010/main" val="1297367742"/>
       </p:ext>
     </p:extLst>
   </p:cSld>
@@ -13644,13 +13783,6 @@
       </p:transition>
     </mc:Fallback>
   </mc:AlternateContent>
-  <p:timing>
-    <p:tnLst>
-      <p:par>
-        <p:cTn xmlns:p14="http://schemas.microsoft.com/office/powerpoint/2010/main" id="1" dur="indefinite" restart="never" nodeType="tmRoot"/>
-      </p:par>
-    </p:tnLst>
-  </p:timing>
 </p:sld>
 </file>
 
@@ -13722,7 +13854,7 @@
     </p:spTree>
     <p:extLst>
       <p:ext uri="{BB962C8B-B14F-4D97-AF65-F5344CB8AC3E}">
-        <p14:creationId xmlns:p14="http://schemas.microsoft.com/office/powerpoint/2010/main" val="3182504384"/>
+        <p14:creationId xmlns:p14="http://schemas.microsoft.com/office/powerpoint/2010/main" val="3047026614"/>
       </p:ext>
     </p:extLst>
   </p:cSld>
@@ -13784,12 +13916,8 @@
           <a:lstStyle/>
           <a:p>
             <a:r>
-              <a:rPr lang="en-US" dirty="0" smtClean="0"/>
-              <a:t>Run Locally with </a:t>
-            </a:r>
-            <a:r>
               <a:rPr lang="en-US" dirty="0" err="1" smtClean="0"/>
-              <a:t>InSpec</a:t>
+              <a:t>config.json</a:t>
             </a:r>
             <a:endParaRPr lang="en-US" dirty="0"/>
           </a:p>
@@ -13808,145 +13936,86 @@
         <p:spPr/>
         <p:txBody>
           <a:bodyPr>
-            <a:normAutofit fontScale="47500" lnSpcReduction="20000"/>
+            <a:normAutofit fontScale="92500" lnSpcReduction="10000"/>
           </a:bodyPr>
           <a:lstStyle/>
           <a:p>
             <a:r>
+              <a:rPr lang="mr-IN" dirty="0"/>
+              <a:t>{</a:t>
+            </a:r>
+          </a:p>
+          <a:p>
+            <a:r>
+              <a:rPr lang="mr-IN" dirty="0"/>
+              <a:t>  "audit": {</a:t>
+            </a:r>
+          </a:p>
+          <a:p>
+            <a:r>
+              <a:rPr lang="mr-IN" dirty="0"/>
+              <a:t>    "collector": "chef-visibility",</a:t>
+            </a:r>
+          </a:p>
+          <a:p>
+            <a:r>
+              <a:rPr lang="mr-IN" dirty="0"/>
+              <a:t>    "inspec_version": "1.15.0",</a:t>
+            </a:r>
+          </a:p>
+          <a:p>
+            <a:r>
+              <a:rPr lang="mr-IN" dirty="0"/>
+              <a:t>    "profiles": [</a:t>
+            </a:r>
+          </a:p>
+          <a:p>
+            <a:r>
+              <a:rPr lang="mr-IN" dirty="0"/>
+              <a:t>      {</a:t>
+            </a:r>
+          </a:p>
+          <a:p>
+            <a:r>
+              <a:rPr lang="mr-IN" dirty="0"/>
+              <a:t>        "name": "ssh",</a:t>
+            </a:r>
+          </a:p>
+          <a:p>
+            <a:r>
+              <a:rPr lang="mr-IN" dirty="0"/>
+              <a:t>        "path": "/home/chef/profiles/ssh"</a:t>
+            </a:r>
+          </a:p>
+          <a:p>
+            <a:r>
+              <a:rPr lang="mr-IN" dirty="0"/>
+              <a:t>      }</a:t>
+            </a:r>
+          </a:p>
+          <a:p>
+            <a:r>
+              <a:rPr lang="mr-IN" dirty="0"/>
+              <a:t>    ]</a:t>
+            </a:r>
+          </a:p>
+          <a:p>
+            <a:r>
+              <a:rPr lang="mr-IN" dirty="0"/>
+              <a:t>  </a:t>
+            </a:r>
+            <a:r>
+              <a:rPr lang="mr-IN" dirty="0" smtClean="0"/>
+              <a:t>}</a:t>
+            </a:r>
+            <a:endParaRPr lang="en-US" dirty="0" smtClean="0"/>
+          </a:p>
+          <a:p>
+            <a:r>
               <a:rPr lang="en-US" dirty="0"/>
-              <a:t>Profile: SSH Configuration (</a:t>
-            </a:r>
-            <a:r>
-              <a:rPr lang="en-US" dirty="0" err="1"/>
-              <a:t>ssh</a:t>
-            </a:r>
-            <a:r>
-              <a:rPr lang="en-US" dirty="0"/>
-              <a:t>)</a:t>
-            </a:r>
-          </a:p>
-          <a:p>
-            <a:r>
-              <a:rPr lang="en-US" dirty="0"/>
-              <a:t>Version: 0.1.0</a:t>
-            </a:r>
-          </a:p>
-          <a:p>
-            <a:r>
-              <a:rPr lang="en-US" dirty="0"/>
-              <a:t>Target:  local://</a:t>
-            </a:r>
-          </a:p>
-          <a:p>
-            <a:endParaRPr lang="en-US" dirty="0"/>
-          </a:p>
-          <a:p>
-            <a:r>
-              <a:rPr lang="en-US" dirty="0"/>
-              <a:t>  ×  sshd-1.0: SSH Version 2 (</a:t>
-            </a:r>
-          </a:p>
-          <a:p>
-            <a:r>
-              <a:rPr lang="en-US" dirty="0"/>
-              <a:t>     expected: 2</a:t>
-            </a:r>
-          </a:p>
-          <a:p>
-            <a:r>
-              <a:rPr lang="en-US" dirty="0"/>
-              <a:t>          got:</a:t>
-            </a:r>
-          </a:p>
-          <a:p>
-            <a:endParaRPr lang="en-US" dirty="0"/>
-          </a:p>
-          <a:p>
-            <a:r>
-              <a:rPr lang="en-US" dirty="0"/>
-              <a:t>     (compared using `</a:t>
-            </a:r>
-            <a:r>
-              <a:rPr lang="en-US" dirty="0" err="1"/>
-              <a:t>cmp</a:t>
-            </a:r>
-            <a:r>
-              <a:rPr lang="en-US" dirty="0"/>
-              <a:t>` matcher)</a:t>
-            </a:r>
-          </a:p>
-          <a:p>
-            <a:r>
-              <a:rPr lang="en-US" dirty="0"/>
-              <a:t>     )</a:t>
-            </a:r>
-          </a:p>
-          <a:p>
-            <a:r>
-              <a:rPr lang="en-US" dirty="0"/>
-              <a:t>     ×  SSH Configuration Protocol should </a:t>
-            </a:r>
-            <a:r>
-              <a:rPr lang="en-US" dirty="0" err="1"/>
-              <a:t>cmp</a:t>
-            </a:r>
-            <a:r>
-              <a:rPr lang="en-US" dirty="0"/>
-              <a:t> == 2</a:t>
-            </a:r>
-          </a:p>
-          <a:p>
-            <a:endParaRPr lang="en-US" dirty="0"/>
-          </a:p>
-          <a:p>
-            <a:r>
-              <a:rPr lang="en-US" dirty="0"/>
-              <a:t>     expected: 2</a:t>
-            </a:r>
-          </a:p>
-          <a:p>
-            <a:r>
-              <a:rPr lang="en-US" dirty="0"/>
-              <a:t>          got:</a:t>
-            </a:r>
-          </a:p>
-          <a:p>
-            <a:endParaRPr lang="en-US" dirty="0"/>
-          </a:p>
-          <a:p>
-            <a:r>
-              <a:rPr lang="en-US" dirty="0"/>
-              <a:t>     (compared using `</a:t>
-            </a:r>
-            <a:r>
-              <a:rPr lang="en-US" dirty="0" err="1"/>
-              <a:t>cmp</a:t>
-            </a:r>
-            <a:r>
-              <a:rPr lang="en-US" dirty="0"/>
-              <a:t>` matcher)</a:t>
-            </a:r>
-          </a:p>
-          <a:p>
-            <a:endParaRPr lang="en-US" dirty="0"/>
-          </a:p>
-          <a:p>
-            <a:endParaRPr lang="en-US" dirty="0"/>
-          </a:p>
-          <a:p>
-            <a:r>
-              <a:rPr lang="en-US" dirty="0"/>
-              <a:t>Profile Summary: 0 successful, 1 failures, 0 skipped</a:t>
-            </a:r>
-          </a:p>
-          <a:p>
-            <a:r>
-              <a:rPr lang="en-US" dirty="0"/>
-              <a:t>Test Summary: 0 successful, 1 failures, 0 skipped</a:t>
-            </a:r>
-          </a:p>
-          <a:p>
-            <a:endParaRPr lang="en-US" dirty="0"/>
+              <a:t>}</a:t>
+            </a:r>
+            <a:endParaRPr lang="mr-IN" dirty="0"/>
           </a:p>
         </p:txBody>
       </p:sp>
@@ -13966,16 +14035,12 @@
           <a:lstStyle/>
           <a:p>
             <a:r>
+              <a:rPr lang="en-US" dirty="0" smtClean="0"/>
+              <a:t>cat </a:t>
+            </a:r>
+            <a:r>
               <a:rPr lang="en-US" dirty="0" err="1" smtClean="0"/>
-              <a:t>inspec</a:t>
-            </a:r>
-            <a:r>
-              <a:rPr lang="en-US" dirty="0" smtClean="0"/>
-              <a:t> exec profiles/</a:t>
-            </a:r>
-            <a:r>
-              <a:rPr lang="en-US" dirty="0" err="1" smtClean="0"/>
-              <a:t>ssh</a:t>
+              <a:t>config.json</a:t>
             </a:r>
             <a:endParaRPr lang="en-US" dirty="0"/>
           </a:p>
@@ -13984,7 +14049,7 @@
     </p:spTree>
     <p:extLst>
       <p:ext uri="{BB962C8B-B14F-4D97-AF65-F5344CB8AC3E}">
-        <p14:creationId xmlns:p14="http://schemas.microsoft.com/office/powerpoint/2010/main" val="1095646581"/>
+        <p14:creationId xmlns:p14="http://schemas.microsoft.com/office/powerpoint/2010/main" val="2196191574"/>
       </p:ext>
     </p:extLst>
   </p:cSld>
@@ -14032,12 +14097,12 @@
       </p:grpSpPr>
       <p:sp>
         <p:nvSpPr>
-          <p:cNvPr id="7" name="Title 6"/>
-          <p:cNvSpPr>
-            <a:spLocks noGrp="1"/>
-          </p:cNvSpPr>
-          <p:nvPr>
-            <p:ph type="ctrTitle"/>
+          <p:cNvPr id="2" name="Title 1"/>
+          <p:cNvSpPr>
+            <a:spLocks noGrp="1"/>
+          </p:cNvSpPr>
+          <p:nvPr>
+            <p:ph type="title"/>
           </p:nvPr>
         </p:nvSpPr>
         <p:spPr/>
@@ -14047,7 +14112,7 @@
           <a:p>
             <a:r>
               <a:rPr lang="en-US" dirty="0" smtClean="0"/>
-              <a:t>Remediate the Failing Control</a:t>
+              <a:t>Local Profiles</a:t>
             </a:r>
             <a:endParaRPr lang="en-US" dirty="0"/>
           </a:p>
@@ -14055,12 +14120,12 @@
       </p:sp>
       <p:sp>
         <p:nvSpPr>
-          <p:cNvPr id="8" name="Subtitle 7"/>
-          <p:cNvSpPr>
-            <a:spLocks noGrp="1"/>
-          </p:cNvSpPr>
-          <p:nvPr>
-            <p:ph type="subTitle" idx="1"/>
+          <p:cNvPr id="3" name="Content Placeholder 2"/>
+          <p:cNvSpPr>
+            <a:spLocks noGrp="1"/>
+          </p:cNvSpPr>
+          <p:nvPr>
+            <p:ph sz="quarter" idx="11"/>
           </p:nvPr>
         </p:nvSpPr>
         <p:spPr/>
@@ -14068,14 +14133,102 @@
           <a:bodyPr/>
           <a:lstStyle/>
           <a:p>
-            <a:endParaRPr lang="en-US"/>
+            <a:r>
+              <a:rPr lang="en-US" dirty="0"/>
+              <a:t>profiles/</a:t>
+            </a:r>
+          </a:p>
+          <a:p>
+            <a:r>
+              <a:rPr lang="en-US" dirty="0"/>
+              <a:t>└── </a:t>
+            </a:r>
+            <a:r>
+              <a:rPr lang="en-US" dirty="0" err="1"/>
+              <a:t>ssh</a:t>
+            </a:r>
+            <a:endParaRPr lang="en-US" dirty="0"/>
+          </a:p>
+          <a:p>
+            <a:r>
+              <a:rPr lang="en-US" dirty="0"/>
+              <a:t>    ├── controls</a:t>
+            </a:r>
+          </a:p>
+          <a:p>
+            <a:r>
+              <a:rPr lang="en-US" dirty="0"/>
+              <a:t>    │   └── </a:t>
+            </a:r>
+            <a:r>
+              <a:rPr lang="en-US" dirty="0" err="1"/>
+              <a:t>ssh.rb</a:t>
+            </a:r>
+            <a:endParaRPr lang="en-US" dirty="0"/>
+          </a:p>
+          <a:p>
+            <a:r>
+              <a:rPr lang="en-US" dirty="0"/>
+              <a:t>    ├── </a:t>
+            </a:r>
+            <a:r>
+              <a:rPr lang="en-US" dirty="0" err="1"/>
+              <a:t>inspec.lock</a:t>
+            </a:r>
+            <a:endParaRPr lang="en-US" dirty="0"/>
+          </a:p>
+          <a:p>
+            <a:r>
+              <a:rPr lang="en-US" dirty="0"/>
+              <a:t>    └── </a:t>
+            </a:r>
+            <a:r>
+              <a:rPr lang="en-US" dirty="0" err="1"/>
+              <a:t>inspec.yml</a:t>
+            </a:r>
+            <a:endParaRPr lang="en-US" dirty="0"/>
+          </a:p>
+          <a:p>
+            <a:endParaRPr lang="en-US" dirty="0"/>
+          </a:p>
+          <a:p>
+            <a:r>
+              <a:rPr lang="en-US" dirty="0"/>
+              <a:t>2 directories, 3 files</a:t>
+            </a:r>
+          </a:p>
+          <a:p>
+            <a:endParaRPr lang="en-US" dirty="0"/>
+          </a:p>
+        </p:txBody>
+      </p:sp>
+      <p:sp>
+        <p:nvSpPr>
+          <p:cNvPr id="4" name="Text Placeholder 3"/>
+          <p:cNvSpPr>
+            <a:spLocks noGrp="1"/>
+          </p:cNvSpPr>
+          <p:nvPr>
+            <p:ph type="body" sz="quarter" idx="12"/>
+          </p:nvPr>
+        </p:nvSpPr>
+        <p:spPr/>
+        <p:txBody>
+          <a:bodyPr/>
+          <a:lstStyle/>
+          <a:p>
+            <a:r>
+              <a:rPr lang="en-US" dirty="0" smtClean="0"/>
+              <a:t>tree profiles</a:t>
+            </a:r>
+            <a:endParaRPr lang="en-US" dirty="0"/>
           </a:p>
         </p:txBody>
       </p:sp>
     </p:spTree>
     <p:extLst>
       <p:ext uri="{BB962C8B-B14F-4D97-AF65-F5344CB8AC3E}">
-        <p14:creationId xmlns:p14="http://schemas.microsoft.com/office/powerpoint/2010/main" val="3306305221"/>
+        <p14:creationId xmlns:p14="http://schemas.microsoft.com/office/powerpoint/2010/main" val="3439726425"/>
       </p:ext>
     </p:extLst>
   </p:cSld>
@@ -14123,7 +14276,7 @@
       </p:grpSpPr>
       <p:sp>
         <p:nvSpPr>
-          <p:cNvPr id="4" name="Title 3"/>
+          <p:cNvPr id="2" name="Title 1"/>
           <p:cNvSpPr>
             <a:spLocks noGrp="1"/>
           </p:cNvSpPr>
@@ -14138,44 +14291,197 @@
           <a:p>
             <a:r>
               <a:rPr lang="en-US" dirty="0" smtClean="0"/>
-              <a:t>Fix your </a:t>
+              <a:t>Run Locally with </a:t>
+            </a:r>
+            <a:r>
+              <a:rPr lang="en-US" dirty="0" err="1" smtClean="0"/>
+              <a:t>InSpec</a:t>
+            </a:r>
+            <a:endParaRPr lang="en-US" dirty="0"/>
+          </a:p>
+        </p:txBody>
+      </p:sp>
+      <p:sp>
+        <p:nvSpPr>
+          <p:cNvPr id="3" name="Content Placeholder 2"/>
+          <p:cNvSpPr>
+            <a:spLocks noGrp="1"/>
+          </p:cNvSpPr>
+          <p:nvPr>
+            <p:ph sz="quarter" idx="11"/>
+          </p:nvPr>
+        </p:nvSpPr>
+        <p:spPr/>
+        <p:txBody>
+          <a:bodyPr>
+            <a:normAutofit fontScale="47500" lnSpcReduction="20000"/>
+          </a:bodyPr>
+          <a:lstStyle/>
+          <a:p>
+            <a:r>
+              <a:rPr lang="en-US" dirty="0"/>
+              <a:t>Profile: SSH Configuration (</a:t>
+            </a:r>
+            <a:r>
+              <a:rPr lang="en-US" dirty="0" err="1"/>
+              <a:t>ssh</a:t>
+            </a:r>
+            <a:r>
+              <a:rPr lang="en-US" dirty="0"/>
+              <a:t>)</a:t>
+            </a:r>
+          </a:p>
+          <a:p>
+            <a:r>
+              <a:rPr lang="en-US" dirty="0"/>
+              <a:t>Version: 0.1.0</a:t>
+            </a:r>
+          </a:p>
+          <a:p>
+            <a:r>
+              <a:rPr lang="en-US" dirty="0"/>
+              <a:t>Target:  local://</a:t>
+            </a:r>
+          </a:p>
+          <a:p>
+            <a:endParaRPr lang="en-US" dirty="0"/>
+          </a:p>
+          <a:p>
+            <a:r>
+              <a:rPr lang="en-US" dirty="0"/>
+              <a:t>  ×  sshd-1.0: SSH Version 2 (</a:t>
+            </a:r>
+          </a:p>
+          <a:p>
+            <a:r>
+              <a:rPr lang="en-US" dirty="0"/>
+              <a:t>     expected: 2</a:t>
+            </a:r>
+          </a:p>
+          <a:p>
+            <a:r>
+              <a:rPr lang="en-US" dirty="0"/>
+              <a:t>          got:</a:t>
+            </a:r>
+          </a:p>
+          <a:p>
+            <a:endParaRPr lang="en-US" dirty="0"/>
+          </a:p>
+          <a:p>
+            <a:r>
+              <a:rPr lang="en-US" dirty="0"/>
+              <a:t>     (compared using `</a:t>
+            </a:r>
+            <a:r>
+              <a:rPr lang="en-US" dirty="0" err="1"/>
+              <a:t>cmp</a:t>
+            </a:r>
+            <a:r>
+              <a:rPr lang="en-US" dirty="0"/>
+              <a:t>` matcher)</a:t>
+            </a:r>
+          </a:p>
+          <a:p>
+            <a:r>
+              <a:rPr lang="en-US" dirty="0"/>
+              <a:t>     )</a:t>
+            </a:r>
+          </a:p>
+          <a:p>
+            <a:r>
+              <a:rPr lang="en-US" dirty="0"/>
+              <a:t>     ×  SSH Configuration Protocol should </a:t>
+            </a:r>
+            <a:r>
+              <a:rPr lang="en-US" dirty="0" err="1"/>
+              <a:t>cmp</a:t>
+            </a:r>
+            <a:r>
+              <a:rPr lang="en-US" dirty="0"/>
+              <a:t> == 2</a:t>
+            </a:r>
+          </a:p>
+          <a:p>
+            <a:endParaRPr lang="en-US" dirty="0"/>
+          </a:p>
+          <a:p>
+            <a:r>
+              <a:rPr lang="en-US" dirty="0"/>
+              <a:t>     expected: 2</a:t>
+            </a:r>
+          </a:p>
+          <a:p>
+            <a:r>
+              <a:rPr lang="en-US" dirty="0"/>
+              <a:t>          got:</a:t>
+            </a:r>
+          </a:p>
+          <a:p>
+            <a:endParaRPr lang="en-US" dirty="0"/>
+          </a:p>
+          <a:p>
+            <a:r>
+              <a:rPr lang="en-US" dirty="0"/>
+              <a:t>     (compared using `</a:t>
+            </a:r>
+            <a:r>
+              <a:rPr lang="en-US" dirty="0" err="1"/>
+              <a:t>cmp</a:t>
+            </a:r>
+            <a:r>
+              <a:rPr lang="en-US" dirty="0"/>
+              <a:t>` matcher)</a:t>
+            </a:r>
+          </a:p>
+          <a:p>
+            <a:endParaRPr lang="en-US" dirty="0"/>
+          </a:p>
+          <a:p>
+            <a:endParaRPr lang="en-US" dirty="0"/>
+          </a:p>
+          <a:p>
+            <a:r>
+              <a:rPr lang="en-US" dirty="0"/>
+              <a:t>Profile Summary: 0 successful, 1 failures, 0 skipped</a:t>
+            </a:r>
+          </a:p>
+          <a:p>
+            <a:r>
+              <a:rPr lang="en-US" dirty="0"/>
+              <a:t>Test Summary: 0 successful, 1 failures, 0 skipped</a:t>
+            </a:r>
+          </a:p>
+          <a:p>
+            <a:endParaRPr lang="en-US" dirty="0"/>
+          </a:p>
+        </p:txBody>
+      </p:sp>
+      <p:sp>
+        <p:nvSpPr>
+          <p:cNvPr id="4" name="Text Placeholder 3"/>
+          <p:cNvSpPr>
+            <a:spLocks noGrp="1"/>
+          </p:cNvSpPr>
+          <p:nvPr>
+            <p:ph type="body" sz="quarter" idx="12"/>
+          </p:nvPr>
+        </p:nvSpPr>
+        <p:spPr/>
+        <p:txBody>
+          <a:bodyPr/>
+          <a:lstStyle/>
+          <a:p>
+            <a:r>
+              <a:rPr lang="en-US" dirty="0" err="1" smtClean="0"/>
+              <a:t>inspec</a:t>
+            </a:r>
+            <a:r>
+              <a:rPr lang="en-US" dirty="0" smtClean="0"/>
+              <a:t> exec profiles/</a:t>
             </a:r>
             <a:r>
               <a:rPr lang="en-US" dirty="0" err="1" smtClean="0"/>
               <a:t>ssh</a:t>
-            </a:r>
-            <a:r>
-              <a:rPr lang="en-US" dirty="0" smtClean="0"/>
-              <a:t> configuration on your own</a:t>
-            </a:r>
-            <a:endParaRPr lang="en-US" dirty="0"/>
-          </a:p>
-        </p:txBody>
-      </p:sp>
-      <p:sp>
-        <p:nvSpPr>
-          <p:cNvPr id="5" name="Text Placeholder 4"/>
-          <p:cNvSpPr>
-            <a:spLocks noGrp="1"/>
-          </p:cNvSpPr>
-          <p:nvPr>
-            <p:ph type="body" sz="quarter" idx="10"/>
-          </p:nvPr>
-        </p:nvSpPr>
-        <p:spPr/>
-        <p:txBody>
-          <a:bodyPr/>
-          <a:lstStyle/>
-          <a:p>
-            <a:r>
-              <a:rPr lang="en-US" dirty="0" smtClean="0"/>
-              <a:t>Write a cookbook to manage SSH</a:t>
-            </a:r>
-          </a:p>
-          <a:p>
-            <a:r>
-              <a:rPr lang="en-US" dirty="0" smtClean="0"/>
-              <a:t>Manually update the SSH configuration</a:t>
             </a:r>
             <a:endParaRPr lang="en-US" dirty="0"/>
           </a:p>
@@ -14184,7 +14490,7 @@
     </p:spTree>
     <p:extLst>
       <p:ext uri="{BB962C8B-B14F-4D97-AF65-F5344CB8AC3E}">
-        <p14:creationId xmlns:p14="http://schemas.microsoft.com/office/powerpoint/2010/main" val="3928293892"/>
+        <p14:creationId xmlns:p14="http://schemas.microsoft.com/office/powerpoint/2010/main" val="3800151283"/>
       </p:ext>
     </p:extLst>
   </p:cSld>
@@ -14232,7 +14538,7 @@
       </p:grpSpPr>
       <p:sp>
         <p:nvSpPr>
-          <p:cNvPr id="2" name="Title 1"/>
+          <p:cNvPr id="5" name="Title 4"/>
           <p:cNvSpPr>
             <a:spLocks noGrp="1"/>
           </p:cNvSpPr>
@@ -14247,7 +14553,7 @@
           <a:p>
             <a:r>
               <a:rPr lang="en-US" dirty="0" smtClean="0"/>
-              <a:t>Remediate with Chef</a:t>
+              <a:t>Next Steps</a:t>
             </a:r>
             <a:endParaRPr lang="en-US" dirty="0"/>
           </a:p>
@@ -14255,185 +14561,43 @@
       </p:sp>
       <p:sp>
         <p:nvSpPr>
-          <p:cNvPr id="3" name="Content Placeholder 2"/>
-          <p:cNvSpPr>
-            <a:spLocks noGrp="1"/>
-          </p:cNvSpPr>
-          <p:nvPr>
-            <p:ph sz="quarter" idx="11"/>
+          <p:cNvPr id="6" name="Text Placeholder 5"/>
+          <p:cNvSpPr>
+            <a:spLocks noGrp="1"/>
+          </p:cNvSpPr>
+          <p:nvPr>
+            <p:ph type="body" sz="quarter" idx="10"/>
           </p:nvPr>
         </p:nvSpPr>
         <p:spPr/>
         <p:txBody>
-          <a:bodyPr>
-            <a:normAutofit fontScale="62500" lnSpcReduction="20000"/>
-          </a:bodyPr>
+          <a:bodyPr/>
           <a:lstStyle/>
           <a:p>
             <a:r>
-              <a:rPr lang="en-US" dirty="0"/>
-              <a:t>[2017-03-10T16:48:02+00:00] INFO: Forking chef instance to converge...</a:t>
-            </a:r>
-          </a:p>
-          <a:p>
-            <a:r>
-              <a:rPr lang="en-US" dirty="0"/>
-              <a:t>Starting Chef Client, version 12.18.31</a:t>
-            </a:r>
-          </a:p>
-          <a:p>
-            <a:r>
-              <a:rPr lang="en-US" dirty="0"/>
-              <a:t>...</a:t>
-            </a:r>
-          </a:p>
-          <a:p>
-            <a:r>
-              <a:rPr lang="en-US" dirty="0"/>
-              <a:t>Synchronizing Cookbooks:</a:t>
-            </a:r>
-          </a:p>
-          <a:p>
-            <a:r>
-              <a:rPr lang="en-US" dirty="0"/>
-              <a:t>  - </a:t>
-            </a:r>
-            <a:r>
-              <a:rPr lang="en-US" dirty="0" err="1"/>
-              <a:t>ssh</a:t>
-            </a:r>
-            <a:r>
-              <a:rPr lang="en-US" dirty="0"/>
-              <a:t> (0.1.0)</a:t>
-            </a:r>
-          </a:p>
-          <a:p>
-            <a:r>
-              <a:rPr lang="en-US" dirty="0"/>
-              <a:t>  - audit (2.4.0)</a:t>
-            </a:r>
-          </a:p>
-          <a:p>
-            <a:r>
-              <a:rPr lang="en-US" dirty="0"/>
-              <a:t>  - </a:t>
-            </a:r>
-            <a:r>
-              <a:rPr lang="en-US" dirty="0" err="1"/>
-              <a:t>compat_resource</a:t>
-            </a:r>
-            <a:r>
-              <a:rPr lang="en-US" dirty="0"/>
-              <a:t> (12.16.3)</a:t>
-            </a:r>
-          </a:p>
-          <a:p>
-            <a:r>
-              <a:rPr lang="en-US" dirty="0"/>
-              <a:t>...</a:t>
-            </a:r>
-          </a:p>
-          <a:p>
-            <a:r>
-              <a:rPr lang="en-US" dirty="0"/>
-              <a:t>    -#Protocol 2</a:t>
-            </a:r>
-          </a:p>
-          <a:p>
-            <a:r>
-              <a:rPr lang="en-US" dirty="0"/>
-              <a:t>    +Protocol 2</a:t>
-            </a:r>
-          </a:p>
-          <a:p>
-            <a:r>
-              <a:rPr lang="en-US" dirty="0"/>
-              <a:t>...</a:t>
-            </a:r>
-          </a:p>
-          <a:p>
-            <a:r>
-              <a:rPr lang="en-US" dirty="0"/>
-              <a:t>[2017-03-10T16:48:05+00:00] INFO: Chef Run complete in 1.248588588 seconds</a:t>
-            </a:r>
-          </a:p>
-          <a:p>
+              <a:rPr lang="en-US" dirty="0" smtClean="0"/>
+              <a:t>Remediate the failing control</a:t>
+            </a:r>
+          </a:p>
+          <a:p>
+            <a:r>
+              <a:rPr lang="en-US" dirty="0" smtClean="0"/>
+              <a:t>Run the audit cookbook to verify the remediation</a:t>
+            </a:r>
+          </a:p>
+          <a:p>
+            <a:r>
+              <a:rPr lang="en-US" dirty="0" smtClean="0"/>
+              <a:t>View the compliant node in Automate</a:t>
+            </a:r>
             <a:endParaRPr lang="en-US" dirty="0"/>
-          </a:p>
-          <a:p>
-            <a:r>
-              <a:rPr lang="en-US" dirty="0"/>
-              <a:t>Running handlers:</a:t>
-            </a:r>
-          </a:p>
-          <a:p>
-            <a:r>
-              <a:rPr lang="en-US" dirty="0"/>
-              <a:t>...</a:t>
-            </a:r>
-          </a:p>
-          <a:p>
-            <a:r>
-              <a:rPr lang="en-US" dirty="0"/>
-              <a:t>[2017-03-10T16:48:05+00:00] INFO: Report handlers complete</a:t>
-            </a:r>
-          </a:p>
-          <a:p>
-            <a:r>
-              <a:rPr lang="en-US" dirty="0"/>
-              <a:t>Chef Client finished, 1/3 resources updated in 03 seconds</a:t>
-            </a:r>
-          </a:p>
-        </p:txBody>
-      </p:sp>
-      <p:sp>
-        <p:nvSpPr>
-          <p:cNvPr id="4" name="Text Placeholder 3"/>
-          <p:cNvSpPr>
-            <a:spLocks noGrp="1"/>
-          </p:cNvSpPr>
-          <p:nvPr>
-            <p:ph type="body" sz="quarter" idx="12"/>
-          </p:nvPr>
-        </p:nvSpPr>
-        <p:spPr/>
-        <p:txBody>
-          <a:bodyPr>
-            <a:normAutofit fontScale="77500" lnSpcReduction="20000"/>
-          </a:bodyPr>
-          <a:lstStyle/>
-          <a:p>
-            <a:r>
-              <a:rPr lang="en-US" dirty="0" err="1"/>
-              <a:t>sudo</a:t>
-            </a:r>
-            <a:r>
-              <a:rPr lang="en-US" dirty="0"/>
-              <a:t> chef-client --local-mode -j </a:t>
-            </a:r>
-            <a:r>
-              <a:rPr lang="en-US" dirty="0" err="1"/>
-              <a:t>config.json</a:t>
-            </a:r>
-            <a:r>
-              <a:rPr lang="en-US" dirty="0"/>
-              <a:t> -r "recipe[</a:t>
-            </a:r>
-            <a:r>
-              <a:rPr lang="en-US" dirty="0" err="1"/>
-              <a:t>ssh</a:t>
-            </a:r>
-            <a:r>
-              <a:rPr lang="en-US" dirty="0"/>
-              <a:t>::server],recipe[audit::default]"</a:t>
-            </a:r>
           </a:p>
         </p:txBody>
       </p:sp>
     </p:spTree>
     <p:extLst>
       <p:ext uri="{BB962C8B-B14F-4D97-AF65-F5344CB8AC3E}">
-        <p14:creationId xmlns:p14="http://schemas.microsoft.com/office/powerpoint/2010/main" val="1907999452"/>
+        <p14:creationId xmlns:p14="http://schemas.microsoft.com/office/powerpoint/2010/main" val="1359712711"/>
       </p:ext>
     </p:extLst>
   </p:cSld>
@@ -14452,13 +14616,6 @@
       </p:transition>
     </mc:Fallback>
   </mc:AlternateContent>
-  <p:timing>
-    <p:tnLst>
-      <p:par>
-        <p:cTn xmlns:p14="http://schemas.microsoft.com/office/powerpoint/2010/main" id="1" dur="indefinite" restart="never" nodeType="tmRoot"/>
-      </p:par>
-    </p:tnLst>
-  </p:timing>
 </p:sld>
 </file>
 
@@ -14479,39 +14636,14 @@
           <a:chExt cx="0" cy="0"/>
         </a:xfrm>
       </p:grpSpPr>
-      <p:pic>
-        <p:nvPicPr>
-          <p:cNvPr id="4" name="Media Placeholder 3" descr="Chef_Automate.png"/>
-          <p:cNvPicPr>
-            <a:picLocks noGrp="1" noChangeAspect="1"/>
-          </p:cNvPicPr>
-          <p:nvPr>
-            <p:ph type="media" sz="quarter" idx="12"/>
-          </p:nvPr>
-        </p:nvPicPr>
-        <p:blipFill>
-          <a:blip r:embed="rId2">
-            <a:extLst>
-              <a:ext uri="{28A0092B-C50C-407E-A947-70E740481C1C}">
-                <a14:useLocalDpi xmlns:a14="http://schemas.microsoft.com/office/drawing/2010/main" val="0"/>
-              </a:ext>
-            </a:extLst>
-          </a:blip>
-          <a:srcRect t="12289" b="12289"/>
-          <a:stretch>
-            <a:fillRect/>
-          </a:stretch>
-        </p:blipFill>
-        <p:spPr/>
-      </p:pic>
-      <p:sp>
-        <p:nvSpPr>
-          <p:cNvPr id="3" name="Title 2"/>
-          <p:cNvSpPr>
-            <a:spLocks noGrp="1"/>
-          </p:cNvSpPr>
-          <p:nvPr>
-            <p:ph type="title"/>
+      <p:sp>
+        <p:nvSpPr>
+          <p:cNvPr id="7" name="Title 6"/>
+          <p:cNvSpPr>
+            <a:spLocks noGrp="1"/>
+          </p:cNvSpPr>
+          <p:nvPr>
+            <p:ph type="ctrTitle"/>
           </p:nvPr>
         </p:nvSpPr>
         <p:spPr/>
@@ -14521,16 +14653,35 @@
           <a:p>
             <a:r>
               <a:rPr lang="en-US" dirty="0" smtClean="0"/>
-              <a:t>Verify Converge Status in Automate</a:t>
+              <a:t>Remediate the Failing Control</a:t>
             </a:r>
             <a:endParaRPr lang="en-US" dirty="0"/>
+          </a:p>
+        </p:txBody>
+      </p:sp>
+      <p:sp>
+        <p:nvSpPr>
+          <p:cNvPr id="8" name="Subtitle 7"/>
+          <p:cNvSpPr>
+            <a:spLocks noGrp="1"/>
+          </p:cNvSpPr>
+          <p:nvPr>
+            <p:ph type="subTitle" idx="1"/>
+          </p:nvPr>
+        </p:nvSpPr>
+        <p:spPr/>
+        <p:txBody>
+          <a:bodyPr/>
+          <a:lstStyle/>
+          <a:p>
+            <a:endParaRPr lang="en-US"/>
           </a:p>
         </p:txBody>
       </p:sp>
     </p:spTree>
     <p:extLst>
       <p:ext uri="{BB962C8B-B14F-4D97-AF65-F5344CB8AC3E}">
-        <p14:creationId xmlns:p14="http://schemas.microsoft.com/office/powerpoint/2010/main" val="3167196052"/>
+        <p14:creationId xmlns:p14="http://schemas.microsoft.com/office/powerpoint/2010/main" val="3306305221"/>
       </p:ext>
     </p:extLst>
   </p:cSld>
@@ -14576,6 +14727,115 @@
           <a:chExt cx="0" cy="0"/>
         </a:xfrm>
       </p:grpSpPr>
+      <p:sp>
+        <p:nvSpPr>
+          <p:cNvPr id="4" name="Title 3"/>
+          <p:cNvSpPr>
+            <a:spLocks noGrp="1"/>
+          </p:cNvSpPr>
+          <p:nvPr>
+            <p:ph type="title"/>
+          </p:nvPr>
+        </p:nvSpPr>
+        <p:spPr/>
+        <p:txBody>
+          <a:bodyPr/>
+          <a:lstStyle/>
+          <a:p>
+            <a:r>
+              <a:rPr lang="en-US" dirty="0" smtClean="0"/>
+              <a:t>Fix your </a:t>
+            </a:r>
+            <a:r>
+              <a:rPr lang="en-US" dirty="0" err="1" smtClean="0"/>
+              <a:t>ssh</a:t>
+            </a:r>
+            <a:r>
+              <a:rPr lang="en-US" dirty="0" smtClean="0"/>
+              <a:t> configuration on your own</a:t>
+            </a:r>
+            <a:endParaRPr lang="en-US" dirty="0"/>
+          </a:p>
+        </p:txBody>
+      </p:sp>
+      <p:sp>
+        <p:nvSpPr>
+          <p:cNvPr id="5" name="Text Placeholder 4"/>
+          <p:cNvSpPr>
+            <a:spLocks noGrp="1"/>
+          </p:cNvSpPr>
+          <p:nvPr>
+            <p:ph type="body" sz="quarter" idx="10"/>
+          </p:nvPr>
+        </p:nvSpPr>
+        <p:spPr/>
+        <p:txBody>
+          <a:bodyPr/>
+          <a:lstStyle/>
+          <a:p>
+            <a:r>
+              <a:rPr lang="en-US" dirty="0" smtClean="0"/>
+              <a:t>Write a cookbook to manage SSH</a:t>
+            </a:r>
+          </a:p>
+          <a:p>
+            <a:r>
+              <a:rPr lang="en-US" dirty="0" smtClean="0"/>
+              <a:t>Manually update the SSH configuration</a:t>
+            </a:r>
+            <a:endParaRPr lang="en-US" dirty="0"/>
+          </a:p>
+        </p:txBody>
+      </p:sp>
+    </p:spTree>
+    <p:extLst>
+      <p:ext uri="{BB962C8B-B14F-4D97-AF65-F5344CB8AC3E}">
+        <p14:creationId xmlns:p14="http://schemas.microsoft.com/office/powerpoint/2010/main" val="3928293892"/>
+      </p:ext>
+    </p:extLst>
+  </p:cSld>
+  <p:clrMapOvr>
+    <a:masterClrMapping/>
+  </p:clrMapOvr>
+  <mc:AlternateContent xmlns:mc="http://schemas.openxmlformats.org/markup-compatibility/2006" xmlns:p14="http://schemas.microsoft.com/office/powerpoint/2010/main">
+    <mc:Choice Requires="p14">
+      <p:transition spd="med" p14:dur="700">
+        <p:fade/>
+      </p:transition>
+    </mc:Choice>
+    <mc:Fallback xmlns="">
+      <p:transition spd="med">
+        <p:fade/>
+      </p:transition>
+    </mc:Fallback>
+  </mc:AlternateContent>
+  <p:timing>
+    <p:tnLst>
+      <p:par>
+        <p:cTn xmlns:p14="http://schemas.microsoft.com/office/powerpoint/2010/main" id="1" dur="indefinite" restart="never" nodeType="tmRoot"/>
+      </p:par>
+    </p:tnLst>
+  </p:timing>
+</p:sld>
+</file>
+
+<file path=ppt/slides/slide36.xml><?xml version="1.0" encoding="utf-8"?>
+<p:sld xmlns:a="http://schemas.openxmlformats.org/drawingml/2006/main" xmlns:r="http://schemas.openxmlformats.org/officeDocument/2006/relationships" xmlns:p="http://schemas.openxmlformats.org/presentationml/2006/main">
+  <p:cSld>
+    <p:spTree>
+      <p:nvGrpSpPr>
+        <p:cNvPr id="1" name=""/>
+        <p:cNvGrpSpPr/>
+        <p:nvPr/>
+      </p:nvGrpSpPr>
+      <p:grpSpPr>
+        <a:xfrm>
+          <a:off x="0" y="0"/>
+          <a:ext cx="0" cy="0"/>
+          <a:chOff x="0" y="0"/>
+          <a:chExt cx="0" cy="0"/>
+        </a:xfrm>
+      </p:grpSpPr>
       <p:pic>
         <p:nvPicPr>
           <p:cNvPr id="4" name="Media Placeholder 3" descr="Chef_Automate.png"/>
@@ -14663,7 +14923,7 @@
 </p:sld>
 </file>
 
-<file path=ppt/slides/slide36.xml><?xml version="1.0" encoding="utf-8"?>
+<file path=ppt/slides/slide37.xml><?xml version="1.0" encoding="utf-8"?>
 <p:sld xmlns:a="http://schemas.openxmlformats.org/drawingml/2006/main" xmlns:r="http://schemas.openxmlformats.org/officeDocument/2006/relationships" xmlns:p="http://schemas.openxmlformats.org/presentationml/2006/main">
   <p:cSld>
     <p:spTree>
@@ -14833,7 +15093,7 @@
     </p:spTree>
     <p:extLst>
       <p:ext uri="{BB962C8B-B14F-4D97-AF65-F5344CB8AC3E}">
-        <p14:creationId xmlns:p14="http://schemas.microsoft.com/office/powerpoint/2010/main" val="1952127092"/>
+        <p14:creationId xmlns:p14="http://schemas.microsoft.com/office/powerpoint/2010/main" val="2959660707"/>
       </p:ext>
     </p:extLst>
   </p:cSld>
@@ -14928,7 +15188,7 @@
     </p:spTree>
     <p:extLst>
       <p:ext uri="{BB962C8B-B14F-4D97-AF65-F5344CB8AC3E}">
-        <p14:creationId xmlns:p14="http://schemas.microsoft.com/office/powerpoint/2010/main" val="2505568072"/>
+        <p14:creationId xmlns:p14="http://schemas.microsoft.com/office/powerpoint/2010/main" val="2180496438"/>
       </p:ext>
     </p:extLst>
   </p:cSld>
@@ -15023,7 +15283,7 @@
     </p:spTree>
     <p:extLst>
       <p:ext uri="{BB962C8B-B14F-4D97-AF65-F5344CB8AC3E}">
-        <p14:creationId xmlns:p14="http://schemas.microsoft.com/office/powerpoint/2010/main" val="3644432447"/>
+        <p14:creationId xmlns:p14="http://schemas.microsoft.com/office/powerpoint/2010/main" val="1476872731"/>
       </p:ext>
     </p:extLst>
   </p:cSld>
@@ -15120,7 +15380,7 @@
     </p:spTree>
     <p:extLst>
       <p:ext uri="{BB962C8B-B14F-4D97-AF65-F5344CB8AC3E}">
-        <p14:creationId xmlns:p14="http://schemas.microsoft.com/office/powerpoint/2010/main" val="1828298600"/>
+        <p14:creationId xmlns:p14="http://schemas.microsoft.com/office/powerpoint/2010/main" val="153246573"/>
       </p:ext>
     </p:extLst>
   </p:cSld>
@@ -15217,7 +15477,7 @@
     </p:spTree>
     <p:extLst>
       <p:ext uri="{BB962C8B-B14F-4D97-AF65-F5344CB8AC3E}">
-        <p14:creationId xmlns:p14="http://schemas.microsoft.com/office/powerpoint/2010/main" val="3491426250"/>
+        <p14:creationId xmlns:p14="http://schemas.microsoft.com/office/powerpoint/2010/main" val="533350369"/>
       </p:ext>
     </p:extLst>
   </p:cSld>
@@ -15312,7 +15572,7 @@
     </p:spTree>
     <p:extLst>
       <p:ext uri="{BB962C8B-B14F-4D97-AF65-F5344CB8AC3E}">
-        <p14:creationId xmlns:p14="http://schemas.microsoft.com/office/powerpoint/2010/main" val="275707945"/>
+        <p14:creationId xmlns:p14="http://schemas.microsoft.com/office/powerpoint/2010/main" val="3634584253"/>
       </p:ext>
     </p:extLst>
   </p:cSld>
@@ -15731,7 +15991,7 @@
   <a:extraClrSchemeLst/>
   <a:extLst>
     <a:ext uri="{05A4C25C-085E-4340-85A3-A5531E510DB2}">
-      <thm15:themeFamily xmlns="" xmlns:thm15="http://schemas.microsoft.com/office/thememl/2012/main" name="Chef-Template-16x9-Blue.potx" id="{AEDCA41E-F161-4EBB-B511-A8687687A8DC}" vid="{64ECDA82-38C2-4FAD-B0A3-D276970F43D1}"/>
+      <thm15:themeFamily xmlns:thm15="http://schemas.microsoft.com/office/thememl/2012/main" xmlns="" name="Chef-Template-16x9-Blue.potx" id="{AEDCA41E-F161-4EBB-B511-A8687687A8DC}" vid="{64ECDA82-38C2-4FAD-B0A3-D276970F43D1}"/>
     </a:ext>
   </a:extLst>
 </a:theme>
@@ -16127,7 +16387,7 @@
   <a:extraClrSchemeLst/>
   <a:extLst>
     <a:ext uri="{05A4C25C-085E-4340-85A3-A5531E510DB2}">
-      <thm15:themeFamily xmlns="" xmlns:thm15="http://schemas.microsoft.com/office/thememl/2012/main" name="Chef-Template-16x9-Blue.potx" id="{AEDCA41E-F161-4EBB-B511-A8687687A8DC}" vid="{64ECDA82-38C2-4FAD-B0A3-D276970F43D1}"/>
+      <thm15:themeFamily xmlns:thm15="http://schemas.microsoft.com/office/thememl/2012/main" xmlns="" name="Chef-Template-16x9-Blue.potx" id="{AEDCA41E-F161-4EBB-B511-A8687687A8DC}" vid="{64ECDA82-38C2-4FAD-B0A3-D276970F43D1}"/>
     </a:ext>
   </a:extLst>
 </a:theme>
@@ -16523,7 +16783,7 @@
   <a:extraClrSchemeLst/>
   <a:extLst>
     <a:ext uri="{05A4C25C-085E-4340-85A3-A5531E510DB2}">
-      <thm15:themeFamily xmlns="" xmlns:thm15="http://schemas.microsoft.com/office/thememl/2012/main" name="Chef-Template-16x9-Blue.potx" id="{AEDCA41E-F161-4EBB-B511-A8687687A8DC}" vid="{64ECDA82-38C2-4FAD-B0A3-D276970F43D1}"/>
+      <thm15:themeFamily xmlns:thm15="http://schemas.microsoft.com/office/thememl/2012/main" xmlns="" name="Chef-Template-16x9-Blue.potx" id="{AEDCA41E-F161-4EBB-B511-A8687687A8DC}" vid="{64ECDA82-38C2-4FAD-B0A3-D276970F43D1}"/>
     </a:ext>
   </a:extLst>
 </a:theme>
